--- a/卒研発表_佐久間.pptx
+++ b/卒研発表_佐久間.pptx
@@ -12,10 +12,11 @@
     <p:sldId id="272" r:id="rId6"/>
     <p:sldId id="261" r:id="rId7"/>
     <p:sldId id="265" r:id="rId8"/>
-    <p:sldId id="270" r:id="rId9"/>
-    <p:sldId id="269" r:id="rId10"/>
-    <p:sldId id="260" r:id="rId11"/>
-    <p:sldId id="264" r:id="rId12"/>
+    <p:sldId id="273" r:id="rId9"/>
+    <p:sldId id="270" r:id="rId10"/>
+    <p:sldId id="269" r:id="rId11"/>
+    <p:sldId id="260" r:id="rId12"/>
+    <p:sldId id="264" r:id="rId13"/>
   </p:sldIdLst>
   <p:sldSz cx="12192000" cy="6858000"/>
   <p:notesSz cx="6858000" cy="9144000"/>
@@ -3947,6 +3948,2153 @@
           <a:chExt cx="0" cy="0"/>
         </a:xfrm>
       </p:grpSpPr>
+      <p:sp>
+        <p:nvSpPr>
+          <p:cNvPr id="3" name="コンテンツ プレースホルダー 2">
+            <a:extLst>
+              <a:ext uri="{FF2B5EF4-FFF2-40B4-BE49-F238E27FC236}">
+                <a16:creationId xmlns:a16="http://schemas.microsoft.com/office/drawing/2014/main" id="{C165355F-54B0-848A-06C6-C4B4082FDA7A}"/>
+              </a:ext>
+            </a:extLst>
+          </p:cNvPr>
+          <p:cNvSpPr>
+            <a:spLocks noGrp="1"/>
+          </p:cNvSpPr>
+          <p:nvPr>
+            <p:ph idx="1"/>
+          </p:nvPr>
+        </p:nvSpPr>
+        <p:spPr/>
+        <p:txBody>
+          <a:bodyPr>
+            <a:normAutofit fontScale="92500" lnSpcReduction="20000"/>
+          </a:bodyPr>
+          <a:lstStyle/>
+          <a:p>
+            <a:pPr marL="0" indent="0">
+              <a:buNone/>
+            </a:pPr>
+            <a:r>
+              <a:rPr lang="ja-JP" altLang="en-US" sz="3200" b="1" dirty="0">
+                <a:solidFill>
+                  <a:schemeClr val="bg2">
+                    <a:lumMod val="25000"/>
+                  </a:schemeClr>
+                </a:solidFill>
+              </a:rPr>
+              <a:t>ほどほど</a:t>
+            </a:r>
+            <a:r>
+              <a:rPr kumimoji="1" lang="ja-JP" altLang="en-US" sz="2400" dirty="0">
+                <a:solidFill>
+                  <a:schemeClr val="bg2">
+                    <a:lumMod val="25000"/>
+                  </a:schemeClr>
+                </a:solidFill>
+              </a:rPr>
+              <a:t>にパズルを頑張ろう！</a:t>
+            </a:r>
+            <a:endParaRPr lang="en-US" altLang="ja-JP" sz="2400" dirty="0">
+              <a:solidFill>
+                <a:schemeClr val="bg2">
+                  <a:lumMod val="25000"/>
+                </a:schemeClr>
+              </a:solidFill>
+            </a:endParaRPr>
+          </a:p>
+          <a:p>
+            <a:pPr marL="0" indent="0">
+              <a:buNone/>
+            </a:pPr>
+            <a:r>
+              <a:rPr kumimoji="1" lang="en-US" altLang="ja-JP" sz="2000" dirty="0">
+                <a:solidFill>
+                  <a:schemeClr val="bg2">
+                    <a:lumMod val="25000"/>
+                  </a:schemeClr>
+                </a:solidFill>
+              </a:rPr>
+              <a:t>	</a:t>
+            </a:r>
+            <a:r>
+              <a:rPr kumimoji="1" lang="ja-JP" altLang="en-US" sz="2000" dirty="0">
+                <a:solidFill>
+                  <a:schemeClr val="bg2">
+                    <a:lumMod val="25000"/>
+                  </a:schemeClr>
+                </a:solidFill>
+              </a:rPr>
+              <a:t>・パズルゲームで頑張りすぎると、リズムゲームの難易度が上がる！</a:t>
+            </a:r>
+            <a:endParaRPr kumimoji="1" lang="en-US" altLang="ja-JP" sz="2000" dirty="0">
+              <a:solidFill>
+                <a:schemeClr val="bg2">
+                  <a:lumMod val="25000"/>
+                </a:schemeClr>
+              </a:solidFill>
+            </a:endParaRPr>
+          </a:p>
+          <a:p>
+            <a:pPr marL="0" indent="0">
+              <a:buNone/>
+            </a:pPr>
+            <a:endParaRPr lang="en-US" altLang="ja-JP" sz="2000" dirty="0">
+              <a:solidFill>
+                <a:schemeClr val="bg2">
+                  <a:lumMod val="25000"/>
+                </a:schemeClr>
+              </a:solidFill>
+            </a:endParaRPr>
+          </a:p>
+          <a:p>
+            <a:pPr marL="0" indent="0">
+              <a:buNone/>
+            </a:pPr>
+            <a:endParaRPr kumimoji="1" lang="en-US" altLang="ja-JP" sz="2000" dirty="0">
+              <a:solidFill>
+                <a:schemeClr val="bg2">
+                  <a:lumMod val="25000"/>
+                </a:schemeClr>
+              </a:solidFill>
+            </a:endParaRPr>
+          </a:p>
+          <a:p>
+            <a:pPr marL="0" indent="0">
+              <a:buNone/>
+            </a:pPr>
+            <a:endParaRPr lang="en-US" altLang="ja-JP" sz="2000" dirty="0">
+              <a:solidFill>
+                <a:schemeClr val="bg2">
+                  <a:lumMod val="25000"/>
+                </a:schemeClr>
+              </a:solidFill>
+            </a:endParaRPr>
+          </a:p>
+          <a:p>
+            <a:pPr marL="0" indent="0">
+              <a:buNone/>
+            </a:pPr>
+            <a:endParaRPr kumimoji="1" lang="en-US" altLang="ja-JP" sz="2000" dirty="0">
+              <a:solidFill>
+                <a:schemeClr val="bg2">
+                  <a:lumMod val="25000"/>
+                </a:schemeClr>
+              </a:solidFill>
+            </a:endParaRPr>
+          </a:p>
+          <a:p>
+            <a:pPr marL="0" indent="0">
+              <a:buNone/>
+            </a:pPr>
+            <a:endParaRPr lang="en-US" altLang="ja-JP" sz="2000" dirty="0">
+              <a:solidFill>
+                <a:schemeClr val="bg2">
+                  <a:lumMod val="25000"/>
+                </a:schemeClr>
+              </a:solidFill>
+            </a:endParaRPr>
+          </a:p>
+          <a:p>
+            <a:pPr marL="0" indent="0">
+              <a:buNone/>
+            </a:pPr>
+            <a:r>
+              <a:rPr kumimoji="1" lang="en-US" altLang="ja-JP" sz="2000" dirty="0">
+                <a:solidFill>
+                  <a:schemeClr val="bg2">
+                    <a:lumMod val="25000"/>
+                  </a:schemeClr>
+                </a:solidFill>
+              </a:rPr>
+              <a:t>	</a:t>
+            </a:r>
+            <a:r>
+              <a:rPr kumimoji="1" lang="ja-JP" altLang="en-US" sz="2000" dirty="0">
+                <a:solidFill>
+                  <a:schemeClr val="bg2">
+                    <a:lumMod val="25000"/>
+                  </a:schemeClr>
+                </a:solidFill>
+              </a:rPr>
+              <a:t>・リズムゲームの方がスコアが上がりやすい！</a:t>
+            </a:r>
+            <a:endParaRPr kumimoji="1" lang="en-US" altLang="ja-JP" sz="2000" dirty="0">
+              <a:solidFill>
+                <a:schemeClr val="bg2">
+                  <a:lumMod val="25000"/>
+                </a:schemeClr>
+              </a:solidFill>
+            </a:endParaRPr>
+          </a:p>
+          <a:p>
+            <a:pPr marL="0" indent="0">
+              <a:lnSpc>
+                <a:spcPct val="150000"/>
+              </a:lnSpc>
+              <a:buNone/>
+            </a:pPr>
+            <a:r>
+              <a:rPr kumimoji="1" lang="en-US" altLang="ja-JP" sz="2000" dirty="0">
+                <a:solidFill>
+                  <a:schemeClr val="bg2">
+                    <a:lumMod val="25000"/>
+                  </a:schemeClr>
+                </a:solidFill>
+              </a:rPr>
+              <a:t>	</a:t>
+            </a:r>
+            <a:r>
+              <a:rPr kumimoji="1" lang="ja-JP" altLang="en-US" sz="2000" dirty="0">
+                <a:solidFill>
+                  <a:schemeClr val="bg2">
+                    <a:lumMod val="25000"/>
+                  </a:schemeClr>
+                </a:solidFill>
+              </a:rPr>
+              <a:t>　　パズルゲーム：揃ったピースの個数　</a:t>
+            </a:r>
+            <a:r>
+              <a:rPr kumimoji="1" lang="en-US" altLang="ja-JP" sz="2000" dirty="0">
+                <a:solidFill>
+                  <a:schemeClr val="bg2">
+                    <a:lumMod val="25000"/>
+                  </a:schemeClr>
+                </a:solidFill>
+              </a:rPr>
+              <a:t>×</a:t>
+            </a:r>
+            <a:r>
+              <a:rPr lang="ja-JP" altLang="en-US" sz="3000" b="1" dirty="0">
+                <a:solidFill>
+                  <a:schemeClr val="bg2">
+                    <a:lumMod val="25000"/>
+                  </a:schemeClr>
+                </a:solidFill>
+              </a:rPr>
+              <a:t>１</a:t>
+            </a:r>
+            <a:r>
+              <a:rPr lang="ja-JP" altLang="en-US" sz="2000" b="1" dirty="0">
+                <a:solidFill>
+                  <a:schemeClr val="bg2">
+                    <a:lumMod val="25000"/>
+                  </a:schemeClr>
+                </a:solidFill>
+              </a:rPr>
+              <a:t>点</a:t>
+            </a:r>
+            <a:endParaRPr lang="en-US" altLang="ja-JP" sz="2000" b="1" dirty="0">
+              <a:solidFill>
+                <a:schemeClr val="bg2">
+                  <a:lumMod val="25000"/>
+                </a:schemeClr>
+              </a:solidFill>
+            </a:endParaRPr>
+          </a:p>
+          <a:p>
+            <a:pPr marL="0" indent="0">
+              <a:lnSpc>
+                <a:spcPct val="100000"/>
+              </a:lnSpc>
+              <a:buNone/>
+            </a:pPr>
+            <a:r>
+              <a:rPr kumimoji="1" lang="en-US" altLang="ja-JP" sz="2000" b="1" dirty="0">
+                <a:solidFill>
+                  <a:schemeClr val="bg2">
+                    <a:lumMod val="25000"/>
+                  </a:schemeClr>
+                </a:solidFill>
+              </a:rPr>
+              <a:t>	</a:t>
+            </a:r>
+            <a:r>
+              <a:rPr kumimoji="1" lang="ja-JP" altLang="en-US" sz="2000" b="1" dirty="0">
+                <a:solidFill>
+                  <a:schemeClr val="bg2">
+                    <a:lumMod val="25000"/>
+                  </a:schemeClr>
+                </a:solidFill>
+              </a:rPr>
+              <a:t>　　</a:t>
+            </a:r>
+            <a:r>
+              <a:rPr lang="ja-JP" altLang="en-US" sz="2000" dirty="0">
+                <a:solidFill>
+                  <a:schemeClr val="bg2">
+                    <a:lumMod val="25000"/>
+                  </a:schemeClr>
+                </a:solidFill>
+              </a:rPr>
+              <a:t>リズムゲーム：判定によって点数が変わる</a:t>
+            </a:r>
+            <a:endParaRPr lang="en-US" altLang="ja-JP" sz="2000" dirty="0">
+              <a:solidFill>
+                <a:schemeClr val="bg2">
+                  <a:lumMod val="25000"/>
+                </a:schemeClr>
+              </a:solidFill>
+            </a:endParaRPr>
+          </a:p>
+          <a:p>
+            <a:pPr marL="0" indent="0">
+              <a:lnSpc>
+                <a:spcPct val="100000"/>
+              </a:lnSpc>
+              <a:buNone/>
+            </a:pPr>
+            <a:r>
+              <a:rPr lang="en-US" altLang="ja-JP" sz="2000" dirty="0">
+                <a:solidFill>
+                  <a:schemeClr val="bg2">
+                    <a:lumMod val="25000"/>
+                  </a:schemeClr>
+                </a:solidFill>
+              </a:rPr>
+              <a:t>		Perfect</a:t>
+            </a:r>
+            <a:r>
+              <a:rPr lang="ja-JP" altLang="en-US" sz="2000" dirty="0">
+                <a:solidFill>
+                  <a:schemeClr val="bg2">
+                    <a:lumMod val="25000"/>
+                  </a:schemeClr>
+                </a:solidFill>
+              </a:rPr>
+              <a:t>：</a:t>
+            </a:r>
+            <a:r>
+              <a:rPr lang="en-US" altLang="ja-JP" sz="3000" b="1" dirty="0">
+                <a:solidFill>
+                  <a:schemeClr val="bg2">
+                    <a:lumMod val="25000"/>
+                  </a:schemeClr>
+                </a:solidFill>
+              </a:rPr>
+              <a:t>20</a:t>
+            </a:r>
+            <a:r>
+              <a:rPr lang="ja-JP" altLang="en-US" sz="2000" dirty="0">
+                <a:solidFill>
+                  <a:schemeClr val="bg2">
+                    <a:lumMod val="25000"/>
+                  </a:schemeClr>
+                </a:solidFill>
+              </a:rPr>
+              <a:t>点　</a:t>
+            </a:r>
+            <a:r>
+              <a:rPr lang="en-US" altLang="ja-JP" sz="2000" dirty="0">
+                <a:solidFill>
+                  <a:schemeClr val="bg2">
+                    <a:lumMod val="25000"/>
+                  </a:schemeClr>
+                </a:solidFill>
+              </a:rPr>
+              <a:t>Great</a:t>
+            </a:r>
+            <a:r>
+              <a:rPr lang="ja-JP" altLang="en-US" sz="2000" dirty="0">
+                <a:solidFill>
+                  <a:schemeClr val="bg2">
+                    <a:lumMod val="25000"/>
+                  </a:schemeClr>
+                </a:solidFill>
+              </a:rPr>
+              <a:t>：</a:t>
+            </a:r>
+            <a:r>
+              <a:rPr lang="en-US" altLang="ja-JP" sz="3000" b="1" dirty="0">
+                <a:solidFill>
+                  <a:schemeClr val="bg2">
+                    <a:lumMod val="25000"/>
+                  </a:schemeClr>
+                </a:solidFill>
+              </a:rPr>
+              <a:t>10</a:t>
+            </a:r>
+            <a:r>
+              <a:rPr lang="ja-JP" altLang="en-US" sz="2000" dirty="0">
+                <a:solidFill>
+                  <a:schemeClr val="bg2">
+                    <a:lumMod val="25000"/>
+                  </a:schemeClr>
+                </a:solidFill>
+              </a:rPr>
+              <a:t>点　</a:t>
+            </a:r>
+            <a:r>
+              <a:rPr lang="en-US" altLang="ja-JP" sz="2000" dirty="0">
+                <a:solidFill>
+                  <a:schemeClr val="bg2">
+                    <a:lumMod val="25000"/>
+                  </a:schemeClr>
+                </a:solidFill>
+              </a:rPr>
+              <a:t>Good</a:t>
+            </a:r>
+            <a:r>
+              <a:rPr lang="ja-JP" altLang="en-US" sz="2000" dirty="0">
+                <a:solidFill>
+                  <a:schemeClr val="bg2">
+                    <a:lumMod val="25000"/>
+                  </a:schemeClr>
+                </a:solidFill>
+              </a:rPr>
+              <a:t>：</a:t>
+            </a:r>
+            <a:r>
+              <a:rPr lang="en-US" altLang="ja-JP" sz="3000" b="1" dirty="0">
+                <a:solidFill>
+                  <a:schemeClr val="bg2">
+                    <a:lumMod val="25000"/>
+                  </a:schemeClr>
+                </a:solidFill>
+              </a:rPr>
+              <a:t>5</a:t>
+            </a:r>
+            <a:r>
+              <a:rPr lang="ja-JP" altLang="en-US" sz="2000" dirty="0">
+                <a:solidFill>
+                  <a:schemeClr val="bg2">
+                    <a:lumMod val="25000"/>
+                  </a:schemeClr>
+                </a:solidFill>
+              </a:rPr>
+              <a:t>点　</a:t>
+            </a:r>
+            <a:r>
+              <a:rPr lang="en-US" altLang="ja-JP" sz="2000" dirty="0">
+                <a:solidFill>
+                  <a:schemeClr val="bg2">
+                    <a:lumMod val="25000"/>
+                  </a:schemeClr>
+                </a:solidFill>
+              </a:rPr>
+              <a:t>Bad</a:t>
+            </a:r>
+            <a:r>
+              <a:rPr lang="ja-JP" altLang="en-US" sz="2000" dirty="0">
+                <a:solidFill>
+                  <a:schemeClr val="bg2">
+                    <a:lumMod val="25000"/>
+                  </a:schemeClr>
+                </a:solidFill>
+              </a:rPr>
+              <a:t>：</a:t>
+            </a:r>
+            <a:r>
+              <a:rPr lang="en-US" altLang="ja-JP" sz="3000" b="1" dirty="0">
+                <a:solidFill>
+                  <a:schemeClr val="bg2">
+                    <a:lumMod val="25000"/>
+                  </a:schemeClr>
+                </a:solidFill>
+              </a:rPr>
+              <a:t>-10</a:t>
+            </a:r>
+            <a:r>
+              <a:rPr lang="ja-JP" altLang="en-US" sz="2000" dirty="0">
+                <a:solidFill>
+                  <a:schemeClr val="bg2">
+                    <a:lumMod val="25000"/>
+                  </a:schemeClr>
+                </a:solidFill>
+              </a:rPr>
+              <a:t>点</a:t>
+            </a:r>
+            <a:endParaRPr lang="en-US" altLang="ja-JP" sz="2000" dirty="0">
+              <a:solidFill>
+                <a:schemeClr val="bg2">
+                  <a:lumMod val="25000"/>
+                </a:schemeClr>
+              </a:solidFill>
+            </a:endParaRPr>
+          </a:p>
+        </p:txBody>
+      </p:sp>
+      <p:sp>
+        <p:nvSpPr>
+          <p:cNvPr id="4" name="タイトル 1">
+            <a:extLst>
+              <a:ext uri="{FF2B5EF4-FFF2-40B4-BE49-F238E27FC236}">
+                <a16:creationId xmlns:a16="http://schemas.microsoft.com/office/drawing/2014/main" id="{C92B1538-EC6D-5321-AF37-4F65AC389969}"/>
+              </a:ext>
+            </a:extLst>
+          </p:cNvPr>
+          <p:cNvSpPr>
+            <a:spLocks noGrp="1"/>
+          </p:cNvSpPr>
+          <p:nvPr>
+            <p:ph type="title"/>
+          </p:nvPr>
+        </p:nvSpPr>
+        <p:spPr>
+          <a:xfrm>
+            <a:off x="838200" y="365125"/>
+            <a:ext cx="10515600" cy="1325563"/>
+          </a:xfrm>
+        </p:spPr>
+        <p:txBody>
+          <a:bodyPr>
+            <a:normAutofit/>
+          </a:bodyPr>
+          <a:lstStyle/>
+          <a:p>
+            <a:r>
+              <a:rPr kumimoji="1" lang="en-US" altLang="ja-JP" sz="2800" dirty="0">
+                <a:solidFill>
+                  <a:schemeClr val="bg2">
+                    <a:lumMod val="25000"/>
+                  </a:schemeClr>
+                </a:solidFill>
+                <a:latin typeface="HGSｺﾞｼｯｸE" panose="020B0900000000000000" pitchFamily="50" charset="-128"/>
+                <a:ea typeface="HGSｺﾞｼｯｸE" panose="020B0900000000000000" pitchFamily="50" charset="-128"/>
+              </a:rPr>
+              <a:t>-</a:t>
+            </a:r>
+            <a:r>
+              <a:rPr kumimoji="1" lang="ja-JP" altLang="en-US" sz="2800" dirty="0">
+                <a:solidFill>
+                  <a:schemeClr val="bg2">
+                    <a:lumMod val="25000"/>
+                  </a:schemeClr>
+                </a:solidFill>
+                <a:latin typeface="HGSｺﾞｼｯｸE" panose="020B0900000000000000" pitchFamily="50" charset="-128"/>
+                <a:ea typeface="HGSｺﾞｼｯｸE" panose="020B0900000000000000" pitchFamily="50" charset="-128"/>
+              </a:rPr>
+              <a:t> </a:t>
+            </a:r>
+            <a:r>
+              <a:rPr lang="ja-JP" altLang="en-US" sz="2800" dirty="0">
+                <a:solidFill>
+                  <a:schemeClr val="bg2">
+                    <a:lumMod val="25000"/>
+                  </a:schemeClr>
+                </a:solidFill>
+                <a:latin typeface="HGSｺﾞｼｯｸE" panose="020B0900000000000000" pitchFamily="50" charset="-128"/>
+                <a:ea typeface="HGSｺﾞｼｯｸE" panose="020B0900000000000000" pitchFamily="50" charset="-128"/>
+              </a:rPr>
+              <a:t>ゲームの設計</a:t>
+            </a:r>
+            <a:r>
+              <a:rPr kumimoji="1" lang="ja-JP" altLang="en-US" sz="2800" dirty="0">
+                <a:solidFill>
+                  <a:schemeClr val="bg2">
+                    <a:lumMod val="25000"/>
+                  </a:schemeClr>
+                </a:solidFill>
+                <a:latin typeface="HGSｺﾞｼｯｸE" panose="020B0900000000000000" pitchFamily="50" charset="-128"/>
+                <a:ea typeface="HGSｺﾞｼｯｸE" panose="020B0900000000000000" pitchFamily="50" charset="-128"/>
+              </a:rPr>
+              <a:t> </a:t>
+            </a:r>
+            <a:r>
+              <a:rPr kumimoji="1" lang="en-US" altLang="ja-JP" sz="2800" dirty="0">
+                <a:solidFill>
+                  <a:schemeClr val="bg2">
+                    <a:lumMod val="25000"/>
+                  </a:schemeClr>
+                </a:solidFill>
+                <a:latin typeface="HGSｺﾞｼｯｸE" panose="020B0900000000000000" pitchFamily="50" charset="-128"/>
+                <a:ea typeface="HGSｺﾞｼｯｸE" panose="020B0900000000000000" pitchFamily="50" charset="-128"/>
+              </a:rPr>
+              <a:t>-</a:t>
+            </a:r>
+            <a:br>
+              <a:rPr kumimoji="1" lang="en-US" altLang="ja-JP" sz="4000" dirty="0">
+                <a:solidFill>
+                  <a:schemeClr val="bg2">
+                    <a:lumMod val="25000"/>
+                  </a:schemeClr>
+                </a:solidFill>
+              </a:rPr>
+            </a:br>
+            <a:r>
+              <a:rPr kumimoji="1" lang="en-US" altLang="ja-JP" sz="2000" dirty="0">
+                <a:solidFill>
+                  <a:schemeClr val="bg2">
+                    <a:lumMod val="50000"/>
+                  </a:schemeClr>
+                </a:solidFill>
+                <a:latin typeface="Bahnschrift SemiLight" panose="020B0502040204020203" pitchFamily="34" charset="0"/>
+                <a:cs typeface="Adobe Devanagari" panose="02040503050201020203" pitchFamily="18" charset="0"/>
+              </a:rPr>
+              <a:t>Game Design</a:t>
+            </a:r>
+            <a:endParaRPr kumimoji="1" lang="ja-JP" altLang="en-US" sz="4000" dirty="0">
+              <a:solidFill>
+                <a:schemeClr val="bg2">
+                  <a:lumMod val="50000"/>
+                </a:schemeClr>
+              </a:solidFill>
+              <a:latin typeface="Bahnschrift SemiLight" panose="020B0502040204020203" pitchFamily="34" charset="0"/>
+              <a:cs typeface="Adobe Devanagari" panose="02040503050201020203" pitchFamily="18" charset="0"/>
+            </a:endParaRPr>
+          </a:p>
+        </p:txBody>
+      </p:sp>
+      <p:grpSp>
+        <p:nvGrpSpPr>
+          <p:cNvPr id="34" name="グループ化 33">
+            <a:extLst>
+              <a:ext uri="{FF2B5EF4-FFF2-40B4-BE49-F238E27FC236}">
+                <a16:creationId xmlns:a16="http://schemas.microsoft.com/office/drawing/2014/main" id="{3E6DE810-F366-A903-9A63-5FE4BD445759}"/>
+              </a:ext>
+            </a:extLst>
+          </p:cNvPr>
+          <p:cNvGrpSpPr/>
+          <p:nvPr/>
+        </p:nvGrpSpPr>
+        <p:grpSpPr>
+          <a:xfrm>
+            <a:off x="838200" y="2211849"/>
+            <a:ext cx="10458009" cy="1711842"/>
+            <a:chOff x="967560" y="3099391"/>
+            <a:chExt cx="10458009" cy="1711842"/>
+          </a:xfrm>
+        </p:grpSpPr>
+        <p:grpSp>
+          <p:nvGrpSpPr>
+            <p:cNvPr id="26" name="グループ化 25">
+              <a:extLst>
+                <a:ext uri="{FF2B5EF4-FFF2-40B4-BE49-F238E27FC236}">
+                  <a16:creationId xmlns:a16="http://schemas.microsoft.com/office/drawing/2014/main" id="{4D790706-A45C-D6B7-5634-412C86E2B784}"/>
+                </a:ext>
+              </a:extLst>
+            </p:cNvPr>
+            <p:cNvGrpSpPr/>
+            <p:nvPr/>
+          </p:nvGrpSpPr>
+          <p:grpSpPr>
+            <a:xfrm>
+              <a:off x="3870250" y="3747977"/>
+              <a:ext cx="4125433" cy="1063256"/>
+              <a:chOff x="1860697" y="3429000"/>
+              <a:chExt cx="4125433" cy="1063256"/>
+            </a:xfrm>
+          </p:grpSpPr>
+          <p:sp>
+            <p:nvSpPr>
+              <p:cNvPr id="2" name="正方形/長方形 1">
+                <a:extLst>
+                  <a:ext uri="{FF2B5EF4-FFF2-40B4-BE49-F238E27FC236}">
+                    <a16:creationId xmlns:a16="http://schemas.microsoft.com/office/drawing/2014/main" id="{0DD38C86-4A22-457F-8A7C-A04B4FEEF41F}"/>
+                  </a:ext>
+                </a:extLst>
+              </p:cNvPr>
+              <p:cNvSpPr/>
+              <p:nvPr/>
+            </p:nvSpPr>
+            <p:spPr>
+              <a:xfrm>
+                <a:off x="2328530" y="3429000"/>
+                <a:ext cx="531628" cy="531628"/>
+              </a:xfrm>
+              <a:prstGeom prst="rect">
+                <a:avLst/>
+              </a:prstGeom>
+              <a:solidFill>
+                <a:srgbClr val="0070C0"/>
+              </a:solidFill>
+              <a:ln>
+                <a:noFill/>
+              </a:ln>
+            </p:spPr>
+            <p:style>
+              <a:lnRef idx="2">
+                <a:schemeClr val="accent1">
+                  <a:shade val="50000"/>
+                </a:schemeClr>
+              </a:lnRef>
+              <a:fillRef idx="1">
+                <a:schemeClr val="accent1"/>
+              </a:fillRef>
+              <a:effectRef idx="0">
+                <a:schemeClr val="accent1"/>
+              </a:effectRef>
+              <a:fontRef idx="minor">
+                <a:schemeClr val="lt1"/>
+              </a:fontRef>
+            </p:style>
+            <p:txBody>
+              <a:bodyPr rtlCol="0" anchor="ctr"/>
+              <a:lstStyle/>
+              <a:p>
+                <a:pPr algn="ctr"/>
+                <a:endParaRPr kumimoji="1" lang="ja-JP" altLang="en-US"/>
+              </a:p>
+            </p:txBody>
+          </p:sp>
+          <p:sp>
+            <p:nvSpPr>
+              <p:cNvPr id="5" name="正方形/長方形 4">
+                <a:extLst>
+                  <a:ext uri="{FF2B5EF4-FFF2-40B4-BE49-F238E27FC236}">
+                    <a16:creationId xmlns:a16="http://schemas.microsoft.com/office/drawing/2014/main" id="{EE28D44A-A7F1-B3FD-56FA-830DA73DC672}"/>
+                  </a:ext>
+                </a:extLst>
+              </p:cNvPr>
+              <p:cNvSpPr/>
+              <p:nvPr/>
+            </p:nvSpPr>
+            <p:spPr>
+              <a:xfrm>
+                <a:off x="2860158" y="3429000"/>
+                <a:ext cx="531628" cy="531628"/>
+              </a:xfrm>
+              <a:prstGeom prst="rect">
+                <a:avLst/>
+              </a:prstGeom>
+              <a:solidFill>
+                <a:srgbClr val="99FF99"/>
+              </a:solidFill>
+              <a:ln>
+                <a:noFill/>
+              </a:ln>
+            </p:spPr>
+            <p:style>
+              <a:lnRef idx="2">
+                <a:schemeClr val="accent1">
+                  <a:shade val="50000"/>
+                </a:schemeClr>
+              </a:lnRef>
+              <a:fillRef idx="1">
+                <a:schemeClr val="accent1"/>
+              </a:fillRef>
+              <a:effectRef idx="0">
+                <a:schemeClr val="accent1"/>
+              </a:effectRef>
+              <a:fontRef idx="minor">
+                <a:schemeClr val="lt1"/>
+              </a:fontRef>
+            </p:style>
+            <p:txBody>
+              <a:bodyPr rtlCol="0" anchor="t"/>
+              <a:lstStyle/>
+              <a:p>
+                <a:pPr algn="ctr"/>
+                <a:r>
+                  <a:rPr kumimoji="1" lang="ja-JP" altLang="en-US" sz="3600" b="1" dirty="0">
+                    <a:solidFill>
+                      <a:schemeClr val="bg2">
+                        <a:lumMod val="25000"/>
+                      </a:schemeClr>
+                    </a:solidFill>
+                  </a:rPr>
+                  <a:t>３</a:t>
+                </a:r>
+              </a:p>
+            </p:txBody>
+          </p:sp>
+          <p:sp>
+            <p:nvSpPr>
+              <p:cNvPr id="6" name="正方形/長方形 5">
+                <a:extLst>
+                  <a:ext uri="{FF2B5EF4-FFF2-40B4-BE49-F238E27FC236}">
+                    <a16:creationId xmlns:a16="http://schemas.microsoft.com/office/drawing/2014/main" id="{C4BF838F-B5A4-4AD9-A25F-B86BE9722BE2}"/>
+                  </a:ext>
+                </a:extLst>
+              </p:cNvPr>
+              <p:cNvSpPr/>
+              <p:nvPr/>
+            </p:nvSpPr>
+            <p:spPr>
+              <a:xfrm>
+                <a:off x="3391786" y="3429000"/>
+                <a:ext cx="531628" cy="531628"/>
+              </a:xfrm>
+              <a:prstGeom prst="rect">
+                <a:avLst/>
+              </a:prstGeom>
+              <a:solidFill>
+                <a:srgbClr val="FF0000"/>
+              </a:solidFill>
+              <a:ln>
+                <a:noFill/>
+              </a:ln>
+            </p:spPr>
+            <p:style>
+              <a:lnRef idx="2">
+                <a:schemeClr val="accent1">
+                  <a:shade val="50000"/>
+                </a:schemeClr>
+              </a:lnRef>
+              <a:fillRef idx="1">
+                <a:schemeClr val="accent1"/>
+              </a:fillRef>
+              <a:effectRef idx="0">
+                <a:schemeClr val="accent1"/>
+              </a:effectRef>
+              <a:fontRef idx="minor">
+                <a:schemeClr val="lt1"/>
+              </a:fontRef>
+            </p:style>
+            <p:txBody>
+              <a:bodyPr rtlCol="0" anchor="ctr"/>
+              <a:lstStyle/>
+              <a:p>
+                <a:pPr algn="ctr"/>
+                <a:endParaRPr kumimoji="1" lang="ja-JP" altLang="en-US"/>
+              </a:p>
+            </p:txBody>
+          </p:sp>
+          <p:sp>
+            <p:nvSpPr>
+              <p:cNvPr id="7" name="正方形/長方形 6">
+                <a:extLst>
+                  <a:ext uri="{FF2B5EF4-FFF2-40B4-BE49-F238E27FC236}">
+                    <a16:creationId xmlns:a16="http://schemas.microsoft.com/office/drawing/2014/main" id="{174E5CE6-54F2-8364-123F-F2C89FB06621}"/>
+                  </a:ext>
+                </a:extLst>
+              </p:cNvPr>
+              <p:cNvSpPr/>
+              <p:nvPr/>
+            </p:nvSpPr>
+            <p:spPr>
+              <a:xfrm>
+                <a:off x="3923414" y="3429000"/>
+                <a:ext cx="531628" cy="531628"/>
+              </a:xfrm>
+              <a:prstGeom prst="rect">
+                <a:avLst/>
+              </a:prstGeom>
+              <a:solidFill>
+                <a:srgbClr val="FF0000"/>
+              </a:solidFill>
+              <a:ln>
+                <a:noFill/>
+              </a:ln>
+            </p:spPr>
+            <p:style>
+              <a:lnRef idx="2">
+                <a:schemeClr val="accent1">
+                  <a:shade val="50000"/>
+                </a:schemeClr>
+              </a:lnRef>
+              <a:fillRef idx="1">
+                <a:schemeClr val="accent1"/>
+              </a:fillRef>
+              <a:effectRef idx="0">
+                <a:schemeClr val="accent1"/>
+              </a:effectRef>
+              <a:fontRef idx="minor">
+                <a:schemeClr val="lt1"/>
+              </a:fontRef>
+            </p:style>
+            <p:txBody>
+              <a:bodyPr rtlCol="0" anchor="ctr"/>
+              <a:lstStyle/>
+              <a:p>
+                <a:pPr algn="ctr"/>
+                <a:endParaRPr kumimoji="1" lang="ja-JP" altLang="en-US"/>
+              </a:p>
+            </p:txBody>
+          </p:sp>
+          <p:sp>
+            <p:nvSpPr>
+              <p:cNvPr id="8" name="正方形/長方形 7">
+                <a:extLst>
+                  <a:ext uri="{FF2B5EF4-FFF2-40B4-BE49-F238E27FC236}">
+                    <a16:creationId xmlns:a16="http://schemas.microsoft.com/office/drawing/2014/main" id="{155B34BF-A831-61F6-2CAA-BDF3EFA797D7}"/>
+                  </a:ext>
+                </a:extLst>
+              </p:cNvPr>
+              <p:cNvSpPr/>
+              <p:nvPr/>
+            </p:nvSpPr>
+            <p:spPr>
+              <a:xfrm>
+                <a:off x="4455042" y="3429000"/>
+                <a:ext cx="531628" cy="531628"/>
+              </a:xfrm>
+              <a:prstGeom prst="rect">
+                <a:avLst/>
+              </a:prstGeom>
+              <a:solidFill>
+                <a:srgbClr val="99CCFF"/>
+              </a:solidFill>
+              <a:ln>
+                <a:noFill/>
+              </a:ln>
+            </p:spPr>
+            <p:style>
+              <a:lnRef idx="2">
+                <a:schemeClr val="accent1">
+                  <a:shade val="50000"/>
+                </a:schemeClr>
+              </a:lnRef>
+              <a:fillRef idx="1">
+                <a:schemeClr val="accent1"/>
+              </a:fillRef>
+              <a:effectRef idx="0">
+                <a:schemeClr val="accent1"/>
+              </a:effectRef>
+              <a:fontRef idx="minor">
+                <a:schemeClr val="lt1"/>
+              </a:fontRef>
+            </p:style>
+            <p:txBody>
+              <a:bodyPr rtlCol="0" anchor="ctr"/>
+              <a:lstStyle/>
+              <a:p>
+                <a:pPr algn="ctr"/>
+                <a:endParaRPr kumimoji="1" lang="ja-JP" altLang="en-US"/>
+              </a:p>
+            </p:txBody>
+          </p:sp>
+          <p:sp>
+            <p:nvSpPr>
+              <p:cNvPr id="9" name="正方形/長方形 8">
+                <a:extLst>
+                  <a:ext uri="{FF2B5EF4-FFF2-40B4-BE49-F238E27FC236}">
+                    <a16:creationId xmlns:a16="http://schemas.microsoft.com/office/drawing/2014/main" id="{24CA8FCE-7331-5053-6CA1-AED5D7787A46}"/>
+                  </a:ext>
+                </a:extLst>
+              </p:cNvPr>
+              <p:cNvSpPr/>
+              <p:nvPr/>
+            </p:nvSpPr>
+            <p:spPr>
+              <a:xfrm>
+                <a:off x="4976037" y="3429000"/>
+                <a:ext cx="531628" cy="531628"/>
+              </a:xfrm>
+              <a:prstGeom prst="rect">
+                <a:avLst/>
+              </a:prstGeom>
+              <a:solidFill>
+                <a:srgbClr val="FFFF00"/>
+              </a:solidFill>
+              <a:ln>
+                <a:noFill/>
+              </a:ln>
+            </p:spPr>
+            <p:style>
+              <a:lnRef idx="2">
+                <a:schemeClr val="accent1">
+                  <a:shade val="50000"/>
+                </a:schemeClr>
+              </a:lnRef>
+              <a:fillRef idx="1">
+                <a:schemeClr val="accent1"/>
+              </a:fillRef>
+              <a:effectRef idx="0">
+                <a:schemeClr val="accent1"/>
+              </a:effectRef>
+              <a:fontRef idx="minor">
+                <a:schemeClr val="lt1"/>
+              </a:fontRef>
+            </p:style>
+            <p:txBody>
+              <a:bodyPr rtlCol="0" anchor="ctr"/>
+              <a:lstStyle/>
+              <a:p>
+                <a:pPr algn="ctr"/>
+                <a:endParaRPr kumimoji="1" lang="ja-JP" altLang="en-US"/>
+              </a:p>
+            </p:txBody>
+          </p:sp>
+          <p:sp>
+            <p:nvSpPr>
+              <p:cNvPr id="10" name="正方形/長方形 9">
+                <a:extLst>
+                  <a:ext uri="{FF2B5EF4-FFF2-40B4-BE49-F238E27FC236}">
+                    <a16:creationId xmlns:a16="http://schemas.microsoft.com/office/drawing/2014/main" id="{89AF0184-1A9C-4498-8F73-AAED755D1493}"/>
+                  </a:ext>
+                </a:extLst>
+              </p:cNvPr>
+              <p:cNvSpPr/>
+              <p:nvPr/>
+            </p:nvSpPr>
+            <p:spPr>
+              <a:xfrm>
+                <a:off x="2328530" y="3960628"/>
+                <a:ext cx="531628" cy="531628"/>
+              </a:xfrm>
+              <a:prstGeom prst="rect">
+                <a:avLst/>
+              </a:prstGeom>
+              <a:solidFill>
+                <a:srgbClr val="FF9999"/>
+              </a:solidFill>
+              <a:ln>
+                <a:noFill/>
+              </a:ln>
+            </p:spPr>
+            <p:style>
+              <a:lnRef idx="2">
+                <a:schemeClr val="accent1">
+                  <a:shade val="50000"/>
+                </a:schemeClr>
+              </a:lnRef>
+              <a:fillRef idx="1">
+                <a:schemeClr val="accent1"/>
+              </a:fillRef>
+              <a:effectRef idx="0">
+                <a:schemeClr val="accent1"/>
+              </a:effectRef>
+              <a:fontRef idx="minor">
+                <a:schemeClr val="lt1"/>
+              </a:fontRef>
+            </p:style>
+            <p:txBody>
+              <a:bodyPr rtlCol="0" anchor="ctr"/>
+              <a:lstStyle/>
+              <a:p>
+                <a:pPr algn="ctr"/>
+                <a:endParaRPr kumimoji="1" lang="ja-JP" altLang="en-US"/>
+              </a:p>
+            </p:txBody>
+          </p:sp>
+          <p:sp>
+            <p:nvSpPr>
+              <p:cNvPr id="11" name="正方形/長方形 10">
+                <a:extLst>
+                  <a:ext uri="{FF2B5EF4-FFF2-40B4-BE49-F238E27FC236}">
+                    <a16:creationId xmlns:a16="http://schemas.microsoft.com/office/drawing/2014/main" id="{9723CDAF-EACA-20A9-56B1-854BD036B9BE}"/>
+                  </a:ext>
+                </a:extLst>
+              </p:cNvPr>
+              <p:cNvSpPr/>
+              <p:nvPr/>
+            </p:nvSpPr>
+            <p:spPr>
+              <a:xfrm>
+                <a:off x="2860158" y="3960628"/>
+                <a:ext cx="531628" cy="531628"/>
+              </a:xfrm>
+              <a:prstGeom prst="rect">
+                <a:avLst/>
+              </a:prstGeom>
+              <a:solidFill>
+                <a:srgbClr val="FF9999"/>
+              </a:solidFill>
+              <a:ln>
+                <a:noFill/>
+              </a:ln>
+            </p:spPr>
+            <p:style>
+              <a:lnRef idx="2">
+                <a:schemeClr val="accent1">
+                  <a:shade val="50000"/>
+                </a:schemeClr>
+              </a:lnRef>
+              <a:fillRef idx="1">
+                <a:schemeClr val="accent1"/>
+              </a:fillRef>
+              <a:effectRef idx="0">
+                <a:schemeClr val="accent1"/>
+              </a:effectRef>
+              <a:fontRef idx="minor">
+                <a:schemeClr val="lt1"/>
+              </a:fontRef>
+            </p:style>
+            <p:txBody>
+              <a:bodyPr rtlCol="0" anchor="ctr"/>
+              <a:lstStyle/>
+              <a:p>
+                <a:pPr algn="ctr"/>
+                <a:endParaRPr kumimoji="1" lang="ja-JP" altLang="en-US"/>
+              </a:p>
+            </p:txBody>
+          </p:sp>
+          <p:sp>
+            <p:nvSpPr>
+              <p:cNvPr id="12" name="正方形/長方形 11">
+                <a:extLst>
+                  <a:ext uri="{FF2B5EF4-FFF2-40B4-BE49-F238E27FC236}">
+                    <a16:creationId xmlns:a16="http://schemas.microsoft.com/office/drawing/2014/main" id="{74448B9E-37DC-9BA9-4A40-7B8BD7AD398C}"/>
+                  </a:ext>
+                </a:extLst>
+              </p:cNvPr>
+              <p:cNvSpPr/>
+              <p:nvPr/>
+            </p:nvSpPr>
+            <p:spPr>
+              <a:xfrm>
+                <a:off x="3391786" y="3960628"/>
+                <a:ext cx="531628" cy="531628"/>
+              </a:xfrm>
+              <a:prstGeom prst="rect">
+                <a:avLst/>
+              </a:prstGeom>
+              <a:solidFill>
+                <a:srgbClr val="99FF99"/>
+              </a:solidFill>
+              <a:ln>
+                <a:noFill/>
+              </a:ln>
+            </p:spPr>
+            <p:style>
+              <a:lnRef idx="2">
+                <a:schemeClr val="accent1">
+                  <a:shade val="50000"/>
+                </a:schemeClr>
+              </a:lnRef>
+              <a:fillRef idx="1">
+                <a:schemeClr val="accent1"/>
+              </a:fillRef>
+              <a:effectRef idx="0">
+                <a:schemeClr val="accent1"/>
+              </a:effectRef>
+              <a:fontRef idx="minor">
+                <a:schemeClr val="lt1"/>
+              </a:fontRef>
+            </p:style>
+            <p:txBody>
+              <a:bodyPr rtlCol="0" anchor="t"/>
+              <a:lstStyle/>
+              <a:p>
+                <a:pPr algn="ctr"/>
+                <a:r>
+                  <a:rPr kumimoji="1" lang="ja-JP" altLang="en-US" sz="3600" b="1" dirty="0">
+                    <a:solidFill>
+                      <a:schemeClr val="bg2">
+                        <a:lumMod val="25000"/>
+                      </a:schemeClr>
+                    </a:solidFill>
+                  </a:rPr>
+                  <a:t>４</a:t>
+                </a:r>
+              </a:p>
+            </p:txBody>
+          </p:sp>
+          <p:sp>
+            <p:nvSpPr>
+              <p:cNvPr id="13" name="正方形/長方形 12">
+                <a:extLst>
+                  <a:ext uri="{FF2B5EF4-FFF2-40B4-BE49-F238E27FC236}">
+                    <a16:creationId xmlns:a16="http://schemas.microsoft.com/office/drawing/2014/main" id="{4B14D833-DAB7-C340-B72F-2BED457A8D1F}"/>
+                  </a:ext>
+                </a:extLst>
+              </p:cNvPr>
+              <p:cNvSpPr/>
+              <p:nvPr/>
+            </p:nvSpPr>
+            <p:spPr>
+              <a:xfrm>
+                <a:off x="3923414" y="3960628"/>
+                <a:ext cx="531628" cy="531628"/>
+              </a:xfrm>
+              <a:prstGeom prst="rect">
+                <a:avLst/>
+              </a:prstGeom>
+              <a:solidFill>
+                <a:srgbClr val="99CCFF"/>
+              </a:solidFill>
+              <a:ln>
+                <a:noFill/>
+              </a:ln>
+            </p:spPr>
+            <p:style>
+              <a:lnRef idx="2">
+                <a:schemeClr val="accent1">
+                  <a:shade val="50000"/>
+                </a:schemeClr>
+              </a:lnRef>
+              <a:fillRef idx="1">
+                <a:schemeClr val="accent1"/>
+              </a:fillRef>
+              <a:effectRef idx="0">
+                <a:schemeClr val="accent1"/>
+              </a:effectRef>
+              <a:fontRef idx="minor">
+                <a:schemeClr val="lt1"/>
+              </a:fontRef>
+            </p:style>
+            <p:txBody>
+              <a:bodyPr rtlCol="0" anchor="ctr"/>
+              <a:lstStyle/>
+              <a:p>
+                <a:pPr algn="ctr"/>
+                <a:endParaRPr kumimoji="1" lang="ja-JP" altLang="en-US"/>
+              </a:p>
+            </p:txBody>
+          </p:sp>
+          <p:sp>
+            <p:nvSpPr>
+              <p:cNvPr id="14" name="正方形/長方形 13">
+                <a:extLst>
+                  <a:ext uri="{FF2B5EF4-FFF2-40B4-BE49-F238E27FC236}">
+                    <a16:creationId xmlns:a16="http://schemas.microsoft.com/office/drawing/2014/main" id="{E5C88062-A57D-2C1E-FA31-CF1A603FA68F}"/>
+                  </a:ext>
+                </a:extLst>
+              </p:cNvPr>
+              <p:cNvSpPr/>
+              <p:nvPr/>
+            </p:nvSpPr>
+            <p:spPr>
+              <a:xfrm>
+                <a:off x="4455042" y="3960628"/>
+                <a:ext cx="531628" cy="531628"/>
+              </a:xfrm>
+              <a:prstGeom prst="rect">
+                <a:avLst/>
+              </a:prstGeom>
+              <a:solidFill>
+                <a:srgbClr val="FF0000"/>
+              </a:solidFill>
+              <a:ln>
+                <a:noFill/>
+              </a:ln>
+            </p:spPr>
+            <p:style>
+              <a:lnRef idx="2">
+                <a:schemeClr val="accent1">
+                  <a:shade val="50000"/>
+                </a:schemeClr>
+              </a:lnRef>
+              <a:fillRef idx="1">
+                <a:schemeClr val="accent1"/>
+              </a:fillRef>
+              <a:effectRef idx="0">
+                <a:schemeClr val="accent1"/>
+              </a:effectRef>
+              <a:fontRef idx="minor">
+                <a:schemeClr val="lt1"/>
+              </a:fontRef>
+            </p:style>
+            <p:txBody>
+              <a:bodyPr rtlCol="0" anchor="ctr"/>
+              <a:lstStyle/>
+              <a:p>
+                <a:pPr algn="ctr"/>
+                <a:endParaRPr kumimoji="1" lang="ja-JP" altLang="en-US"/>
+              </a:p>
+            </p:txBody>
+          </p:sp>
+          <p:sp>
+            <p:nvSpPr>
+              <p:cNvPr id="15" name="正方形/長方形 14">
+                <a:extLst>
+                  <a:ext uri="{FF2B5EF4-FFF2-40B4-BE49-F238E27FC236}">
+                    <a16:creationId xmlns:a16="http://schemas.microsoft.com/office/drawing/2014/main" id="{06F157EE-DC43-4580-38BC-5FC4E4BD2034}"/>
+                  </a:ext>
+                </a:extLst>
+              </p:cNvPr>
+              <p:cNvSpPr/>
+              <p:nvPr/>
+            </p:nvSpPr>
+            <p:spPr>
+              <a:xfrm>
+                <a:off x="4976037" y="3960628"/>
+                <a:ext cx="531628" cy="531628"/>
+              </a:xfrm>
+              <a:prstGeom prst="rect">
+                <a:avLst/>
+              </a:prstGeom>
+              <a:solidFill>
+                <a:srgbClr val="FFFF99"/>
+              </a:solidFill>
+              <a:ln>
+                <a:noFill/>
+              </a:ln>
+            </p:spPr>
+            <p:style>
+              <a:lnRef idx="2">
+                <a:schemeClr val="accent1">
+                  <a:shade val="50000"/>
+                </a:schemeClr>
+              </a:lnRef>
+              <a:fillRef idx="1">
+                <a:schemeClr val="accent1"/>
+              </a:fillRef>
+              <a:effectRef idx="0">
+                <a:schemeClr val="accent1"/>
+              </a:effectRef>
+              <a:fontRef idx="minor">
+                <a:schemeClr val="lt1"/>
+              </a:fontRef>
+            </p:style>
+            <p:txBody>
+              <a:bodyPr rtlCol="0" anchor="ctr"/>
+              <a:lstStyle/>
+              <a:p>
+                <a:pPr algn="ctr"/>
+                <a:endParaRPr kumimoji="1" lang="ja-JP" altLang="en-US"/>
+              </a:p>
+            </p:txBody>
+          </p:sp>
+          <p:sp>
+            <p:nvSpPr>
+              <p:cNvPr id="22" name="矢印: 右 21">
+                <a:extLst>
+                  <a:ext uri="{FF2B5EF4-FFF2-40B4-BE49-F238E27FC236}">
+                    <a16:creationId xmlns:a16="http://schemas.microsoft.com/office/drawing/2014/main" id="{31F0B272-273C-0CBB-0A95-A2691B890BB0}"/>
+                  </a:ext>
+                </a:extLst>
+              </p:cNvPr>
+              <p:cNvSpPr/>
+              <p:nvPr/>
+            </p:nvSpPr>
+            <p:spPr>
+              <a:xfrm>
+                <a:off x="4497572" y="3500770"/>
+                <a:ext cx="446568" cy="388088"/>
+              </a:xfrm>
+              <a:prstGeom prst="rightArrow">
+                <a:avLst/>
+              </a:prstGeom>
+              <a:noFill/>
+              <a:ln w="38100">
+                <a:solidFill>
+                  <a:schemeClr val="bg2">
+                    <a:lumMod val="25000"/>
+                  </a:schemeClr>
+                </a:solidFill>
+              </a:ln>
+            </p:spPr>
+            <p:style>
+              <a:lnRef idx="2">
+                <a:schemeClr val="accent1">
+                  <a:shade val="50000"/>
+                </a:schemeClr>
+              </a:lnRef>
+              <a:fillRef idx="1">
+                <a:schemeClr val="accent1"/>
+              </a:fillRef>
+              <a:effectRef idx="0">
+                <a:schemeClr val="accent1"/>
+              </a:effectRef>
+              <a:fontRef idx="minor">
+                <a:schemeClr val="lt1"/>
+              </a:fontRef>
+            </p:style>
+            <p:txBody>
+              <a:bodyPr rtlCol="0" anchor="ctr"/>
+              <a:lstStyle/>
+              <a:p>
+                <a:pPr algn="ctr"/>
+                <a:endParaRPr kumimoji="1" lang="ja-JP" altLang="en-US"/>
+              </a:p>
+            </p:txBody>
+          </p:sp>
+          <p:sp>
+            <p:nvSpPr>
+              <p:cNvPr id="23" name="矢印: 右 22">
+                <a:extLst>
+                  <a:ext uri="{FF2B5EF4-FFF2-40B4-BE49-F238E27FC236}">
+                    <a16:creationId xmlns:a16="http://schemas.microsoft.com/office/drawing/2014/main" id="{8646B11D-5E95-0618-79E3-DFC5379AB4E3}"/>
+                  </a:ext>
+                </a:extLst>
+              </p:cNvPr>
+              <p:cNvSpPr/>
+              <p:nvPr/>
+            </p:nvSpPr>
+            <p:spPr>
+              <a:xfrm rot="5400000">
+                <a:off x="3965944" y="4032398"/>
+                <a:ext cx="446568" cy="388088"/>
+              </a:xfrm>
+              <a:prstGeom prst="rightArrow">
+                <a:avLst/>
+              </a:prstGeom>
+              <a:noFill/>
+              <a:ln w="38100">
+                <a:solidFill>
+                  <a:schemeClr val="bg2">
+                    <a:lumMod val="25000"/>
+                  </a:schemeClr>
+                </a:solidFill>
+              </a:ln>
+            </p:spPr>
+            <p:style>
+              <a:lnRef idx="2">
+                <a:schemeClr val="accent1">
+                  <a:shade val="50000"/>
+                </a:schemeClr>
+              </a:lnRef>
+              <a:fillRef idx="1">
+                <a:schemeClr val="accent1"/>
+              </a:fillRef>
+              <a:effectRef idx="0">
+                <a:schemeClr val="accent1"/>
+              </a:effectRef>
+              <a:fontRef idx="minor">
+                <a:schemeClr val="lt1"/>
+              </a:fontRef>
+            </p:style>
+            <p:txBody>
+              <a:bodyPr rtlCol="0" anchor="ctr"/>
+              <a:lstStyle/>
+              <a:p>
+                <a:pPr algn="ctr"/>
+                <a:endParaRPr kumimoji="1" lang="ja-JP" altLang="en-US"/>
+              </a:p>
+            </p:txBody>
+          </p:sp>
+          <p:cxnSp>
+            <p:nvCxnSpPr>
+              <p:cNvPr id="25" name="直線コネクタ 24">
+                <a:extLst>
+                  <a:ext uri="{FF2B5EF4-FFF2-40B4-BE49-F238E27FC236}">
+                    <a16:creationId xmlns:a16="http://schemas.microsoft.com/office/drawing/2014/main" id="{FD2A41F9-33D3-F606-A1F5-80244E489AE3}"/>
+                  </a:ext>
+                </a:extLst>
+              </p:cNvPr>
+              <p:cNvCxnSpPr/>
+              <p:nvPr/>
+            </p:nvCxnSpPr>
+            <p:spPr>
+              <a:xfrm>
+                <a:off x="1860697" y="4210493"/>
+                <a:ext cx="4125433" cy="0"/>
+              </a:xfrm>
+              <a:prstGeom prst="line">
+                <a:avLst/>
+              </a:prstGeom>
+              <a:ln w="76200">
+                <a:solidFill>
+                  <a:srgbClr val="75F2FF"/>
+                </a:solidFill>
+              </a:ln>
+            </p:spPr>
+            <p:style>
+              <a:lnRef idx="1">
+                <a:schemeClr val="accent1"/>
+              </a:lnRef>
+              <a:fillRef idx="0">
+                <a:schemeClr val="accent1"/>
+              </a:fillRef>
+              <a:effectRef idx="0">
+                <a:schemeClr val="accent1"/>
+              </a:effectRef>
+              <a:fontRef idx="minor">
+                <a:schemeClr val="tx1"/>
+              </a:fontRef>
+            </p:style>
+          </p:cxnSp>
+        </p:grpSp>
+        <p:sp>
+          <p:nvSpPr>
+            <p:cNvPr id="27" name="吹き出し: 四角形 26">
+              <a:extLst>
+                <a:ext uri="{FF2B5EF4-FFF2-40B4-BE49-F238E27FC236}">
+                  <a16:creationId xmlns:a16="http://schemas.microsoft.com/office/drawing/2014/main" id="{7C9F45C4-F5EE-9546-6D32-9BC325E88234}"/>
+                </a:ext>
+              </a:extLst>
+            </p:cNvPr>
+            <p:cNvSpPr/>
+            <p:nvPr/>
+          </p:nvSpPr>
+          <p:spPr>
+            <a:xfrm>
+              <a:off x="967561" y="3747978"/>
+              <a:ext cx="2181447" cy="1020724"/>
+            </a:xfrm>
+            <a:prstGeom prst="wedgeRectCallout">
+              <a:avLst>
+                <a:gd name="adj1" fmla="val 75674"/>
+                <a:gd name="adj2" fmla="val -28433"/>
+              </a:avLst>
+            </a:prstGeom>
+            <a:solidFill>
+              <a:schemeClr val="bg2"/>
+            </a:solidFill>
+            <a:ln>
+              <a:noFill/>
+            </a:ln>
+          </p:spPr>
+          <p:style>
+            <a:lnRef idx="2">
+              <a:schemeClr val="accent1">
+                <a:shade val="50000"/>
+              </a:schemeClr>
+            </a:lnRef>
+            <a:fillRef idx="1">
+              <a:schemeClr val="accent1"/>
+            </a:fillRef>
+            <a:effectRef idx="0">
+              <a:schemeClr val="accent1"/>
+            </a:effectRef>
+            <a:fontRef idx="minor">
+              <a:schemeClr val="lt1"/>
+            </a:fontRef>
+          </p:style>
+          <p:txBody>
+            <a:bodyPr rtlCol="0" anchor="b"/>
+            <a:lstStyle/>
+            <a:p>
+              <a:r>
+                <a:rPr kumimoji="1" lang="ja-JP" altLang="en-US" sz="1400" b="1" dirty="0">
+                  <a:solidFill>
+                    <a:schemeClr val="bg2">
+                      <a:lumMod val="25000"/>
+                    </a:schemeClr>
+                  </a:solidFill>
+                </a:rPr>
+                <a:t>長押ししながら</a:t>
+              </a:r>
+              <a:r>
+                <a:rPr kumimoji="1" lang="en-US" altLang="ja-JP" sz="1400" b="1" dirty="0">
+                  <a:solidFill>
+                    <a:schemeClr val="bg2">
+                      <a:lumMod val="25000"/>
+                    </a:schemeClr>
+                  </a:solidFill>
+                </a:rPr>
+                <a:t>2</a:t>
+              </a:r>
+              <a:r>
+                <a:rPr kumimoji="1" lang="ja-JP" altLang="en-US" sz="1400" b="1" dirty="0">
+                  <a:solidFill>
+                    <a:schemeClr val="bg2">
+                      <a:lumMod val="25000"/>
+                    </a:schemeClr>
+                  </a:solidFill>
+                </a:rPr>
+                <a:t>つ同時にタップとさらに長押しもしなきゃ</a:t>
+              </a:r>
+              <a:r>
+                <a:rPr kumimoji="1" lang="en-US" altLang="ja-JP" sz="1400" b="1" dirty="0">
+                  <a:solidFill>
+                    <a:schemeClr val="bg2">
+                      <a:lumMod val="25000"/>
+                    </a:schemeClr>
+                  </a:solidFill>
+                </a:rPr>
+                <a:t>…</a:t>
+              </a:r>
+              <a:endParaRPr kumimoji="1" lang="ja-JP" altLang="en-US" sz="1400" b="1" dirty="0">
+                <a:solidFill>
+                  <a:schemeClr val="bg2">
+                    <a:lumMod val="25000"/>
+                  </a:schemeClr>
+                </a:solidFill>
+              </a:endParaRPr>
+            </a:p>
+          </p:txBody>
+        </p:sp>
+        <p:sp>
+          <p:nvSpPr>
+            <p:cNvPr id="28" name="吹き出し: 四角形 27">
+              <a:extLst>
+                <a:ext uri="{FF2B5EF4-FFF2-40B4-BE49-F238E27FC236}">
+                  <a16:creationId xmlns:a16="http://schemas.microsoft.com/office/drawing/2014/main" id="{562EE68B-83CC-A26C-0CCA-83A290B70D16}"/>
+                </a:ext>
+              </a:extLst>
+            </p:cNvPr>
+            <p:cNvSpPr/>
+            <p:nvPr/>
+          </p:nvSpPr>
+          <p:spPr>
+            <a:xfrm>
+              <a:off x="8909196" y="3938430"/>
+              <a:ext cx="2516373" cy="830271"/>
+            </a:xfrm>
+            <a:prstGeom prst="wedgeRectCallout">
+              <a:avLst>
+                <a:gd name="adj1" fmla="val -86441"/>
+                <a:gd name="adj2" fmla="val 4308"/>
+              </a:avLst>
+            </a:prstGeom>
+            <a:solidFill>
+              <a:schemeClr val="bg2"/>
+            </a:solidFill>
+            <a:ln>
+              <a:noFill/>
+            </a:ln>
+          </p:spPr>
+          <p:style>
+            <a:lnRef idx="2">
+              <a:schemeClr val="accent1">
+                <a:shade val="50000"/>
+              </a:schemeClr>
+            </a:lnRef>
+            <a:fillRef idx="1">
+              <a:schemeClr val="accent1"/>
+            </a:fillRef>
+            <a:effectRef idx="0">
+              <a:schemeClr val="accent1"/>
+            </a:effectRef>
+            <a:fontRef idx="minor">
+              <a:schemeClr val="lt1"/>
+            </a:fontRef>
+          </p:style>
+          <p:txBody>
+            <a:bodyPr rtlCol="0" anchor="b"/>
+            <a:lstStyle/>
+            <a:p>
+              <a:r>
+                <a:rPr lang="ja-JP" altLang="en-US" sz="1400" b="1" dirty="0">
+                  <a:solidFill>
+                    <a:schemeClr val="bg2">
+                      <a:lumMod val="25000"/>
+                    </a:schemeClr>
+                  </a:solidFill>
+                </a:rPr>
+                <a:t>右</a:t>
+              </a:r>
+              <a:r>
+                <a:rPr kumimoji="1" lang="ja-JP" altLang="en-US" sz="1400" b="1" dirty="0">
+                  <a:solidFill>
+                    <a:schemeClr val="bg2">
+                      <a:lumMod val="25000"/>
+                    </a:schemeClr>
+                  </a:solidFill>
+                </a:rPr>
+                <a:t>フリックの後にタップと同時に下フリックしなきゃ</a:t>
+              </a:r>
+              <a:r>
+                <a:rPr kumimoji="1" lang="en-US" altLang="ja-JP" sz="1400" b="1" dirty="0">
+                  <a:solidFill>
+                    <a:schemeClr val="bg2">
+                      <a:lumMod val="25000"/>
+                    </a:schemeClr>
+                  </a:solidFill>
+                </a:rPr>
+                <a:t>…</a:t>
+              </a:r>
+              <a:endParaRPr kumimoji="1" lang="ja-JP" altLang="en-US" sz="1400" b="1" dirty="0">
+                <a:solidFill>
+                  <a:schemeClr val="bg2">
+                    <a:lumMod val="25000"/>
+                  </a:schemeClr>
+                </a:solidFill>
+              </a:endParaRPr>
+            </a:p>
+          </p:txBody>
+        </p:sp>
+        <p:pic>
+          <p:nvPicPr>
+            <p:cNvPr id="30" name="グラフィックス 29" descr="挙手">
+              <a:extLst>
+                <a:ext uri="{FF2B5EF4-FFF2-40B4-BE49-F238E27FC236}">
+                  <a16:creationId xmlns:a16="http://schemas.microsoft.com/office/drawing/2014/main" id="{94D540A8-98BE-A47A-F9B0-6E950515B663}"/>
+                </a:ext>
+              </a:extLst>
+            </p:cNvPr>
+            <p:cNvPicPr>
+              <a:picLocks noChangeAspect="1"/>
+            </p:cNvPicPr>
+            <p:nvPr/>
+          </p:nvPicPr>
+          <p:blipFill>
+            <a:blip r:embed="rId2">
+              <a:extLst>
+                <a:ext uri="{28A0092B-C50C-407E-A947-70E740481C1C}">
+                  <a14:useLocalDpi xmlns:a14="http://schemas.microsoft.com/office/drawing/2010/main" val="0"/>
+                </a:ext>
+                <a:ext uri="{96DAC541-7B7A-43D3-8B79-37D633B846F1}">
+                  <asvg:svgBlip xmlns:asvg="http://schemas.microsoft.com/office/drawing/2016/SVG/main" r:embed="rId3"/>
+                </a:ext>
+              </a:extLst>
+            </a:blip>
+            <a:stretch>
+              <a:fillRect/>
+            </a:stretch>
+          </p:blipFill>
+          <p:spPr>
+            <a:xfrm>
+              <a:off x="967560" y="3099391"/>
+              <a:ext cx="978197" cy="914400"/>
+            </a:xfrm>
+            <a:prstGeom prst="rect">
+              <a:avLst/>
+            </a:prstGeom>
+          </p:spPr>
+        </p:pic>
+        <p:pic>
+          <p:nvPicPr>
+            <p:cNvPr id="31" name="グラフィックス 30" descr="挙手">
+              <a:extLst>
+                <a:ext uri="{FF2B5EF4-FFF2-40B4-BE49-F238E27FC236}">
+                  <a16:creationId xmlns:a16="http://schemas.microsoft.com/office/drawing/2014/main" id="{8CD7ADC0-477F-5650-F6EA-0F20A83DD961}"/>
+                </a:ext>
+              </a:extLst>
+            </p:cNvPr>
+            <p:cNvPicPr>
+              <a:picLocks noChangeAspect="1"/>
+            </p:cNvPicPr>
+            <p:nvPr/>
+          </p:nvPicPr>
+          <p:blipFill>
+            <a:blip r:embed="rId2">
+              <a:extLst>
+                <a:ext uri="{28A0092B-C50C-407E-A947-70E740481C1C}">
+                  <a14:useLocalDpi xmlns:a14="http://schemas.microsoft.com/office/drawing/2010/main" val="0"/>
+                </a:ext>
+                <a:ext uri="{96DAC541-7B7A-43D3-8B79-37D633B846F1}">
+                  <asvg:svgBlip xmlns:asvg="http://schemas.microsoft.com/office/drawing/2016/SVG/main" r:embed="rId3"/>
+                </a:ext>
+              </a:extLst>
+            </a:blip>
+            <a:stretch>
+              <a:fillRect/>
+            </a:stretch>
+          </p:blipFill>
+          <p:spPr>
+            <a:xfrm flipH="1">
+              <a:off x="10246242" y="3288119"/>
+              <a:ext cx="978197" cy="914400"/>
+            </a:xfrm>
+            <a:prstGeom prst="rect">
+              <a:avLst/>
+            </a:prstGeom>
+          </p:spPr>
+        </p:pic>
+        <p:sp>
+          <p:nvSpPr>
+            <p:cNvPr id="32" name="テキスト ボックス 31">
+              <a:extLst>
+                <a:ext uri="{FF2B5EF4-FFF2-40B4-BE49-F238E27FC236}">
+                  <a16:creationId xmlns:a16="http://schemas.microsoft.com/office/drawing/2014/main" id="{2FA4F2BC-A978-A309-C701-661321D0B30B}"/>
+                </a:ext>
+              </a:extLst>
+            </p:cNvPr>
+            <p:cNvSpPr txBox="1"/>
+            <p:nvPr/>
+          </p:nvSpPr>
+          <p:spPr>
+            <a:xfrm>
+              <a:off x="1724689" y="3618358"/>
+              <a:ext cx="1163378" cy="461665"/>
+            </a:xfrm>
+            <a:prstGeom prst="rect">
+              <a:avLst/>
+            </a:prstGeom>
+            <a:noFill/>
+          </p:spPr>
+          <p:txBody>
+            <a:bodyPr wrap="square" rtlCol="0">
+              <a:spAutoFit/>
+            </a:bodyPr>
+            <a:lstStyle/>
+            <a:p>
+              <a:r>
+                <a:rPr lang="ja-JP" altLang="en-US" sz="2400" b="1" dirty="0">
+                  <a:solidFill>
+                    <a:schemeClr val="bg2">
+                      <a:lumMod val="25000"/>
+                    </a:schemeClr>
+                  </a:solidFill>
+                </a:rPr>
+                <a:t>みぎて</a:t>
+              </a:r>
+              <a:endParaRPr kumimoji="1" lang="ja-JP" altLang="en-US" sz="2400" b="1" dirty="0">
+                <a:solidFill>
+                  <a:schemeClr val="bg2">
+                    <a:lumMod val="25000"/>
+                  </a:schemeClr>
+                </a:solidFill>
+              </a:endParaRPr>
+            </a:p>
+          </p:txBody>
+        </p:sp>
+        <p:sp>
+          <p:nvSpPr>
+            <p:cNvPr id="33" name="テキスト ボックス 32">
+              <a:extLst>
+                <a:ext uri="{FF2B5EF4-FFF2-40B4-BE49-F238E27FC236}">
+                  <a16:creationId xmlns:a16="http://schemas.microsoft.com/office/drawing/2014/main" id="{87460F3D-43E9-25ED-B961-D17C5ECD7BB1}"/>
+                </a:ext>
+              </a:extLst>
+            </p:cNvPr>
+            <p:cNvSpPr txBox="1"/>
+            <p:nvPr/>
+          </p:nvSpPr>
+          <p:spPr>
+            <a:xfrm>
+              <a:off x="8996030" y="3793112"/>
+              <a:ext cx="1586912" cy="461665"/>
+            </a:xfrm>
+            <a:prstGeom prst="rect">
+              <a:avLst/>
+            </a:prstGeom>
+            <a:noFill/>
+          </p:spPr>
+          <p:txBody>
+            <a:bodyPr wrap="square" rtlCol="0">
+              <a:spAutoFit/>
+            </a:bodyPr>
+            <a:lstStyle/>
+            <a:p>
+              <a:r>
+                <a:rPr kumimoji="1" lang="ja-JP" altLang="en-US" sz="2400" b="1" dirty="0">
+                  <a:solidFill>
+                    <a:schemeClr val="bg2">
+                      <a:lumMod val="25000"/>
+                    </a:schemeClr>
+                  </a:solidFill>
+                </a:rPr>
+                <a:t>ひだりて</a:t>
+              </a:r>
+            </a:p>
+          </p:txBody>
+        </p:sp>
+      </p:grpSp>
+      <p:grpSp>
+        <p:nvGrpSpPr>
+          <p:cNvPr id="40" name="グループ化 39">
+            <a:extLst>
+              <a:ext uri="{FF2B5EF4-FFF2-40B4-BE49-F238E27FC236}">
+                <a16:creationId xmlns:a16="http://schemas.microsoft.com/office/drawing/2014/main" id="{5C081011-D011-7E89-B26B-6836829C32A9}"/>
+              </a:ext>
+            </a:extLst>
+          </p:cNvPr>
+          <p:cNvGrpSpPr/>
+          <p:nvPr/>
+        </p:nvGrpSpPr>
+        <p:grpSpPr>
+          <a:xfrm>
+            <a:off x="7387858" y="4332307"/>
+            <a:ext cx="2043223" cy="851231"/>
+            <a:chOff x="8646929" y="4283842"/>
+            <a:chExt cx="2043223" cy="851231"/>
+          </a:xfrm>
+        </p:grpSpPr>
+        <p:grpSp>
+          <p:nvGrpSpPr>
+            <p:cNvPr id="38" name="グループ化 37">
+              <a:extLst>
+                <a:ext uri="{FF2B5EF4-FFF2-40B4-BE49-F238E27FC236}">
+                  <a16:creationId xmlns:a16="http://schemas.microsoft.com/office/drawing/2014/main" id="{6F27E3CA-4F7B-674A-C891-79B9C53128A2}"/>
+                </a:ext>
+              </a:extLst>
+            </p:cNvPr>
+            <p:cNvGrpSpPr/>
+            <p:nvPr/>
+          </p:nvGrpSpPr>
+          <p:grpSpPr>
+            <a:xfrm>
+              <a:off x="9095268" y="4603445"/>
+              <a:ext cx="1594884" cy="531628"/>
+              <a:chOff x="2064490" y="5634868"/>
+              <a:chExt cx="1594884" cy="531628"/>
+            </a:xfrm>
+          </p:grpSpPr>
+          <p:sp>
+            <p:nvSpPr>
+              <p:cNvPr id="35" name="正方形/長方形 34">
+                <a:extLst>
+                  <a:ext uri="{FF2B5EF4-FFF2-40B4-BE49-F238E27FC236}">
+                    <a16:creationId xmlns:a16="http://schemas.microsoft.com/office/drawing/2014/main" id="{8D1604E0-0F21-9C76-8753-2244877FCB9E}"/>
+                  </a:ext>
+                </a:extLst>
+              </p:cNvPr>
+              <p:cNvSpPr/>
+              <p:nvPr/>
+            </p:nvSpPr>
+            <p:spPr>
+              <a:xfrm>
+                <a:off x="2064490" y="5634868"/>
+                <a:ext cx="531628" cy="531628"/>
+              </a:xfrm>
+              <a:prstGeom prst="rect">
+                <a:avLst/>
+              </a:prstGeom>
+              <a:solidFill>
+                <a:srgbClr val="0070C0"/>
+              </a:solidFill>
+              <a:ln>
+                <a:solidFill>
+                  <a:schemeClr val="bg1">
+                    <a:lumMod val="95000"/>
+                  </a:schemeClr>
+                </a:solidFill>
+              </a:ln>
+            </p:spPr>
+            <p:style>
+              <a:lnRef idx="2">
+                <a:schemeClr val="accent1">
+                  <a:shade val="50000"/>
+                </a:schemeClr>
+              </a:lnRef>
+              <a:fillRef idx="1">
+                <a:schemeClr val="accent1"/>
+              </a:fillRef>
+              <a:effectRef idx="0">
+                <a:schemeClr val="accent1"/>
+              </a:effectRef>
+              <a:fontRef idx="minor">
+                <a:schemeClr val="lt1"/>
+              </a:fontRef>
+            </p:style>
+            <p:txBody>
+              <a:bodyPr rtlCol="0" anchor="ctr"/>
+              <a:lstStyle/>
+              <a:p>
+                <a:pPr algn="ctr"/>
+                <a:endParaRPr kumimoji="1" lang="ja-JP" altLang="en-US"/>
+              </a:p>
+            </p:txBody>
+          </p:sp>
+          <p:sp>
+            <p:nvSpPr>
+              <p:cNvPr id="36" name="正方形/長方形 35">
+                <a:extLst>
+                  <a:ext uri="{FF2B5EF4-FFF2-40B4-BE49-F238E27FC236}">
+                    <a16:creationId xmlns:a16="http://schemas.microsoft.com/office/drawing/2014/main" id="{6CDE933A-1584-B4B5-A739-8FC0C306003C}"/>
+                  </a:ext>
+                </a:extLst>
+              </p:cNvPr>
+              <p:cNvSpPr/>
+              <p:nvPr/>
+            </p:nvSpPr>
+            <p:spPr>
+              <a:xfrm>
+                <a:off x="2596118" y="5634868"/>
+                <a:ext cx="531628" cy="531628"/>
+              </a:xfrm>
+              <a:prstGeom prst="rect">
+                <a:avLst/>
+              </a:prstGeom>
+              <a:solidFill>
+                <a:srgbClr val="0070C0"/>
+              </a:solidFill>
+              <a:ln>
+                <a:solidFill>
+                  <a:schemeClr val="bg1">
+                    <a:lumMod val="95000"/>
+                  </a:schemeClr>
+                </a:solidFill>
+              </a:ln>
+            </p:spPr>
+            <p:style>
+              <a:lnRef idx="2">
+                <a:schemeClr val="accent1">
+                  <a:shade val="50000"/>
+                </a:schemeClr>
+              </a:lnRef>
+              <a:fillRef idx="1">
+                <a:schemeClr val="accent1"/>
+              </a:fillRef>
+              <a:effectRef idx="0">
+                <a:schemeClr val="accent1"/>
+              </a:effectRef>
+              <a:fontRef idx="minor">
+                <a:schemeClr val="lt1"/>
+              </a:fontRef>
+            </p:style>
+            <p:txBody>
+              <a:bodyPr rtlCol="0" anchor="t"/>
+              <a:lstStyle/>
+              <a:p>
+                <a:pPr algn="ctr"/>
+                <a:endParaRPr kumimoji="1" lang="ja-JP" altLang="en-US" sz="3600" b="1" dirty="0">
+                  <a:solidFill>
+                    <a:schemeClr val="bg2">
+                      <a:lumMod val="25000"/>
+                    </a:schemeClr>
+                  </a:solidFill>
+                </a:endParaRPr>
+              </a:p>
+            </p:txBody>
+          </p:sp>
+          <p:sp>
+            <p:nvSpPr>
+              <p:cNvPr id="37" name="正方形/長方形 36">
+                <a:extLst>
+                  <a:ext uri="{FF2B5EF4-FFF2-40B4-BE49-F238E27FC236}">
+                    <a16:creationId xmlns:a16="http://schemas.microsoft.com/office/drawing/2014/main" id="{85A99506-2302-B096-4D27-05854C15BEBE}"/>
+                  </a:ext>
+                </a:extLst>
+              </p:cNvPr>
+              <p:cNvSpPr/>
+              <p:nvPr/>
+            </p:nvSpPr>
+            <p:spPr>
+              <a:xfrm>
+                <a:off x="3127746" y="5634868"/>
+                <a:ext cx="531628" cy="531628"/>
+              </a:xfrm>
+              <a:prstGeom prst="rect">
+                <a:avLst/>
+              </a:prstGeom>
+              <a:solidFill>
+                <a:srgbClr val="0070C0"/>
+              </a:solidFill>
+              <a:ln>
+                <a:solidFill>
+                  <a:schemeClr val="bg1">
+                    <a:lumMod val="95000"/>
+                  </a:schemeClr>
+                </a:solidFill>
+              </a:ln>
+            </p:spPr>
+            <p:style>
+              <a:lnRef idx="2">
+                <a:schemeClr val="accent1">
+                  <a:shade val="50000"/>
+                </a:schemeClr>
+              </a:lnRef>
+              <a:fillRef idx="1">
+                <a:schemeClr val="accent1"/>
+              </a:fillRef>
+              <a:effectRef idx="0">
+                <a:schemeClr val="accent1"/>
+              </a:effectRef>
+              <a:fontRef idx="minor">
+                <a:schemeClr val="lt1"/>
+              </a:fontRef>
+            </p:style>
+            <p:txBody>
+              <a:bodyPr rtlCol="0" anchor="ctr"/>
+              <a:lstStyle/>
+              <a:p>
+                <a:pPr algn="ctr"/>
+                <a:endParaRPr kumimoji="1" lang="ja-JP" altLang="en-US"/>
+              </a:p>
+            </p:txBody>
+          </p:sp>
+        </p:grpSp>
+        <p:sp>
+          <p:nvSpPr>
+            <p:cNvPr id="39" name="テキスト ボックス 38">
+              <a:extLst>
+                <a:ext uri="{FF2B5EF4-FFF2-40B4-BE49-F238E27FC236}">
+                  <a16:creationId xmlns:a16="http://schemas.microsoft.com/office/drawing/2014/main" id="{48E1BB25-AA36-48F7-507C-8A688EE28B40}"/>
+                </a:ext>
+              </a:extLst>
+            </p:cNvPr>
+            <p:cNvSpPr txBox="1"/>
+            <p:nvPr/>
+          </p:nvSpPr>
+          <p:spPr>
+            <a:xfrm>
+              <a:off x="8646929" y="4283842"/>
+              <a:ext cx="1607289" cy="369332"/>
+            </a:xfrm>
+            <a:prstGeom prst="rect">
+              <a:avLst/>
+            </a:prstGeom>
+            <a:noFill/>
+          </p:spPr>
+          <p:txBody>
+            <a:bodyPr wrap="square" rtlCol="0">
+              <a:spAutoFit/>
+            </a:bodyPr>
+            <a:lstStyle/>
+            <a:p>
+              <a:r>
+                <a:rPr kumimoji="1" lang="ja-JP" altLang="en-US" b="1" dirty="0">
+                  <a:solidFill>
+                    <a:schemeClr val="bg2">
+                      <a:lumMod val="25000"/>
+                    </a:schemeClr>
+                  </a:solidFill>
+                </a:rPr>
+                <a:t>これで</a:t>
+              </a:r>
+              <a:r>
+                <a:rPr kumimoji="1" lang="en-US" altLang="ja-JP" b="1" dirty="0">
+                  <a:solidFill>
+                    <a:schemeClr val="bg2">
+                      <a:lumMod val="25000"/>
+                    </a:schemeClr>
+                  </a:solidFill>
+                </a:rPr>
+                <a:t>3</a:t>
+              </a:r>
+              <a:r>
+                <a:rPr kumimoji="1" lang="ja-JP" altLang="en-US" b="1" dirty="0">
+                  <a:solidFill>
+                    <a:schemeClr val="bg2">
+                      <a:lumMod val="25000"/>
+                    </a:schemeClr>
+                  </a:solidFill>
+                </a:rPr>
+                <a:t>点</a:t>
+              </a:r>
+            </a:p>
+          </p:txBody>
+        </p:sp>
+      </p:grpSp>
+      <p:sp>
+        <p:nvSpPr>
+          <p:cNvPr id="41" name="吹き出し: 四角形 40">
+            <a:extLst>
+              <a:ext uri="{FF2B5EF4-FFF2-40B4-BE49-F238E27FC236}">
+                <a16:creationId xmlns:a16="http://schemas.microsoft.com/office/drawing/2014/main" id="{94A80920-D120-9192-3069-934549DF5F1A}"/>
+              </a:ext>
+            </a:extLst>
+          </p:cNvPr>
+          <p:cNvSpPr/>
+          <p:nvPr/>
+        </p:nvSpPr>
+        <p:spPr>
+          <a:xfrm>
+            <a:off x="9968915" y="5405650"/>
+            <a:ext cx="1847406" cy="531628"/>
+          </a:xfrm>
+          <a:prstGeom prst="wedgeRectCallout">
+            <a:avLst>
+              <a:gd name="adj1" fmla="val -65714"/>
+              <a:gd name="adj2" fmla="val 34168"/>
+            </a:avLst>
+          </a:prstGeom>
+          <a:solidFill>
+            <a:schemeClr val="bg2"/>
+          </a:solidFill>
+          <a:ln>
+            <a:noFill/>
+          </a:ln>
+        </p:spPr>
+        <p:style>
+          <a:lnRef idx="2">
+            <a:schemeClr val="accent1">
+              <a:shade val="50000"/>
+            </a:schemeClr>
+          </a:lnRef>
+          <a:fillRef idx="1">
+            <a:schemeClr val="accent1"/>
+          </a:fillRef>
+          <a:effectRef idx="0">
+            <a:schemeClr val="accent1"/>
+          </a:effectRef>
+          <a:fontRef idx="minor">
+            <a:schemeClr val="lt1"/>
+          </a:fontRef>
+        </p:style>
+        <p:txBody>
+          <a:bodyPr rtlCol="0" anchor="ctr"/>
+          <a:lstStyle/>
+          <a:p>
+            <a:pPr algn="ctr"/>
+            <a:r>
+              <a:rPr kumimoji="1" lang="ja-JP" altLang="en-US" sz="1400" b="1" dirty="0">
+                <a:solidFill>
+                  <a:schemeClr val="bg2">
+                    <a:lumMod val="25000"/>
+                  </a:schemeClr>
+                </a:solidFill>
+              </a:rPr>
+              <a:t>ミスすると痛い！！</a:t>
+            </a:r>
+          </a:p>
+        </p:txBody>
+      </p:sp>
+    </p:spTree>
+    <p:extLst>
+      <p:ext uri="{BB962C8B-B14F-4D97-AF65-F5344CB8AC3E}">
+        <p14:creationId xmlns:p14="http://schemas.microsoft.com/office/powerpoint/2010/main" val="50367243"/>
+      </p:ext>
+    </p:extLst>
+  </p:cSld>
+  <p:clrMapOvr>
+    <a:masterClrMapping/>
+  </p:clrMapOvr>
+</p:sld>
+</file>
+
+<file path=ppt/slides/slide11.xml><?xml version="1.0" encoding="utf-8"?>
+<p:sld xmlns:a="http://schemas.openxmlformats.org/drawingml/2006/main" xmlns:r="http://schemas.openxmlformats.org/officeDocument/2006/relationships" xmlns:p="http://schemas.openxmlformats.org/presentationml/2006/main">
+  <p:cSld>
+    <p:spTree>
+      <p:nvGrpSpPr>
+        <p:cNvPr id="1" name=""/>
+        <p:cNvGrpSpPr/>
+        <p:nvPr/>
+      </p:nvGrpSpPr>
+      <p:grpSpPr>
+        <a:xfrm>
+          <a:off x="0" y="0"/>
+          <a:ext cx="0" cy="0"/>
+          <a:chOff x="0" y="0"/>
+          <a:chExt cx="0" cy="0"/>
+        </a:xfrm>
+      </p:grpSpPr>
       <p:grpSp>
         <p:nvGrpSpPr>
           <p:cNvPr id="11" name="グループ化 10">
@@ -4456,7 +6604,7 @@
 </p:sld>
 </file>
 
-<file path=ppt/slides/slide11.xml><?xml version="1.0" encoding="utf-8"?>
+<file path=ppt/slides/slide12.xml><?xml version="1.0" encoding="utf-8"?>
 <p:sld xmlns:a="http://schemas.openxmlformats.org/drawingml/2006/main" xmlns:r="http://schemas.openxmlformats.org/officeDocument/2006/relationships" xmlns:p="http://schemas.openxmlformats.org/presentationml/2006/main">
   <p:cSld>
     <p:spTree>
@@ -7393,12 +9541,42 @@
             <a:r>
               <a:rPr lang="ja-JP" altLang="en-US" sz="3200" b="1" dirty="0">
                 <a:solidFill>
+                  <a:schemeClr val="accent5">
+                    <a:lumMod val="75000"/>
+                  </a:schemeClr>
+                </a:solidFill>
+              </a:rPr>
+              <a:t>ジャンル</a:t>
+            </a:r>
+            <a:r>
+              <a:rPr lang="ja-JP" altLang="en-US" sz="3200" b="1" dirty="0">
+                <a:solidFill>
                   <a:schemeClr val="bg2">
                     <a:lumMod val="25000"/>
                   </a:schemeClr>
                 </a:solidFill>
               </a:rPr>
-              <a:t>ジャンルを組み合わせて新しいゲームデザインを創出</a:t>
+              <a:t>を</a:t>
+            </a:r>
+            <a:r>
+              <a:rPr lang="ja-JP" altLang="en-US" sz="3200" b="1" dirty="0">
+                <a:solidFill>
+                  <a:schemeClr val="accent5">
+                    <a:lumMod val="75000"/>
+                  </a:schemeClr>
+                </a:solidFill>
+              </a:rPr>
+              <a:t>組み合わせ</a:t>
+            </a:r>
+            <a:r>
+              <a:rPr lang="ja-JP" altLang="en-US" sz="3200" b="1" dirty="0">
+                <a:solidFill>
+                  <a:schemeClr val="bg2">
+                    <a:lumMod val="25000"/>
+                  </a:schemeClr>
+                </a:solidFill>
+              </a:rPr>
+              <a:t>て新しいゲームデザインを創出</a:t>
             </a:r>
             <a:endParaRPr lang="en-US" altLang="ja-JP" sz="3200" b="1" dirty="0">
               <a:solidFill>
@@ -11387,6 +13565,777 @@
           <p:cNvPr id="2" name="タイトル 1">
             <a:extLst>
               <a:ext uri="{FF2B5EF4-FFF2-40B4-BE49-F238E27FC236}">
+                <a16:creationId xmlns:a16="http://schemas.microsoft.com/office/drawing/2014/main" id="{8C792EF1-1AA8-EC3F-2E1B-7702D332AED7}"/>
+              </a:ext>
+            </a:extLst>
+          </p:cNvPr>
+          <p:cNvSpPr>
+            <a:spLocks noGrp="1"/>
+          </p:cNvSpPr>
+          <p:nvPr>
+            <p:ph type="title"/>
+          </p:nvPr>
+        </p:nvSpPr>
+        <p:spPr/>
+        <p:txBody>
+          <a:bodyPr>
+            <a:normAutofit/>
+          </a:bodyPr>
+          <a:lstStyle/>
+          <a:p>
+            <a:r>
+              <a:rPr kumimoji="1" lang="en-US" altLang="ja-JP" sz="2800" dirty="0">
+                <a:solidFill>
+                  <a:schemeClr val="bg2">
+                    <a:lumMod val="25000"/>
+                  </a:schemeClr>
+                </a:solidFill>
+                <a:latin typeface="HGSｺﾞｼｯｸE" panose="020B0900000000000000" pitchFamily="50" charset="-128"/>
+                <a:ea typeface="HGSｺﾞｼｯｸE" panose="020B0900000000000000" pitchFamily="50" charset="-128"/>
+              </a:rPr>
+              <a:t>-</a:t>
+            </a:r>
+            <a:r>
+              <a:rPr kumimoji="1" lang="ja-JP" altLang="en-US" sz="2800" dirty="0">
+                <a:solidFill>
+                  <a:schemeClr val="bg2">
+                    <a:lumMod val="25000"/>
+                  </a:schemeClr>
+                </a:solidFill>
+                <a:latin typeface="HGSｺﾞｼｯｸE" panose="020B0900000000000000" pitchFamily="50" charset="-128"/>
+                <a:ea typeface="HGSｺﾞｼｯｸE" panose="020B0900000000000000" pitchFamily="50" charset="-128"/>
+              </a:rPr>
+              <a:t> </a:t>
+            </a:r>
+            <a:r>
+              <a:rPr lang="ja-JP" altLang="en-US" sz="2800" dirty="0">
+                <a:solidFill>
+                  <a:schemeClr val="bg2">
+                    <a:lumMod val="25000"/>
+                  </a:schemeClr>
+                </a:solidFill>
+                <a:latin typeface="HGSｺﾞｼｯｸE" panose="020B0900000000000000" pitchFamily="50" charset="-128"/>
+                <a:ea typeface="HGSｺﾞｼｯｸE" panose="020B0900000000000000" pitchFamily="50" charset="-128"/>
+              </a:rPr>
+              <a:t>なぜリズムゲームなのか</a:t>
+            </a:r>
+            <a:r>
+              <a:rPr kumimoji="1" lang="ja-JP" altLang="en-US" sz="2800" dirty="0">
+                <a:solidFill>
+                  <a:schemeClr val="bg2">
+                    <a:lumMod val="25000"/>
+                  </a:schemeClr>
+                </a:solidFill>
+                <a:latin typeface="HGSｺﾞｼｯｸE" panose="020B0900000000000000" pitchFamily="50" charset="-128"/>
+                <a:ea typeface="HGSｺﾞｼｯｸE" panose="020B0900000000000000" pitchFamily="50" charset="-128"/>
+              </a:rPr>
+              <a:t> </a:t>
+            </a:r>
+            <a:r>
+              <a:rPr kumimoji="1" lang="en-US" altLang="ja-JP" sz="2800" dirty="0">
+                <a:solidFill>
+                  <a:schemeClr val="bg2">
+                    <a:lumMod val="25000"/>
+                  </a:schemeClr>
+                </a:solidFill>
+                <a:latin typeface="HGSｺﾞｼｯｸE" panose="020B0900000000000000" pitchFamily="50" charset="-128"/>
+                <a:ea typeface="HGSｺﾞｼｯｸE" panose="020B0900000000000000" pitchFamily="50" charset="-128"/>
+              </a:rPr>
+              <a:t>-</a:t>
+            </a:r>
+            <a:br>
+              <a:rPr kumimoji="1" lang="en-US" altLang="ja-JP" sz="4000" dirty="0">
+                <a:solidFill>
+                  <a:schemeClr val="bg2">
+                    <a:lumMod val="25000"/>
+                  </a:schemeClr>
+                </a:solidFill>
+              </a:rPr>
+            </a:br>
+            <a:r>
+              <a:rPr kumimoji="1" lang="en-US" altLang="ja-JP" sz="2000" dirty="0">
+                <a:solidFill>
+                  <a:schemeClr val="bg2">
+                    <a:lumMod val="50000"/>
+                  </a:schemeClr>
+                </a:solidFill>
+                <a:latin typeface="Bahnschrift SemiLight" panose="020B0502040204020203" pitchFamily="34" charset="0"/>
+                <a:cs typeface="Adobe Devanagari" panose="02040503050201020203" pitchFamily="18" charset="0"/>
+              </a:rPr>
+              <a:t>Reasons for choosing rhythm games</a:t>
+            </a:r>
+            <a:endParaRPr kumimoji="1" lang="ja-JP" altLang="en-US" sz="4000" dirty="0">
+              <a:solidFill>
+                <a:schemeClr val="bg2">
+                  <a:lumMod val="50000"/>
+                </a:schemeClr>
+              </a:solidFill>
+              <a:latin typeface="Bahnschrift SemiLight" panose="020B0502040204020203" pitchFamily="34" charset="0"/>
+              <a:cs typeface="Adobe Devanagari" panose="02040503050201020203" pitchFamily="18" charset="0"/>
+            </a:endParaRPr>
+          </a:p>
+        </p:txBody>
+      </p:sp>
+      <p:graphicFrame>
+        <p:nvGraphicFramePr>
+          <p:cNvPr id="7" name="表 7">
+            <a:extLst>
+              <a:ext uri="{FF2B5EF4-FFF2-40B4-BE49-F238E27FC236}">
+                <a16:creationId xmlns:a16="http://schemas.microsoft.com/office/drawing/2014/main" id="{8A5B1E63-6D31-CC79-6912-9B1643B4A71E}"/>
+              </a:ext>
+            </a:extLst>
+          </p:cNvPr>
+          <p:cNvGraphicFramePr>
+            <a:graphicFrameLocks noGrp="1"/>
+          </p:cNvGraphicFramePr>
+          <p:nvPr>
+            <p:ph idx="1"/>
+            <p:extLst>
+              <p:ext uri="{D42A27DB-BD31-4B8C-83A1-F6EECF244321}">
+                <p14:modId xmlns:p14="http://schemas.microsoft.com/office/powerpoint/2010/main" val="1745836958"/>
+              </p:ext>
+            </p:extLst>
+          </p:nvPr>
+        </p:nvGraphicFramePr>
+        <p:xfrm>
+          <a:off x="838200" y="1825625"/>
+          <a:ext cx="10515596" cy="2595880"/>
+        </p:xfrm>
+        <a:graphic>
+          <a:graphicData uri="http://schemas.openxmlformats.org/drawingml/2006/table">
+            <a:tbl>
+              <a:tblPr firstRow="1" bandRow="1">
+                <a:tableStyleId>{5C22544A-7EE6-4342-B048-85BDC9FD1C3A}</a:tableStyleId>
+              </a:tblPr>
+              <a:tblGrid>
+                <a:gridCol w="1502228">
+                  <a:extLst>
+                    <a:ext uri="{9D8B030D-6E8A-4147-A177-3AD203B41FA5}">
+                      <a16:colId xmlns:a16="http://schemas.microsoft.com/office/drawing/2014/main" val="2627584453"/>
+                    </a:ext>
+                  </a:extLst>
+                </a:gridCol>
+                <a:gridCol w="1502228">
+                  <a:extLst>
+                    <a:ext uri="{9D8B030D-6E8A-4147-A177-3AD203B41FA5}">
+                      <a16:colId xmlns:a16="http://schemas.microsoft.com/office/drawing/2014/main" val="539428856"/>
+                    </a:ext>
+                  </a:extLst>
+                </a:gridCol>
+                <a:gridCol w="1502228">
+                  <a:extLst>
+                    <a:ext uri="{9D8B030D-6E8A-4147-A177-3AD203B41FA5}">
+                      <a16:colId xmlns:a16="http://schemas.microsoft.com/office/drawing/2014/main" val="2178092250"/>
+                    </a:ext>
+                  </a:extLst>
+                </a:gridCol>
+                <a:gridCol w="1502228">
+                  <a:extLst>
+                    <a:ext uri="{9D8B030D-6E8A-4147-A177-3AD203B41FA5}">
+                      <a16:colId xmlns:a16="http://schemas.microsoft.com/office/drawing/2014/main" val="914737103"/>
+                    </a:ext>
+                  </a:extLst>
+                </a:gridCol>
+                <a:gridCol w="1502228">
+                  <a:extLst>
+                    <a:ext uri="{9D8B030D-6E8A-4147-A177-3AD203B41FA5}">
+                      <a16:colId xmlns:a16="http://schemas.microsoft.com/office/drawing/2014/main" val="3414152401"/>
+                    </a:ext>
+                  </a:extLst>
+                </a:gridCol>
+                <a:gridCol w="1502228">
+                  <a:extLst>
+                    <a:ext uri="{9D8B030D-6E8A-4147-A177-3AD203B41FA5}">
+                      <a16:colId xmlns:a16="http://schemas.microsoft.com/office/drawing/2014/main" val="3236319647"/>
+                    </a:ext>
+                  </a:extLst>
+                </a:gridCol>
+                <a:gridCol w="1502228">
+                  <a:extLst>
+                    <a:ext uri="{9D8B030D-6E8A-4147-A177-3AD203B41FA5}">
+                      <a16:colId xmlns:a16="http://schemas.microsoft.com/office/drawing/2014/main" val="625985260"/>
+                    </a:ext>
+                  </a:extLst>
+                </a:gridCol>
+              </a:tblGrid>
+              <a:tr h="370840">
+                <a:tc>
+                  <a:txBody>
+                    <a:bodyPr/>
+                    <a:lstStyle/>
+                    <a:p>
+                      <a:endParaRPr kumimoji="1" lang="ja-JP" altLang="en-US" dirty="0"/>
+                    </a:p>
+                  </a:txBody>
+                  <a:tcPr/>
+                </a:tc>
+                <a:tc>
+                  <a:txBody>
+                    <a:bodyPr/>
+                    <a:lstStyle/>
+                    <a:p>
+                      <a:endParaRPr kumimoji="1" lang="ja-JP" altLang="en-US" dirty="0"/>
+                    </a:p>
+                  </a:txBody>
+                  <a:tcPr/>
+                </a:tc>
+                <a:tc>
+                  <a:txBody>
+                    <a:bodyPr/>
+                    <a:lstStyle/>
+                    <a:p>
+                      <a:endParaRPr kumimoji="1" lang="ja-JP" altLang="en-US"/>
+                    </a:p>
+                  </a:txBody>
+                  <a:tcPr/>
+                </a:tc>
+                <a:tc>
+                  <a:txBody>
+                    <a:bodyPr/>
+                    <a:lstStyle/>
+                    <a:p>
+                      <a:endParaRPr kumimoji="1" lang="ja-JP" altLang="en-US"/>
+                    </a:p>
+                  </a:txBody>
+                  <a:tcPr/>
+                </a:tc>
+                <a:tc>
+                  <a:txBody>
+                    <a:bodyPr/>
+                    <a:lstStyle/>
+                    <a:p>
+                      <a:endParaRPr kumimoji="1" lang="ja-JP" altLang="en-US"/>
+                    </a:p>
+                  </a:txBody>
+                  <a:tcPr/>
+                </a:tc>
+                <a:tc>
+                  <a:txBody>
+                    <a:bodyPr/>
+                    <a:lstStyle/>
+                    <a:p>
+                      <a:endParaRPr kumimoji="1" lang="ja-JP" altLang="en-US"/>
+                    </a:p>
+                  </a:txBody>
+                  <a:tcPr/>
+                </a:tc>
+                <a:tc>
+                  <a:txBody>
+                    <a:bodyPr/>
+                    <a:lstStyle/>
+                    <a:p>
+                      <a:endParaRPr kumimoji="1" lang="ja-JP" altLang="en-US"/>
+                    </a:p>
+                  </a:txBody>
+                  <a:tcPr/>
+                </a:tc>
+                <a:extLst>
+                  <a:ext uri="{0D108BD9-81ED-4DB2-BD59-A6C34878D82A}">
+                    <a16:rowId xmlns:a16="http://schemas.microsoft.com/office/drawing/2014/main" val="2725041733"/>
+                  </a:ext>
+                </a:extLst>
+              </a:tr>
+              <a:tr h="370840">
+                <a:tc>
+                  <a:txBody>
+                    <a:bodyPr/>
+                    <a:lstStyle/>
+                    <a:p>
+                      <a:endParaRPr kumimoji="1" lang="ja-JP" altLang="en-US"/>
+                    </a:p>
+                  </a:txBody>
+                  <a:tcPr/>
+                </a:tc>
+                <a:tc>
+                  <a:txBody>
+                    <a:bodyPr/>
+                    <a:lstStyle/>
+                    <a:p>
+                      <a:endParaRPr kumimoji="1" lang="ja-JP" altLang="en-US"/>
+                    </a:p>
+                  </a:txBody>
+                  <a:tcPr/>
+                </a:tc>
+                <a:tc>
+                  <a:txBody>
+                    <a:bodyPr/>
+                    <a:lstStyle/>
+                    <a:p>
+                      <a:endParaRPr kumimoji="1" lang="ja-JP" altLang="en-US"/>
+                    </a:p>
+                  </a:txBody>
+                  <a:tcPr/>
+                </a:tc>
+                <a:tc>
+                  <a:txBody>
+                    <a:bodyPr/>
+                    <a:lstStyle/>
+                    <a:p>
+                      <a:endParaRPr kumimoji="1" lang="ja-JP" altLang="en-US"/>
+                    </a:p>
+                  </a:txBody>
+                  <a:tcPr/>
+                </a:tc>
+                <a:tc>
+                  <a:txBody>
+                    <a:bodyPr/>
+                    <a:lstStyle/>
+                    <a:p>
+                      <a:endParaRPr kumimoji="1" lang="ja-JP" altLang="en-US"/>
+                    </a:p>
+                  </a:txBody>
+                  <a:tcPr/>
+                </a:tc>
+                <a:tc>
+                  <a:txBody>
+                    <a:bodyPr/>
+                    <a:lstStyle/>
+                    <a:p>
+                      <a:endParaRPr kumimoji="1" lang="ja-JP" altLang="en-US"/>
+                    </a:p>
+                  </a:txBody>
+                  <a:tcPr/>
+                </a:tc>
+                <a:tc>
+                  <a:txBody>
+                    <a:bodyPr/>
+                    <a:lstStyle/>
+                    <a:p>
+                      <a:endParaRPr kumimoji="1" lang="ja-JP" altLang="en-US"/>
+                    </a:p>
+                  </a:txBody>
+                  <a:tcPr/>
+                </a:tc>
+                <a:extLst>
+                  <a:ext uri="{0D108BD9-81ED-4DB2-BD59-A6C34878D82A}">
+                    <a16:rowId xmlns:a16="http://schemas.microsoft.com/office/drawing/2014/main" val="1841491528"/>
+                  </a:ext>
+                </a:extLst>
+              </a:tr>
+              <a:tr h="370840">
+                <a:tc>
+                  <a:txBody>
+                    <a:bodyPr/>
+                    <a:lstStyle/>
+                    <a:p>
+                      <a:endParaRPr kumimoji="1" lang="ja-JP" altLang="en-US"/>
+                    </a:p>
+                  </a:txBody>
+                  <a:tcPr/>
+                </a:tc>
+                <a:tc>
+                  <a:txBody>
+                    <a:bodyPr/>
+                    <a:lstStyle/>
+                    <a:p>
+                      <a:endParaRPr kumimoji="1" lang="ja-JP" altLang="en-US"/>
+                    </a:p>
+                  </a:txBody>
+                  <a:tcPr/>
+                </a:tc>
+                <a:tc>
+                  <a:txBody>
+                    <a:bodyPr/>
+                    <a:lstStyle/>
+                    <a:p>
+                      <a:endParaRPr kumimoji="1" lang="ja-JP" altLang="en-US"/>
+                    </a:p>
+                  </a:txBody>
+                  <a:tcPr/>
+                </a:tc>
+                <a:tc>
+                  <a:txBody>
+                    <a:bodyPr/>
+                    <a:lstStyle/>
+                    <a:p>
+                      <a:endParaRPr kumimoji="1" lang="ja-JP" altLang="en-US"/>
+                    </a:p>
+                  </a:txBody>
+                  <a:tcPr/>
+                </a:tc>
+                <a:tc>
+                  <a:txBody>
+                    <a:bodyPr/>
+                    <a:lstStyle/>
+                    <a:p>
+                      <a:endParaRPr kumimoji="1" lang="ja-JP" altLang="en-US"/>
+                    </a:p>
+                  </a:txBody>
+                  <a:tcPr/>
+                </a:tc>
+                <a:tc>
+                  <a:txBody>
+                    <a:bodyPr/>
+                    <a:lstStyle/>
+                    <a:p>
+                      <a:endParaRPr kumimoji="1" lang="ja-JP" altLang="en-US"/>
+                    </a:p>
+                  </a:txBody>
+                  <a:tcPr/>
+                </a:tc>
+                <a:tc>
+                  <a:txBody>
+                    <a:bodyPr/>
+                    <a:lstStyle/>
+                    <a:p>
+                      <a:endParaRPr kumimoji="1" lang="ja-JP" altLang="en-US"/>
+                    </a:p>
+                  </a:txBody>
+                  <a:tcPr/>
+                </a:tc>
+                <a:extLst>
+                  <a:ext uri="{0D108BD9-81ED-4DB2-BD59-A6C34878D82A}">
+                    <a16:rowId xmlns:a16="http://schemas.microsoft.com/office/drawing/2014/main" val="3438734193"/>
+                  </a:ext>
+                </a:extLst>
+              </a:tr>
+              <a:tr h="370840">
+                <a:tc>
+                  <a:txBody>
+                    <a:bodyPr/>
+                    <a:lstStyle/>
+                    <a:p>
+                      <a:endParaRPr kumimoji="1" lang="ja-JP" altLang="en-US"/>
+                    </a:p>
+                  </a:txBody>
+                  <a:tcPr/>
+                </a:tc>
+                <a:tc>
+                  <a:txBody>
+                    <a:bodyPr/>
+                    <a:lstStyle/>
+                    <a:p>
+                      <a:endParaRPr kumimoji="1" lang="ja-JP" altLang="en-US"/>
+                    </a:p>
+                  </a:txBody>
+                  <a:tcPr/>
+                </a:tc>
+                <a:tc>
+                  <a:txBody>
+                    <a:bodyPr/>
+                    <a:lstStyle/>
+                    <a:p>
+                      <a:endParaRPr kumimoji="1" lang="ja-JP" altLang="en-US"/>
+                    </a:p>
+                  </a:txBody>
+                  <a:tcPr/>
+                </a:tc>
+                <a:tc>
+                  <a:txBody>
+                    <a:bodyPr/>
+                    <a:lstStyle/>
+                    <a:p>
+                      <a:endParaRPr kumimoji="1" lang="ja-JP" altLang="en-US"/>
+                    </a:p>
+                  </a:txBody>
+                  <a:tcPr/>
+                </a:tc>
+                <a:tc>
+                  <a:txBody>
+                    <a:bodyPr/>
+                    <a:lstStyle/>
+                    <a:p>
+                      <a:endParaRPr kumimoji="1" lang="ja-JP" altLang="en-US"/>
+                    </a:p>
+                  </a:txBody>
+                  <a:tcPr/>
+                </a:tc>
+                <a:tc>
+                  <a:txBody>
+                    <a:bodyPr/>
+                    <a:lstStyle/>
+                    <a:p>
+                      <a:endParaRPr kumimoji="1" lang="ja-JP" altLang="en-US"/>
+                    </a:p>
+                  </a:txBody>
+                  <a:tcPr/>
+                </a:tc>
+                <a:tc>
+                  <a:txBody>
+                    <a:bodyPr/>
+                    <a:lstStyle/>
+                    <a:p>
+                      <a:endParaRPr kumimoji="1" lang="ja-JP" altLang="en-US"/>
+                    </a:p>
+                  </a:txBody>
+                  <a:tcPr/>
+                </a:tc>
+                <a:extLst>
+                  <a:ext uri="{0D108BD9-81ED-4DB2-BD59-A6C34878D82A}">
+                    <a16:rowId xmlns:a16="http://schemas.microsoft.com/office/drawing/2014/main" val="1007343869"/>
+                  </a:ext>
+                </a:extLst>
+              </a:tr>
+              <a:tr h="370840">
+                <a:tc>
+                  <a:txBody>
+                    <a:bodyPr/>
+                    <a:lstStyle/>
+                    <a:p>
+                      <a:endParaRPr kumimoji="1" lang="ja-JP" altLang="en-US"/>
+                    </a:p>
+                  </a:txBody>
+                  <a:tcPr/>
+                </a:tc>
+                <a:tc>
+                  <a:txBody>
+                    <a:bodyPr/>
+                    <a:lstStyle/>
+                    <a:p>
+                      <a:endParaRPr kumimoji="1" lang="ja-JP" altLang="en-US"/>
+                    </a:p>
+                  </a:txBody>
+                  <a:tcPr/>
+                </a:tc>
+                <a:tc>
+                  <a:txBody>
+                    <a:bodyPr/>
+                    <a:lstStyle/>
+                    <a:p>
+                      <a:endParaRPr kumimoji="1" lang="ja-JP" altLang="en-US" dirty="0"/>
+                    </a:p>
+                  </a:txBody>
+                  <a:tcPr/>
+                </a:tc>
+                <a:tc>
+                  <a:txBody>
+                    <a:bodyPr/>
+                    <a:lstStyle/>
+                    <a:p>
+                      <a:endParaRPr kumimoji="1" lang="ja-JP" altLang="en-US"/>
+                    </a:p>
+                  </a:txBody>
+                  <a:tcPr/>
+                </a:tc>
+                <a:tc>
+                  <a:txBody>
+                    <a:bodyPr/>
+                    <a:lstStyle/>
+                    <a:p>
+                      <a:endParaRPr kumimoji="1" lang="ja-JP" altLang="en-US"/>
+                    </a:p>
+                  </a:txBody>
+                  <a:tcPr/>
+                </a:tc>
+                <a:tc>
+                  <a:txBody>
+                    <a:bodyPr/>
+                    <a:lstStyle/>
+                    <a:p>
+                      <a:endParaRPr kumimoji="1" lang="ja-JP" altLang="en-US"/>
+                    </a:p>
+                  </a:txBody>
+                  <a:tcPr/>
+                </a:tc>
+                <a:tc>
+                  <a:txBody>
+                    <a:bodyPr/>
+                    <a:lstStyle/>
+                    <a:p>
+                      <a:endParaRPr kumimoji="1" lang="ja-JP" altLang="en-US"/>
+                    </a:p>
+                  </a:txBody>
+                  <a:tcPr/>
+                </a:tc>
+                <a:extLst>
+                  <a:ext uri="{0D108BD9-81ED-4DB2-BD59-A6C34878D82A}">
+                    <a16:rowId xmlns:a16="http://schemas.microsoft.com/office/drawing/2014/main" val="2857983308"/>
+                  </a:ext>
+                </a:extLst>
+              </a:tr>
+              <a:tr h="370840">
+                <a:tc>
+                  <a:txBody>
+                    <a:bodyPr/>
+                    <a:lstStyle/>
+                    <a:p>
+                      <a:endParaRPr kumimoji="1" lang="ja-JP" altLang="en-US"/>
+                    </a:p>
+                  </a:txBody>
+                  <a:tcPr/>
+                </a:tc>
+                <a:tc>
+                  <a:txBody>
+                    <a:bodyPr/>
+                    <a:lstStyle/>
+                    <a:p>
+                      <a:endParaRPr kumimoji="1" lang="ja-JP" altLang="en-US" dirty="0"/>
+                    </a:p>
+                  </a:txBody>
+                  <a:tcPr/>
+                </a:tc>
+                <a:tc>
+                  <a:txBody>
+                    <a:bodyPr/>
+                    <a:lstStyle/>
+                    <a:p>
+                      <a:endParaRPr kumimoji="1" lang="ja-JP" altLang="en-US"/>
+                    </a:p>
+                  </a:txBody>
+                  <a:tcPr/>
+                </a:tc>
+                <a:tc>
+                  <a:txBody>
+                    <a:bodyPr/>
+                    <a:lstStyle/>
+                    <a:p>
+                      <a:endParaRPr kumimoji="1" lang="ja-JP" altLang="en-US"/>
+                    </a:p>
+                  </a:txBody>
+                  <a:tcPr/>
+                </a:tc>
+                <a:tc>
+                  <a:txBody>
+                    <a:bodyPr/>
+                    <a:lstStyle/>
+                    <a:p>
+                      <a:endParaRPr kumimoji="1" lang="ja-JP" altLang="en-US"/>
+                    </a:p>
+                  </a:txBody>
+                  <a:tcPr/>
+                </a:tc>
+                <a:tc>
+                  <a:txBody>
+                    <a:bodyPr/>
+                    <a:lstStyle/>
+                    <a:p>
+                      <a:endParaRPr kumimoji="1" lang="ja-JP" altLang="en-US"/>
+                    </a:p>
+                  </a:txBody>
+                  <a:tcPr/>
+                </a:tc>
+                <a:tc>
+                  <a:txBody>
+                    <a:bodyPr/>
+                    <a:lstStyle/>
+                    <a:p>
+                      <a:endParaRPr kumimoji="1" lang="ja-JP" altLang="en-US"/>
+                    </a:p>
+                  </a:txBody>
+                  <a:tcPr/>
+                </a:tc>
+                <a:extLst>
+                  <a:ext uri="{0D108BD9-81ED-4DB2-BD59-A6C34878D82A}">
+                    <a16:rowId xmlns:a16="http://schemas.microsoft.com/office/drawing/2014/main" val="2367617310"/>
+                  </a:ext>
+                </a:extLst>
+              </a:tr>
+              <a:tr h="370840">
+                <a:tc>
+                  <a:txBody>
+                    <a:bodyPr/>
+                    <a:lstStyle/>
+                    <a:p>
+                      <a:endParaRPr kumimoji="1" lang="ja-JP" altLang="en-US"/>
+                    </a:p>
+                  </a:txBody>
+                  <a:tcPr/>
+                </a:tc>
+                <a:tc>
+                  <a:txBody>
+                    <a:bodyPr/>
+                    <a:lstStyle/>
+                    <a:p>
+                      <a:endParaRPr kumimoji="1" lang="ja-JP" altLang="en-US"/>
+                    </a:p>
+                  </a:txBody>
+                  <a:tcPr/>
+                </a:tc>
+                <a:tc>
+                  <a:txBody>
+                    <a:bodyPr/>
+                    <a:lstStyle/>
+                    <a:p>
+                      <a:endParaRPr kumimoji="1" lang="ja-JP" altLang="en-US"/>
+                    </a:p>
+                  </a:txBody>
+                  <a:tcPr/>
+                </a:tc>
+                <a:tc>
+                  <a:txBody>
+                    <a:bodyPr/>
+                    <a:lstStyle/>
+                    <a:p>
+                      <a:endParaRPr kumimoji="1" lang="ja-JP" altLang="en-US"/>
+                    </a:p>
+                  </a:txBody>
+                  <a:tcPr/>
+                </a:tc>
+                <a:tc>
+                  <a:txBody>
+                    <a:bodyPr/>
+                    <a:lstStyle/>
+                    <a:p>
+                      <a:endParaRPr kumimoji="1" lang="ja-JP" altLang="en-US"/>
+                    </a:p>
+                  </a:txBody>
+                  <a:tcPr/>
+                </a:tc>
+                <a:tc>
+                  <a:txBody>
+                    <a:bodyPr/>
+                    <a:lstStyle/>
+                    <a:p>
+                      <a:endParaRPr kumimoji="1" lang="ja-JP" altLang="en-US"/>
+                    </a:p>
+                  </a:txBody>
+                  <a:tcPr/>
+                </a:tc>
+                <a:tc>
+                  <a:txBody>
+                    <a:bodyPr/>
+                    <a:lstStyle/>
+                    <a:p>
+                      <a:endParaRPr kumimoji="1" lang="ja-JP" altLang="en-US" dirty="0"/>
+                    </a:p>
+                  </a:txBody>
+                  <a:tcPr/>
+                </a:tc>
+                <a:extLst>
+                  <a:ext uri="{0D108BD9-81ED-4DB2-BD59-A6C34878D82A}">
+                    <a16:rowId xmlns:a16="http://schemas.microsoft.com/office/drawing/2014/main" val="3719274208"/>
+                  </a:ext>
+                </a:extLst>
+              </a:tr>
+            </a:tbl>
+          </a:graphicData>
+        </a:graphic>
+      </p:graphicFrame>
+    </p:spTree>
+    <p:extLst>
+      <p:ext uri="{BB962C8B-B14F-4D97-AF65-F5344CB8AC3E}">
+        <p14:creationId xmlns:p14="http://schemas.microsoft.com/office/powerpoint/2010/main" val="3097046686"/>
+      </p:ext>
+    </p:extLst>
+  </p:cSld>
+  <p:clrMapOvr>
+    <a:masterClrMapping/>
+  </p:clrMapOvr>
+</p:sld>
+</file>
+
+<file path=ppt/slides/slide9.xml><?xml version="1.0" encoding="utf-8"?>
+<p:sld xmlns:a="http://schemas.openxmlformats.org/drawingml/2006/main" xmlns:r="http://schemas.openxmlformats.org/officeDocument/2006/relationships" xmlns:p="http://schemas.openxmlformats.org/presentationml/2006/main">
+  <p:cSld>
+    <p:spTree>
+      <p:nvGrpSpPr>
+        <p:cNvPr id="1" name=""/>
+        <p:cNvGrpSpPr/>
+        <p:nvPr/>
+      </p:nvGrpSpPr>
+      <p:grpSpPr>
+        <a:xfrm>
+          <a:off x="0" y="0"/>
+          <a:ext cx="0" cy="0"/>
+          <a:chOff x="0" y="0"/>
+          <a:chExt cx="0" cy="0"/>
+        </a:xfrm>
+      </p:grpSpPr>
+      <p:sp>
+        <p:nvSpPr>
+          <p:cNvPr id="2" name="タイトル 1">
+            <a:extLst>
+              <a:ext uri="{FF2B5EF4-FFF2-40B4-BE49-F238E27FC236}">
                 <a16:creationId xmlns:a16="http://schemas.microsoft.com/office/drawing/2014/main" id="{FE251DD0-AF3A-87C3-345F-B137A9B51683}"/>
               </a:ext>
             </a:extLst>
@@ -11561,10 +14510,22 @@
               <a:rPr lang="ja-JP" altLang="en-US" dirty="0">
                 <a:ea typeface="游ゴシック"/>
               </a:rPr>
-              <a:t>　パズルの持つ要素「</a:t>
+              <a:t>　</a:t>
+            </a:r>
+            <a:r>
+              <a:rPr lang="ja-JP" altLang="en-US" b="1" dirty="0">
+                <a:ea typeface="游ゴシック"/>
+              </a:rPr>
+              <a:t>パズルの持つ要素</a:t>
             </a:r>
             <a:r>
               <a:rPr lang="ja-JP" altLang="en-US" dirty="0">
+                <a:ea typeface="游ゴシック"/>
+              </a:rPr>
+              <a:t>「</a:t>
+            </a:r>
+            <a:r>
+              <a:rPr lang="ja-JP" altLang="en-US" b="1" dirty="0">
                 <a:solidFill>
                   <a:schemeClr val="accent5">
                     <a:lumMod val="75000"/>
@@ -11581,25 +14542,25 @@
               <a:t>」</a:t>
             </a:r>
             <a:r>
-              <a:rPr lang="en-US" altLang="ja-JP" sz="2000" dirty="0">
+              <a:rPr lang="en-US" altLang="ja-JP" sz="2000" b="1" dirty="0">
                 <a:ea typeface="游ゴシック"/>
               </a:rPr>
               <a:t>×</a:t>
             </a:r>
             <a:r>
-              <a:rPr lang="en-US" altLang="ja-JP" dirty="0">
+              <a:rPr lang="en-US" altLang="ja-JP" b="1" dirty="0">
                 <a:ea typeface="游ゴシック"/>
               </a:rPr>
               <a:t> </a:t>
             </a:r>
             <a:r>
-              <a:rPr lang="ja-JP" altLang="en-US" dirty="0">
+              <a:rPr lang="ja-JP" altLang="en-US" b="1" dirty="0">
                 <a:ea typeface="游ゴシック"/>
               </a:rPr>
               <a:t>リズムの持つ</a:t>
             </a:r>
             <a:r>
-              <a:rPr lang="ja-JP" altLang="en-US" dirty="0">
+              <a:rPr lang="ja-JP" altLang="en-US" b="1" dirty="0">
                 <a:solidFill>
                   <a:schemeClr val="accent5">
                     <a:lumMod val="75000"/>
@@ -11610,12 +14571,12 @@
               <a:t>拍</a:t>
             </a:r>
             <a:r>
-              <a:rPr lang="ja-JP" altLang="en-US" dirty="0">
+              <a:rPr lang="ja-JP" altLang="en-US" b="1" dirty="0">
                 <a:ea typeface="游ゴシック"/>
               </a:rPr>
               <a:t>の概念</a:t>
             </a:r>
-            <a:endParaRPr lang="en-US" altLang="ja-JP" dirty="0">
+            <a:endParaRPr lang="en-US" altLang="ja-JP" b="1" dirty="0">
               <a:ea typeface="游ゴシック"/>
             </a:endParaRPr>
           </a:p>
@@ -11912,2153 +14873,6 @@
     <p:extLst>
       <p:ext uri="{BB962C8B-B14F-4D97-AF65-F5344CB8AC3E}">
         <p14:creationId xmlns:p14="http://schemas.microsoft.com/office/powerpoint/2010/main" val="3190857260"/>
-      </p:ext>
-    </p:extLst>
-  </p:cSld>
-  <p:clrMapOvr>
-    <a:masterClrMapping/>
-  </p:clrMapOvr>
-</p:sld>
-</file>
-
-<file path=ppt/slides/slide9.xml><?xml version="1.0" encoding="utf-8"?>
-<p:sld xmlns:a="http://schemas.openxmlformats.org/drawingml/2006/main" xmlns:r="http://schemas.openxmlformats.org/officeDocument/2006/relationships" xmlns:p="http://schemas.openxmlformats.org/presentationml/2006/main">
-  <p:cSld>
-    <p:spTree>
-      <p:nvGrpSpPr>
-        <p:cNvPr id="1" name=""/>
-        <p:cNvGrpSpPr/>
-        <p:nvPr/>
-      </p:nvGrpSpPr>
-      <p:grpSpPr>
-        <a:xfrm>
-          <a:off x="0" y="0"/>
-          <a:ext cx="0" cy="0"/>
-          <a:chOff x="0" y="0"/>
-          <a:chExt cx="0" cy="0"/>
-        </a:xfrm>
-      </p:grpSpPr>
-      <p:sp>
-        <p:nvSpPr>
-          <p:cNvPr id="3" name="コンテンツ プレースホルダー 2">
-            <a:extLst>
-              <a:ext uri="{FF2B5EF4-FFF2-40B4-BE49-F238E27FC236}">
-                <a16:creationId xmlns:a16="http://schemas.microsoft.com/office/drawing/2014/main" id="{C165355F-54B0-848A-06C6-C4B4082FDA7A}"/>
-              </a:ext>
-            </a:extLst>
-          </p:cNvPr>
-          <p:cNvSpPr>
-            <a:spLocks noGrp="1"/>
-          </p:cNvSpPr>
-          <p:nvPr>
-            <p:ph idx="1"/>
-          </p:nvPr>
-        </p:nvSpPr>
-        <p:spPr/>
-        <p:txBody>
-          <a:bodyPr>
-            <a:normAutofit fontScale="92500" lnSpcReduction="20000"/>
-          </a:bodyPr>
-          <a:lstStyle/>
-          <a:p>
-            <a:pPr marL="0" indent="0">
-              <a:buNone/>
-            </a:pPr>
-            <a:r>
-              <a:rPr lang="ja-JP" altLang="en-US" sz="3200" b="1" dirty="0">
-                <a:solidFill>
-                  <a:schemeClr val="bg2">
-                    <a:lumMod val="25000"/>
-                  </a:schemeClr>
-                </a:solidFill>
-              </a:rPr>
-              <a:t>ほどほど</a:t>
-            </a:r>
-            <a:r>
-              <a:rPr kumimoji="1" lang="ja-JP" altLang="en-US" sz="2400" dirty="0">
-                <a:solidFill>
-                  <a:schemeClr val="bg2">
-                    <a:lumMod val="25000"/>
-                  </a:schemeClr>
-                </a:solidFill>
-              </a:rPr>
-              <a:t>にパズルを頑張ろう！</a:t>
-            </a:r>
-            <a:endParaRPr lang="en-US" altLang="ja-JP" sz="2400" dirty="0">
-              <a:solidFill>
-                <a:schemeClr val="bg2">
-                  <a:lumMod val="25000"/>
-                </a:schemeClr>
-              </a:solidFill>
-            </a:endParaRPr>
-          </a:p>
-          <a:p>
-            <a:pPr marL="0" indent="0">
-              <a:buNone/>
-            </a:pPr>
-            <a:r>
-              <a:rPr kumimoji="1" lang="en-US" altLang="ja-JP" sz="2000" dirty="0">
-                <a:solidFill>
-                  <a:schemeClr val="bg2">
-                    <a:lumMod val="25000"/>
-                  </a:schemeClr>
-                </a:solidFill>
-              </a:rPr>
-              <a:t>	</a:t>
-            </a:r>
-            <a:r>
-              <a:rPr kumimoji="1" lang="ja-JP" altLang="en-US" sz="2000" dirty="0">
-                <a:solidFill>
-                  <a:schemeClr val="bg2">
-                    <a:lumMod val="25000"/>
-                  </a:schemeClr>
-                </a:solidFill>
-              </a:rPr>
-              <a:t>・パズルゲームで頑張りすぎると、リズムゲームの難易度が上がる！</a:t>
-            </a:r>
-            <a:endParaRPr kumimoji="1" lang="en-US" altLang="ja-JP" sz="2000" dirty="0">
-              <a:solidFill>
-                <a:schemeClr val="bg2">
-                  <a:lumMod val="25000"/>
-                </a:schemeClr>
-              </a:solidFill>
-            </a:endParaRPr>
-          </a:p>
-          <a:p>
-            <a:pPr marL="0" indent="0">
-              <a:buNone/>
-            </a:pPr>
-            <a:endParaRPr lang="en-US" altLang="ja-JP" sz="2000" dirty="0">
-              <a:solidFill>
-                <a:schemeClr val="bg2">
-                  <a:lumMod val="25000"/>
-                </a:schemeClr>
-              </a:solidFill>
-            </a:endParaRPr>
-          </a:p>
-          <a:p>
-            <a:pPr marL="0" indent="0">
-              <a:buNone/>
-            </a:pPr>
-            <a:endParaRPr kumimoji="1" lang="en-US" altLang="ja-JP" sz="2000" dirty="0">
-              <a:solidFill>
-                <a:schemeClr val="bg2">
-                  <a:lumMod val="25000"/>
-                </a:schemeClr>
-              </a:solidFill>
-            </a:endParaRPr>
-          </a:p>
-          <a:p>
-            <a:pPr marL="0" indent="0">
-              <a:buNone/>
-            </a:pPr>
-            <a:endParaRPr lang="en-US" altLang="ja-JP" sz="2000" dirty="0">
-              <a:solidFill>
-                <a:schemeClr val="bg2">
-                  <a:lumMod val="25000"/>
-                </a:schemeClr>
-              </a:solidFill>
-            </a:endParaRPr>
-          </a:p>
-          <a:p>
-            <a:pPr marL="0" indent="0">
-              <a:buNone/>
-            </a:pPr>
-            <a:endParaRPr kumimoji="1" lang="en-US" altLang="ja-JP" sz="2000" dirty="0">
-              <a:solidFill>
-                <a:schemeClr val="bg2">
-                  <a:lumMod val="25000"/>
-                </a:schemeClr>
-              </a:solidFill>
-            </a:endParaRPr>
-          </a:p>
-          <a:p>
-            <a:pPr marL="0" indent="0">
-              <a:buNone/>
-            </a:pPr>
-            <a:endParaRPr lang="en-US" altLang="ja-JP" sz="2000" dirty="0">
-              <a:solidFill>
-                <a:schemeClr val="bg2">
-                  <a:lumMod val="25000"/>
-                </a:schemeClr>
-              </a:solidFill>
-            </a:endParaRPr>
-          </a:p>
-          <a:p>
-            <a:pPr marL="0" indent="0">
-              <a:buNone/>
-            </a:pPr>
-            <a:r>
-              <a:rPr kumimoji="1" lang="en-US" altLang="ja-JP" sz="2000" dirty="0">
-                <a:solidFill>
-                  <a:schemeClr val="bg2">
-                    <a:lumMod val="25000"/>
-                  </a:schemeClr>
-                </a:solidFill>
-              </a:rPr>
-              <a:t>	</a:t>
-            </a:r>
-            <a:r>
-              <a:rPr kumimoji="1" lang="ja-JP" altLang="en-US" sz="2000" dirty="0">
-                <a:solidFill>
-                  <a:schemeClr val="bg2">
-                    <a:lumMod val="25000"/>
-                  </a:schemeClr>
-                </a:solidFill>
-              </a:rPr>
-              <a:t>・リズムゲームの方がスコアが上がりやすい！</a:t>
-            </a:r>
-            <a:endParaRPr kumimoji="1" lang="en-US" altLang="ja-JP" sz="2000" dirty="0">
-              <a:solidFill>
-                <a:schemeClr val="bg2">
-                  <a:lumMod val="25000"/>
-                </a:schemeClr>
-              </a:solidFill>
-            </a:endParaRPr>
-          </a:p>
-          <a:p>
-            <a:pPr marL="0" indent="0">
-              <a:lnSpc>
-                <a:spcPct val="150000"/>
-              </a:lnSpc>
-              <a:buNone/>
-            </a:pPr>
-            <a:r>
-              <a:rPr kumimoji="1" lang="en-US" altLang="ja-JP" sz="2000" dirty="0">
-                <a:solidFill>
-                  <a:schemeClr val="bg2">
-                    <a:lumMod val="25000"/>
-                  </a:schemeClr>
-                </a:solidFill>
-              </a:rPr>
-              <a:t>	</a:t>
-            </a:r>
-            <a:r>
-              <a:rPr kumimoji="1" lang="ja-JP" altLang="en-US" sz="2000" dirty="0">
-                <a:solidFill>
-                  <a:schemeClr val="bg2">
-                    <a:lumMod val="25000"/>
-                  </a:schemeClr>
-                </a:solidFill>
-              </a:rPr>
-              <a:t>　　パズルゲーム：揃ったピースの個数　</a:t>
-            </a:r>
-            <a:r>
-              <a:rPr kumimoji="1" lang="en-US" altLang="ja-JP" sz="2000" dirty="0">
-                <a:solidFill>
-                  <a:schemeClr val="bg2">
-                    <a:lumMod val="25000"/>
-                  </a:schemeClr>
-                </a:solidFill>
-              </a:rPr>
-              <a:t>×</a:t>
-            </a:r>
-            <a:r>
-              <a:rPr lang="ja-JP" altLang="en-US" sz="3000" b="1" dirty="0">
-                <a:solidFill>
-                  <a:schemeClr val="bg2">
-                    <a:lumMod val="25000"/>
-                  </a:schemeClr>
-                </a:solidFill>
-              </a:rPr>
-              <a:t>１</a:t>
-            </a:r>
-            <a:r>
-              <a:rPr lang="ja-JP" altLang="en-US" sz="2000" b="1" dirty="0">
-                <a:solidFill>
-                  <a:schemeClr val="bg2">
-                    <a:lumMod val="25000"/>
-                  </a:schemeClr>
-                </a:solidFill>
-              </a:rPr>
-              <a:t>点</a:t>
-            </a:r>
-            <a:endParaRPr lang="en-US" altLang="ja-JP" sz="2000" b="1" dirty="0">
-              <a:solidFill>
-                <a:schemeClr val="bg2">
-                  <a:lumMod val="25000"/>
-                </a:schemeClr>
-              </a:solidFill>
-            </a:endParaRPr>
-          </a:p>
-          <a:p>
-            <a:pPr marL="0" indent="0">
-              <a:lnSpc>
-                <a:spcPct val="100000"/>
-              </a:lnSpc>
-              <a:buNone/>
-            </a:pPr>
-            <a:r>
-              <a:rPr kumimoji="1" lang="en-US" altLang="ja-JP" sz="2000" b="1" dirty="0">
-                <a:solidFill>
-                  <a:schemeClr val="bg2">
-                    <a:lumMod val="25000"/>
-                  </a:schemeClr>
-                </a:solidFill>
-              </a:rPr>
-              <a:t>	</a:t>
-            </a:r>
-            <a:r>
-              <a:rPr kumimoji="1" lang="ja-JP" altLang="en-US" sz="2000" b="1" dirty="0">
-                <a:solidFill>
-                  <a:schemeClr val="bg2">
-                    <a:lumMod val="25000"/>
-                  </a:schemeClr>
-                </a:solidFill>
-              </a:rPr>
-              <a:t>　　</a:t>
-            </a:r>
-            <a:r>
-              <a:rPr lang="ja-JP" altLang="en-US" sz="2000" dirty="0">
-                <a:solidFill>
-                  <a:schemeClr val="bg2">
-                    <a:lumMod val="25000"/>
-                  </a:schemeClr>
-                </a:solidFill>
-              </a:rPr>
-              <a:t>リズムゲーム：判定によって点数が変わる</a:t>
-            </a:r>
-            <a:endParaRPr lang="en-US" altLang="ja-JP" sz="2000" dirty="0">
-              <a:solidFill>
-                <a:schemeClr val="bg2">
-                  <a:lumMod val="25000"/>
-                </a:schemeClr>
-              </a:solidFill>
-            </a:endParaRPr>
-          </a:p>
-          <a:p>
-            <a:pPr marL="0" indent="0">
-              <a:lnSpc>
-                <a:spcPct val="100000"/>
-              </a:lnSpc>
-              <a:buNone/>
-            </a:pPr>
-            <a:r>
-              <a:rPr lang="en-US" altLang="ja-JP" sz="2000" dirty="0">
-                <a:solidFill>
-                  <a:schemeClr val="bg2">
-                    <a:lumMod val="25000"/>
-                  </a:schemeClr>
-                </a:solidFill>
-              </a:rPr>
-              <a:t>		Perfect</a:t>
-            </a:r>
-            <a:r>
-              <a:rPr lang="ja-JP" altLang="en-US" sz="2000" dirty="0">
-                <a:solidFill>
-                  <a:schemeClr val="bg2">
-                    <a:lumMod val="25000"/>
-                  </a:schemeClr>
-                </a:solidFill>
-              </a:rPr>
-              <a:t>：</a:t>
-            </a:r>
-            <a:r>
-              <a:rPr lang="en-US" altLang="ja-JP" sz="3000" b="1" dirty="0">
-                <a:solidFill>
-                  <a:schemeClr val="bg2">
-                    <a:lumMod val="25000"/>
-                  </a:schemeClr>
-                </a:solidFill>
-              </a:rPr>
-              <a:t>20</a:t>
-            </a:r>
-            <a:r>
-              <a:rPr lang="ja-JP" altLang="en-US" sz="2000" dirty="0">
-                <a:solidFill>
-                  <a:schemeClr val="bg2">
-                    <a:lumMod val="25000"/>
-                  </a:schemeClr>
-                </a:solidFill>
-              </a:rPr>
-              <a:t>点　</a:t>
-            </a:r>
-            <a:r>
-              <a:rPr lang="en-US" altLang="ja-JP" sz="2000" dirty="0">
-                <a:solidFill>
-                  <a:schemeClr val="bg2">
-                    <a:lumMod val="25000"/>
-                  </a:schemeClr>
-                </a:solidFill>
-              </a:rPr>
-              <a:t>Great</a:t>
-            </a:r>
-            <a:r>
-              <a:rPr lang="ja-JP" altLang="en-US" sz="2000" dirty="0">
-                <a:solidFill>
-                  <a:schemeClr val="bg2">
-                    <a:lumMod val="25000"/>
-                  </a:schemeClr>
-                </a:solidFill>
-              </a:rPr>
-              <a:t>：</a:t>
-            </a:r>
-            <a:r>
-              <a:rPr lang="en-US" altLang="ja-JP" sz="3000" b="1" dirty="0">
-                <a:solidFill>
-                  <a:schemeClr val="bg2">
-                    <a:lumMod val="25000"/>
-                  </a:schemeClr>
-                </a:solidFill>
-              </a:rPr>
-              <a:t>10</a:t>
-            </a:r>
-            <a:r>
-              <a:rPr lang="ja-JP" altLang="en-US" sz="2000" dirty="0">
-                <a:solidFill>
-                  <a:schemeClr val="bg2">
-                    <a:lumMod val="25000"/>
-                  </a:schemeClr>
-                </a:solidFill>
-              </a:rPr>
-              <a:t>点　</a:t>
-            </a:r>
-            <a:r>
-              <a:rPr lang="en-US" altLang="ja-JP" sz="2000" dirty="0">
-                <a:solidFill>
-                  <a:schemeClr val="bg2">
-                    <a:lumMod val="25000"/>
-                  </a:schemeClr>
-                </a:solidFill>
-              </a:rPr>
-              <a:t>Good</a:t>
-            </a:r>
-            <a:r>
-              <a:rPr lang="ja-JP" altLang="en-US" sz="2000" dirty="0">
-                <a:solidFill>
-                  <a:schemeClr val="bg2">
-                    <a:lumMod val="25000"/>
-                  </a:schemeClr>
-                </a:solidFill>
-              </a:rPr>
-              <a:t>：</a:t>
-            </a:r>
-            <a:r>
-              <a:rPr lang="en-US" altLang="ja-JP" sz="3000" b="1" dirty="0">
-                <a:solidFill>
-                  <a:schemeClr val="bg2">
-                    <a:lumMod val="25000"/>
-                  </a:schemeClr>
-                </a:solidFill>
-              </a:rPr>
-              <a:t>5</a:t>
-            </a:r>
-            <a:r>
-              <a:rPr lang="ja-JP" altLang="en-US" sz="2000" dirty="0">
-                <a:solidFill>
-                  <a:schemeClr val="bg2">
-                    <a:lumMod val="25000"/>
-                  </a:schemeClr>
-                </a:solidFill>
-              </a:rPr>
-              <a:t>点　</a:t>
-            </a:r>
-            <a:r>
-              <a:rPr lang="en-US" altLang="ja-JP" sz="2000" dirty="0">
-                <a:solidFill>
-                  <a:schemeClr val="bg2">
-                    <a:lumMod val="25000"/>
-                  </a:schemeClr>
-                </a:solidFill>
-              </a:rPr>
-              <a:t>Bad</a:t>
-            </a:r>
-            <a:r>
-              <a:rPr lang="ja-JP" altLang="en-US" sz="2000" dirty="0">
-                <a:solidFill>
-                  <a:schemeClr val="bg2">
-                    <a:lumMod val="25000"/>
-                  </a:schemeClr>
-                </a:solidFill>
-              </a:rPr>
-              <a:t>：</a:t>
-            </a:r>
-            <a:r>
-              <a:rPr lang="en-US" altLang="ja-JP" sz="3000" b="1" dirty="0">
-                <a:solidFill>
-                  <a:schemeClr val="bg2">
-                    <a:lumMod val="25000"/>
-                  </a:schemeClr>
-                </a:solidFill>
-              </a:rPr>
-              <a:t>-10</a:t>
-            </a:r>
-            <a:r>
-              <a:rPr lang="ja-JP" altLang="en-US" sz="2000" dirty="0">
-                <a:solidFill>
-                  <a:schemeClr val="bg2">
-                    <a:lumMod val="25000"/>
-                  </a:schemeClr>
-                </a:solidFill>
-              </a:rPr>
-              <a:t>点</a:t>
-            </a:r>
-            <a:endParaRPr lang="en-US" altLang="ja-JP" sz="2000" dirty="0">
-              <a:solidFill>
-                <a:schemeClr val="bg2">
-                  <a:lumMod val="25000"/>
-                </a:schemeClr>
-              </a:solidFill>
-            </a:endParaRPr>
-          </a:p>
-        </p:txBody>
-      </p:sp>
-      <p:sp>
-        <p:nvSpPr>
-          <p:cNvPr id="4" name="タイトル 1">
-            <a:extLst>
-              <a:ext uri="{FF2B5EF4-FFF2-40B4-BE49-F238E27FC236}">
-                <a16:creationId xmlns:a16="http://schemas.microsoft.com/office/drawing/2014/main" id="{C92B1538-EC6D-5321-AF37-4F65AC389969}"/>
-              </a:ext>
-            </a:extLst>
-          </p:cNvPr>
-          <p:cNvSpPr>
-            <a:spLocks noGrp="1"/>
-          </p:cNvSpPr>
-          <p:nvPr>
-            <p:ph type="title"/>
-          </p:nvPr>
-        </p:nvSpPr>
-        <p:spPr>
-          <a:xfrm>
-            <a:off x="838200" y="365125"/>
-            <a:ext cx="10515600" cy="1325563"/>
-          </a:xfrm>
-        </p:spPr>
-        <p:txBody>
-          <a:bodyPr>
-            <a:normAutofit/>
-          </a:bodyPr>
-          <a:lstStyle/>
-          <a:p>
-            <a:r>
-              <a:rPr kumimoji="1" lang="en-US" altLang="ja-JP" sz="2800" dirty="0">
-                <a:solidFill>
-                  <a:schemeClr val="bg2">
-                    <a:lumMod val="25000"/>
-                  </a:schemeClr>
-                </a:solidFill>
-                <a:latin typeface="HGSｺﾞｼｯｸE" panose="020B0900000000000000" pitchFamily="50" charset="-128"/>
-                <a:ea typeface="HGSｺﾞｼｯｸE" panose="020B0900000000000000" pitchFamily="50" charset="-128"/>
-              </a:rPr>
-              <a:t>-</a:t>
-            </a:r>
-            <a:r>
-              <a:rPr kumimoji="1" lang="ja-JP" altLang="en-US" sz="2800" dirty="0">
-                <a:solidFill>
-                  <a:schemeClr val="bg2">
-                    <a:lumMod val="25000"/>
-                  </a:schemeClr>
-                </a:solidFill>
-                <a:latin typeface="HGSｺﾞｼｯｸE" panose="020B0900000000000000" pitchFamily="50" charset="-128"/>
-                <a:ea typeface="HGSｺﾞｼｯｸE" panose="020B0900000000000000" pitchFamily="50" charset="-128"/>
-              </a:rPr>
-              <a:t> </a:t>
-            </a:r>
-            <a:r>
-              <a:rPr lang="ja-JP" altLang="en-US" sz="2800" dirty="0">
-                <a:solidFill>
-                  <a:schemeClr val="bg2">
-                    <a:lumMod val="25000"/>
-                  </a:schemeClr>
-                </a:solidFill>
-                <a:latin typeface="HGSｺﾞｼｯｸE" panose="020B0900000000000000" pitchFamily="50" charset="-128"/>
-                <a:ea typeface="HGSｺﾞｼｯｸE" panose="020B0900000000000000" pitchFamily="50" charset="-128"/>
-              </a:rPr>
-              <a:t>ゲームの設計</a:t>
-            </a:r>
-            <a:r>
-              <a:rPr kumimoji="1" lang="ja-JP" altLang="en-US" sz="2800" dirty="0">
-                <a:solidFill>
-                  <a:schemeClr val="bg2">
-                    <a:lumMod val="25000"/>
-                  </a:schemeClr>
-                </a:solidFill>
-                <a:latin typeface="HGSｺﾞｼｯｸE" panose="020B0900000000000000" pitchFamily="50" charset="-128"/>
-                <a:ea typeface="HGSｺﾞｼｯｸE" panose="020B0900000000000000" pitchFamily="50" charset="-128"/>
-              </a:rPr>
-              <a:t> </a:t>
-            </a:r>
-            <a:r>
-              <a:rPr kumimoji="1" lang="en-US" altLang="ja-JP" sz="2800" dirty="0">
-                <a:solidFill>
-                  <a:schemeClr val="bg2">
-                    <a:lumMod val="25000"/>
-                  </a:schemeClr>
-                </a:solidFill>
-                <a:latin typeface="HGSｺﾞｼｯｸE" panose="020B0900000000000000" pitchFamily="50" charset="-128"/>
-                <a:ea typeface="HGSｺﾞｼｯｸE" panose="020B0900000000000000" pitchFamily="50" charset="-128"/>
-              </a:rPr>
-              <a:t>-</a:t>
-            </a:r>
-            <a:br>
-              <a:rPr kumimoji="1" lang="en-US" altLang="ja-JP" sz="4000" dirty="0">
-                <a:solidFill>
-                  <a:schemeClr val="bg2">
-                    <a:lumMod val="25000"/>
-                  </a:schemeClr>
-                </a:solidFill>
-              </a:rPr>
-            </a:br>
-            <a:r>
-              <a:rPr kumimoji="1" lang="en-US" altLang="ja-JP" sz="2000" dirty="0">
-                <a:solidFill>
-                  <a:schemeClr val="bg2">
-                    <a:lumMod val="50000"/>
-                  </a:schemeClr>
-                </a:solidFill>
-                <a:latin typeface="Bahnschrift SemiLight" panose="020B0502040204020203" pitchFamily="34" charset="0"/>
-                <a:cs typeface="Adobe Devanagari" panose="02040503050201020203" pitchFamily="18" charset="0"/>
-              </a:rPr>
-              <a:t>Game Design</a:t>
-            </a:r>
-            <a:endParaRPr kumimoji="1" lang="ja-JP" altLang="en-US" sz="4000" dirty="0">
-              <a:solidFill>
-                <a:schemeClr val="bg2">
-                  <a:lumMod val="50000"/>
-                </a:schemeClr>
-              </a:solidFill>
-              <a:latin typeface="Bahnschrift SemiLight" panose="020B0502040204020203" pitchFamily="34" charset="0"/>
-              <a:cs typeface="Adobe Devanagari" panose="02040503050201020203" pitchFamily="18" charset="0"/>
-            </a:endParaRPr>
-          </a:p>
-        </p:txBody>
-      </p:sp>
-      <p:grpSp>
-        <p:nvGrpSpPr>
-          <p:cNvPr id="34" name="グループ化 33">
-            <a:extLst>
-              <a:ext uri="{FF2B5EF4-FFF2-40B4-BE49-F238E27FC236}">
-                <a16:creationId xmlns:a16="http://schemas.microsoft.com/office/drawing/2014/main" id="{3E6DE810-F366-A903-9A63-5FE4BD445759}"/>
-              </a:ext>
-            </a:extLst>
-          </p:cNvPr>
-          <p:cNvGrpSpPr/>
-          <p:nvPr/>
-        </p:nvGrpSpPr>
-        <p:grpSpPr>
-          <a:xfrm>
-            <a:off x="838200" y="2211849"/>
-            <a:ext cx="10458009" cy="1711842"/>
-            <a:chOff x="967560" y="3099391"/>
-            <a:chExt cx="10458009" cy="1711842"/>
-          </a:xfrm>
-        </p:grpSpPr>
-        <p:grpSp>
-          <p:nvGrpSpPr>
-            <p:cNvPr id="26" name="グループ化 25">
-              <a:extLst>
-                <a:ext uri="{FF2B5EF4-FFF2-40B4-BE49-F238E27FC236}">
-                  <a16:creationId xmlns:a16="http://schemas.microsoft.com/office/drawing/2014/main" id="{4D790706-A45C-D6B7-5634-412C86E2B784}"/>
-                </a:ext>
-              </a:extLst>
-            </p:cNvPr>
-            <p:cNvGrpSpPr/>
-            <p:nvPr/>
-          </p:nvGrpSpPr>
-          <p:grpSpPr>
-            <a:xfrm>
-              <a:off x="3870250" y="3747977"/>
-              <a:ext cx="4125433" cy="1063256"/>
-              <a:chOff x="1860697" y="3429000"/>
-              <a:chExt cx="4125433" cy="1063256"/>
-            </a:xfrm>
-          </p:grpSpPr>
-          <p:sp>
-            <p:nvSpPr>
-              <p:cNvPr id="2" name="正方形/長方形 1">
-                <a:extLst>
-                  <a:ext uri="{FF2B5EF4-FFF2-40B4-BE49-F238E27FC236}">
-                    <a16:creationId xmlns:a16="http://schemas.microsoft.com/office/drawing/2014/main" id="{0DD38C86-4A22-457F-8A7C-A04B4FEEF41F}"/>
-                  </a:ext>
-                </a:extLst>
-              </p:cNvPr>
-              <p:cNvSpPr/>
-              <p:nvPr/>
-            </p:nvSpPr>
-            <p:spPr>
-              <a:xfrm>
-                <a:off x="2328530" y="3429000"/>
-                <a:ext cx="531628" cy="531628"/>
-              </a:xfrm>
-              <a:prstGeom prst="rect">
-                <a:avLst/>
-              </a:prstGeom>
-              <a:solidFill>
-                <a:srgbClr val="0070C0"/>
-              </a:solidFill>
-              <a:ln>
-                <a:noFill/>
-              </a:ln>
-            </p:spPr>
-            <p:style>
-              <a:lnRef idx="2">
-                <a:schemeClr val="accent1">
-                  <a:shade val="50000"/>
-                </a:schemeClr>
-              </a:lnRef>
-              <a:fillRef idx="1">
-                <a:schemeClr val="accent1"/>
-              </a:fillRef>
-              <a:effectRef idx="0">
-                <a:schemeClr val="accent1"/>
-              </a:effectRef>
-              <a:fontRef idx="minor">
-                <a:schemeClr val="lt1"/>
-              </a:fontRef>
-            </p:style>
-            <p:txBody>
-              <a:bodyPr rtlCol="0" anchor="ctr"/>
-              <a:lstStyle/>
-              <a:p>
-                <a:pPr algn="ctr"/>
-                <a:endParaRPr kumimoji="1" lang="ja-JP" altLang="en-US"/>
-              </a:p>
-            </p:txBody>
-          </p:sp>
-          <p:sp>
-            <p:nvSpPr>
-              <p:cNvPr id="5" name="正方形/長方形 4">
-                <a:extLst>
-                  <a:ext uri="{FF2B5EF4-FFF2-40B4-BE49-F238E27FC236}">
-                    <a16:creationId xmlns:a16="http://schemas.microsoft.com/office/drawing/2014/main" id="{EE28D44A-A7F1-B3FD-56FA-830DA73DC672}"/>
-                  </a:ext>
-                </a:extLst>
-              </p:cNvPr>
-              <p:cNvSpPr/>
-              <p:nvPr/>
-            </p:nvSpPr>
-            <p:spPr>
-              <a:xfrm>
-                <a:off x="2860158" y="3429000"/>
-                <a:ext cx="531628" cy="531628"/>
-              </a:xfrm>
-              <a:prstGeom prst="rect">
-                <a:avLst/>
-              </a:prstGeom>
-              <a:solidFill>
-                <a:srgbClr val="99FF99"/>
-              </a:solidFill>
-              <a:ln>
-                <a:noFill/>
-              </a:ln>
-            </p:spPr>
-            <p:style>
-              <a:lnRef idx="2">
-                <a:schemeClr val="accent1">
-                  <a:shade val="50000"/>
-                </a:schemeClr>
-              </a:lnRef>
-              <a:fillRef idx="1">
-                <a:schemeClr val="accent1"/>
-              </a:fillRef>
-              <a:effectRef idx="0">
-                <a:schemeClr val="accent1"/>
-              </a:effectRef>
-              <a:fontRef idx="minor">
-                <a:schemeClr val="lt1"/>
-              </a:fontRef>
-            </p:style>
-            <p:txBody>
-              <a:bodyPr rtlCol="0" anchor="t"/>
-              <a:lstStyle/>
-              <a:p>
-                <a:pPr algn="ctr"/>
-                <a:r>
-                  <a:rPr kumimoji="1" lang="ja-JP" altLang="en-US" sz="3600" b="1" dirty="0">
-                    <a:solidFill>
-                      <a:schemeClr val="bg2">
-                        <a:lumMod val="25000"/>
-                      </a:schemeClr>
-                    </a:solidFill>
-                  </a:rPr>
-                  <a:t>３</a:t>
-                </a:r>
-              </a:p>
-            </p:txBody>
-          </p:sp>
-          <p:sp>
-            <p:nvSpPr>
-              <p:cNvPr id="6" name="正方形/長方形 5">
-                <a:extLst>
-                  <a:ext uri="{FF2B5EF4-FFF2-40B4-BE49-F238E27FC236}">
-                    <a16:creationId xmlns:a16="http://schemas.microsoft.com/office/drawing/2014/main" id="{C4BF838F-B5A4-4AD9-A25F-B86BE9722BE2}"/>
-                  </a:ext>
-                </a:extLst>
-              </p:cNvPr>
-              <p:cNvSpPr/>
-              <p:nvPr/>
-            </p:nvSpPr>
-            <p:spPr>
-              <a:xfrm>
-                <a:off x="3391786" y="3429000"/>
-                <a:ext cx="531628" cy="531628"/>
-              </a:xfrm>
-              <a:prstGeom prst="rect">
-                <a:avLst/>
-              </a:prstGeom>
-              <a:solidFill>
-                <a:srgbClr val="FF0000"/>
-              </a:solidFill>
-              <a:ln>
-                <a:noFill/>
-              </a:ln>
-            </p:spPr>
-            <p:style>
-              <a:lnRef idx="2">
-                <a:schemeClr val="accent1">
-                  <a:shade val="50000"/>
-                </a:schemeClr>
-              </a:lnRef>
-              <a:fillRef idx="1">
-                <a:schemeClr val="accent1"/>
-              </a:fillRef>
-              <a:effectRef idx="0">
-                <a:schemeClr val="accent1"/>
-              </a:effectRef>
-              <a:fontRef idx="minor">
-                <a:schemeClr val="lt1"/>
-              </a:fontRef>
-            </p:style>
-            <p:txBody>
-              <a:bodyPr rtlCol="0" anchor="ctr"/>
-              <a:lstStyle/>
-              <a:p>
-                <a:pPr algn="ctr"/>
-                <a:endParaRPr kumimoji="1" lang="ja-JP" altLang="en-US"/>
-              </a:p>
-            </p:txBody>
-          </p:sp>
-          <p:sp>
-            <p:nvSpPr>
-              <p:cNvPr id="7" name="正方形/長方形 6">
-                <a:extLst>
-                  <a:ext uri="{FF2B5EF4-FFF2-40B4-BE49-F238E27FC236}">
-                    <a16:creationId xmlns:a16="http://schemas.microsoft.com/office/drawing/2014/main" id="{174E5CE6-54F2-8364-123F-F2C89FB06621}"/>
-                  </a:ext>
-                </a:extLst>
-              </p:cNvPr>
-              <p:cNvSpPr/>
-              <p:nvPr/>
-            </p:nvSpPr>
-            <p:spPr>
-              <a:xfrm>
-                <a:off x="3923414" y="3429000"/>
-                <a:ext cx="531628" cy="531628"/>
-              </a:xfrm>
-              <a:prstGeom prst="rect">
-                <a:avLst/>
-              </a:prstGeom>
-              <a:solidFill>
-                <a:srgbClr val="FF0000"/>
-              </a:solidFill>
-              <a:ln>
-                <a:noFill/>
-              </a:ln>
-            </p:spPr>
-            <p:style>
-              <a:lnRef idx="2">
-                <a:schemeClr val="accent1">
-                  <a:shade val="50000"/>
-                </a:schemeClr>
-              </a:lnRef>
-              <a:fillRef idx="1">
-                <a:schemeClr val="accent1"/>
-              </a:fillRef>
-              <a:effectRef idx="0">
-                <a:schemeClr val="accent1"/>
-              </a:effectRef>
-              <a:fontRef idx="minor">
-                <a:schemeClr val="lt1"/>
-              </a:fontRef>
-            </p:style>
-            <p:txBody>
-              <a:bodyPr rtlCol="0" anchor="ctr"/>
-              <a:lstStyle/>
-              <a:p>
-                <a:pPr algn="ctr"/>
-                <a:endParaRPr kumimoji="1" lang="ja-JP" altLang="en-US"/>
-              </a:p>
-            </p:txBody>
-          </p:sp>
-          <p:sp>
-            <p:nvSpPr>
-              <p:cNvPr id="8" name="正方形/長方形 7">
-                <a:extLst>
-                  <a:ext uri="{FF2B5EF4-FFF2-40B4-BE49-F238E27FC236}">
-                    <a16:creationId xmlns:a16="http://schemas.microsoft.com/office/drawing/2014/main" id="{155B34BF-A831-61F6-2CAA-BDF3EFA797D7}"/>
-                  </a:ext>
-                </a:extLst>
-              </p:cNvPr>
-              <p:cNvSpPr/>
-              <p:nvPr/>
-            </p:nvSpPr>
-            <p:spPr>
-              <a:xfrm>
-                <a:off x="4455042" y="3429000"/>
-                <a:ext cx="531628" cy="531628"/>
-              </a:xfrm>
-              <a:prstGeom prst="rect">
-                <a:avLst/>
-              </a:prstGeom>
-              <a:solidFill>
-                <a:srgbClr val="99CCFF"/>
-              </a:solidFill>
-              <a:ln>
-                <a:noFill/>
-              </a:ln>
-            </p:spPr>
-            <p:style>
-              <a:lnRef idx="2">
-                <a:schemeClr val="accent1">
-                  <a:shade val="50000"/>
-                </a:schemeClr>
-              </a:lnRef>
-              <a:fillRef idx="1">
-                <a:schemeClr val="accent1"/>
-              </a:fillRef>
-              <a:effectRef idx="0">
-                <a:schemeClr val="accent1"/>
-              </a:effectRef>
-              <a:fontRef idx="minor">
-                <a:schemeClr val="lt1"/>
-              </a:fontRef>
-            </p:style>
-            <p:txBody>
-              <a:bodyPr rtlCol="0" anchor="ctr"/>
-              <a:lstStyle/>
-              <a:p>
-                <a:pPr algn="ctr"/>
-                <a:endParaRPr kumimoji="1" lang="ja-JP" altLang="en-US"/>
-              </a:p>
-            </p:txBody>
-          </p:sp>
-          <p:sp>
-            <p:nvSpPr>
-              <p:cNvPr id="9" name="正方形/長方形 8">
-                <a:extLst>
-                  <a:ext uri="{FF2B5EF4-FFF2-40B4-BE49-F238E27FC236}">
-                    <a16:creationId xmlns:a16="http://schemas.microsoft.com/office/drawing/2014/main" id="{24CA8FCE-7331-5053-6CA1-AED5D7787A46}"/>
-                  </a:ext>
-                </a:extLst>
-              </p:cNvPr>
-              <p:cNvSpPr/>
-              <p:nvPr/>
-            </p:nvSpPr>
-            <p:spPr>
-              <a:xfrm>
-                <a:off x="4976037" y="3429000"/>
-                <a:ext cx="531628" cy="531628"/>
-              </a:xfrm>
-              <a:prstGeom prst="rect">
-                <a:avLst/>
-              </a:prstGeom>
-              <a:solidFill>
-                <a:srgbClr val="FFFF00"/>
-              </a:solidFill>
-              <a:ln>
-                <a:noFill/>
-              </a:ln>
-            </p:spPr>
-            <p:style>
-              <a:lnRef idx="2">
-                <a:schemeClr val="accent1">
-                  <a:shade val="50000"/>
-                </a:schemeClr>
-              </a:lnRef>
-              <a:fillRef idx="1">
-                <a:schemeClr val="accent1"/>
-              </a:fillRef>
-              <a:effectRef idx="0">
-                <a:schemeClr val="accent1"/>
-              </a:effectRef>
-              <a:fontRef idx="minor">
-                <a:schemeClr val="lt1"/>
-              </a:fontRef>
-            </p:style>
-            <p:txBody>
-              <a:bodyPr rtlCol="0" anchor="ctr"/>
-              <a:lstStyle/>
-              <a:p>
-                <a:pPr algn="ctr"/>
-                <a:endParaRPr kumimoji="1" lang="ja-JP" altLang="en-US"/>
-              </a:p>
-            </p:txBody>
-          </p:sp>
-          <p:sp>
-            <p:nvSpPr>
-              <p:cNvPr id="10" name="正方形/長方形 9">
-                <a:extLst>
-                  <a:ext uri="{FF2B5EF4-FFF2-40B4-BE49-F238E27FC236}">
-                    <a16:creationId xmlns:a16="http://schemas.microsoft.com/office/drawing/2014/main" id="{89AF0184-1A9C-4498-8F73-AAED755D1493}"/>
-                  </a:ext>
-                </a:extLst>
-              </p:cNvPr>
-              <p:cNvSpPr/>
-              <p:nvPr/>
-            </p:nvSpPr>
-            <p:spPr>
-              <a:xfrm>
-                <a:off x="2328530" y="3960628"/>
-                <a:ext cx="531628" cy="531628"/>
-              </a:xfrm>
-              <a:prstGeom prst="rect">
-                <a:avLst/>
-              </a:prstGeom>
-              <a:solidFill>
-                <a:srgbClr val="FF9999"/>
-              </a:solidFill>
-              <a:ln>
-                <a:noFill/>
-              </a:ln>
-            </p:spPr>
-            <p:style>
-              <a:lnRef idx="2">
-                <a:schemeClr val="accent1">
-                  <a:shade val="50000"/>
-                </a:schemeClr>
-              </a:lnRef>
-              <a:fillRef idx="1">
-                <a:schemeClr val="accent1"/>
-              </a:fillRef>
-              <a:effectRef idx="0">
-                <a:schemeClr val="accent1"/>
-              </a:effectRef>
-              <a:fontRef idx="minor">
-                <a:schemeClr val="lt1"/>
-              </a:fontRef>
-            </p:style>
-            <p:txBody>
-              <a:bodyPr rtlCol="0" anchor="ctr"/>
-              <a:lstStyle/>
-              <a:p>
-                <a:pPr algn="ctr"/>
-                <a:endParaRPr kumimoji="1" lang="ja-JP" altLang="en-US"/>
-              </a:p>
-            </p:txBody>
-          </p:sp>
-          <p:sp>
-            <p:nvSpPr>
-              <p:cNvPr id="11" name="正方形/長方形 10">
-                <a:extLst>
-                  <a:ext uri="{FF2B5EF4-FFF2-40B4-BE49-F238E27FC236}">
-                    <a16:creationId xmlns:a16="http://schemas.microsoft.com/office/drawing/2014/main" id="{9723CDAF-EACA-20A9-56B1-854BD036B9BE}"/>
-                  </a:ext>
-                </a:extLst>
-              </p:cNvPr>
-              <p:cNvSpPr/>
-              <p:nvPr/>
-            </p:nvSpPr>
-            <p:spPr>
-              <a:xfrm>
-                <a:off x="2860158" y="3960628"/>
-                <a:ext cx="531628" cy="531628"/>
-              </a:xfrm>
-              <a:prstGeom prst="rect">
-                <a:avLst/>
-              </a:prstGeom>
-              <a:solidFill>
-                <a:srgbClr val="FF9999"/>
-              </a:solidFill>
-              <a:ln>
-                <a:noFill/>
-              </a:ln>
-            </p:spPr>
-            <p:style>
-              <a:lnRef idx="2">
-                <a:schemeClr val="accent1">
-                  <a:shade val="50000"/>
-                </a:schemeClr>
-              </a:lnRef>
-              <a:fillRef idx="1">
-                <a:schemeClr val="accent1"/>
-              </a:fillRef>
-              <a:effectRef idx="0">
-                <a:schemeClr val="accent1"/>
-              </a:effectRef>
-              <a:fontRef idx="minor">
-                <a:schemeClr val="lt1"/>
-              </a:fontRef>
-            </p:style>
-            <p:txBody>
-              <a:bodyPr rtlCol="0" anchor="ctr"/>
-              <a:lstStyle/>
-              <a:p>
-                <a:pPr algn="ctr"/>
-                <a:endParaRPr kumimoji="1" lang="ja-JP" altLang="en-US"/>
-              </a:p>
-            </p:txBody>
-          </p:sp>
-          <p:sp>
-            <p:nvSpPr>
-              <p:cNvPr id="12" name="正方形/長方形 11">
-                <a:extLst>
-                  <a:ext uri="{FF2B5EF4-FFF2-40B4-BE49-F238E27FC236}">
-                    <a16:creationId xmlns:a16="http://schemas.microsoft.com/office/drawing/2014/main" id="{74448B9E-37DC-9BA9-4A40-7B8BD7AD398C}"/>
-                  </a:ext>
-                </a:extLst>
-              </p:cNvPr>
-              <p:cNvSpPr/>
-              <p:nvPr/>
-            </p:nvSpPr>
-            <p:spPr>
-              <a:xfrm>
-                <a:off x="3391786" y="3960628"/>
-                <a:ext cx="531628" cy="531628"/>
-              </a:xfrm>
-              <a:prstGeom prst="rect">
-                <a:avLst/>
-              </a:prstGeom>
-              <a:solidFill>
-                <a:srgbClr val="99FF99"/>
-              </a:solidFill>
-              <a:ln>
-                <a:noFill/>
-              </a:ln>
-            </p:spPr>
-            <p:style>
-              <a:lnRef idx="2">
-                <a:schemeClr val="accent1">
-                  <a:shade val="50000"/>
-                </a:schemeClr>
-              </a:lnRef>
-              <a:fillRef idx="1">
-                <a:schemeClr val="accent1"/>
-              </a:fillRef>
-              <a:effectRef idx="0">
-                <a:schemeClr val="accent1"/>
-              </a:effectRef>
-              <a:fontRef idx="minor">
-                <a:schemeClr val="lt1"/>
-              </a:fontRef>
-            </p:style>
-            <p:txBody>
-              <a:bodyPr rtlCol="0" anchor="t"/>
-              <a:lstStyle/>
-              <a:p>
-                <a:pPr algn="ctr"/>
-                <a:r>
-                  <a:rPr kumimoji="1" lang="ja-JP" altLang="en-US" sz="3600" b="1" dirty="0">
-                    <a:solidFill>
-                      <a:schemeClr val="bg2">
-                        <a:lumMod val="25000"/>
-                      </a:schemeClr>
-                    </a:solidFill>
-                  </a:rPr>
-                  <a:t>４</a:t>
-                </a:r>
-              </a:p>
-            </p:txBody>
-          </p:sp>
-          <p:sp>
-            <p:nvSpPr>
-              <p:cNvPr id="13" name="正方形/長方形 12">
-                <a:extLst>
-                  <a:ext uri="{FF2B5EF4-FFF2-40B4-BE49-F238E27FC236}">
-                    <a16:creationId xmlns:a16="http://schemas.microsoft.com/office/drawing/2014/main" id="{4B14D833-DAB7-C340-B72F-2BED457A8D1F}"/>
-                  </a:ext>
-                </a:extLst>
-              </p:cNvPr>
-              <p:cNvSpPr/>
-              <p:nvPr/>
-            </p:nvSpPr>
-            <p:spPr>
-              <a:xfrm>
-                <a:off x="3923414" y="3960628"/>
-                <a:ext cx="531628" cy="531628"/>
-              </a:xfrm>
-              <a:prstGeom prst="rect">
-                <a:avLst/>
-              </a:prstGeom>
-              <a:solidFill>
-                <a:srgbClr val="99CCFF"/>
-              </a:solidFill>
-              <a:ln>
-                <a:noFill/>
-              </a:ln>
-            </p:spPr>
-            <p:style>
-              <a:lnRef idx="2">
-                <a:schemeClr val="accent1">
-                  <a:shade val="50000"/>
-                </a:schemeClr>
-              </a:lnRef>
-              <a:fillRef idx="1">
-                <a:schemeClr val="accent1"/>
-              </a:fillRef>
-              <a:effectRef idx="0">
-                <a:schemeClr val="accent1"/>
-              </a:effectRef>
-              <a:fontRef idx="minor">
-                <a:schemeClr val="lt1"/>
-              </a:fontRef>
-            </p:style>
-            <p:txBody>
-              <a:bodyPr rtlCol="0" anchor="ctr"/>
-              <a:lstStyle/>
-              <a:p>
-                <a:pPr algn="ctr"/>
-                <a:endParaRPr kumimoji="1" lang="ja-JP" altLang="en-US"/>
-              </a:p>
-            </p:txBody>
-          </p:sp>
-          <p:sp>
-            <p:nvSpPr>
-              <p:cNvPr id="14" name="正方形/長方形 13">
-                <a:extLst>
-                  <a:ext uri="{FF2B5EF4-FFF2-40B4-BE49-F238E27FC236}">
-                    <a16:creationId xmlns:a16="http://schemas.microsoft.com/office/drawing/2014/main" id="{E5C88062-A57D-2C1E-FA31-CF1A603FA68F}"/>
-                  </a:ext>
-                </a:extLst>
-              </p:cNvPr>
-              <p:cNvSpPr/>
-              <p:nvPr/>
-            </p:nvSpPr>
-            <p:spPr>
-              <a:xfrm>
-                <a:off x="4455042" y="3960628"/>
-                <a:ext cx="531628" cy="531628"/>
-              </a:xfrm>
-              <a:prstGeom prst="rect">
-                <a:avLst/>
-              </a:prstGeom>
-              <a:solidFill>
-                <a:srgbClr val="FF0000"/>
-              </a:solidFill>
-              <a:ln>
-                <a:noFill/>
-              </a:ln>
-            </p:spPr>
-            <p:style>
-              <a:lnRef idx="2">
-                <a:schemeClr val="accent1">
-                  <a:shade val="50000"/>
-                </a:schemeClr>
-              </a:lnRef>
-              <a:fillRef idx="1">
-                <a:schemeClr val="accent1"/>
-              </a:fillRef>
-              <a:effectRef idx="0">
-                <a:schemeClr val="accent1"/>
-              </a:effectRef>
-              <a:fontRef idx="minor">
-                <a:schemeClr val="lt1"/>
-              </a:fontRef>
-            </p:style>
-            <p:txBody>
-              <a:bodyPr rtlCol="0" anchor="ctr"/>
-              <a:lstStyle/>
-              <a:p>
-                <a:pPr algn="ctr"/>
-                <a:endParaRPr kumimoji="1" lang="ja-JP" altLang="en-US"/>
-              </a:p>
-            </p:txBody>
-          </p:sp>
-          <p:sp>
-            <p:nvSpPr>
-              <p:cNvPr id="15" name="正方形/長方形 14">
-                <a:extLst>
-                  <a:ext uri="{FF2B5EF4-FFF2-40B4-BE49-F238E27FC236}">
-                    <a16:creationId xmlns:a16="http://schemas.microsoft.com/office/drawing/2014/main" id="{06F157EE-DC43-4580-38BC-5FC4E4BD2034}"/>
-                  </a:ext>
-                </a:extLst>
-              </p:cNvPr>
-              <p:cNvSpPr/>
-              <p:nvPr/>
-            </p:nvSpPr>
-            <p:spPr>
-              <a:xfrm>
-                <a:off x="4976037" y="3960628"/>
-                <a:ext cx="531628" cy="531628"/>
-              </a:xfrm>
-              <a:prstGeom prst="rect">
-                <a:avLst/>
-              </a:prstGeom>
-              <a:solidFill>
-                <a:srgbClr val="FFFF99"/>
-              </a:solidFill>
-              <a:ln>
-                <a:noFill/>
-              </a:ln>
-            </p:spPr>
-            <p:style>
-              <a:lnRef idx="2">
-                <a:schemeClr val="accent1">
-                  <a:shade val="50000"/>
-                </a:schemeClr>
-              </a:lnRef>
-              <a:fillRef idx="1">
-                <a:schemeClr val="accent1"/>
-              </a:fillRef>
-              <a:effectRef idx="0">
-                <a:schemeClr val="accent1"/>
-              </a:effectRef>
-              <a:fontRef idx="minor">
-                <a:schemeClr val="lt1"/>
-              </a:fontRef>
-            </p:style>
-            <p:txBody>
-              <a:bodyPr rtlCol="0" anchor="ctr"/>
-              <a:lstStyle/>
-              <a:p>
-                <a:pPr algn="ctr"/>
-                <a:endParaRPr kumimoji="1" lang="ja-JP" altLang="en-US"/>
-              </a:p>
-            </p:txBody>
-          </p:sp>
-          <p:sp>
-            <p:nvSpPr>
-              <p:cNvPr id="22" name="矢印: 右 21">
-                <a:extLst>
-                  <a:ext uri="{FF2B5EF4-FFF2-40B4-BE49-F238E27FC236}">
-                    <a16:creationId xmlns:a16="http://schemas.microsoft.com/office/drawing/2014/main" id="{31F0B272-273C-0CBB-0A95-A2691B890BB0}"/>
-                  </a:ext>
-                </a:extLst>
-              </p:cNvPr>
-              <p:cNvSpPr/>
-              <p:nvPr/>
-            </p:nvSpPr>
-            <p:spPr>
-              <a:xfrm>
-                <a:off x="4497572" y="3500770"/>
-                <a:ext cx="446568" cy="388088"/>
-              </a:xfrm>
-              <a:prstGeom prst="rightArrow">
-                <a:avLst/>
-              </a:prstGeom>
-              <a:noFill/>
-              <a:ln w="38100">
-                <a:solidFill>
-                  <a:schemeClr val="bg2">
-                    <a:lumMod val="25000"/>
-                  </a:schemeClr>
-                </a:solidFill>
-              </a:ln>
-            </p:spPr>
-            <p:style>
-              <a:lnRef idx="2">
-                <a:schemeClr val="accent1">
-                  <a:shade val="50000"/>
-                </a:schemeClr>
-              </a:lnRef>
-              <a:fillRef idx="1">
-                <a:schemeClr val="accent1"/>
-              </a:fillRef>
-              <a:effectRef idx="0">
-                <a:schemeClr val="accent1"/>
-              </a:effectRef>
-              <a:fontRef idx="minor">
-                <a:schemeClr val="lt1"/>
-              </a:fontRef>
-            </p:style>
-            <p:txBody>
-              <a:bodyPr rtlCol="0" anchor="ctr"/>
-              <a:lstStyle/>
-              <a:p>
-                <a:pPr algn="ctr"/>
-                <a:endParaRPr kumimoji="1" lang="ja-JP" altLang="en-US"/>
-              </a:p>
-            </p:txBody>
-          </p:sp>
-          <p:sp>
-            <p:nvSpPr>
-              <p:cNvPr id="23" name="矢印: 右 22">
-                <a:extLst>
-                  <a:ext uri="{FF2B5EF4-FFF2-40B4-BE49-F238E27FC236}">
-                    <a16:creationId xmlns:a16="http://schemas.microsoft.com/office/drawing/2014/main" id="{8646B11D-5E95-0618-79E3-DFC5379AB4E3}"/>
-                  </a:ext>
-                </a:extLst>
-              </p:cNvPr>
-              <p:cNvSpPr/>
-              <p:nvPr/>
-            </p:nvSpPr>
-            <p:spPr>
-              <a:xfrm rot="5400000">
-                <a:off x="3965944" y="4032398"/>
-                <a:ext cx="446568" cy="388088"/>
-              </a:xfrm>
-              <a:prstGeom prst="rightArrow">
-                <a:avLst/>
-              </a:prstGeom>
-              <a:noFill/>
-              <a:ln w="38100">
-                <a:solidFill>
-                  <a:schemeClr val="bg2">
-                    <a:lumMod val="25000"/>
-                  </a:schemeClr>
-                </a:solidFill>
-              </a:ln>
-            </p:spPr>
-            <p:style>
-              <a:lnRef idx="2">
-                <a:schemeClr val="accent1">
-                  <a:shade val="50000"/>
-                </a:schemeClr>
-              </a:lnRef>
-              <a:fillRef idx="1">
-                <a:schemeClr val="accent1"/>
-              </a:fillRef>
-              <a:effectRef idx="0">
-                <a:schemeClr val="accent1"/>
-              </a:effectRef>
-              <a:fontRef idx="minor">
-                <a:schemeClr val="lt1"/>
-              </a:fontRef>
-            </p:style>
-            <p:txBody>
-              <a:bodyPr rtlCol="0" anchor="ctr"/>
-              <a:lstStyle/>
-              <a:p>
-                <a:pPr algn="ctr"/>
-                <a:endParaRPr kumimoji="1" lang="ja-JP" altLang="en-US"/>
-              </a:p>
-            </p:txBody>
-          </p:sp>
-          <p:cxnSp>
-            <p:nvCxnSpPr>
-              <p:cNvPr id="25" name="直線コネクタ 24">
-                <a:extLst>
-                  <a:ext uri="{FF2B5EF4-FFF2-40B4-BE49-F238E27FC236}">
-                    <a16:creationId xmlns:a16="http://schemas.microsoft.com/office/drawing/2014/main" id="{FD2A41F9-33D3-F606-A1F5-80244E489AE3}"/>
-                  </a:ext>
-                </a:extLst>
-              </p:cNvPr>
-              <p:cNvCxnSpPr/>
-              <p:nvPr/>
-            </p:nvCxnSpPr>
-            <p:spPr>
-              <a:xfrm>
-                <a:off x="1860697" y="4210493"/>
-                <a:ext cx="4125433" cy="0"/>
-              </a:xfrm>
-              <a:prstGeom prst="line">
-                <a:avLst/>
-              </a:prstGeom>
-              <a:ln w="76200">
-                <a:solidFill>
-                  <a:srgbClr val="75F2FF"/>
-                </a:solidFill>
-              </a:ln>
-            </p:spPr>
-            <p:style>
-              <a:lnRef idx="1">
-                <a:schemeClr val="accent1"/>
-              </a:lnRef>
-              <a:fillRef idx="0">
-                <a:schemeClr val="accent1"/>
-              </a:fillRef>
-              <a:effectRef idx="0">
-                <a:schemeClr val="accent1"/>
-              </a:effectRef>
-              <a:fontRef idx="minor">
-                <a:schemeClr val="tx1"/>
-              </a:fontRef>
-            </p:style>
-          </p:cxnSp>
-        </p:grpSp>
-        <p:sp>
-          <p:nvSpPr>
-            <p:cNvPr id="27" name="吹き出し: 四角形 26">
-              <a:extLst>
-                <a:ext uri="{FF2B5EF4-FFF2-40B4-BE49-F238E27FC236}">
-                  <a16:creationId xmlns:a16="http://schemas.microsoft.com/office/drawing/2014/main" id="{7C9F45C4-F5EE-9546-6D32-9BC325E88234}"/>
-                </a:ext>
-              </a:extLst>
-            </p:cNvPr>
-            <p:cNvSpPr/>
-            <p:nvPr/>
-          </p:nvSpPr>
-          <p:spPr>
-            <a:xfrm>
-              <a:off x="967561" y="3747978"/>
-              <a:ext cx="2181447" cy="1020724"/>
-            </a:xfrm>
-            <a:prstGeom prst="wedgeRectCallout">
-              <a:avLst>
-                <a:gd name="adj1" fmla="val 75674"/>
-                <a:gd name="adj2" fmla="val -28433"/>
-              </a:avLst>
-            </a:prstGeom>
-            <a:solidFill>
-              <a:schemeClr val="bg2"/>
-            </a:solidFill>
-            <a:ln>
-              <a:noFill/>
-            </a:ln>
-          </p:spPr>
-          <p:style>
-            <a:lnRef idx="2">
-              <a:schemeClr val="accent1">
-                <a:shade val="50000"/>
-              </a:schemeClr>
-            </a:lnRef>
-            <a:fillRef idx="1">
-              <a:schemeClr val="accent1"/>
-            </a:fillRef>
-            <a:effectRef idx="0">
-              <a:schemeClr val="accent1"/>
-            </a:effectRef>
-            <a:fontRef idx="minor">
-              <a:schemeClr val="lt1"/>
-            </a:fontRef>
-          </p:style>
-          <p:txBody>
-            <a:bodyPr rtlCol="0" anchor="b"/>
-            <a:lstStyle/>
-            <a:p>
-              <a:r>
-                <a:rPr kumimoji="1" lang="ja-JP" altLang="en-US" sz="1400" b="1" dirty="0">
-                  <a:solidFill>
-                    <a:schemeClr val="bg2">
-                      <a:lumMod val="25000"/>
-                    </a:schemeClr>
-                  </a:solidFill>
-                </a:rPr>
-                <a:t>長押ししながら</a:t>
-              </a:r>
-              <a:r>
-                <a:rPr kumimoji="1" lang="en-US" altLang="ja-JP" sz="1400" b="1" dirty="0">
-                  <a:solidFill>
-                    <a:schemeClr val="bg2">
-                      <a:lumMod val="25000"/>
-                    </a:schemeClr>
-                  </a:solidFill>
-                </a:rPr>
-                <a:t>2</a:t>
-              </a:r>
-              <a:r>
-                <a:rPr kumimoji="1" lang="ja-JP" altLang="en-US" sz="1400" b="1" dirty="0">
-                  <a:solidFill>
-                    <a:schemeClr val="bg2">
-                      <a:lumMod val="25000"/>
-                    </a:schemeClr>
-                  </a:solidFill>
-                </a:rPr>
-                <a:t>つ同時にタップとさらに長押しもしなきゃ</a:t>
-              </a:r>
-              <a:r>
-                <a:rPr kumimoji="1" lang="en-US" altLang="ja-JP" sz="1400" b="1" dirty="0">
-                  <a:solidFill>
-                    <a:schemeClr val="bg2">
-                      <a:lumMod val="25000"/>
-                    </a:schemeClr>
-                  </a:solidFill>
-                </a:rPr>
-                <a:t>…</a:t>
-              </a:r>
-              <a:endParaRPr kumimoji="1" lang="ja-JP" altLang="en-US" sz="1400" b="1" dirty="0">
-                <a:solidFill>
-                  <a:schemeClr val="bg2">
-                    <a:lumMod val="25000"/>
-                  </a:schemeClr>
-                </a:solidFill>
-              </a:endParaRPr>
-            </a:p>
-          </p:txBody>
-        </p:sp>
-        <p:sp>
-          <p:nvSpPr>
-            <p:cNvPr id="28" name="吹き出し: 四角形 27">
-              <a:extLst>
-                <a:ext uri="{FF2B5EF4-FFF2-40B4-BE49-F238E27FC236}">
-                  <a16:creationId xmlns:a16="http://schemas.microsoft.com/office/drawing/2014/main" id="{562EE68B-83CC-A26C-0CCA-83A290B70D16}"/>
-                </a:ext>
-              </a:extLst>
-            </p:cNvPr>
-            <p:cNvSpPr/>
-            <p:nvPr/>
-          </p:nvSpPr>
-          <p:spPr>
-            <a:xfrm>
-              <a:off x="8909196" y="3938430"/>
-              <a:ext cx="2516373" cy="830271"/>
-            </a:xfrm>
-            <a:prstGeom prst="wedgeRectCallout">
-              <a:avLst>
-                <a:gd name="adj1" fmla="val -86441"/>
-                <a:gd name="adj2" fmla="val 4308"/>
-              </a:avLst>
-            </a:prstGeom>
-            <a:solidFill>
-              <a:schemeClr val="bg2"/>
-            </a:solidFill>
-            <a:ln>
-              <a:noFill/>
-            </a:ln>
-          </p:spPr>
-          <p:style>
-            <a:lnRef idx="2">
-              <a:schemeClr val="accent1">
-                <a:shade val="50000"/>
-              </a:schemeClr>
-            </a:lnRef>
-            <a:fillRef idx="1">
-              <a:schemeClr val="accent1"/>
-            </a:fillRef>
-            <a:effectRef idx="0">
-              <a:schemeClr val="accent1"/>
-            </a:effectRef>
-            <a:fontRef idx="minor">
-              <a:schemeClr val="lt1"/>
-            </a:fontRef>
-          </p:style>
-          <p:txBody>
-            <a:bodyPr rtlCol="0" anchor="b"/>
-            <a:lstStyle/>
-            <a:p>
-              <a:r>
-                <a:rPr lang="ja-JP" altLang="en-US" sz="1400" b="1" dirty="0">
-                  <a:solidFill>
-                    <a:schemeClr val="bg2">
-                      <a:lumMod val="25000"/>
-                    </a:schemeClr>
-                  </a:solidFill>
-                </a:rPr>
-                <a:t>右</a:t>
-              </a:r>
-              <a:r>
-                <a:rPr kumimoji="1" lang="ja-JP" altLang="en-US" sz="1400" b="1" dirty="0">
-                  <a:solidFill>
-                    <a:schemeClr val="bg2">
-                      <a:lumMod val="25000"/>
-                    </a:schemeClr>
-                  </a:solidFill>
-                </a:rPr>
-                <a:t>フリックの後にタップと同時に下フリックしなきゃ</a:t>
-              </a:r>
-              <a:r>
-                <a:rPr kumimoji="1" lang="en-US" altLang="ja-JP" sz="1400" b="1" dirty="0">
-                  <a:solidFill>
-                    <a:schemeClr val="bg2">
-                      <a:lumMod val="25000"/>
-                    </a:schemeClr>
-                  </a:solidFill>
-                </a:rPr>
-                <a:t>…</a:t>
-              </a:r>
-              <a:endParaRPr kumimoji="1" lang="ja-JP" altLang="en-US" sz="1400" b="1" dirty="0">
-                <a:solidFill>
-                  <a:schemeClr val="bg2">
-                    <a:lumMod val="25000"/>
-                  </a:schemeClr>
-                </a:solidFill>
-              </a:endParaRPr>
-            </a:p>
-          </p:txBody>
-        </p:sp>
-        <p:pic>
-          <p:nvPicPr>
-            <p:cNvPr id="30" name="グラフィックス 29" descr="挙手">
-              <a:extLst>
-                <a:ext uri="{FF2B5EF4-FFF2-40B4-BE49-F238E27FC236}">
-                  <a16:creationId xmlns:a16="http://schemas.microsoft.com/office/drawing/2014/main" id="{94D540A8-98BE-A47A-F9B0-6E950515B663}"/>
-                </a:ext>
-              </a:extLst>
-            </p:cNvPr>
-            <p:cNvPicPr>
-              <a:picLocks noChangeAspect="1"/>
-            </p:cNvPicPr>
-            <p:nvPr/>
-          </p:nvPicPr>
-          <p:blipFill>
-            <a:blip r:embed="rId2">
-              <a:extLst>
-                <a:ext uri="{28A0092B-C50C-407E-A947-70E740481C1C}">
-                  <a14:useLocalDpi xmlns:a14="http://schemas.microsoft.com/office/drawing/2010/main" val="0"/>
-                </a:ext>
-                <a:ext uri="{96DAC541-7B7A-43D3-8B79-37D633B846F1}">
-                  <asvg:svgBlip xmlns:asvg="http://schemas.microsoft.com/office/drawing/2016/SVG/main" r:embed="rId3"/>
-                </a:ext>
-              </a:extLst>
-            </a:blip>
-            <a:stretch>
-              <a:fillRect/>
-            </a:stretch>
-          </p:blipFill>
-          <p:spPr>
-            <a:xfrm>
-              <a:off x="967560" y="3099391"/>
-              <a:ext cx="978197" cy="914400"/>
-            </a:xfrm>
-            <a:prstGeom prst="rect">
-              <a:avLst/>
-            </a:prstGeom>
-          </p:spPr>
-        </p:pic>
-        <p:pic>
-          <p:nvPicPr>
-            <p:cNvPr id="31" name="グラフィックス 30" descr="挙手">
-              <a:extLst>
-                <a:ext uri="{FF2B5EF4-FFF2-40B4-BE49-F238E27FC236}">
-                  <a16:creationId xmlns:a16="http://schemas.microsoft.com/office/drawing/2014/main" id="{8CD7ADC0-477F-5650-F6EA-0F20A83DD961}"/>
-                </a:ext>
-              </a:extLst>
-            </p:cNvPr>
-            <p:cNvPicPr>
-              <a:picLocks noChangeAspect="1"/>
-            </p:cNvPicPr>
-            <p:nvPr/>
-          </p:nvPicPr>
-          <p:blipFill>
-            <a:blip r:embed="rId2">
-              <a:extLst>
-                <a:ext uri="{28A0092B-C50C-407E-A947-70E740481C1C}">
-                  <a14:useLocalDpi xmlns:a14="http://schemas.microsoft.com/office/drawing/2010/main" val="0"/>
-                </a:ext>
-                <a:ext uri="{96DAC541-7B7A-43D3-8B79-37D633B846F1}">
-                  <asvg:svgBlip xmlns:asvg="http://schemas.microsoft.com/office/drawing/2016/SVG/main" r:embed="rId3"/>
-                </a:ext>
-              </a:extLst>
-            </a:blip>
-            <a:stretch>
-              <a:fillRect/>
-            </a:stretch>
-          </p:blipFill>
-          <p:spPr>
-            <a:xfrm flipH="1">
-              <a:off x="10246242" y="3288119"/>
-              <a:ext cx="978197" cy="914400"/>
-            </a:xfrm>
-            <a:prstGeom prst="rect">
-              <a:avLst/>
-            </a:prstGeom>
-          </p:spPr>
-        </p:pic>
-        <p:sp>
-          <p:nvSpPr>
-            <p:cNvPr id="32" name="テキスト ボックス 31">
-              <a:extLst>
-                <a:ext uri="{FF2B5EF4-FFF2-40B4-BE49-F238E27FC236}">
-                  <a16:creationId xmlns:a16="http://schemas.microsoft.com/office/drawing/2014/main" id="{2FA4F2BC-A978-A309-C701-661321D0B30B}"/>
-                </a:ext>
-              </a:extLst>
-            </p:cNvPr>
-            <p:cNvSpPr txBox="1"/>
-            <p:nvPr/>
-          </p:nvSpPr>
-          <p:spPr>
-            <a:xfrm>
-              <a:off x="1724689" y="3618358"/>
-              <a:ext cx="1163378" cy="461665"/>
-            </a:xfrm>
-            <a:prstGeom prst="rect">
-              <a:avLst/>
-            </a:prstGeom>
-            <a:noFill/>
-          </p:spPr>
-          <p:txBody>
-            <a:bodyPr wrap="square" rtlCol="0">
-              <a:spAutoFit/>
-            </a:bodyPr>
-            <a:lstStyle/>
-            <a:p>
-              <a:r>
-                <a:rPr lang="ja-JP" altLang="en-US" sz="2400" b="1" dirty="0">
-                  <a:solidFill>
-                    <a:schemeClr val="bg2">
-                      <a:lumMod val="25000"/>
-                    </a:schemeClr>
-                  </a:solidFill>
-                </a:rPr>
-                <a:t>みぎて</a:t>
-              </a:r>
-              <a:endParaRPr kumimoji="1" lang="ja-JP" altLang="en-US" sz="2400" b="1" dirty="0">
-                <a:solidFill>
-                  <a:schemeClr val="bg2">
-                    <a:lumMod val="25000"/>
-                  </a:schemeClr>
-                </a:solidFill>
-              </a:endParaRPr>
-            </a:p>
-          </p:txBody>
-        </p:sp>
-        <p:sp>
-          <p:nvSpPr>
-            <p:cNvPr id="33" name="テキスト ボックス 32">
-              <a:extLst>
-                <a:ext uri="{FF2B5EF4-FFF2-40B4-BE49-F238E27FC236}">
-                  <a16:creationId xmlns:a16="http://schemas.microsoft.com/office/drawing/2014/main" id="{87460F3D-43E9-25ED-B961-D17C5ECD7BB1}"/>
-                </a:ext>
-              </a:extLst>
-            </p:cNvPr>
-            <p:cNvSpPr txBox="1"/>
-            <p:nvPr/>
-          </p:nvSpPr>
-          <p:spPr>
-            <a:xfrm>
-              <a:off x="8996030" y="3793112"/>
-              <a:ext cx="1586912" cy="461665"/>
-            </a:xfrm>
-            <a:prstGeom prst="rect">
-              <a:avLst/>
-            </a:prstGeom>
-            <a:noFill/>
-          </p:spPr>
-          <p:txBody>
-            <a:bodyPr wrap="square" rtlCol="0">
-              <a:spAutoFit/>
-            </a:bodyPr>
-            <a:lstStyle/>
-            <a:p>
-              <a:r>
-                <a:rPr kumimoji="1" lang="ja-JP" altLang="en-US" sz="2400" b="1" dirty="0">
-                  <a:solidFill>
-                    <a:schemeClr val="bg2">
-                      <a:lumMod val="25000"/>
-                    </a:schemeClr>
-                  </a:solidFill>
-                </a:rPr>
-                <a:t>ひだりて</a:t>
-              </a:r>
-            </a:p>
-          </p:txBody>
-        </p:sp>
-      </p:grpSp>
-      <p:grpSp>
-        <p:nvGrpSpPr>
-          <p:cNvPr id="40" name="グループ化 39">
-            <a:extLst>
-              <a:ext uri="{FF2B5EF4-FFF2-40B4-BE49-F238E27FC236}">
-                <a16:creationId xmlns:a16="http://schemas.microsoft.com/office/drawing/2014/main" id="{5C081011-D011-7E89-B26B-6836829C32A9}"/>
-              </a:ext>
-            </a:extLst>
-          </p:cNvPr>
-          <p:cNvGrpSpPr/>
-          <p:nvPr/>
-        </p:nvGrpSpPr>
-        <p:grpSpPr>
-          <a:xfrm>
-            <a:off x="7387858" y="4332307"/>
-            <a:ext cx="2043223" cy="851231"/>
-            <a:chOff x="8646929" y="4283842"/>
-            <a:chExt cx="2043223" cy="851231"/>
-          </a:xfrm>
-        </p:grpSpPr>
-        <p:grpSp>
-          <p:nvGrpSpPr>
-            <p:cNvPr id="38" name="グループ化 37">
-              <a:extLst>
-                <a:ext uri="{FF2B5EF4-FFF2-40B4-BE49-F238E27FC236}">
-                  <a16:creationId xmlns:a16="http://schemas.microsoft.com/office/drawing/2014/main" id="{6F27E3CA-4F7B-674A-C891-79B9C53128A2}"/>
-                </a:ext>
-              </a:extLst>
-            </p:cNvPr>
-            <p:cNvGrpSpPr/>
-            <p:nvPr/>
-          </p:nvGrpSpPr>
-          <p:grpSpPr>
-            <a:xfrm>
-              <a:off x="9095268" y="4603445"/>
-              <a:ext cx="1594884" cy="531628"/>
-              <a:chOff x="2064490" y="5634868"/>
-              <a:chExt cx="1594884" cy="531628"/>
-            </a:xfrm>
-          </p:grpSpPr>
-          <p:sp>
-            <p:nvSpPr>
-              <p:cNvPr id="35" name="正方形/長方形 34">
-                <a:extLst>
-                  <a:ext uri="{FF2B5EF4-FFF2-40B4-BE49-F238E27FC236}">
-                    <a16:creationId xmlns:a16="http://schemas.microsoft.com/office/drawing/2014/main" id="{8D1604E0-0F21-9C76-8753-2244877FCB9E}"/>
-                  </a:ext>
-                </a:extLst>
-              </p:cNvPr>
-              <p:cNvSpPr/>
-              <p:nvPr/>
-            </p:nvSpPr>
-            <p:spPr>
-              <a:xfrm>
-                <a:off x="2064490" y="5634868"/>
-                <a:ext cx="531628" cy="531628"/>
-              </a:xfrm>
-              <a:prstGeom prst="rect">
-                <a:avLst/>
-              </a:prstGeom>
-              <a:solidFill>
-                <a:srgbClr val="0070C0"/>
-              </a:solidFill>
-              <a:ln>
-                <a:solidFill>
-                  <a:schemeClr val="bg1">
-                    <a:lumMod val="95000"/>
-                  </a:schemeClr>
-                </a:solidFill>
-              </a:ln>
-            </p:spPr>
-            <p:style>
-              <a:lnRef idx="2">
-                <a:schemeClr val="accent1">
-                  <a:shade val="50000"/>
-                </a:schemeClr>
-              </a:lnRef>
-              <a:fillRef idx="1">
-                <a:schemeClr val="accent1"/>
-              </a:fillRef>
-              <a:effectRef idx="0">
-                <a:schemeClr val="accent1"/>
-              </a:effectRef>
-              <a:fontRef idx="minor">
-                <a:schemeClr val="lt1"/>
-              </a:fontRef>
-            </p:style>
-            <p:txBody>
-              <a:bodyPr rtlCol="0" anchor="ctr"/>
-              <a:lstStyle/>
-              <a:p>
-                <a:pPr algn="ctr"/>
-                <a:endParaRPr kumimoji="1" lang="ja-JP" altLang="en-US"/>
-              </a:p>
-            </p:txBody>
-          </p:sp>
-          <p:sp>
-            <p:nvSpPr>
-              <p:cNvPr id="36" name="正方形/長方形 35">
-                <a:extLst>
-                  <a:ext uri="{FF2B5EF4-FFF2-40B4-BE49-F238E27FC236}">
-                    <a16:creationId xmlns:a16="http://schemas.microsoft.com/office/drawing/2014/main" id="{6CDE933A-1584-B4B5-A739-8FC0C306003C}"/>
-                  </a:ext>
-                </a:extLst>
-              </p:cNvPr>
-              <p:cNvSpPr/>
-              <p:nvPr/>
-            </p:nvSpPr>
-            <p:spPr>
-              <a:xfrm>
-                <a:off x="2596118" y="5634868"/>
-                <a:ext cx="531628" cy="531628"/>
-              </a:xfrm>
-              <a:prstGeom prst="rect">
-                <a:avLst/>
-              </a:prstGeom>
-              <a:solidFill>
-                <a:srgbClr val="0070C0"/>
-              </a:solidFill>
-              <a:ln>
-                <a:solidFill>
-                  <a:schemeClr val="bg1">
-                    <a:lumMod val="95000"/>
-                  </a:schemeClr>
-                </a:solidFill>
-              </a:ln>
-            </p:spPr>
-            <p:style>
-              <a:lnRef idx="2">
-                <a:schemeClr val="accent1">
-                  <a:shade val="50000"/>
-                </a:schemeClr>
-              </a:lnRef>
-              <a:fillRef idx="1">
-                <a:schemeClr val="accent1"/>
-              </a:fillRef>
-              <a:effectRef idx="0">
-                <a:schemeClr val="accent1"/>
-              </a:effectRef>
-              <a:fontRef idx="minor">
-                <a:schemeClr val="lt1"/>
-              </a:fontRef>
-            </p:style>
-            <p:txBody>
-              <a:bodyPr rtlCol="0" anchor="t"/>
-              <a:lstStyle/>
-              <a:p>
-                <a:pPr algn="ctr"/>
-                <a:endParaRPr kumimoji="1" lang="ja-JP" altLang="en-US" sz="3600" b="1" dirty="0">
-                  <a:solidFill>
-                    <a:schemeClr val="bg2">
-                      <a:lumMod val="25000"/>
-                    </a:schemeClr>
-                  </a:solidFill>
-                </a:endParaRPr>
-              </a:p>
-            </p:txBody>
-          </p:sp>
-          <p:sp>
-            <p:nvSpPr>
-              <p:cNvPr id="37" name="正方形/長方形 36">
-                <a:extLst>
-                  <a:ext uri="{FF2B5EF4-FFF2-40B4-BE49-F238E27FC236}">
-                    <a16:creationId xmlns:a16="http://schemas.microsoft.com/office/drawing/2014/main" id="{85A99506-2302-B096-4D27-05854C15BEBE}"/>
-                  </a:ext>
-                </a:extLst>
-              </p:cNvPr>
-              <p:cNvSpPr/>
-              <p:nvPr/>
-            </p:nvSpPr>
-            <p:spPr>
-              <a:xfrm>
-                <a:off x="3127746" y="5634868"/>
-                <a:ext cx="531628" cy="531628"/>
-              </a:xfrm>
-              <a:prstGeom prst="rect">
-                <a:avLst/>
-              </a:prstGeom>
-              <a:solidFill>
-                <a:srgbClr val="0070C0"/>
-              </a:solidFill>
-              <a:ln>
-                <a:solidFill>
-                  <a:schemeClr val="bg1">
-                    <a:lumMod val="95000"/>
-                  </a:schemeClr>
-                </a:solidFill>
-              </a:ln>
-            </p:spPr>
-            <p:style>
-              <a:lnRef idx="2">
-                <a:schemeClr val="accent1">
-                  <a:shade val="50000"/>
-                </a:schemeClr>
-              </a:lnRef>
-              <a:fillRef idx="1">
-                <a:schemeClr val="accent1"/>
-              </a:fillRef>
-              <a:effectRef idx="0">
-                <a:schemeClr val="accent1"/>
-              </a:effectRef>
-              <a:fontRef idx="minor">
-                <a:schemeClr val="lt1"/>
-              </a:fontRef>
-            </p:style>
-            <p:txBody>
-              <a:bodyPr rtlCol="0" anchor="ctr"/>
-              <a:lstStyle/>
-              <a:p>
-                <a:pPr algn="ctr"/>
-                <a:endParaRPr kumimoji="1" lang="ja-JP" altLang="en-US"/>
-              </a:p>
-            </p:txBody>
-          </p:sp>
-        </p:grpSp>
-        <p:sp>
-          <p:nvSpPr>
-            <p:cNvPr id="39" name="テキスト ボックス 38">
-              <a:extLst>
-                <a:ext uri="{FF2B5EF4-FFF2-40B4-BE49-F238E27FC236}">
-                  <a16:creationId xmlns:a16="http://schemas.microsoft.com/office/drawing/2014/main" id="{48E1BB25-AA36-48F7-507C-8A688EE28B40}"/>
-                </a:ext>
-              </a:extLst>
-            </p:cNvPr>
-            <p:cNvSpPr txBox="1"/>
-            <p:nvPr/>
-          </p:nvSpPr>
-          <p:spPr>
-            <a:xfrm>
-              <a:off x="8646929" y="4283842"/>
-              <a:ext cx="1607289" cy="369332"/>
-            </a:xfrm>
-            <a:prstGeom prst="rect">
-              <a:avLst/>
-            </a:prstGeom>
-            <a:noFill/>
-          </p:spPr>
-          <p:txBody>
-            <a:bodyPr wrap="square" rtlCol="0">
-              <a:spAutoFit/>
-            </a:bodyPr>
-            <a:lstStyle/>
-            <a:p>
-              <a:r>
-                <a:rPr kumimoji="1" lang="ja-JP" altLang="en-US" b="1" dirty="0">
-                  <a:solidFill>
-                    <a:schemeClr val="bg2">
-                      <a:lumMod val="25000"/>
-                    </a:schemeClr>
-                  </a:solidFill>
-                </a:rPr>
-                <a:t>これで</a:t>
-              </a:r>
-              <a:r>
-                <a:rPr kumimoji="1" lang="en-US" altLang="ja-JP" b="1" dirty="0">
-                  <a:solidFill>
-                    <a:schemeClr val="bg2">
-                      <a:lumMod val="25000"/>
-                    </a:schemeClr>
-                  </a:solidFill>
-                </a:rPr>
-                <a:t>3</a:t>
-              </a:r>
-              <a:r>
-                <a:rPr kumimoji="1" lang="ja-JP" altLang="en-US" b="1" dirty="0">
-                  <a:solidFill>
-                    <a:schemeClr val="bg2">
-                      <a:lumMod val="25000"/>
-                    </a:schemeClr>
-                  </a:solidFill>
-                </a:rPr>
-                <a:t>点</a:t>
-              </a:r>
-            </a:p>
-          </p:txBody>
-        </p:sp>
-      </p:grpSp>
-      <p:sp>
-        <p:nvSpPr>
-          <p:cNvPr id="41" name="吹き出し: 四角形 40">
-            <a:extLst>
-              <a:ext uri="{FF2B5EF4-FFF2-40B4-BE49-F238E27FC236}">
-                <a16:creationId xmlns:a16="http://schemas.microsoft.com/office/drawing/2014/main" id="{94A80920-D120-9192-3069-934549DF5F1A}"/>
-              </a:ext>
-            </a:extLst>
-          </p:cNvPr>
-          <p:cNvSpPr/>
-          <p:nvPr/>
-        </p:nvSpPr>
-        <p:spPr>
-          <a:xfrm>
-            <a:off x="9968915" y="5405650"/>
-            <a:ext cx="1847406" cy="531628"/>
-          </a:xfrm>
-          <a:prstGeom prst="wedgeRectCallout">
-            <a:avLst>
-              <a:gd name="adj1" fmla="val -65714"/>
-              <a:gd name="adj2" fmla="val 34168"/>
-            </a:avLst>
-          </a:prstGeom>
-          <a:solidFill>
-            <a:schemeClr val="bg2"/>
-          </a:solidFill>
-          <a:ln>
-            <a:noFill/>
-          </a:ln>
-        </p:spPr>
-        <p:style>
-          <a:lnRef idx="2">
-            <a:schemeClr val="accent1">
-              <a:shade val="50000"/>
-            </a:schemeClr>
-          </a:lnRef>
-          <a:fillRef idx="1">
-            <a:schemeClr val="accent1"/>
-          </a:fillRef>
-          <a:effectRef idx="0">
-            <a:schemeClr val="accent1"/>
-          </a:effectRef>
-          <a:fontRef idx="minor">
-            <a:schemeClr val="lt1"/>
-          </a:fontRef>
-        </p:style>
-        <p:txBody>
-          <a:bodyPr rtlCol="0" anchor="ctr"/>
-          <a:lstStyle/>
-          <a:p>
-            <a:pPr algn="ctr"/>
-            <a:r>
-              <a:rPr kumimoji="1" lang="ja-JP" altLang="en-US" sz="1400" b="1" dirty="0">
-                <a:solidFill>
-                  <a:schemeClr val="bg2">
-                    <a:lumMod val="25000"/>
-                  </a:schemeClr>
-                </a:solidFill>
-              </a:rPr>
-              <a:t>ミスすると痛い！！</a:t>
-            </a:r>
-          </a:p>
-        </p:txBody>
-      </p:sp>
-    </p:spTree>
-    <p:extLst>
-      <p:ext uri="{BB962C8B-B14F-4D97-AF65-F5344CB8AC3E}">
-        <p14:creationId xmlns:p14="http://schemas.microsoft.com/office/powerpoint/2010/main" val="50367243"/>
       </p:ext>
     </p:extLst>
   </p:cSld>

--- a/卒研発表_佐久間.pptx
+++ b/卒研発表_佐久間.pptx
@@ -15,8 +15,9 @@
     <p:sldId id="273" r:id="rId9"/>
     <p:sldId id="270" r:id="rId10"/>
     <p:sldId id="269" r:id="rId11"/>
-    <p:sldId id="260" r:id="rId12"/>
-    <p:sldId id="264" r:id="rId13"/>
+    <p:sldId id="274" r:id="rId12"/>
+    <p:sldId id="260" r:id="rId13"/>
+    <p:sldId id="264" r:id="rId14"/>
   </p:sldIdLst>
   <p:sldSz cx="12192000" cy="6858000"/>
   <p:notesSz cx="6858000" cy="9144000"/>
@@ -6095,6 +6096,198 @@
           <a:chExt cx="0" cy="0"/>
         </a:xfrm>
       </p:grpSpPr>
+      <p:sp>
+        <p:nvSpPr>
+          <p:cNvPr id="4" name="タイトル 1">
+            <a:extLst>
+              <a:ext uri="{FF2B5EF4-FFF2-40B4-BE49-F238E27FC236}">
+                <a16:creationId xmlns:a16="http://schemas.microsoft.com/office/drawing/2014/main" id="{C92B1538-EC6D-5321-AF37-4F65AC389969}"/>
+              </a:ext>
+            </a:extLst>
+          </p:cNvPr>
+          <p:cNvSpPr>
+            <a:spLocks noGrp="1"/>
+          </p:cNvSpPr>
+          <p:nvPr>
+            <p:ph type="title"/>
+          </p:nvPr>
+        </p:nvSpPr>
+        <p:spPr>
+          <a:xfrm>
+            <a:off x="838200" y="365125"/>
+            <a:ext cx="10515600" cy="1325563"/>
+          </a:xfrm>
+        </p:spPr>
+        <p:txBody>
+          <a:bodyPr>
+            <a:normAutofit/>
+          </a:bodyPr>
+          <a:lstStyle/>
+          <a:p>
+            <a:r>
+              <a:rPr kumimoji="1" lang="en-US" altLang="ja-JP" sz="2800" dirty="0">
+                <a:solidFill>
+                  <a:schemeClr val="bg2">
+                    <a:lumMod val="25000"/>
+                  </a:schemeClr>
+                </a:solidFill>
+                <a:latin typeface="HGSｺﾞｼｯｸE" panose="020B0900000000000000" pitchFamily="50" charset="-128"/>
+                <a:ea typeface="HGSｺﾞｼｯｸE" panose="020B0900000000000000" pitchFamily="50" charset="-128"/>
+              </a:rPr>
+              <a:t>-</a:t>
+            </a:r>
+            <a:r>
+              <a:rPr kumimoji="1" lang="ja-JP" altLang="en-US" sz="2800" dirty="0">
+                <a:solidFill>
+                  <a:schemeClr val="bg2">
+                    <a:lumMod val="25000"/>
+                  </a:schemeClr>
+                </a:solidFill>
+                <a:latin typeface="HGSｺﾞｼｯｸE" panose="020B0900000000000000" pitchFamily="50" charset="-128"/>
+                <a:ea typeface="HGSｺﾞｼｯｸE" panose="020B0900000000000000" pitchFamily="50" charset="-128"/>
+              </a:rPr>
+              <a:t> </a:t>
+            </a:r>
+            <a:r>
+              <a:rPr lang="ja-JP" altLang="en-US" sz="2800" dirty="0">
+                <a:solidFill>
+                  <a:schemeClr val="bg2">
+                    <a:lumMod val="25000"/>
+                  </a:schemeClr>
+                </a:solidFill>
+                <a:latin typeface="HGSｺﾞｼｯｸE" panose="020B0900000000000000" pitchFamily="50" charset="-128"/>
+                <a:ea typeface="HGSｺﾞｼｯｸE" panose="020B0900000000000000" pitchFamily="50" charset="-128"/>
+              </a:rPr>
+              <a:t>ゲームの設計</a:t>
+            </a:r>
+            <a:r>
+              <a:rPr kumimoji="1" lang="ja-JP" altLang="en-US" sz="2800" dirty="0">
+                <a:solidFill>
+                  <a:schemeClr val="bg2">
+                    <a:lumMod val="25000"/>
+                  </a:schemeClr>
+                </a:solidFill>
+                <a:latin typeface="HGSｺﾞｼｯｸE" panose="020B0900000000000000" pitchFamily="50" charset="-128"/>
+                <a:ea typeface="HGSｺﾞｼｯｸE" panose="020B0900000000000000" pitchFamily="50" charset="-128"/>
+              </a:rPr>
+              <a:t> </a:t>
+            </a:r>
+            <a:r>
+              <a:rPr kumimoji="1" lang="en-US" altLang="ja-JP" sz="2800" dirty="0">
+                <a:solidFill>
+                  <a:schemeClr val="bg2">
+                    <a:lumMod val="25000"/>
+                  </a:schemeClr>
+                </a:solidFill>
+                <a:latin typeface="HGSｺﾞｼｯｸE" panose="020B0900000000000000" pitchFamily="50" charset="-128"/>
+                <a:ea typeface="HGSｺﾞｼｯｸE" panose="020B0900000000000000" pitchFamily="50" charset="-128"/>
+              </a:rPr>
+              <a:t>-</a:t>
+            </a:r>
+            <a:br>
+              <a:rPr kumimoji="1" lang="en-US" altLang="ja-JP" sz="4000" dirty="0">
+                <a:solidFill>
+                  <a:schemeClr val="bg2">
+                    <a:lumMod val="25000"/>
+                  </a:schemeClr>
+                </a:solidFill>
+              </a:rPr>
+            </a:br>
+            <a:r>
+              <a:rPr kumimoji="1" lang="en-US" altLang="ja-JP" sz="2000" dirty="0">
+                <a:solidFill>
+                  <a:schemeClr val="bg2">
+                    <a:lumMod val="50000"/>
+                  </a:schemeClr>
+                </a:solidFill>
+                <a:latin typeface="Bahnschrift SemiLight" panose="020B0502040204020203" pitchFamily="34" charset="0"/>
+                <a:cs typeface="Adobe Devanagari" panose="02040503050201020203" pitchFamily="18" charset="0"/>
+              </a:rPr>
+              <a:t>Game Design</a:t>
+            </a:r>
+            <a:endParaRPr kumimoji="1" lang="ja-JP" altLang="en-US" sz="4000" dirty="0">
+              <a:solidFill>
+                <a:schemeClr val="bg2">
+                  <a:lumMod val="50000"/>
+                </a:schemeClr>
+              </a:solidFill>
+              <a:latin typeface="Bahnschrift SemiLight" panose="020B0502040204020203" pitchFamily="34" charset="0"/>
+              <a:cs typeface="Adobe Devanagari" panose="02040503050201020203" pitchFamily="18" charset="0"/>
+            </a:endParaRPr>
+          </a:p>
+        </p:txBody>
+      </p:sp>
+      <p:sp>
+        <p:nvSpPr>
+          <p:cNvPr id="19" name="コンテンツ プレースホルダー 2">
+            <a:extLst>
+              <a:ext uri="{FF2B5EF4-FFF2-40B4-BE49-F238E27FC236}">
+                <a16:creationId xmlns:a16="http://schemas.microsoft.com/office/drawing/2014/main" id="{40717874-2416-0FD1-F88A-AFA0C4187134}"/>
+              </a:ext>
+            </a:extLst>
+          </p:cNvPr>
+          <p:cNvSpPr>
+            <a:spLocks noGrp="1"/>
+          </p:cNvSpPr>
+          <p:nvPr>
+            <p:ph idx="1"/>
+          </p:nvPr>
+        </p:nvSpPr>
+        <p:spPr>
+          <a:xfrm>
+            <a:off x="838200" y="1825625"/>
+            <a:ext cx="10515600" cy="4351338"/>
+          </a:xfrm>
+        </p:spPr>
+        <p:txBody>
+          <a:bodyPr>
+            <a:normAutofit/>
+          </a:bodyPr>
+          <a:lstStyle/>
+          <a:p>
+            <a:pPr marL="0" indent="0">
+              <a:buNone/>
+            </a:pPr>
+            <a:endParaRPr lang="en-US" altLang="ja-JP" sz="2000" dirty="0">
+              <a:solidFill>
+                <a:schemeClr val="bg2">
+                  <a:lumMod val="25000"/>
+                </a:schemeClr>
+              </a:solidFill>
+            </a:endParaRPr>
+          </a:p>
+        </p:txBody>
+      </p:sp>
+    </p:spTree>
+    <p:extLst>
+      <p:ext uri="{BB962C8B-B14F-4D97-AF65-F5344CB8AC3E}">
+        <p14:creationId xmlns:p14="http://schemas.microsoft.com/office/powerpoint/2010/main" val="3355351964"/>
+      </p:ext>
+    </p:extLst>
+  </p:cSld>
+  <p:clrMapOvr>
+    <a:masterClrMapping/>
+  </p:clrMapOvr>
+</p:sld>
+</file>
+
+<file path=ppt/slides/slide12.xml><?xml version="1.0" encoding="utf-8"?>
+<p:sld xmlns:a="http://schemas.openxmlformats.org/drawingml/2006/main" xmlns:r="http://schemas.openxmlformats.org/officeDocument/2006/relationships" xmlns:p="http://schemas.openxmlformats.org/presentationml/2006/main">
+  <p:cSld>
+    <p:spTree>
+      <p:nvGrpSpPr>
+        <p:cNvPr id="1" name=""/>
+        <p:cNvGrpSpPr/>
+        <p:nvPr/>
+      </p:nvGrpSpPr>
+      <p:grpSpPr>
+        <a:xfrm>
+          <a:off x="0" y="0"/>
+          <a:ext cx="0" cy="0"/>
+          <a:chOff x="0" y="0"/>
+          <a:chExt cx="0" cy="0"/>
+        </a:xfrm>
+      </p:grpSpPr>
       <p:grpSp>
         <p:nvGrpSpPr>
           <p:cNvPr id="11" name="グループ化 10">
@@ -6456,19 +6649,27 @@
               <a:buNone/>
             </a:pPr>
             <a:r>
-              <a:rPr kumimoji="1" lang="ja-JP" altLang="en-US" sz="2000" dirty="0"/>
+              <a:rPr kumimoji="1" lang="ja-JP" altLang="en-US" sz="2400" dirty="0"/>
               <a:t>主要三和音の</a:t>
             </a:r>
             <a:r>
-              <a:rPr kumimoji="1" lang="en-US" altLang="ja-JP" sz="2000" dirty="0"/>
+              <a:rPr kumimoji="1" lang="en-US" altLang="ja-JP" sz="2400" dirty="0"/>
               <a:t>6</a:t>
             </a:r>
             <a:r>
-              <a:rPr kumimoji="1" lang="ja-JP" altLang="en-US" sz="2000" dirty="0"/>
-              <a:t>音を選んだ場合</a:t>
-            </a:r>
-            <a:r>
-              <a:rPr kumimoji="1" lang="ja-JP" altLang="en-US" sz="1100" b="0" i="0" u="none" strike="noStrike" kern="1200" cap="none" spc="0" normalizeH="0" baseline="0" noProof="0" dirty="0">
+              <a:rPr kumimoji="1" lang="ja-JP" altLang="en-US" sz="2400" dirty="0"/>
+              <a:t>音</a:t>
+            </a:r>
+            <a:r>
+              <a:rPr lang="ja-JP" altLang="en-US" sz="2400" dirty="0"/>
+              <a:t>の</a:t>
+            </a:r>
+            <a:r>
+              <a:rPr kumimoji="1" lang="ja-JP" altLang="en-US" sz="2400" dirty="0"/>
+              <a:t>場合</a:t>
+            </a:r>
+            <a:r>
+              <a:rPr kumimoji="1" lang="ja-JP" altLang="en-US" sz="1200" b="0" i="0" u="none" strike="noStrike" kern="1200" cap="none" spc="0" normalizeH="0" baseline="0" noProof="0" dirty="0">
                 <a:ln>
                   <a:noFill/>
                 </a:ln>
@@ -6484,7 +6685,7 @@
               </a:rPr>
               <a:t>（例えばド・ミ・ファ・ソ・ラ・シの場合）</a:t>
             </a:r>
-            <a:endParaRPr kumimoji="1" lang="en-US" altLang="ja-JP" sz="1100" b="0" i="0" u="none" strike="noStrike" kern="1200" cap="none" spc="0" normalizeH="0" baseline="0" noProof="0" dirty="0">
+            <a:endParaRPr kumimoji="1" lang="en-US" altLang="ja-JP" sz="1200" b="0" i="0" u="none" strike="noStrike" kern="1200" cap="none" spc="0" normalizeH="0" baseline="0" noProof="0" dirty="0">
               <a:ln>
                 <a:noFill/>
               </a:ln>
@@ -6503,7 +6704,7 @@
             <a:pPr marL="0" indent="0">
               <a:buNone/>
             </a:pPr>
-            <a:endParaRPr lang="en-US" altLang="ja-JP" sz="1100" dirty="0">
+            <a:endParaRPr lang="en-US" altLang="ja-JP" sz="1200" dirty="0">
               <a:solidFill>
                 <a:prstClr val="black"/>
               </a:solidFill>
@@ -6535,7 +6736,21 @@
             </a:pPr>
             <a:r>
               <a:rPr kumimoji="1" lang="ja-JP" altLang="en-US" sz="1600" dirty="0"/>
-              <a:t>ドシ、ファソ、ソラ、ラシ、などが不協和音程の組み合わせとなってしまう。</a:t>
+              <a:t>ドシ、ファソ、ソラ、ラシ、などで</a:t>
+            </a:r>
+            <a:r>
+              <a:rPr kumimoji="1" lang="ja-JP" altLang="en-US" sz="2000" b="1" dirty="0">
+                <a:solidFill>
+                  <a:schemeClr val="accent2">
+                    <a:lumMod val="75000"/>
+                  </a:schemeClr>
+                </a:solidFill>
+              </a:rPr>
+              <a:t>不協和音程</a:t>
+            </a:r>
+            <a:r>
+              <a:rPr kumimoji="1" lang="ja-JP" altLang="en-US" sz="1600" dirty="0"/>
+              <a:t>が発生。</a:t>
             </a:r>
             <a:endParaRPr lang="en-US" altLang="ja-JP" dirty="0"/>
           </a:p>
@@ -6550,10 +6765,10 @@
               <a:buNone/>
             </a:pPr>
             <a:r>
-              <a:rPr lang="ja-JP" altLang="en-US" sz="2000" dirty="0"/>
+              <a:rPr lang="ja-JP" altLang="en-US" sz="2400" dirty="0"/>
               <a:t>不協和音程が発生しない音程を選んだ場合</a:t>
             </a:r>
-            <a:endParaRPr lang="en-US" altLang="ja-JP" sz="2000" dirty="0"/>
+            <a:endParaRPr lang="en-US" altLang="ja-JP" sz="2400" dirty="0"/>
           </a:p>
           <a:p>
             <a:pPr marL="457200" lvl="1" indent="0">
@@ -6569,8 +6784,22 @@
             </a:r>
             <a:r>
               <a:rPr lang="ja-JP" altLang="en-US" sz="1600" dirty="0"/>
-              <a:t>種類の音階しか使えない為、音の重なりにバリエーションがなくなる。</a:t>
-            </a:r>
+              <a:t>種類の音階しか使えない為、</a:t>
+            </a:r>
+            <a:r>
+              <a:rPr lang="ja-JP" altLang="en-US" sz="2000" b="1" dirty="0"/>
+              <a:t>音にバリエーションがなくなる</a:t>
+            </a:r>
+            <a:r>
+              <a:rPr lang="ja-JP" altLang="en-US" sz="2000" dirty="0"/>
+              <a:t>。</a:t>
+            </a:r>
+            <a:endParaRPr lang="en-US" altLang="ja-JP" sz="2000" dirty="0"/>
+          </a:p>
+          <a:p>
+            <a:pPr marL="457200" lvl="1" indent="0">
+              <a:buNone/>
+            </a:pPr>
             <a:endParaRPr lang="en-US" altLang="ja-JP" sz="1600" dirty="0"/>
           </a:p>
           <a:p>
@@ -6585,7 +6814,21 @@
             </a:pPr>
             <a:r>
               <a:rPr lang="ja-JP" altLang="en-US" b="1" dirty="0"/>
-              <a:t>→音階を使わないパーカッションの様な音を採用</a:t>
+              <a:t>　　　→音階を使わない</a:t>
+            </a:r>
+            <a:r>
+              <a:rPr lang="ja-JP" altLang="en-US" b="1" dirty="0">
+                <a:solidFill>
+                  <a:schemeClr val="accent5">
+                    <a:lumMod val="75000"/>
+                  </a:schemeClr>
+                </a:solidFill>
+              </a:rPr>
+              <a:t>パーカッション</a:t>
+            </a:r>
+            <a:r>
+              <a:rPr lang="ja-JP" altLang="en-US" b="1" dirty="0"/>
+              <a:t>の様な音を採用</a:t>
             </a:r>
             <a:endParaRPr lang="en-US" altLang="ja-JP" b="1" dirty="0"/>
           </a:p>
@@ -6604,7 +6847,7 @@
 </p:sld>
 </file>
 
-<file path=ppt/slides/slide12.xml><?xml version="1.0" encoding="utf-8"?>
+<file path=ppt/slides/slide13.xml><?xml version="1.0" encoding="utf-8"?>
 <p:sld xmlns:a="http://schemas.openxmlformats.org/drawingml/2006/main" xmlns:r="http://schemas.openxmlformats.org/officeDocument/2006/relationships" xmlns:p="http://schemas.openxmlformats.org/presentationml/2006/main">
   <p:cSld>
     <p:spTree>
@@ -6772,17 +7015,6 @@
           </a:bodyPr>
           <a:lstStyle/>
           <a:p>
-            <a:r>
-              <a:rPr lang="ja-JP" altLang="en-US" sz="2000" dirty="0">
-                <a:ea typeface="游ゴシック"/>
-              </a:rPr>
-              <a:t>パズルゲームをやりすぎるとリズムゲームが大変になるというゲームの設計は、よく出来ていると思う。</a:t>
-            </a:r>
-            <a:endParaRPr lang="en-US" altLang="ja-JP" sz="2000" dirty="0">
-              <a:ea typeface="游ゴシック"/>
-            </a:endParaRPr>
-          </a:p>
-          <a:p>
             <a:pPr>
               <a:lnSpc>
                 <a:spcPct val="150000"/>
@@ -6792,7 +7024,7 @@
               <a:rPr lang="ja-JP" altLang="en-US" sz="2000" dirty="0">
                 <a:ea typeface="游ゴシック"/>
               </a:rPr>
-              <a:t>より爽快感やゲームの気持ちよさを増やすには、アニメーション等の演出と、画面の構成を改善／。</a:t>
+              <a:t>アニメーション等の演出と、画面の構成を改善。</a:t>
             </a:r>
           </a:p>
           <a:p>
@@ -6805,8 +7037,11 @@
               <a:rPr lang="ja-JP" altLang="en-US" sz="2000" dirty="0">
                 <a:ea typeface="游ゴシック"/>
               </a:rPr>
-              <a:t>音の選定についても、今現在の音より気持ちの良い音があるのではと感じる。</a:t>
-            </a:r>
+              <a:t>更なる音の選定。</a:t>
+            </a:r>
+            <a:endParaRPr lang="en-US" altLang="ja-JP" sz="2000" dirty="0">
+              <a:ea typeface="游ゴシック"/>
+            </a:endParaRPr>
           </a:p>
           <a:p>
             <a:pPr>
@@ -6814,9 +7049,25 @@
                 <a:spcPct val="150000"/>
               </a:lnSpc>
             </a:pPr>
+            <a:endParaRPr lang="en-US" altLang="ja-JP" sz="2000" dirty="0"/>
+          </a:p>
+          <a:p>
+            <a:pPr>
+              <a:lnSpc>
+                <a:spcPct val="150000"/>
+              </a:lnSpc>
+            </a:pPr>
+            <a:endParaRPr lang="en-US" altLang="ja-JP" sz="2000" dirty="0"/>
+          </a:p>
+          <a:p>
+            <a:pPr>
+              <a:lnSpc>
+                <a:spcPct val="150000"/>
+              </a:lnSpc>
+            </a:pPr>
             <a:r>
               <a:rPr lang="ja-JP" altLang="en-US" sz="2000" dirty="0"/>
-              <a:t>相性が良さそうなジャンルを組み合わせた為、ジャンルの特徴を阻害しないような組み合わせはしやすかったが、特徴を阻害しあうようなジャンルの組み合わせ方についてどう組み合わせるか考察するのもゲームデザインの突破口になるかもしれない。</a:t>
+              <a:t>特徴を阻害し合うようなジャンルの組み合わせ方について考察するのもゲームデザインの突破口になるかもしれない。</a:t>
             </a:r>
             <a:endParaRPr lang="en-US" altLang="ja-JP" sz="2000" dirty="0"/>
           </a:p>
@@ -9210,13 +9461,13 @@
         </p:nvPicPr>
         <p:blipFill rotWithShape="1">
           <a:blip r:embed="rId3"/>
-          <a:srcRect l="8122" t="13015" r="8509" b="13939"/>
+          <a:srcRect l="8122" t="13994" r="8509" b="13939"/>
           <a:stretch/>
         </p:blipFill>
         <p:spPr>
           <a:xfrm>
-            <a:off x="2534275" y="1690688"/>
-            <a:ext cx="7123450" cy="4670765"/>
+            <a:off x="2534275" y="1753299"/>
+            <a:ext cx="7123450" cy="4608154"/>
           </a:xfrm>
         </p:spPr>
       </p:pic>
@@ -10013,7 +10264,7 @@
                   </a:schemeClr>
                 </a:solidFill>
               </a:rPr>
-              <a:t>ギミック自体にも可能性はある。</a:t>
+              <a:t>ゲームのルール自体にも可能性はある。</a:t>
             </a:r>
             <a:endParaRPr lang="en-US" altLang="ja-JP" sz="1800" dirty="0">
               <a:solidFill>
@@ -11028,7 +11279,7 @@
 </file>
 
 <file path=ppt/slides/slide6.xml><?xml version="1.0" encoding="utf-8"?>
-<p:sld xmlns:a="http://schemas.openxmlformats.org/drawingml/2006/main" xmlns:r="http://schemas.openxmlformats.org/officeDocument/2006/relationships" xmlns:p="http://schemas.openxmlformats.org/presentationml/2006/main">
+<p:sld xmlns:a="http://schemas.openxmlformats.org/drawingml/2006/main" xmlns:r="http://schemas.openxmlformats.org/officeDocument/2006/relationships" xmlns:p="http://schemas.openxmlformats.org/presentationml/2006/main" show="0">
   <p:cSld>
     <p:spTree>
       <p:nvGrpSpPr>
@@ -11176,42 +11427,42 @@
             <p:ph idx="1"/>
             <p:extLst>
               <p:ext uri="{D42A27DB-BD31-4B8C-83A1-F6EECF244321}">
-                <p14:modId xmlns:p14="http://schemas.microsoft.com/office/powerpoint/2010/main" val="817042425"/>
+                <p14:modId xmlns:p14="http://schemas.microsoft.com/office/powerpoint/2010/main" val="293410677"/>
               </p:ext>
             </p:extLst>
           </p:nvPr>
         </p:nvGraphicFramePr>
         <p:xfrm>
           <a:off x="1422400" y="1690688"/>
-          <a:ext cx="9347200" cy="3705225"/>
+          <a:ext cx="9347196" cy="3705225"/>
         </p:xfrm>
         <a:graphic>
           <a:graphicData uri="http://schemas.openxmlformats.org/drawingml/2006/table">
             <a:tbl>
               <a:tblPr/>
               <a:tblGrid>
-                <a:gridCol w="2336800">
+                <a:gridCol w="2336799">
                   <a:extLst>
                     <a:ext uri="{9D8B030D-6E8A-4147-A177-3AD203B41FA5}">
                       <a16:colId xmlns:a16="http://schemas.microsoft.com/office/drawing/2014/main" val="3999833609"/>
                     </a:ext>
                   </a:extLst>
                 </a:gridCol>
-                <a:gridCol w="2336800">
+                <a:gridCol w="2336799">
                   <a:extLst>
                     <a:ext uri="{9D8B030D-6E8A-4147-A177-3AD203B41FA5}">
                       <a16:colId xmlns:a16="http://schemas.microsoft.com/office/drawing/2014/main" val="4037934745"/>
                     </a:ext>
                   </a:extLst>
                 </a:gridCol>
-                <a:gridCol w="2336800">
+                <a:gridCol w="2336799">
                   <a:extLst>
                     <a:ext uri="{9D8B030D-6E8A-4147-A177-3AD203B41FA5}">
                       <a16:colId xmlns:a16="http://schemas.microsoft.com/office/drawing/2014/main" val="284520864"/>
                     </a:ext>
                   </a:extLst>
                 </a:gridCol>
-                <a:gridCol w="2336800">
+                <a:gridCol w="2336799">
                   <a:extLst>
                     <a:ext uri="{9D8B030D-6E8A-4147-A177-3AD203B41FA5}">
                       <a16:colId xmlns:a16="http://schemas.microsoft.com/office/drawing/2014/main" val="445097825"/>
@@ -11227,7 +11478,7 @@
                     <a:p>
                       <a:pPr algn="ctr" fontAlgn="ctr"/>
                       <a:r>
-                        <a:rPr lang="en-US" sz="1600" b="0" i="0" u="none" strike="noStrike">
+                        <a:rPr lang="en-US" sz="1600" b="0" i="0" u="none" strike="noStrike" dirty="0">
                           <a:solidFill>
                             <a:srgbClr val="404040"/>
                           </a:solidFill>
@@ -11478,6 +11729,19 @@
                     <a:p>
                       <a:pPr algn="l" fontAlgn="t"/>
                       <a:r>
+                        <a:rPr lang="en-US" altLang="ja-JP" sz="1200" b="0" i="0" u="none" strike="noStrike" dirty="0">
+                          <a:solidFill>
+                            <a:schemeClr val="accent2">
+                              <a:lumMod val="75000"/>
+                            </a:schemeClr>
+                          </a:solidFill>
+                          <a:effectLst/>
+                          <a:latin typeface="游ゴシック" panose="020B0400000000000000" pitchFamily="50" charset="-128"/>
+                          <a:ea typeface="游ゴシック" panose="020B0400000000000000" pitchFamily="50" charset="-128"/>
+                        </a:rPr>
+                        <a:t>RPG</a:t>
+                      </a:r>
+                      <a:r>
                         <a:rPr lang="ja-JP" altLang="en-US" sz="1200" b="0" i="0" u="none" strike="noStrike" dirty="0">
                           <a:solidFill>
                             <a:schemeClr val="accent2">
@@ -11488,7 +11752,7 @@
                           <a:latin typeface="游ゴシック" panose="020B0400000000000000" pitchFamily="50" charset="-128"/>
                           <a:ea typeface="游ゴシック" panose="020B0400000000000000" pitchFamily="50" charset="-128"/>
                         </a:rPr>
-                        <a:t>シナリオのジャンルな為、ギミックはパズルのみになる</a:t>
+                        <a:t>というシナリオのジャンルであり、ルールのジャンルではない。</a:t>
                       </a:r>
                       <a:br>
                         <a:rPr lang="ja-JP" altLang="en-US" sz="1200" b="0" i="0" u="none" strike="noStrike" dirty="0">
@@ -12433,7 +12697,7 @@
 </file>
 
 <file path=ppt/slides/slide7.xml><?xml version="1.0" encoding="utf-8"?>
-<p:sld xmlns:a="http://schemas.openxmlformats.org/drawingml/2006/main" xmlns:r="http://schemas.openxmlformats.org/officeDocument/2006/relationships" xmlns:p="http://schemas.openxmlformats.org/presentationml/2006/main">
+<p:sld xmlns:a="http://schemas.openxmlformats.org/drawingml/2006/main" xmlns:r="http://schemas.openxmlformats.org/officeDocument/2006/relationships" xmlns:p="http://schemas.openxmlformats.org/presentationml/2006/main" show="0">
   <p:cSld>
     <p:spTree>
       <p:nvGrpSpPr>
@@ -13678,10 +13942,10 @@
       </p:sp>
       <p:graphicFrame>
         <p:nvGraphicFramePr>
-          <p:cNvPr id="7" name="表 7">
+          <p:cNvPr id="9" name="表 9">
             <a:extLst>
               <a:ext uri="{FF2B5EF4-FFF2-40B4-BE49-F238E27FC236}">
-                <a16:creationId xmlns:a16="http://schemas.microsoft.com/office/drawing/2014/main" id="{8A5B1E63-6D31-CC79-6912-9B1643B4A71E}"/>
+                <a16:creationId xmlns:a16="http://schemas.microsoft.com/office/drawing/2014/main" id="{3F97B95B-1DE6-0B2B-9597-ED027DDF77F5}"/>
               </a:ext>
             </a:extLst>
           </p:cNvPr>
@@ -13692,608 +13956,1111 @@
             <p:ph idx="1"/>
             <p:extLst>
               <p:ext uri="{D42A27DB-BD31-4B8C-83A1-F6EECF244321}">
-                <p14:modId xmlns:p14="http://schemas.microsoft.com/office/powerpoint/2010/main" val="1745836958"/>
+                <p14:modId xmlns:p14="http://schemas.microsoft.com/office/powerpoint/2010/main" val="3101123673"/>
               </p:ext>
             </p:extLst>
           </p:nvPr>
         </p:nvGraphicFramePr>
         <p:xfrm>
-          <a:off x="838200" y="1825625"/>
-          <a:ext cx="10515596" cy="2595880"/>
+          <a:off x="838200" y="1690685"/>
+          <a:ext cx="10515598" cy="4914821"/>
         </p:xfrm>
         <a:graphic>
           <a:graphicData uri="http://schemas.openxmlformats.org/drawingml/2006/table">
             <a:tbl>
               <a:tblPr firstRow="1" bandRow="1">
-                <a:tableStyleId>{5C22544A-7EE6-4342-B048-85BDC9FD1C3A}</a:tableStyleId>
+                <a:tableStyleId>{073A0DAA-6AF3-43AB-8588-CEC1D06C72B9}</a:tableStyleId>
               </a:tblPr>
               <a:tblGrid>
-                <a:gridCol w="1502228">
+                <a:gridCol w="751966">
                   <a:extLst>
                     <a:ext uri="{9D8B030D-6E8A-4147-A177-3AD203B41FA5}">
-                      <a16:colId xmlns:a16="http://schemas.microsoft.com/office/drawing/2014/main" val="2627584453"/>
+                      <a16:colId xmlns:a16="http://schemas.microsoft.com/office/drawing/2014/main" val="3992607654"/>
                     </a:ext>
                   </a:extLst>
                 </a:gridCol>
-                <a:gridCol w="1502228">
+                <a:gridCol w="1627272">
                   <a:extLst>
                     <a:ext uri="{9D8B030D-6E8A-4147-A177-3AD203B41FA5}">
-                      <a16:colId xmlns:a16="http://schemas.microsoft.com/office/drawing/2014/main" val="539428856"/>
+                      <a16:colId xmlns:a16="http://schemas.microsoft.com/office/drawing/2014/main" val="334445206"/>
                     </a:ext>
                   </a:extLst>
                 </a:gridCol>
-                <a:gridCol w="1502228">
+                <a:gridCol w="1627272">
                   <a:extLst>
                     <a:ext uri="{9D8B030D-6E8A-4147-A177-3AD203B41FA5}">
-                      <a16:colId xmlns:a16="http://schemas.microsoft.com/office/drawing/2014/main" val="2178092250"/>
+                      <a16:colId xmlns:a16="http://schemas.microsoft.com/office/drawing/2014/main" val="263637977"/>
                     </a:ext>
                   </a:extLst>
                 </a:gridCol>
-                <a:gridCol w="1502228">
+                <a:gridCol w="1627272">
                   <a:extLst>
                     <a:ext uri="{9D8B030D-6E8A-4147-A177-3AD203B41FA5}">
-                      <a16:colId xmlns:a16="http://schemas.microsoft.com/office/drawing/2014/main" val="914737103"/>
+                      <a16:colId xmlns:a16="http://schemas.microsoft.com/office/drawing/2014/main" val="1306927611"/>
                     </a:ext>
                   </a:extLst>
                 </a:gridCol>
-                <a:gridCol w="1502228">
+                <a:gridCol w="1627272">
                   <a:extLst>
                     <a:ext uri="{9D8B030D-6E8A-4147-A177-3AD203B41FA5}">
-                      <a16:colId xmlns:a16="http://schemas.microsoft.com/office/drawing/2014/main" val="3414152401"/>
+                      <a16:colId xmlns:a16="http://schemas.microsoft.com/office/drawing/2014/main" val="3711364391"/>
                     </a:ext>
                   </a:extLst>
                 </a:gridCol>
-                <a:gridCol w="1502228">
+                <a:gridCol w="1627272">
                   <a:extLst>
                     <a:ext uri="{9D8B030D-6E8A-4147-A177-3AD203B41FA5}">
-                      <a16:colId xmlns:a16="http://schemas.microsoft.com/office/drawing/2014/main" val="3236319647"/>
+                      <a16:colId xmlns:a16="http://schemas.microsoft.com/office/drawing/2014/main" val="186389433"/>
                     </a:ext>
                   </a:extLst>
                 </a:gridCol>
-                <a:gridCol w="1502228">
+                <a:gridCol w="1627272">
                   <a:extLst>
                     <a:ext uri="{9D8B030D-6E8A-4147-A177-3AD203B41FA5}">
-                      <a16:colId xmlns:a16="http://schemas.microsoft.com/office/drawing/2014/main" val="625985260"/>
+                      <a16:colId xmlns:a16="http://schemas.microsoft.com/office/drawing/2014/main" val="2665402295"/>
                     </a:ext>
                   </a:extLst>
                 </a:gridCol>
               </a:tblGrid>
-              <a:tr h="370840">
+              <a:tr h="773611">
                 <a:tc>
                   <a:txBody>
                     <a:bodyPr/>
                     <a:lstStyle/>
                     <a:p>
-                      <a:endParaRPr kumimoji="1" lang="ja-JP" altLang="en-US" dirty="0"/>
+                      <a:pPr algn="ctr"/>
+                      <a:endParaRPr kumimoji="1" lang="ja-JP" altLang="en-US" sz="1200" dirty="0"/>
                     </a:p>
                   </a:txBody>
-                  <a:tcPr/>
+                  <a:tcPr anchor="ctr">
+                    <a:solidFill>
+                      <a:schemeClr val="bg1"/>
+                    </a:solidFill>
+                  </a:tcPr>
                 </a:tc>
                 <a:tc>
                   <a:txBody>
                     <a:bodyPr/>
                     <a:lstStyle/>
                     <a:p>
-                      <a:endParaRPr kumimoji="1" lang="ja-JP" altLang="en-US" dirty="0"/>
+                      <a:pPr algn="ctr"/>
+                      <a:r>
+                        <a:rPr kumimoji="1" lang="en-US" altLang="ja-JP" sz="1400" dirty="0"/>
+                        <a:t>RPG</a:t>
+                      </a:r>
+                      <a:endParaRPr kumimoji="1" lang="ja-JP" altLang="en-US" sz="1400" dirty="0"/>
                     </a:p>
                   </a:txBody>
-                  <a:tcPr/>
+                  <a:tcPr anchor="ctr">
+                    <a:solidFill>
+                      <a:schemeClr val="bg2">
+                        <a:lumMod val="25000"/>
+                      </a:schemeClr>
+                    </a:solidFill>
+                  </a:tcPr>
                 </a:tc>
                 <a:tc>
                   <a:txBody>
                     <a:bodyPr/>
                     <a:lstStyle/>
                     <a:p>
-                      <a:endParaRPr kumimoji="1" lang="ja-JP" altLang="en-US"/>
+                      <a:pPr algn="ctr"/>
+                      <a:r>
+                        <a:rPr kumimoji="1" lang="ja-JP" altLang="en-US" sz="1400" dirty="0"/>
+                        <a:t>シミュレーション</a:t>
+                      </a:r>
                     </a:p>
                   </a:txBody>
-                  <a:tcPr/>
+                  <a:tcPr anchor="ctr">
+                    <a:solidFill>
+                      <a:schemeClr val="bg2">
+                        <a:lumMod val="25000"/>
+                      </a:schemeClr>
+                    </a:solidFill>
+                  </a:tcPr>
                 </a:tc>
                 <a:tc>
                   <a:txBody>
                     <a:bodyPr/>
                     <a:lstStyle/>
                     <a:p>
-                      <a:endParaRPr kumimoji="1" lang="ja-JP" altLang="en-US"/>
+                      <a:pPr algn="ctr"/>
+                      <a:r>
+                        <a:rPr kumimoji="1" lang="ja-JP" altLang="en-US" sz="1400" dirty="0"/>
+                        <a:t>アクション</a:t>
+                      </a:r>
                     </a:p>
                   </a:txBody>
-                  <a:tcPr/>
+                  <a:tcPr anchor="ctr">
+                    <a:solidFill>
+                      <a:schemeClr val="bg2">
+                        <a:lumMod val="25000"/>
+                      </a:schemeClr>
+                    </a:solidFill>
+                  </a:tcPr>
                 </a:tc>
                 <a:tc>
                   <a:txBody>
                     <a:bodyPr/>
                     <a:lstStyle/>
                     <a:p>
-                      <a:endParaRPr kumimoji="1" lang="ja-JP" altLang="en-US"/>
+                      <a:pPr algn="ctr"/>
+                      <a:r>
+                        <a:rPr kumimoji="1" lang="ja-JP" altLang="en-US" sz="1400" dirty="0"/>
+                        <a:t>シューティング</a:t>
+                      </a:r>
                     </a:p>
                   </a:txBody>
-                  <a:tcPr/>
+                  <a:tcPr anchor="ctr">
+                    <a:solidFill>
+                      <a:schemeClr val="bg2">
+                        <a:lumMod val="25000"/>
+                      </a:schemeClr>
+                    </a:solidFill>
+                  </a:tcPr>
                 </a:tc>
                 <a:tc>
                   <a:txBody>
                     <a:bodyPr/>
                     <a:lstStyle/>
                     <a:p>
-                      <a:endParaRPr kumimoji="1" lang="ja-JP" altLang="en-US"/>
+                      <a:pPr algn="ctr"/>
+                      <a:r>
+                        <a:rPr kumimoji="1" lang="ja-JP" altLang="en-US" sz="1400" dirty="0"/>
+                        <a:t>レース</a:t>
+                      </a:r>
                     </a:p>
                   </a:txBody>
-                  <a:tcPr/>
+                  <a:tcPr anchor="ctr">
+                    <a:solidFill>
+                      <a:schemeClr val="bg2">
+                        <a:lumMod val="25000"/>
+                      </a:schemeClr>
+                    </a:solidFill>
+                  </a:tcPr>
                 </a:tc>
                 <a:tc>
                   <a:txBody>
                     <a:bodyPr/>
                     <a:lstStyle/>
                     <a:p>
-                      <a:endParaRPr kumimoji="1" lang="ja-JP" altLang="en-US"/>
+                      <a:pPr algn="ctr"/>
+                      <a:r>
+                        <a:rPr kumimoji="1" lang="ja-JP" altLang="en-US" sz="1400" dirty="0"/>
+                        <a:t>リズム</a:t>
+                      </a:r>
                     </a:p>
                   </a:txBody>
-                  <a:tcPr/>
+                  <a:tcPr anchor="ctr">
+                    <a:solidFill>
+                      <a:schemeClr val="bg2">
+                        <a:lumMod val="25000"/>
+                      </a:schemeClr>
+                    </a:solidFill>
+                  </a:tcPr>
                 </a:tc>
                 <a:extLst>
                   <a:ext uri="{0D108BD9-81ED-4DB2-BD59-A6C34878D82A}">
-                    <a16:rowId xmlns:a16="http://schemas.microsoft.com/office/drawing/2014/main" val="2725041733"/>
+                    <a16:rowId xmlns:a16="http://schemas.microsoft.com/office/drawing/2014/main" val="2964186795"/>
                   </a:ext>
                 </a:extLst>
               </a:tr>
-              <a:tr h="370840">
+              <a:tr h="1215328">
                 <a:tc>
                   <a:txBody>
                     <a:bodyPr/>
                     <a:lstStyle/>
                     <a:p>
-                      <a:endParaRPr kumimoji="1" lang="ja-JP" altLang="en-US"/>
+                      <a:pPr algn="ctr"/>
+                      <a:r>
+                        <a:rPr kumimoji="1" lang="ja-JP" altLang="en-US" b="1" dirty="0">
+                          <a:solidFill>
+                            <a:schemeClr val="bg1"/>
+                          </a:solidFill>
+                        </a:rPr>
+                        <a:t>特徴</a:t>
+                      </a:r>
                     </a:p>
                   </a:txBody>
-                  <a:tcPr/>
+                  <a:tcPr anchor="ctr">
+                    <a:solidFill>
+                      <a:schemeClr val="bg2">
+                        <a:lumMod val="25000"/>
+                      </a:schemeClr>
+                    </a:solidFill>
+                  </a:tcPr>
                 </a:tc>
                 <a:tc>
                   <a:txBody>
                     <a:bodyPr/>
                     <a:lstStyle/>
                     <a:p>
-                      <a:endParaRPr kumimoji="1" lang="ja-JP" altLang="en-US"/>
+                      <a:pPr lvl="0" algn="ctr"/>
+                      <a:r>
+                        <a:rPr kumimoji="1" lang="ja-JP" altLang="en-US" sz="1800" b="1" dirty="0">
+                          <a:solidFill>
+                            <a:schemeClr val="bg2">
+                              <a:lumMod val="25000"/>
+                            </a:schemeClr>
+                          </a:solidFill>
+                        </a:rPr>
+                        <a:t>シナリオ</a:t>
+                      </a:r>
                     </a:p>
                   </a:txBody>
-                  <a:tcPr/>
+                  <a:tcPr anchor="ctr"/>
                 </a:tc>
                 <a:tc>
                   <a:txBody>
                     <a:bodyPr/>
                     <a:lstStyle/>
                     <a:p>
-                      <a:endParaRPr kumimoji="1" lang="ja-JP" altLang="en-US"/>
+                      <a:pPr algn="ctr"/>
+                      <a:r>
+                        <a:rPr kumimoji="1" lang="ja-JP" altLang="en-US" sz="1800" b="1" dirty="0">
+                          <a:solidFill>
+                            <a:schemeClr val="bg2">
+                              <a:lumMod val="25000"/>
+                            </a:schemeClr>
+                          </a:solidFill>
+                        </a:rPr>
+                        <a:t>放置</a:t>
+                      </a:r>
                     </a:p>
                   </a:txBody>
-                  <a:tcPr/>
+                  <a:tcPr anchor="ctr"/>
                 </a:tc>
                 <a:tc>
                   <a:txBody>
                     <a:bodyPr/>
                     <a:lstStyle/>
                     <a:p>
-                      <a:endParaRPr kumimoji="1" lang="ja-JP" altLang="en-US"/>
+                      <a:pPr algn="ctr"/>
+                      <a:r>
+                        <a:rPr kumimoji="1" lang="ja-JP" altLang="en-US" sz="1800" b="1" dirty="0">
+                          <a:solidFill>
+                            <a:schemeClr val="bg2">
+                              <a:lumMod val="25000"/>
+                            </a:schemeClr>
+                          </a:solidFill>
+                        </a:rPr>
+                        <a:t>謎解き</a:t>
+                      </a:r>
+                      <a:endParaRPr kumimoji="1" lang="en-US" altLang="ja-JP" sz="1800" b="1" dirty="0">
+                        <a:solidFill>
+                          <a:schemeClr val="bg2">
+                            <a:lumMod val="25000"/>
+                          </a:schemeClr>
+                        </a:solidFill>
+                      </a:endParaRPr>
+                    </a:p>
+                    <a:p>
+                      <a:pPr algn="ctr"/>
+                      <a:r>
+                        <a:rPr kumimoji="1" lang="ja-JP" altLang="en-US" sz="1800" b="1" dirty="0">
+                          <a:solidFill>
+                            <a:schemeClr val="bg2">
+                              <a:lumMod val="25000"/>
+                            </a:schemeClr>
+                          </a:solidFill>
+                        </a:rPr>
+                        <a:t>反射神経</a:t>
+                      </a:r>
                     </a:p>
                   </a:txBody>
-                  <a:tcPr/>
+                  <a:tcPr anchor="ctr"/>
                 </a:tc>
                 <a:tc>
                   <a:txBody>
                     <a:bodyPr/>
                     <a:lstStyle/>
                     <a:p>
-                      <a:endParaRPr kumimoji="1" lang="ja-JP" altLang="en-US"/>
+                      <a:pPr algn="ctr"/>
+                      <a:r>
+                        <a:rPr kumimoji="1" lang="ja-JP" altLang="en-US" sz="1800" b="1" dirty="0">
+                          <a:solidFill>
+                            <a:schemeClr val="bg2">
+                              <a:lumMod val="25000"/>
+                            </a:schemeClr>
+                          </a:solidFill>
+                        </a:rPr>
+                        <a:t>スピード感</a:t>
+                      </a:r>
                     </a:p>
                   </a:txBody>
-                  <a:tcPr/>
+                  <a:tcPr anchor="ctr"/>
                 </a:tc>
                 <a:tc>
                   <a:txBody>
                     <a:bodyPr/>
                     <a:lstStyle/>
                     <a:p>
-                      <a:endParaRPr kumimoji="1" lang="ja-JP" altLang="en-US"/>
+                      <a:pPr algn="ctr"/>
+                      <a:r>
+                        <a:rPr kumimoji="1" lang="ja-JP" altLang="en-US" sz="1800" b="1" dirty="0">
+                          <a:solidFill>
+                            <a:schemeClr val="bg2">
+                              <a:lumMod val="25000"/>
+                            </a:schemeClr>
+                          </a:solidFill>
+                        </a:rPr>
+                        <a:t>スピード感</a:t>
+                      </a:r>
                     </a:p>
                   </a:txBody>
-                  <a:tcPr/>
+                  <a:tcPr anchor="ctr"/>
                 </a:tc>
                 <a:tc>
                   <a:txBody>
                     <a:bodyPr/>
                     <a:lstStyle/>
                     <a:p>
-                      <a:endParaRPr kumimoji="1" lang="ja-JP" altLang="en-US"/>
+                      <a:pPr algn="ctr"/>
+                      <a:r>
+                        <a:rPr kumimoji="1" lang="ja-JP" altLang="en-US" sz="1800" b="1" dirty="0">
+                          <a:solidFill>
+                            <a:schemeClr val="bg2">
+                              <a:lumMod val="25000"/>
+                            </a:schemeClr>
+                          </a:solidFill>
+                        </a:rPr>
+                        <a:t>テンポ</a:t>
+                      </a:r>
+                      <a:endParaRPr kumimoji="1" lang="en-US" altLang="ja-JP" sz="1800" b="1" dirty="0">
+                        <a:solidFill>
+                          <a:schemeClr val="bg2">
+                            <a:lumMod val="25000"/>
+                          </a:schemeClr>
+                        </a:solidFill>
+                      </a:endParaRPr>
+                    </a:p>
+                    <a:p>
+                      <a:pPr algn="ctr"/>
+                      <a:r>
+                        <a:rPr kumimoji="1" lang="ja-JP" altLang="en-US" sz="1800" b="1" dirty="0">
+                          <a:solidFill>
+                            <a:schemeClr val="bg2">
+                              <a:lumMod val="25000"/>
+                            </a:schemeClr>
+                          </a:solidFill>
+                        </a:rPr>
+                        <a:t>タイミング</a:t>
+                      </a:r>
                     </a:p>
                   </a:txBody>
-                  <a:tcPr/>
+                  <a:tcPr anchor="ctr"/>
                 </a:tc>
                 <a:extLst>
                   <a:ext uri="{0D108BD9-81ED-4DB2-BD59-A6C34878D82A}">
-                    <a16:rowId xmlns:a16="http://schemas.microsoft.com/office/drawing/2014/main" val="1841491528"/>
+                    <a16:rowId xmlns:a16="http://schemas.microsoft.com/office/drawing/2014/main" val="410131387"/>
                   </a:ext>
                 </a:extLst>
               </a:tr>
-              <a:tr h="370840">
+              <a:tr h="1118948">
                 <a:tc>
                   <a:txBody>
                     <a:bodyPr/>
                     <a:lstStyle/>
                     <a:p>
-                      <a:endParaRPr kumimoji="1" lang="ja-JP" altLang="en-US"/>
+                      <a:pPr algn="ctr"/>
+                      <a:r>
+                        <a:rPr kumimoji="1" lang="ja-JP" altLang="en-US" b="1" dirty="0">
+                          <a:solidFill>
+                            <a:schemeClr val="bg1"/>
+                          </a:solidFill>
+                        </a:rPr>
+                        <a:t>相性</a:t>
+                      </a:r>
                     </a:p>
                   </a:txBody>
-                  <a:tcPr/>
+                  <a:tcPr anchor="ctr">
+                    <a:solidFill>
+                      <a:schemeClr val="bg2">
+                        <a:lumMod val="25000"/>
+                      </a:schemeClr>
+                    </a:solidFill>
+                  </a:tcPr>
                 </a:tc>
                 <a:tc>
                   <a:txBody>
                     <a:bodyPr/>
                     <a:lstStyle/>
                     <a:p>
-                      <a:endParaRPr kumimoji="1" lang="ja-JP" altLang="en-US"/>
+                      <a:endParaRPr kumimoji="1" lang="ja-JP" altLang="en-US" sz="1800" dirty="0"/>
                     </a:p>
                   </a:txBody>
-                  <a:tcPr/>
+                  <a:tcPr anchor="ctr"/>
                 </a:tc>
                 <a:tc>
                   <a:txBody>
                     <a:bodyPr/>
                     <a:lstStyle/>
                     <a:p>
-                      <a:endParaRPr kumimoji="1" lang="ja-JP" altLang="en-US"/>
+                      <a:endParaRPr kumimoji="1" lang="ja-JP" altLang="en-US" sz="1800" dirty="0"/>
                     </a:p>
                   </a:txBody>
-                  <a:tcPr/>
+                  <a:tcPr anchor="ctr"/>
                 </a:tc>
                 <a:tc>
                   <a:txBody>
                     <a:bodyPr/>
                     <a:lstStyle/>
                     <a:p>
-                      <a:endParaRPr kumimoji="1" lang="ja-JP" altLang="en-US"/>
+                      <a:endParaRPr kumimoji="1" lang="ja-JP" altLang="en-US" sz="1800" dirty="0"/>
                     </a:p>
                   </a:txBody>
-                  <a:tcPr/>
+                  <a:tcPr anchor="ctr"/>
                 </a:tc>
                 <a:tc>
                   <a:txBody>
                     <a:bodyPr/>
                     <a:lstStyle/>
                     <a:p>
-                      <a:endParaRPr kumimoji="1" lang="ja-JP" altLang="en-US"/>
+                      <a:endParaRPr kumimoji="1" lang="ja-JP" altLang="en-US" sz="1800" dirty="0"/>
                     </a:p>
                   </a:txBody>
-                  <a:tcPr/>
+                  <a:tcPr anchor="ctr"/>
                 </a:tc>
                 <a:tc>
                   <a:txBody>
                     <a:bodyPr/>
                     <a:lstStyle/>
                     <a:p>
-                      <a:endParaRPr kumimoji="1" lang="ja-JP" altLang="en-US"/>
+                      <a:endParaRPr lang="ja-JP" altLang="en-US" dirty="0"/>
                     </a:p>
                   </a:txBody>
-                  <a:tcPr/>
+                  <a:tcPr anchor="ctr"/>
                 </a:tc>
                 <a:tc>
                   <a:txBody>
                     <a:bodyPr/>
                     <a:lstStyle/>
                     <a:p>
-                      <a:endParaRPr kumimoji="1" lang="ja-JP" altLang="en-US"/>
+                      <a:endParaRPr kumimoji="1" lang="ja-JP" altLang="en-US" sz="1800" dirty="0"/>
                     </a:p>
                   </a:txBody>
-                  <a:tcPr/>
+                  <a:tcPr anchor="ctr"/>
                 </a:tc>
                 <a:extLst>
                   <a:ext uri="{0D108BD9-81ED-4DB2-BD59-A6C34878D82A}">
-                    <a16:rowId xmlns:a16="http://schemas.microsoft.com/office/drawing/2014/main" val="3438734193"/>
+                    <a16:rowId xmlns:a16="http://schemas.microsoft.com/office/drawing/2014/main" val="3787214067"/>
                   </a:ext>
                 </a:extLst>
               </a:tr>
-              <a:tr h="370840">
+              <a:tr h="1075414">
                 <a:tc>
                   <a:txBody>
                     <a:bodyPr/>
                     <a:lstStyle/>
                     <a:p>
-                      <a:endParaRPr kumimoji="1" lang="ja-JP" altLang="en-US"/>
+                      <a:pPr algn="ctr"/>
+                      <a:r>
+                        <a:rPr kumimoji="1" lang="ja-JP" altLang="en-US" b="1" dirty="0">
+                          <a:solidFill>
+                            <a:schemeClr val="bg1"/>
+                          </a:solidFill>
+                        </a:rPr>
+                        <a:t>考察</a:t>
+                      </a:r>
                     </a:p>
                   </a:txBody>
-                  <a:tcPr/>
+                  <a:tcPr anchor="ctr">
+                    <a:solidFill>
+                      <a:schemeClr val="bg2">
+                        <a:lumMod val="25000"/>
+                      </a:schemeClr>
+                    </a:solidFill>
+                  </a:tcPr>
                 </a:tc>
                 <a:tc>
                   <a:txBody>
                     <a:bodyPr/>
                     <a:lstStyle/>
                     <a:p>
-                      <a:endParaRPr kumimoji="1" lang="ja-JP" altLang="en-US"/>
+                      <a:r>
+                        <a:rPr kumimoji="1" lang="ja-JP" altLang="en-US" sz="1800" dirty="0"/>
+                        <a:t>ギミックに</a:t>
+                      </a:r>
+                      <a:endParaRPr kumimoji="1" lang="en-US" altLang="ja-JP" sz="1800" dirty="0"/>
+                    </a:p>
+                    <a:p>
+                      <a:r>
+                        <a:rPr kumimoji="1" lang="ja-JP" altLang="en-US" sz="1800" dirty="0"/>
+                        <a:t>影響しない</a:t>
+                      </a:r>
                     </a:p>
                   </a:txBody>
-                  <a:tcPr/>
+                  <a:tcPr anchor="ctr"/>
                 </a:tc>
                 <a:tc>
                   <a:txBody>
                     <a:bodyPr/>
                     <a:lstStyle/>
                     <a:p>
-                      <a:endParaRPr kumimoji="1" lang="ja-JP" altLang="en-US"/>
+                      <a:r>
+                        <a:rPr kumimoji="1" lang="ja-JP" altLang="en-US" sz="1800" dirty="0"/>
+                        <a:t>ギミックに</a:t>
+                      </a:r>
+                      <a:endParaRPr kumimoji="1" lang="en-US" altLang="ja-JP" sz="1800" dirty="0"/>
+                    </a:p>
+                    <a:p>
+                      <a:r>
+                        <a:rPr kumimoji="1" lang="ja-JP" altLang="en-US" sz="1800" dirty="0"/>
+                        <a:t>影響しない</a:t>
+                      </a:r>
                     </a:p>
                   </a:txBody>
-                  <a:tcPr/>
+                  <a:tcPr anchor="ctr"/>
                 </a:tc>
                 <a:tc>
                   <a:txBody>
                     <a:bodyPr/>
                     <a:lstStyle/>
                     <a:p>
-                      <a:endParaRPr kumimoji="1" lang="ja-JP" altLang="en-US"/>
+                      <a:r>
+                        <a:rPr lang="ja-JP" altLang="en-US" sz="1800" b="0" i="0" u="none" strike="noStrike" dirty="0">
+                          <a:solidFill>
+                            <a:srgbClr val="3A3838"/>
+                          </a:solidFill>
+                          <a:effectLst/>
+                          <a:latin typeface="游ゴシック" panose="020B0400000000000000" pitchFamily="50" charset="-128"/>
+                          <a:ea typeface="+mn-ea"/>
+                        </a:rPr>
+                        <a:t>謎解き用の</a:t>
+                      </a:r>
+                      <a:endParaRPr lang="en-US" altLang="ja-JP" sz="1800" b="0" i="0" u="none" strike="noStrike" dirty="0">
+                        <a:solidFill>
+                          <a:srgbClr val="3A3838"/>
+                        </a:solidFill>
+                        <a:effectLst/>
+                        <a:latin typeface="游ゴシック" panose="020B0400000000000000" pitchFamily="50" charset="-128"/>
+                        <a:ea typeface="+mn-ea"/>
+                      </a:endParaRPr>
+                    </a:p>
+                    <a:p>
+                      <a:r>
+                        <a:rPr lang="ja-JP" altLang="en-US" sz="1800" b="0" i="0" u="none" strike="noStrike" dirty="0">
+                          <a:solidFill>
+                            <a:srgbClr val="3A3838"/>
+                          </a:solidFill>
+                          <a:effectLst/>
+                          <a:latin typeface="游ゴシック" panose="020B0400000000000000" pitchFamily="50" charset="-128"/>
+                          <a:ea typeface="+mn-ea"/>
+                        </a:rPr>
+                        <a:t>ミニゲーム</a:t>
+                      </a:r>
+                      <a:endParaRPr kumimoji="1" lang="ja-JP" altLang="en-US" sz="1800" dirty="0"/>
                     </a:p>
                   </a:txBody>
-                  <a:tcPr/>
+                  <a:tcPr anchor="ctr"/>
                 </a:tc>
                 <a:tc>
                   <a:txBody>
                     <a:bodyPr/>
                     <a:lstStyle/>
                     <a:p>
-                      <a:endParaRPr kumimoji="1" lang="ja-JP" altLang="en-US"/>
+                      <a:r>
+                        <a:rPr kumimoji="1" lang="ja-JP" altLang="en-US" sz="1800" dirty="0"/>
+                        <a:t>スピード感を</a:t>
+                      </a:r>
+                      <a:endParaRPr kumimoji="1" lang="en-US" altLang="ja-JP" sz="1800" dirty="0"/>
+                    </a:p>
+                    <a:p>
+                      <a:r>
+                        <a:rPr kumimoji="1" lang="ja-JP" altLang="en-US" sz="1800" b="1" dirty="0">
+                          <a:solidFill>
+                            <a:schemeClr val="accent2">
+                              <a:lumMod val="75000"/>
+                            </a:schemeClr>
+                          </a:solidFill>
+                        </a:rPr>
+                        <a:t>阻害</a:t>
+                      </a:r>
+                      <a:r>
+                        <a:rPr kumimoji="1" lang="ja-JP" altLang="en-US" sz="1800" dirty="0"/>
+                        <a:t>する</a:t>
+                      </a:r>
                     </a:p>
                   </a:txBody>
-                  <a:tcPr/>
+                  <a:tcPr anchor="ctr"/>
                 </a:tc>
                 <a:tc>
                   <a:txBody>
                     <a:bodyPr/>
                     <a:lstStyle/>
                     <a:p>
-                      <a:endParaRPr kumimoji="1" lang="ja-JP" altLang="en-US"/>
+                      <a:r>
+                        <a:rPr lang="ja-JP" altLang="en-US" dirty="0"/>
+                        <a:t>スピード感を</a:t>
+                      </a:r>
+                      <a:endParaRPr lang="en-US" altLang="ja-JP" dirty="0"/>
+                    </a:p>
+                    <a:p>
+                      <a:r>
+                        <a:rPr lang="ja-JP" altLang="en-US" b="1" dirty="0">
+                          <a:solidFill>
+                            <a:schemeClr val="accent2">
+                              <a:lumMod val="75000"/>
+                            </a:schemeClr>
+                          </a:solidFill>
+                        </a:rPr>
+                        <a:t>阻害</a:t>
+                      </a:r>
+                      <a:r>
+                        <a:rPr lang="ja-JP" altLang="en-US" dirty="0"/>
+                        <a:t>する</a:t>
+                      </a:r>
                     </a:p>
                   </a:txBody>
-                  <a:tcPr/>
+                  <a:tcPr anchor="ctr"/>
                 </a:tc>
                 <a:tc>
                   <a:txBody>
                     <a:bodyPr/>
                     <a:lstStyle/>
                     <a:p>
-                      <a:endParaRPr kumimoji="1" lang="ja-JP" altLang="en-US"/>
+                      <a:r>
+                        <a:rPr kumimoji="1" lang="ja-JP" altLang="en-US" sz="1800" dirty="0"/>
+                        <a:t>切り替えが</a:t>
+                      </a:r>
+                      <a:endParaRPr kumimoji="1" lang="en-US" altLang="ja-JP" sz="1800" dirty="0"/>
+                    </a:p>
+                    <a:p>
+                      <a:r>
+                        <a:rPr kumimoji="1" lang="ja-JP" altLang="en-US" sz="1800" b="1" dirty="0">
+                          <a:solidFill>
+                            <a:schemeClr val="accent5">
+                              <a:lumMod val="75000"/>
+                            </a:schemeClr>
+                          </a:solidFill>
+                        </a:rPr>
+                        <a:t>スムーズ</a:t>
+                      </a:r>
                     </a:p>
                   </a:txBody>
-                  <a:tcPr/>
+                  <a:tcPr anchor="ctr"/>
                 </a:tc>
                 <a:extLst>
                   <a:ext uri="{0D108BD9-81ED-4DB2-BD59-A6C34878D82A}">
-                    <a16:rowId xmlns:a16="http://schemas.microsoft.com/office/drawing/2014/main" val="1007343869"/>
+                    <a16:rowId xmlns:a16="http://schemas.microsoft.com/office/drawing/2014/main" val="2560370522"/>
                   </a:ext>
                 </a:extLst>
               </a:tr>
-              <a:tr h="370840">
+              <a:tr h="618888">
                 <a:tc>
                   <a:txBody>
                     <a:bodyPr/>
                     <a:lstStyle/>
                     <a:p>
-                      <a:endParaRPr kumimoji="1" lang="ja-JP" altLang="en-US"/>
+                      <a:pPr algn="ctr"/>
+                      <a:r>
+                        <a:rPr kumimoji="1" lang="ja-JP" altLang="en-US" b="1" dirty="0">
+                          <a:solidFill>
+                            <a:schemeClr val="bg1"/>
+                          </a:solidFill>
+                        </a:rPr>
+                        <a:t>参考</a:t>
+                      </a:r>
                     </a:p>
                   </a:txBody>
-                  <a:tcPr/>
+                  <a:tcPr anchor="ctr">
+                    <a:solidFill>
+                      <a:schemeClr val="bg2">
+                        <a:lumMod val="25000"/>
+                      </a:schemeClr>
+                    </a:solidFill>
+                  </a:tcPr>
                 </a:tc>
                 <a:tc>
                   <a:txBody>
                     <a:bodyPr/>
                     <a:lstStyle/>
                     <a:p>
-                      <a:endParaRPr kumimoji="1" lang="ja-JP" altLang="en-US"/>
+                      <a:pPr marL="0" marR="0" lvl="0" indent="0" algn="l" defTabSz="914400" rtl="0" eaLnBrk="1" fontAlgn="auto" latinLnBrk="0" hangingPunct="1">
+                        <a:lnSpc>
+                          <a:spcPct val="100000"/>
+                        </a:lnSpc>
+                        <a:spcBef>
+                          <a:spcPts val="0"/>
+                        </a:spcBef>
+                        <a:spcAft>
+                          <a:spcPts val="0"/>
+                        </a:spcAft>
+                        <a:buClrTx/>
+                        <a:buSzTx/>
+                        <a:buFontTx/>
+                        <a:buNone/>
+                        <a:tabLst/>
+                        <a:defRPr/>
+                      </a:pPr>
+                      <a:r>
+                        <a:rPr lang="ja-JP" altLang="en-US" sz="1050" b="0" i="0" u="none" strike="noStrike" dirty="0">
+                          <a:solidFill>
+                            <a:srgbClr val="000000"/>
+                          </a:solidFill>
+                          <a:effectLst/>
+                          <a:latin typeface="游ゴシック" panose="020B0400000000000000" pitchFamily="50" charset="-128"/>
+                          <a:ea typeface="+mn-ea"/>
+                        </a:rPr>
+                        <a:t>パズドラ</a:t>
+                      </a:r>
+                      <a:r>
+                        <a:rPr lang="en-US" altLang="ja-JP" sz="1050" b="0" i="0" u="none" strike="noStrike" baseline="30000" dirty="0">
+                          <a:solidFill>
+                            <a:srgbClr val="000000"/>
+                          </a:solidFill>
+                          <a:effectLst/>
+                          <a:latin typeface="游ゴシック" panose="020B0400000000000000" pitchFamily="50" charset="-128"/>
+                          <a:ea typeface="+mn-ea"/>
+                        </a:rPr>
+                        <a:t>[1]</a:t>
+                      </a:r>
+                      <a:endParaRPr lang="ja-JP" altLang="en-US" sz="1050" b="0" i="0" u="none" strike="noStrike" dirty="0">
+                        <a:solidFill>
+                          <a:srgbClr val="000000"/>
+                        </a:solidFill>
+                        <a:effectLst/>
+                        <a:latin typeface="游ゴシック" panose="020B0400000000000000" pitchFamily="50" charset="-128"/>
+                        <a:ea typeface="+mn-ea"/>
+                      </a:endParaRPr>
                     </a:p>
                   </a:txBody>
-                  <a:tcPr/>
+                  <a:tcPr anchor="ctr"/>
                 </a:tc>
                 <a:tc>
                   <a:txBody>
                     <a:bodyPr/>
                     <a:lstStyle/>
                     <a:p>
-                      <a:endParaRPr kumimoji="1" lang="ja-JP" altLang="en-US" dirty="0"/>
+                      <a:pPr marL="0" marR="0" lvl="0" indent="0" algn="l" defTabSz="914400" rtl="0" eaLnBrk="1" fontAlgn="auto" latinLnBrk="0" hangingPunct="1">
+                        <a:lnSpc>
+                          <a:spcPct val="100000"/>
+                        </a:lnSpc>
+                        <a:spcBef>
+                          <a:spcPts val="0"/>
+                        </a:spcBef>
+                        <a:spcAft>
+                          <a:spcPts val="0"/>
+                        </a:spcAft>
+                        <a:buClrTx/>
+                        <a:buSzTx/>
+                        <a:buFontTx/>
+                        <a:buNone/>
+                        <a:tabLst/>
+                        <a:defRPr/>
+                      </a:pPr>
+                      <a:r>
+                        <a:rPr lang="en-US" altLang="ja-JP" sz="1050" b="0" i="0" u="none" strike="noStrike" dirty="0">
+                          <a:solidFill>
+                            <a:srgbClr val="000000"/>
+                          </a:solidFill>
+                          <a:effectLst/>
+                          <a:latin typeface="游ゴシック" panose="020B0400000000000000" pitchFamily="50" charset="-128"/>
+                          <a:ea typeface="+mn-ea"/>
+                        </a:rPr>
+                        <a:t>RAMPART</a:t>
+                      </a:r>
+                      <a:r>
+                        <a:rPr lang="en-US" altLang="ja-JP" sz="1050" b="0" i="0" u="none" strike="noStrike" baseline="30000" dirty="0">
+                          <a:solidFill>
+                            <a:srgbClr val="000000"/>
+                          </a:solidFill>
+                          <a:effectLst/>
+                          <a:latin typeface="游ゴシック" panose="020B0400000000000000" pitchFamily="50" charset="-128"/>
+                          <a:ea typeface="+mn-ea"/>
+                        </a:rPr>
+                        <a:t>[2]</a:t>
+                      </a:r>
+                      <a:br>
+                        <a:rPr lang="ja-JP" altLang="en-US" sz="1050" b="0" i="0" u="none" strike="noStrike" dirty="0">
+                          <a:solidFill>
+                            <a:srgbClr val="000000"/>
+                          </a:solidFill>
+                          <a:effectLst/>
+                          <a:latin typeface="游ゴシック" panose="020B0400000000000000" pitchFamily="50" charset="-128"/>
+                          <a:ea typeface="+mn-ea"/>
+                        </a:rPr>
+                      </a:br>
+                      <a:r>
+                        <a:rPr lang="en-US" altLang="ja-JP" sz="1050" b="0" i="0" u="none" strike="noStrike" dirty="0">
+                          <a:solidFill>
+                            <a:srgbClr val="000000"/>
+                          </a:solidFill>
+                          <a:effectLst/>
+                          <a:latin typeface="游ゴシック" panose="020B0400000000000000" pitchFamily="50" charset="-128"/>
+                          <a:ea typeface="+mn-ea"/>
+                        </a:rPr>
+                        <a:t>Infinite Turtles</a:t>
+                      </a:r>
+                      <a:r>
+                        <a:rPr lang="en-US" altLang="ja-JP" sz="1050" b="0" i="0" u="none" strike="noStrike" baseline="30000" dirty="0">
+                          <a:solidFill>
+                            <a:srgbClr val="000000"/>
+                          </a:solidFill>
+                          <a:effectLst/>
+                          <a:latin typeface="游ゴシック" panose="020B0400000000000000" pitchFamily="50" charset="-128"/>
+                          <a:ea typeface="+mn-ea"/>
+                        </a:rPr>
+                        <a:t>[3]</a:t>
+                      </a:r>
+                      <a:endParaRPr lang="en-US" altLang="ja-JP" sz="1050" b="0" i="0" u="none" strike="noStrike" dirty="0">
+                        <a:solidFill>
+                          <a:srgbClr val="000000"/>
+                        </a:solidFill>
+                        <a:effectLst/>
+                        <a:latin typeface="游ゴシック" panose="020B0400000000000000" pitchFamily="50" charset="-128"/>
+                        <a:ea typeface="+mn-ea"/>
+                      </a:endParaRPr>
                     </a:p>
                   </a:txBody>
-                  <a:tcPr/>
+                  <a:tcPr anchor="ctr"/>
                 </a:tc>
                 <a:tc>
                   <a:txBody>
                     <a:bodyPr/>
                     <a:lstStyle/>
                     <a:p>
-                      <a:endParaRPr kumimoji="1" lang="ja-JP" altLang="en-US"/>
+                      <a:r>
+                        <a:rPr lang="ja-JP" altLang="en-US" sz="1050" b="0" i="0" u="none" strike="noStrike" dirty="0">
+                          <a:solidFill>
+                            <a:srgbClr val="000000"/>
+                          </a:solidFill>
+                          <a:effectLst/>
+                          <a:latin typeface="游ゴシック" panose="020B0400000000000000" pitchFamily="50" charset="-128"/>
+                          <a:ea typeface="+mn-ea"/>
+                        </a:rPr>
+                        <a:t>エルギーザの封印</a:t>
+                      </a:r>
+                      <a:r>
+                        <a:rPr lang="en-US" altLang="ja-JP" sz="1050" b="0" i="0" u="none" strike="noStrike" baseline="30000" dirty="0">
+                          <a:solidFill>
+                            <a:srgbClr val="000000"/>
+                          </a:solidFill>
+                          <a:effectLst/>
+                          <a:latin typeface="游ゴシック" panose="020B0400000000000000" pitchFamily="50" charset="-128"/>
+                          <a:ea typeface="+mn-ea"/>
+                        </a:rPr>
+                        <a:t>[4]</a:t>
+                      </a:r>
+                      <a:endParaRPr kumimoji="1" lang="ja-JP" altLang="en-US" sz="1050" dirty="0"/>
                     </a:p>
                   </a:txBody>
-                  <a:tcPr/>
+                  <a:tcPr anchor="ctr"/>
                 </a:tc>
                 <a:tc>
                   <a:txBody>
                     <a:bodyPr/>
                     <a:lstStyle/>
                     <a:p>
-                      <a:endParaRPr kumimoji="1" lang="ja-JP" altLang="en-US"/>
+                      <a:pPr marL="0" marR="0" lvl="0" indent="0" algn="l" defTabSz="914400" rtl="0" eaLnBrk="1" fontAlgn="auto" latinLnBrk="0" hangingPunct="1">
+                        <a:lnSpc>
+                          <a:spcPct val="100000"/>
+                        </a:lnSpc>
+                        <a:spcBef>
+                          <a:spcPts val="0"/>
+                        </a:spcBef>
+                        <a:spcAft>
+                          <a:spcPts val="0"/>
+                        </a:spcAft>
+                        <a:buClrTx/>
+                        <a:buSzTx/>
+                        <a:buFontTx/>
+                        <a:buNone/>
+                        <a:tabLst/>
+                        <a:defRPr/>
+                      </a:pPr>
+                      <a:r>
+                        <a:rPr lang="ja-JP" altLang="en-US" sz="1050" b="0" i="0" u="none" strike="noStrike" dirty="0">
+                          <a:solidFill>
+                            <a:srgbClr val="000000"/>
+                          </a:solidFill>
+                          <a:effectLst/>
+                          <a:latin typeface="游ゴシック" panose="020B0400000000000000" pitchFamily="50" charset="-128"/>
+                          <a:ea typeface="+mn-ea"/>
+                        </a:rPr>
+                        <a:t>トランスクリプティッド</a:t>
+                      </a:r>
+                      <a:r>
+                        <a:rPr lang="en-US" altLang="ja-JP" sz="1050" b="0" i="0" u="none" strike="noStrike" baseline="30000" dirty="0">
+                          <a:solidFill>
+                            <a:srgbClr val="000000"/>
+                          </a:solidFill>
+                          <a:effectLst/>
+                          <a:latin typeface="游ゴシック" panose="020B0400000000000000" pitchFamily="50" charset="-128"/>
+                          <a:ea typeface="+mn-ea"/>
+                        </a:rPr>
+                        <a:t>[5]</a:t>
+                      </a:r>
+                      <a:br>
+                        <a:rPr lang="ja-JP" altLang="en-US" sz="1050" b="0" i="0" u="none" strike="noStrike" dirty="0">
+                          <a:solidFill>
+                            <a:srgbClr val="000000"/>
+                          </a:solidFill>
+                          <a:effectLst/>
+                          <a:latin typeface="游ゴシック" panose="020B0400000000000000" pitchFamily="50" charset="-128"/>
+                          <a:ea typeface="+mn-ea"/>
+                        </a:rPr>
+                      </a:br>
+                      <a:r>
+                        <a:rPr lang="ja-JP" altLang="en-US" sz="1050" b="0" i="0" u="none" strike="noStrike" dirty="0">
+                          <a:solidFill>
+                            <a:srgbClr val="000000"/>
+                          </a:solidFill>
+                          <a:effectLst/>
+                          <a:latin typeface="游ゴシック" panose="020B0400000000000000" pitchFamily="50" charset="-128"/>
+                          <a:ea typeface="+mn-ea"/>
+                        </a:rPr>
+                        <a:t>クォース</a:t>
+                      </a:r>
+                      <a:r>
+                        <a:rPr lang="en-US" altLang="ja-JP" sz="1050" b="0" i="0" u="none" strike="noStrike" baseline="30000" dirty="0">
+                          <a:solidFill>
+                            <a:srgbClr val="000000"/>
+                          </a:solidFill>
+                          <a:effectLst/>
+                          <a:latin typeface="游ゴシック" panose="020B0400000000000000" pitchFamily="50" charset="-128"/>
+                          <a:ea typeface="+mn-ea"/>
+                        </a:rPr>
+                        <a:t>[6]</a:t>
+                      </a:r>
+                      <a:endParaRPr lang="ja-JP" altLang="en-US" sz="1050" b="0" i="0" u="none" strike="noStrike" dirty="0">
+                        <a:solidFill>
+                          <a:srgbClr val="000000"/>
+                        </a:solidFill>
+                        <a:effectLst/>
+                        <a:latin typeface="游ゴシック" panose="020B0400000000000000" pitchFamily="50" charset="-128"/>
+                        <a:ea typeface="+mn-ea"/>
+                      </a:endParaRPr>
+                    </a:p>
+                    <a:p>
+                      <a:endParaRPr kumimoji="1" lang="ja-JP" altLang="en-US" sz="1050" dirty="0"/>
                     </a:p>
                   </a:txBody>
-                  <a:tcPr/>
+                  <a:tcPr anchor="ctr"/>
                 </a:tc>
                 <a:tc>
                   <a:txBody>
                     <a:bodyPr/>
                     <a:lstStyle/>
                     <a:p>
-                      <a:endParaRPr kumimoji="1" lang="ja-JP" altLang="en-US"/>
+                      <a:endParaRPr kumimoji="1" lang="ja-JP" altLang="en-US" sz="1050" dirty="0"/>
                     </a:p>
                   </a:txBody>
-                  <a:tcPr/>
+                  <a:tcPr anchor="ctr"/>
                 </a:tc>
                 <a:tc>
                   <a:txBody>
                     <a:bodyPr/>
                     <a:lstStyle/>
                     <a:p>
-                      <a:endParaRPr kumimoji="1" lang="ja-JP" altLang="en-US"/>
+                      <a:pPr marL="0" marR="0" lvl="0" indent="0" algn="l" defTabSz="914400" rtl="0" eaLnBrk="1" fontAlgn="auto" latinLnBrk="0" hangingPunct="1">
+                        <a:lnSpc>
+                          <a:spcPct val="100000"/>
+                        </a:lnSpc>
+                        <a:spcBef>
+                          <a:spcPts val="0"/>
+                        </a:spcBef>
+                        <a:spcAft>
+                          <a:spcPts val="0"/>
+                        </a:spcAft>
+                        <a:buClrTx/>
+                        <a:buSzTx/>
+                        <a:buFontTx/>
+                        <a:buNone/>
+                        <a:tabLst/>
+                        <a:defRPr/>
+                      </a:pPr>
+                      <a:r>
+                        <a:rPr lang="ja-JP" altLang="en-US" sz="1050" b="0" i="0" u="none" strike="noStrike" dirty="0">
+                          <a:solidFill>
+                            <a:srgbClr val="000000"/>
+                          </a:solidFill>
+                          <a:effectLst/>
+                          <a:latin typeface="游ゴシック" panose="020B0400000000000000" pitchFamily="50" charset="-128"/>
+                          <a:ea typeface="+mn-ea"/>
+                        </a:rPr>
+                        <a:t>東方スペルバブル</a:t>
+                      </a:r>
+                      <a:r>
+                        <a:rPr lang="en-US" altLang="ja-JP" sz="1050" b="0" i="0" u="none" strike="noStrike" baseline="30000" dirty="0">
+                          <a:solidFill>
+                            <a:srgbClr val="000000"/>
+                          </a:solidFill>
+                          <a:effectLst/>
+                          <a:latin typeface="游ゴシック" panose="020B0400000000000000" pitchFamily="50" charset="-128"/>
+                          <a:ea typeface="+mn-ea"/>
+                        </a:rPr>
+                        <a:t>[7]</a:t>
+                      </a:r>
+                      <a:br>
+                        <a:rPr lang="ja-JP" altLang="en-US" sz="1050" b="0" i="0" u="none" strike="noStrike" dirty="0">
+                          <a:solidFill>
+                            <a:srgbClr val="000000"/>
+                          </a:solidFill>
+                          <a:effectLst/>
+                          <a:latin typeface="游ゴシック" panose="020B0400000000000000" pitchFamily="50" charset="-128"/>
+                          <a:ea typeface="+mn-ea"/>
+                        </a:rPr>
+                      </a:br>
+                      <a:r>
+                        <a:rPr lang="ja-JP" altLang="en-US" sz="1050" b="0" i="0" u="none" strike="noStrike" dirty="0">
+                          <a:solidFill>
+                            <a:srgbClr val="000000"/>
+                          </a:solidFill>
+                          <a:effectLst/>
+                          <a:latin typeface="游ゴシック" panose="020B0400000000000000" pitchFamily="50" charset="-128"/>
+                          <a:ea typeface="+mn-ea"/>
+                        </a:rPr>
+                        <a:t>∀</a:t>
+                      </a:r>
+                      <a:r>
+                        <a:rPr lang="en-US" altLang="ja-JP" sz="1050" b="0" i="0" u="none" strike="noStrike" dirty="0" err="1">
+                          <a:solidFill>
+                            <a:srgbClr val="000000"/>
+                          </a:solidFill>
+                          <a:effectLst/>
+                          <a:latin typeface="游ゴシック" panose="020B0400000000000000" pitchFamily="50" charset="-128"/>
+                          <a:ea typeface="+mn-ea"/>
+                        </a:rPr>
+                        <a:t>kashicforce</a:t>
+                      </a:r>
+                      <a:r>
+                        <a:rPr lang="en-US" altLang="ja-JP" sz="1050" b="0" i="0" u="none" strike="noStrike" dirty="0">
+                          <a:solidFill>
+                            <a:srgbClr val="000000"/>
+                          </a:solidFill>
+                          <a:effectLst/>
+                          <a:latin typeface="游ゴシック" panose="020B0400000000000000" pitchFamily="50" charset="-128"/>
+                          <a:ea typeface="+mn-ea"/>
+                        </a:rPr>
+                        <a:t>-inundation of brigade-</a:t>
+                      </a:r>
+                      <a:r>
+                        <a:rPr lang="en-US" altLang="ja-JP" sz="1050" b="0" i="0" u="none" strike="noStrike" baseline="30000" dirty="0">
+                          <a:solidFill>
+                            <a:srgbClr val="000000"/>
+                          </a:solidFill>
+                          <a:effectLst/>
+                          <a:latin typeface="游ゴシック" panose="020B0400000000000000" pitchFamily="50" charset="-128"/>
+                          <a:ea typeface="+mn-ea"/>
+                        </a:rPr>
+                        <a:t>[8]</a:t>
+                      </a:r>
+                      <a:endParaRPr lang="en-US" altLang="ja-JP" sz="1050" b="0" i="0" u="none" strike="noStrike" dirty="0">
+                        <a:solidFill>
+                          <a:srgbClr val="000000"/>
+                        </a:solidFill>
+                        <a:effectLst/>
+                        <a:latin typeface="游ゴシック" panose="020B0400000000000000" pitchFamily="50" charset="-128"/>
+                        <a:ea typeface="+mn-ea"/>
+                      </a:endParaRPr>
                     </a:p>
                   </a:txBody>
-                  <a:tcPr/>
+                  <a:tcPr anchor="ctr"/>
                 </a:tc>
                 <a:extLst>
                   <a:ext uri="{0D108BD9-81ED-4DB2-BD59-A6C34878D82A}">
-                    <a16:rowId xmlns:a16="http://schemas.microsoft.com/office/drawing/2014/main" val="2857983308"/>
-                  </a:ext>
-                </a:extLst>
-              </a:tr>
-              <a:tr h="370840">
-                <a:tc>
-                  <a:txBody>
-                    <a:bodyPr/>
-                    <a:lstStyle/>
-                    <a:p>
-                      <a:endParaRPr kumimoji="1" lang="ja-JP" altLang="en-US"/>
-                    </a:p>
-                  </a:txBody>
-                  <a:tcPr/>
-                </a:tc>
-                <a:tc>
-                  <a:txBody>
-                    <a:bodyPr/>
-                    <a:lstStyle/>
-                    <a:p>
-                      <a:endParaRPr kumimoji="1" lang="ja-JP" altLang="en-US" dirty="0"/>
-                    </a:p>
-                  </a:txBody>
-                  <a:tcPr/>
-                </a:tc>
-                <a:tc>
-                  <a:txBody>
-                    <a:bodyPr/>
-                    <a:lstStyle/>
-                    <a:p>
-                      <a:endParaRPr kumimoji="1" lang="ja-JP" altLang="en-US"/>
-                    </a:p>
-                  </a:txBody>
-                  <a:tcPr/>
-                </a:tc>
-                <a:tc>
-                  <a:txBody>
-                    <a:bodyPr/>
-                    <a:lstStyle/>
-                    <a:p>
-                      <a:endParaRPr kumimoji="1" lang="ja-JP" altLang="en-US"/>
-                    </a:p>
-                  </a:txBody>
-                  <a:tcPr/>
-                </a:tc>
-                <a:tc>
-                  <a:txBody>
-                    <a:bodyPr/>
-                    <a:lstStyle/>
-                    <a:p>
-                      <a:endParaRPr kumimoji="1" lang="ja-JP" altLang="en-US"/>
-                    </a:p>
-                  </a:txBody>
-                  <a:tcPr/>
-                </a:tc>
-                <a:tc>
-                  <a:txBody>
-                    <a:bodyPr/>
-                    <a:lstStyle/>
-                    <a:p>
-                      <a:endParaRPr kumimoji="1" lang="ja-JP" altLang="en-US"/>
-                    </a:p>
-                  </a:txBody>
-                  <a:tcPr/>
-                </a:tc>
-                <a:tc>
-                  <a:txBody>
-                    <a:bodyPr/>
-                    <a:lstStyle/>
-                    <a:p>
-                      <a:endParaRPr kumimoji="1" lang="ja-JP" altLang="en-US"/>
-                    </a:p>
-                  </a:txBody>
-                  <a:tcPr/>
-                </a:tc>
-                <a:extLst>
-                  <a:ext uri="{0D108BD9-81ED-4DB2-BD59-A6C34878D82A}">
-                    <a16:rowId xmlns:a16="http://schemas.microsoft.com/office/drawing/2014/main" val="2367617310"/>
-                  </a:ext>
-                </a:extLst>
-              </a:tr>
-              <a:tr h="370840">
-                <a:tc>
-                  <a:txBody>
-                    <a:bodyPr/>
-                    <a:lstStyle/>
-                    <a:p>
-                      <a:endParaRPr kumimoji="1" lang="ja-JP" altLang="en-US"/>
-                    </a:p>
-                  </a:txBody>
-                  <a:tcPr/>
-                </a:tc>
-                <a:tc>
-                  <a:txBody>
-                    <a:bodyPr/>
-                    <a:lstStyle/>
-                    <a:p>
-                      <a:endParaRPr kumimoji="1" lang="ja-JP" altLang="en-US"/>
-                    </a:p>
-                  </a:txBody>
-                  <a:tcPr/>
-                </a:tc>
-                <a:tc>
-                  <a:txBody>
-                    <a:bodyPr/>
-                    <a:lstStyle/>
-                    <a:p>
-                      <a:endParaRPr kumimoji="1" lang="ja-JP" altLang="en-US"/>
-                    </a:p>
-                  </a:txBody>
-                  <a:tcPr/>
-                </a:tc>
-                <a:tc>
-                  <a:txBody>
-                    <a:bodyPr/>
-                    <a:lstStyle/>
-                    <a:p>
-                      <a:endParaRPr kumimoji="1" lang="ja-JP" altLang="en-US"/>
-                    </a:p>
-                  </a:txBody>
-                  <a:tcPr/>
-                </a:tc>
-                <a:tc>
-                  <a:txBody>
-                    <a:bodyPr/>
-                    <a:lstStyle/>
-                    <a:p>
-                      <a:endParaRPr kumimoji="1" lang="ja-JP" altLang="en-US"/>
-                    </a:p>
-                  </a:txBody>
-                  <a:tcPr/>
-                </a:tc>
-                <a:tc>
-                  <a:txBody>
-                    <a:bodyPr/>
-                    <a:lstStyle/>
-                    <a:p>
-                      <a:endParaRPr kumimoji="1" lang="ja-JP" altLang="en-US"/>
-                    </a:p>
-                  </a:txBody>
-                  <a:tcPr/>
-                </a:tc>
-                <a:tc>
-                  <a:txBody>
-                    <a:bodyPr/>
-                    <a:lstStyle/>
-                    <a:p>
-                      <a:endParaRPr kumimoji="1" lang="ja-JP" altLang="en-US" dirty="0"/>
-                    </a:p>
-                  </a:txBody>
-                  <a:tcPr/>
-                </a:tc>
-                <a:extLst>
-                  <a:ext uri="{0D108BD9-81ED-4DB2-BD59-A6C34878D82A}">
-                    <a16:rowId xmlns:a16="http://schemas.microsoft.com/office/drawing/2014/main" val="3719274208"/>
+                    <a16:rowId xmlns:a16="http://schemas.microsoft.com/office/drawing/2014/main" val="4022152065"/>
                   </a:ext>
                 </a:extLst>
               </a:tr>
@@ -14301,6 +15068,592 @@
           </a:graphicData>
         </a:graphic>
       </p:graphicFrame>
+      <p:sp>
+        <p:nvSpPr>
+          <p:cNvPr id="18" name="二等辺三角形 17">
+            <a:extLst>
+              <a:ext uri="{FF2B5EF4-FFF2-40B4-BE49-F238E27FC236}">
+                <a16:creationId xmlns:a16="http://schemas.microsoft.com/office/drawing/2014/main" id="{AD5DF1AD-37EF-0C35-2C2C-3BC1622564F2}"/>
+              </a:ext>
+            </a:extLst>
+          </p:cNvPr>
+          <p:cNvSpPr/>
+          <p:nvPr/>
+        </p:nvSpPr>
+        <p:spPr>
+          <a:xfrm>
+            <a:off x="2196401" y="4091779"/>
+            <a:ext cx="417195" cy="359651"/>
+          </a:xfrm>
+          <a:prstGeom prst="triangle">
+            <a:avLst/>
+          </a:prstGeom>
+          <a:noFill/>
+          <a:ln w="76200">
+            <a:solidFill>
+              <a:schemeClr val="bg2">
+                <a:lumMod val="50000"/>
+              </a:schemeClr>
+            </a:solidFill>
+          </a:ln>
+        </p:spPr>
+        <p:style>
+          <a:lnRef idx="2">
+            <a:schemeClr val="accent1">
+              <a:shade val="50000"/>
+            </a:schemeClr>
+          </a:lnRef>
+          <a:fillRef idx="1">
+            <a:schemeClr val="accent1"/>
+          </a:fillRef>
+          <a:effectRef idx="0">
+            <a:schemeClr val="accent1"/>
+          </a:effectRef>
+          <a:fontRef idx="minor">
+            <a:schemeClr val="lt1"/>
+          </a:fontRef>
+        </p:style>
+        <p:txBody>
+          <a:bodyPr rtlCol="0" anchor="ctr"/>
+          <a:lstStyle/>
+          <a:p>
+            <a:pPr algn="ctr"/>
+            <a:endParaRPr kumimoji="1" lang="ja-JP" altLang="en-US"/>
+          </a:p>
+        </p:txBody>
+      </p:sp>
+      <p:sp>
+        <p:nvSpPr>
+          <p:cNvPr id="19" name="二等辺三角形 18">
+            <a:extLst>
+              <a:ext uri="{FF2B5EF4-FFF2-40B4-BE49-F238E27FC236}">
+                <a16:creationId xmlns:a16="http://schemas.microsoft.com/office/drawing/2014/main" id="{5E9F35D4-F1B7-CD98-E4FF-7033683E88FD}"/>
+              </a:ext>
+            </a:extLst>
+          </p:cNvPr>
+          <p:cNvSpPr/>
+          <p:nvPr/>
+        </p:nvSpPr>
+        <p:spPr>
+          <a:xfrm>
+            <a:off x="3824159" y="4091778"/>
+            <a:ext cx="417195" cy="359651"/>
+          </a:xfrm>
+          <a:prstGeom prst="triangle">
+            <a:avLst/>
+          </a:prstGeom>
+          <a:noFill/>
+          <a:ln w="76200">
+            <a:solidFill>
+              <a:schemeClr val="bg2">
+                <a:lumMod val="50000"/>
+              </a:schemeClr>
+            </a:solidFill>
+          </a:ln>
+        </p:spPr>
+        <p:style>
+          <a:lnRef idx="2">
+            <a:schemeClr val="accent1">
+              <a:shade val="50000"/>
+            </a:schemeClr>
+          </a:lnRef>
+          <a:fillRef idx="1">
+            <a:schemeClr val="accent1"/>
+          </a:fillRef>
+          <a:effectRef idx="0">
+            <a:schemeClr val="accent1"/>
+          </a:effectRef>
+          <a:fontRef idx="minor">
+            <a:schemeClr val="lt1"/>
+          </a:fontRef>
+        </p:style>
+        <p:txBody>
+          <a:bodyPr rtlCol="0" anchor="ctr"/>
+          <a:lstStyle/>
+          <a:p>
+            <a:pPr algn="ctr"/>
+            <a:endParaRPr kumimoji="1" lang="ja-JP" altLang="en-US"/>
+          </a:p>
+        </p:txBody>
+      </p:sp>
+      <p:sp>
+        <p:nvSpPr>
+          <p:cNvPr id="22" name="二等辺三角形 21">
+            <a:extLst>
+              <a:ext uri="{FF2B5EF4-FFF2-40B4-BE49-F238E27FC236}">
+                <a16:creationId xmlns:a16="http://schemas.microsoft.com/office/drawing/2014/main" id="{F248123D-390D-B29E-74A1-FA376785FE28}"/>
+              </a:ext>
+            </a:extLst>
+          </p:cNvPr>
+          <p:cNvSpPr/>
+          <p:nvPr/>
+        </p:nvSpPr>
+        <p:spPr>
+          <a:xfrm>
+            <a:off x="7079675" y="4091777"/>
+            <a:ext cx="417195" cy="359651"/>
+          </a:xfrm>
+          <a:prstGeom prst="triangle">
+            <a:avLst/>
+          </a:prstGeom>
+          <a:noFill/>
+          <a:ln w="76200">
+            <a:solidFill>
+              <a:schemeClr val="bg2">
+                <a:lumMod val="50000"/>
+              </a:schemeClr>
+            </a:solidFill>
+          </a:ln>
+        </p:spPr>
+        <p:style>
+          <a:lnRef idx="2">
+            <a:schemeClr val="accent1">
+              <a:shade val="50000"/>
+            </a:schemeClr>
+          </a:lnRef>
+          <a:fillRef idx="1">
+            <a:schemeClr val="accent1"/>
+          </a:fillRef>
+          <a:effectRef idx="0">
+            <a:schemeClr val="accent1"/>
+          </a:effectRef>
+          <a:fontRef idx="minor">
+            <a:schemeClr val="lt1"/>
+          </a:fontRef>
+        </p:style>
+        <p:txBody>
+          <a:bodyPr rtlCol="0" anchor="ctr"/>
+          <a:lstStyle/>
+          <a:p>
+            <a:pPr algn="ctr"/>
+            <a:endParaRPr kumimoji="1" lang="ja-JP" altLang="en-US"/>
+          </a:p>
+        </p:txBody>
+      </p:sp>
+      <p:sp>
+        <p:nvSpPr>
+          <p:cNvPr id="23" name="二等辺三角形 22">
+            <a:extLst>
+              <a:ext uri="{FF2B5EF4-FFF2-40B4-BE49-F238E27FC236}">
+                <a16:creationId xmlns:a16="http://schemas.microsoft.com/office/drawing/2014/main" id="{3374ED8D-7E5E-75F9-7294-CE2B54D593DE}"/>
+              </a:ext>
+            </a:extLst>
+          </p:cNvPr>
+          <p:cNvSpPr/>
+          <p:nvPr/>
+        </p:nvSpPr>
+        <p:spPr>
+          <a:xfrm>
+            <a:off x="8707433" y="4106737"/>
+            <a:ext cx="417195" cy="359651"/>
+          </a:xfrm>
+          <a:prstGeom prst="triangle">
+            <a:avLst/>
+          </a:prstGeom>
+          <a:noFill/>
+          <a:ln w="76200">
+            <a:solidFill>
+              <a:schemeClr val="bg2">
+                <a:lumMod val="50000"/>
+              </a:schemeClr>
+            </a:solidFill>
+          </a:ln>
+        </p:spPr>
+        <p:style>
+          <a:lnRef idx="2">
+            <a:schemeClr val="accent1">
+              <a:shade val="50000"/>
+            </a:schemeClr>
+          </a:lnRef>
+          <a:fillRef idx="1">
+            <a:schemeClr val="accent1"/>
+          </a:fillRef>
+          <a:effectRef idx="0">
+            <a:schemeClr val="accent1"/>
+          </a:effectRef>
+          <a:fontRef idx="minor">
+            <a:schemeClr val="lt1"/>
+          </a:fontRef>
+        </p:style>
+        <p:txBody>
+          <a:bodyPr rtlCol="0" anchor="ctr"/>
+          <a:lstStyle/>
+          <a:p>
+            <a:pPr algn="ctr"/>
+            <a:endParaRPr kumimoji="1" lang="ja-JP" altLang="en-US"/>
+          </a:p>
+        </p:txBody>
+      </p:sp>
+      <p:sp>
+        <p:nvSpPr>
+          <p:cNvPr id="24" name="楕円 23">
+            <a:extLst>
+              <a:ext uri="{FF2B5EF4-FFF2-40B4-BE49-F238E27FC236}">
+                <a16:creationId xmlns:a16="http://schemas.microsoft.com/office/drawing/2014/main" id="{F9B54F65-B9EF-AE54-D35A-A7A7143EC025}"/>
+              </a:ext>
+            </a:extLst>
+          </p:cNvPr>
+          <p:cNvSpPr/>
+          <p:nvPr/>
+        </p:nvSpPr>
+        <p:spPr>
+          <a:xfrm>
+            <a:off x="10335191" y="4064713"/>
+            <a:ext cx="417195" cy="417195"/>
+          </a:xfrm>
+          <a:prstGeom prst="ellipse">
+            <a:avLst/>
+          </a:prstGeom>
+          <a:noFill/>
+          <a:ln w="76200">
+            <a:solidFill>
+              <a:schemeClr val="accent5">
+                <a:lumMod val="75000"/>
+              </a:schemeClr>
+            </a:solidFill>
+          </a:ln>
+        </p:spPr>
+        <p:style>
+          <a:lnRef idx="2">
+            <a:schemeClr val="accent1">
+              <a:shade val="50000"/>
+            </a:schemeClr>
+          </a:lnRef>
+          <a:fillRef idx="1">
+            <a:schemeClr val="accent1"/>
+          </a:fillRef>
+          <a:effectRef idx="0">
+            <a:schemeClr val="accent1"/>
+          </a:effectRef>
+          <a:fontRef idx="minor">
+            <a:schemeClr val="lt1"/>
+          </a:fontRef>
+        </p:style>
+        <p:txBody>
+          <a:bodyPr rtlCol="0" anchor="ctr"/>
+          <a:lstStyle/>
+          <a:p>
+            <a:pPr algn="ctr"/>
+            <a:endParaRPr kumimoji="1" lang="ja-JP" altLang="en-US" dirty="0"/>
+          </a:p>
+        </p:txBody>
+      </p:sp>
+      <p:sp>
+        <p:nvSpPr>
+          <p:cNvPr id="25" name="テキスト ボックス 24">
+            <a:extLst>
+              <a:ext uri="{FF2B5EF4-FFF2-40B4-BE49-F238E27FC236}">
+                <a16:creationId xmlns:a16="http://schemas.microsoft.com/office/drawing/2014/main" id="{6C5F1D98-416A-942B-0994-0D74C51117D2}"/>
+              </a:ext>
+            </a:extLst>
+          </p:cNvPr>
+          <p:cNvSpPr txBox="1"/>
+          <p:nvPr/>
+        </p:nvSpPr>
+        <p:spPr>
+          <a:xfrm>
+            <a:off x="7066673" y="252494"/>
+            <a:ext cx="6537036" cy="1431161"/>
+          </a:xfrm>
+          <a:prstGeom prst="rect">
+            <a:avLst/>
+          </a:prstGeom>
+          <a:noFill/>
+        </p:spPr>
+        <p:txBody>
+          <a:bodyPr wrap="square" rtlCol="0">
+            <a:spAutoFit/>
+          </a:bodyPr>
+          <a:lstStyle/>
+          <a:p>
+            <a:r>
+              <a:rPr lang="en-US" altLang="ja-JP" sz="1000" dirty="0"/>
+              <a:t>[1]:</a:t>
+            </a:r>
+            <a:r>
+              <a:rPr lang="en-US" altLang="ja-JP" sz="1000" i="0" dirty="0" err="1">
+                <a:solidFill>
+                  <a:srgbClr val="000000"/>
+                </a:solidFill>
+                <a:effectLst/>
+              </a:rPr>
+              <a:t>GungHo</a:t>
+            </a:r>
+            <a:r>
+              <a:rPr lang="en-US" altLang="ja-JP" sz="1000" i="0" dirty="0">
+                <a:solidFill>
+                  <a:srgbClr val="000000"/>
+                </a:solidFill>
+                <a:effectLst/>
+              </a:rPr>
+              <a:t> Online Entertainment『</a:t>
+            </a:r>
+            <a:r>
+              <a:rPr kumimoji="1" lang="ja-JP" altLang="en-US" sz="1000" dirty="0"/>
+              <a:t>パズル＆ドラゴンズ</a:t>
+            </a:r>
+            <a:r>
+              <a:rPr kumimoji="1" lang="en-US" altLang="ja-JP" sz="1000" dirty="0"/>
+              <a:t>』.2012</a:t>
+            </a:r>
+            <a:endParaRPr lang="en-US" altLang="ja-JP" sz="1000" dirty="0"/>
+          </a:p>
+          <a:p>
+            <a:r>
+              <a:rPr lang="en-US" altLang="ja-JP" sz="1000" dirty="0"/>
+              <a:t>[2]:</a:t>
+            </a:r>
+            <a:r>
+              <a:rPr lang="en-US" altLang="ja-JP" sz="1000" i="0" dirty="0" err="1">
+                <a:solidFill>
+                  <a:srgbClr val="202122"/>
+                </a:solidFill>
+                <a:effectLst/>
+              </a:rPr>
+              <a:t>Tengen</a:t>
+            </a:r>
+            <a:r>
+              <a:rPr lang="en-US" altLang="ja-JP" sz="1000" i="0" dirty="0">
+                <a:solidFill>
+                  <a:srgbClr val="202122"/>
+                </a:solidFill>
+                <a:effectLst/>
+              </a:rPr>
+              <a:t> Inc.</a:t>
+            </a:r>
+            <a:r>
+              <a:rPr lang="en-US" altLang="ja-JP" sz="1000" i="0" dirty="0">
+                <a:solidFill>
+                  <a:srgbClr val="000000"/>
+                </a:solidFill>
+                <a:effectLst/>
+              </a:rPr>
+              <a:t> Atari Inc.『RAMPART』.1990</a:t>
+            </a:r>
+            <a:endParaRPr lang="en-US" altLang="ja-JP" sz="1000" dirty="0"/>
+          </a:p>
+          <a:p>
+            <a:r>
+              <a:rPr lang="en-US" altLang="ja-JP" sz="1000" dirty="0"/>
+              <a:t>[3]:Charlie </a:t>
+            </a:r>
+            <a:r>
+              <a:rPr lang="en-US" altLang="ja-JP" sz="1000" dirty="0" err="1"/>
+              <a:t>Brej『Infinite</a:t>
+            </a:r>
+            <a:r>
+              <a:rPr lang="en-US" altLang="ja-JP" sz="1000" dirty="0"/>
+              <a:t> Turtles』.2022</a:t>
+            </a:r>
+          </a:p>
+          <a:p>
+            <a:r>
+              <a:rPr lang="en-US" altLang="ja-JP" sz="1000" dirty="0"/>
+              <a:t>[4]:</a:t>
+            </a:r>
+            <a:r>
+              <a:rPr lang="ja-JP" altLang="en-US" sz="1000" i="0" dirty="0">
+                <a:solidFill>
+                  <a:srgbClr val="000000"/>
+                </a:solidFill>
+                <a:effectLst/>
+              </a:rPr>
+              <a:t>株式会社コナミデジタルエンタテインメント</a:t>
+            </a:r>
+            <a:r>
+              <a:rPr lang="en-US" altLang="ja-JP" sz="1000" dirty="0">
+                <a:solidFill>
+                  <a:srgbClr val="000000"/>
+                </a:solidFill>
+              </a:rPr>
+              <a:t>『</a:t>
+            </a:r>
+            <a:r>
+              <a:rPr lang="ja-JP" altLang="en-US" sz="1000" dirty="0">
+                <a:solidFill>
+                  <a:srgbClr val="000000"/>
+                </a:solidFill>
+              </a:rPr>
+              <a:t>エルギーザの封印</a:t>
+            </a:r>
+            <a:r>
+              <a:rPr lang="en-US" altLang="ja-JP" sz="1000" dirty="0">
+                <a:solidFill>
+                  <a:srgbClr val="000000"/>
+                </a:solidFill>
+              </a:rPr>
+              <a:t>』.1988</a:t>
+            </a:r>
+            <a:endParaRPr lang="en-US" altLang="ja-JP" sz="1000" dirty="0"/>
+          </a:p>
+          <a:p>
+            <a:r>
+              <a:rPr lang="en-US" altLang="ja-JP" sz="1000" dirty="0"/>
+              <a:t>[5]:Plug In Digital『</a:t>
+            </a:r>
+            <a:r>
+              <a:rPr lang="ja-JP" altLang="en-US" sz="1000" dirty="0"/>
+              <a:t>トランスクリプティッド</a:t>
+            </a:r>
+            <a:r>
+              <a:rPr lang="en-US" altLang="ja-JP" sz="1000" dirty="0"/>
+              <a:t>』.2017</a:t>
+            </a:r>
+          </a:p>
+          <a:p>
+            <a:r>
+              <a:rPr lang="en-US" altLang="ja-JP" sz="1000" dirty="0"/>
+              <a:t>[6]:</a:t>
+            </a:r>
+            <a:r>
+              <a:rPr lang="ja-JP" altLang="en-US" sz="1000" dirty="0"/>
+              <a:t>株式会社コナミアミューズメント</a:t>
+            </a:r>
+            <a:r>
+              <a:rPr lang="en-US" altLang="ja-JP" sz="1000" dirty="0"/>
+              <a:t>『</a:t>
+            </a:r>
+            <a:r>
+              <a:rPr lang="ja-JP" altLang="en-US" sz="1000" dirty="0"/>
+              <a:t>クォース</a:t>
+            </a:r>
+            <a:r>
+              <a:rPr lang="en-US" altLang="ja-JP" sz="1000" dirty="0"/>
+              <a:t>』.1989</a:t>
+            </a:r>
+          </a:p>
+          <a:p>
+            <a:r>
+              <a:rPr lang="en-US" altLang="ja-JP" sz="1000" dirty="0"/>
+              <a:t>[7]:</a:t>
+            </a:r>
+            <a:r>
+              <a:rPr lang="ja-JP" altLang="en-US" sz="1000" dirty="0"/>
+              <a:t>株式会社タイトー</a:t>
+            </a:r>
+            <a:r>
+              <a:rPr lang="en-US" altLang="ja-JP" sz="1000" dirty="0"/>
+              <a:t>『</a:t>
+            </a:r>
+            <a:r>
+              <a:rPr lang="ja-JP" altLang="en-US" sz="1000" dirty="0"/>
+              <a:t>東方スペルバブル</a:t>
+            </a:r>
+            <a:r>
+              <a:rPr lang="en-US" altLang="ja-JP" sz="1000" dirty="0"/>
+              <a:t>』.2020</a:t>
+            </a:r>
+          </a:p>
+          <a:p>
+            <a:r>
+              <a:rPr lang="en-US" altLang="ja-JP" sz="1000" dirty="0"/>
+              <a:t>[8]:</a:t>
+            </a:r>
+            <a:r>
+              <a:rPr lang="ja-JP" altLang="en-US" sz="1000" dirty="0"/>
+              <a:t>エンドレスシラフ</a:t>
+            </a:r>
+            <a:r>
+              <a:rPr lang="en-US" altLang="ja-JP" sz="1000" dirty="0"/>
+              <a:t>『</a:t>
+            </a:r>
+            <a:r>
+              <a:rPr lang="ja-JP" altLang="en-US" sz="1000" b="0" i="0" u="none" strike="noStrike" dirty="0">
+                <a:solidFill>
+                  <a:srgbClr val="000000"/>
+                </a:solidFill>
+                <a:effectLst/>
+                <a:latin typeface="游ゴシック" panose="020B0400000000000000" pitchFamily="50" charset="-128"/>
+                <a:ea typeface="游ゴシック" panose="020B0400000000000000" pitchFamily="50" charset="-128"/>
+              </a:rPr>
+              <a:t>∀</a:t>
+            </a:r>
+            <a:r>
+              <a:rPr lang="en-US" altLang="ja-JP" sz="1000" b="0" i="0" u="none" strike="noStrike" dirty="0" err="1">
+                <a:solidFill>
+                  <a:srgbClr val="000000"/>
+                </a:solidFill>
+                <a:effectLst/>
+                <a:latin typeface="游ゴシック" panose="020B0400000000000000" pitchFamily="50" charset="-128"/>
+                <a:ea typeface="游ゴシック" panose="020B0400000000000000" pitchFamily="50" charset="-128"/>
+              </a:rPr>
+              <a:t>kashicforce</a:t>
+            </a:r>
+            <a:r>
+              <a:rPr lang="en-US" altLang="ja-JP" sz="1000" b="0" i="0" u="none" strike="noStrike" dirty="0">
+                <a:solidFill>
+                  <a:srgbClr val="000000"/>
+                </a:solidFill>
+                <a:effectLst/>
+                <a:latin typeface="游ゴシック" panose="020B0400000000000000" pitchFamily="50" charset="-128"/>
+                <a:ea typeface="游ゴシック" panose="020B0400000000000000" pitchFamily="50" charset="-128"/>
+              </a:rPr>
+              <a:t>-inundation of brigade-</a:t>
+            </a:r>
+            <a:r>
+              <a:rPr lang="en-US" altLang="ja-JP" sz="1000" dirty="0"/>
+              <a:t>』.2019</a:t>
+            </a:r>
+          </a:p>
+          <a:p>
+            <a:endParaRPr kumimoji="1" lang="ja-JP" altLang="en-US" sz="700" dirty="0"/>
+          </a:p>
+        </p:txBody>
+      </p:sp>
+      <p:sp>
+        <p:nvSpPr>
+          <p:cNvPr id="27" name="二等辺三角形 26">
+            <a:extLst>
+              <a:ext uri="{FF2B5EF4-FFF2-40B4-BE49-F238E27FC236}">
+                <a16:creationId xmlns:a16="http://schemas.microsoft.com/office/drawing/2014/main" id="{BCAB94BE-1AF6-52DF-4C9C-BB9A1C923595}"/>
+              </a:ext>
+            </a:extLst>
+          </p:cNvPr>
+          <p:cNvSpPr/>
+          <p:nvPr/>
+        </p:nvSpPr>
+        <p:spPr>
+          <a:xfrm>
+            <a:off x="5451917" y="4106737"/>
+            <a:ext cx="417195" cy="359651"/>
+          </a:xfrm>
+          <a:prstGeom prst="triangle">
+            <a:avLst/>
+          </a:prstGeom>
+          <a:noFill/>
+          <a:ln w="76200">
+            <a:solidFill>
+              <a:schemeClr val="bg2">
+                <a:lumMod val="50000"/>
+              </a:schemeClr>
+            </a:solidFill>
+          </a:ln>
+        </p:spPr>
+        <p:style>
+          <a:lnRef idx="2">
+            <a:schemeClr val="accent1">
+              <a:shade val="50000"/>
+            </a:schemeClr>
+          </a:lnRef>
+          <a:fillRef idx="1">
+            <a:schemeClr val="accent1"/>
+          </a:fillRef>
+          <a:effectRef idx="0">
+            <a:schemeClr val="accent1"/>
+          </a:effectRef>
+          <a:fontRef idx="minor">
+            <a:schemeClr val="lt1"/>
+          </a:fontRef>
+        </p:style>
+        <p:txBody>
+          <a:bodyPr rtlCol="0" anchor="ctr"/>
+          <a:lstStyle/>
+          <a:p>
+            <a:pPr algn="ctr"/>
+            <a:endParaRPr kumimoji="1" lang="ja-JP" altLang="en-US"/>
+          </a:p>
+        </p:txBody>
+      </p:sp>
     </p:spTree>
     <p:extLst>
       <p:ext uri="{BB962C8B-B14F-4D97-AF65-F5344CB8AC3E}">
@@ -14510,22 +15863,51 @@
               <a:rPr lang="ja-JP" altLang="en-US" dirty="0">
                 <a:ea typeface="游ゴシック"/>
               </a:rPr>
-              <a:t>　</a:t>
-            </a:r>
-            <a:r>
-              <a:rPr lang="ja-JP" altLang="en-US" b="1" dirty="0">
+              <a:t>　パズルの持つ要素</a:t>
+            </a:r>
+            <a:r>
+              <a:rPr lang="ja-JP" altLang="en-US" sz="3200" dirty="0">
                 <a:ea typeface="游ゴシック"/>
               </a:rPr>
-              <a:t>パズルの持つ要素</a:t>
+              <a:t>「</a:t>
+            </a:r>
+            <a:r>
+              <a:rPr lang="ja-JP" altLang="en-US" sz="3200" b="1" dirty="0">
+                <a:solidFill>
+                  <a:schemeClr val="accent5">
+                    <a:lumMod val="75000"/>
+                  </a:schemeClr>
+                </a:solidFill>
+                <a:ea typeface="游ゴシック"/>
+              </a:rPr>
+              <a:t>マス目</a:t>
+            </a:r>
+            <a:r>
+              <a:rPr lang="ja-JP" altLang="en-US" sz="3200" dirty="0">
+                <a:ea typeface="游ゴシック"/>
+              </a:rPr>
+              <a:t>」</a:t>
+            </a:r>
+            <a:r>
+              <a:rPr lang="en-US" altLang="ja-JP" sz="2000" b="1" dirty="0">
+                <a:ea typeface="游ゴシック"/>
+              </a:rPr>
+              <a:t>×</a:t>
+            </a:r>
+            <a:r>
+              <a:rPr lang="en-US" altLang="ja-JP" b="1" dirty="0">
+                <a:ea typeface="游ゴシック"/>
+              </a:rPr>
+              <a:t> </a:t>
             </a:r>
             <a:r>
               <a:rPr lang="ja-JP" altLang="en-US" dirty="0">
                 <a:ea typeface="游ゴシック"/>
               </a:rPr>
-              <a:t>「</a:t>
-            </a:r>
-            <a:r>
-              <a:rPr lang="ja-JP" altLang="en-US" b="1" dirty="0">
+              <a:t>リズムの持つ</a:t>
+            </a:r>
+            <a:r>
+              <a:rPr lang="ja-JP" altLang="en-US" sz="3200" b="1" dirty="0">
                 <a:solidFill>
                   <a:schemeClr val="accent5">
                     <a:lumMod val="75000"/>
@@ -14533,50 +15915,15 @@
                 </a:solidFill>
                 <a:ea typeface="游ゴシック"/>
               </a:rPr>
-              <a:t>マス目</a:t>
+              <a:t>拍</a:t>
             </a:r>
             <a:r>
               <a:rPr lang="ja-JP" altLang="en-US" dirty="0">
                 <a:ea typeface="游ゴシック"/>
               </a:rPr>
-              <a:t>」</a:t>
-            </a:r>
-            <a:r>
-              <a:rPr lang="en-US" altLang="ja-JP" sz="2000" b="1" dirty="0">
-                <a:ea typeface="游ゴシック"/>
-              </a:rPr>
-              <a:t>×</a:t>
-            </a:r>
-            <a:r>
-              <a:rPr lang="en-US" altLang="ja-JP" b="1" dirty="0">
-                <a:ea typeface="游ゴシック"/>
-              </a:rPr>
-              <a:t> </a:t>
-            </a:r>
-            <a:r>
-              <a:rPr lang="ja-JP" altLang="en-US" b="1" dirty="0">
-                <a:ea typeface="游ゴシック"/>
-              </a:rPr>
-              <a:t>リズムの持つ</a:t>
-            </a:r>
-            <a:r>
-              <a:rPr lang="ja-JP" altLang="en-US" b="1" dirty="0">
-                <a:solidFill>
-                  <a:schemeClr val="accent5">
-                    <a:lumMod val="75000"/>
-                  </a:schemeClr>
-                </a:solidFill>
-                <a:ea typeface="游ゴシック"/>
-              </a:rPr>
-              <a:t>拍</a:t>
-            </a:r>
-            <a:r>
-              <a:rPr lang="ja-JP" altLang="en-US" b="1" dirty="0">
-                <a:ea typeface="游ゴシック"/>
-              </a:rPr>
               <a:t>の概念</a:t>
             </a:r>
-            <a:endParaRPr lang="en-US" altLang="ja-JP" b="1" dirty="0">
+            <a:endParaRPr lang="en-US" altLang="ja-JP" dirty="0">
               <a:ea typeface="游ゴシック"/>
             </a:endParaRPr>
           </a:p>

--- a/卒研発表_佐久間.pptx
+++ b/卒研発表_佐久間.pptx
@@ -14,10 +14,9 @@
     <p:sldId id="265" r:id="rId8"/>
     <p:sldId id="273" r:id="rId9"/>
     <p:sldId id="270" r:id="rId10"/>
-    <p:sldId id="269" r:id="rId11"/>
-    <p:sldId id="274" r:id="rId12"/>
-    <p:sldId id="260" r:id="rId13"/>
-    <p:sldId id="264" r:id="rId14"/>
+    <p:sldId id="274" r:id="rId11"/>
+    <p:sldId id="260" r:id="rId12"/>
+    <p:sldId id="264" r:id="rId13"/>
   </p:sldIdLst>
   <p:sldSz cx="12192000" cy="6858000"/>
   <p:notesSz cx="6858000" cy="9144000"/>
@@ -410,7 +409,7 @@
           <a:p>
             <a:fld id="{2CA974E4-5C81-4E2A-BB11-A65301C72B69}" type="datetimeFigureOut">
               <a:rPr kumimoji="1" lang="ja-JP" altLang="en-US" smtClean="0"/>
-              <a:t>2023/1/29</a:t>
+              <a:t>2023/1/30</a:t>
             </a:fld>
             <a:endParaRPr kumimoji="1" lang="ja-JP" altLang="en-US"/>
           </a:p>
@@ -640,7 +639,7 @@
           <a:p>
             <a:fld id="{2CA974E4-5C81-4E2A-BB11-A65301C72B69}" type="datetimeFigureOut">
               <a:rPr kumimoji="1" lang="ja-JP" altLang="en-US" smtClean="0"/>
-              <a:t>2023/1/29</a:t>
+              <a:t>2023/1/30</a:t>
             </a:fld>
             <a:endParaRPr kumimoji="1" lang="ja-JP" altLang="en-US"/>
           </a:p>
@@ -880,7 +879,7 @@
           <a:p>
             <a:fld id="{2CA974E4-5C81-4E2A-BB11-A65301C72B69}" type="datetimeFigureOut">
               <a:rPr kumimoji="1" lang="ja-JP" altLang="en-US" smtClean="0"/>
-              <a:t>2023/1/29</a:t>
+              <a:t>2023/1/30</a:t>
             </a:fld>
             <a:endParaRPr kumimoji="1" lang="ja-JP" altLang="en-US"/>
           </a:p>
@@ -1110,7 +1109,7 @@
           <a:p>
             <a:fld id="{2CA974E4-5C81-4E2A-BB11-A65301C72B69}" type="datetimeFigureOut">
               <a:rPr kumimoji="1" lang="ja-JP" altLang="en-US" smtClean="0"/>
-              <a:t>2023/1/29</a:t>
+              <a:t>2023/1/30</a:t>
             </a:fld>
             <a:endParaRPr kumimoji="1" lang="ja-JP" altLang="en-US"/>
           </a:p>
@@ -1385,7 +1384,7 @@
           <a:p>
             <a:fld id="{2CA974E4-5C81-4E2A-BB11-A65301C72B69}" type="datetimeFigureOut">
               <a:rPr kumimoji="1" lang="ja-JP" altLang="en-US" smtClean="0"/>
-              <a:t>2023/1/29</a:t>
+              <a:t>2023/1/30</a:t>
             </a:fld>
             <a:endParaRPr kumimoji="1" lang="ja-JP" altLang="en-US"/>
           </a:p>
@@ -1714,7 +1713,7 @@
           <a:p>
             <a:fld id="{2CA974E4-5C81-4E2A-BB11-A65301C72B69}" type="datetimeFigureOut">
               <a:rPr kumimoji="1" lang="ja-JP" altLang="en-US" smtClean="0"/>
-              <a:t>2023/1/29</a:t>
+              <a:t>2023/1/30</a:t>
             </a:fld>
             <a:endParaRPr kumimoji="1" lang="ja-JP" altLang="en-US"/>
           </a:p>
@@ -2190,7 +2189,7 @@
           <a:p>
             <a:fld id="{2CA974E4-5C81-4E2A-BB11-A65301C72B69}" type="datetimeFigureOut">
               <a:rPr kumimoji="1" lang="ja-JP" altLang="en-US" smtClean="0"/>
-              <a:t>2023/1/29</a:t>
+              <a:t>2023/1/30</a:t>
             </a:fld>
             <a:endParaRPr kumimoji="1" lang="ja-JP" altLang="en-US"/>
           </a:p>
@@ -2331,7 +2330,7 @@
           <a:p>
             <a:fld id="{2CA974E4-5C81-4E2A-BB11-A65301C72B69}" type="datetimeFigureOut">
               <a:rPr kumimoji="1" lang="ja-JP" altLang="en-US" smtClean="0"/>
-              <a:t>2023/1/29</a:t>
+              <a:t>2023/1/30</a:t>
             </a:fld>
             <a:endParaRPr kumimoji="1" lang="ja-JP" altLang="en-US"/>
           </a:p>
@@ -2444,7 +2443,7 @@
           <a:p>
             <a:fld id="{2CA974E4-5C81-4E2A-BB11-A65301C72B69}" type="datetimeFigureOut">
               <a:rPr kumimoji="1" lang="ja-JP" altLang="en-US" smtClean="0"/>
-              <a:t>2023/1/29</a:t>
+              <a:t>2023/1/30</a:t>
             </a:fld>
             <a:endParaRPr kumimoji="1" lang="ja-JP" altLang="en-US"/>
           </a:p>
@@ -2787,7 +2786,7 @@
           <a:p>
             <a:fld id="{2CA974E4-5C81-4E2A-BB11-A65301C72B69}" type="datetimeFigureOut">
               <a:rPr kumimoji="1" lang="ja-JP" altLang="en-US" smtClean="0"/>
-              <a:t>2023/1/29</a:t>
+              <a:t>2023/1/30</a:t>
             </a:fld>
             <a:endParaRPr kumimoji="1" lang="ja-JP" altLang="en-US"/>
           </a:p>
@@ -3075,7 +3074,7 @@
           <a:p>
             <a:fld id="{2CA974E4-5C81-4E2A-BB11-A65301C72B69}" type="datetimeFigureOut">
               <a:rPr kumimoji="1" lang="ja-JP" altLang="en-US" smtClean="0"/>
-              <a:t>2023/1/29</a:t>
+              <a:t>2023/1/30</a:t>
             </a:fld>
             <a:endParaRPr kumimoji="1" lang="ja-JP" altLang="en-US"/>
           </a:p>
@@ -3348,7 +3347,7 @@
           <a:p>
             <a:fld id="{2CA974E4-5C81-4E2A-BB11-A65301C72B69}" type="datetimeFigureOut">
               <a:rPr kumimoji="1" lang="ja-JP" altLang="en-US" smtClean="0"/>
-              <a:t>2023/1/29</a:t>
+              <a:t>2023/1/30</a:t>
             </a:fld>
             <a:endParaRPr kumimoji="1" lang="ja-JP" altLang="en-US"/>
           </a:p>
@@ -3951,471 +3950,6 @@
       </p:grpSpPr>
       <p:sp>
         <p:nvSpPr>
-          <p:cNvPr id="3" name="コンテンツ プレースホルダー 2">
-            <a:extLst>
-              <a:ext uri="{FF2B5EF4-FFF2-40B4-BE49-F238E27FC236}">
-                <a16:creationId xmlns:a16="http://schemas.microsoft.com/office/drawing/2014/main" id="{C165355F-54B0-848A-06C6-C4B4082FDA7A}"/>
-              </a:ext>
-            </a:extLst>
-          </p:cNvPr>
-          <p:cNvSpPr>
-            <a:spLocks noGrp="1"/>
-          </p:cNvSpPr>
-          <p:nvPr>
-            <p:ph idx="1"/>
-          </p:nvPr>
-        </p:nvSpPr>
-        <p:spPr/>
-        <p:txBody>
-          <a:bodyPr>
-            <a:normAutofit fontScale="92500" lnSpcReduction="20000"/>
-          </a:bodyPr>
-          <a:lstStyle/>
-          <a:p>
-            <a:pPr marL="0" indent="0">
-              <a:buNone/>
-            </a:pPr>
-            <a:r>
-              <a:rPr lang="ja-JP" altLang="en-US" sz="3200" b="1" dirty="0">
-                <a:solidFill>
-                  <a:schemeClr val="bg2">
-                    <a:lumMod val="25000"/>
-                  </a:schemeClr>
-                </a:solidFill>
-              </a:rPr>
-              <a:t>ほどほど</a:t>
-            </a:r>
-            <a:r>
-              <a:rPr kumimoji="1" lang="ja-JP" altLang="en-US" sz="2400" dirty="0">
-                <a:solidFill>
-                  <a:schemeClr val="bg2">
-                    <a:lumMod val="25000"/>
-                  </a:schemeClr>
-                </a:solidFill>
-              </a:rPr>
-              <a:t>にパズルを頑張ろう！</a:t>
-            </a:r>
-            <a:endParaRPr lang="en-US" altLang="ja-JP" sz="2400" dirty="0">
-              <a:solidFill>
-                <a:schemeClr val="bg2">
-                  <a:lumMod val="25000"/>
-                </a:schemeClr>
-              </a:solidFill>
-            </a:endParaRPr>
-          </a:p>
-          <a:p>
-            <a:pPr marL="0" indent="0">
-              <a:buNone/>
-            </a:pPr>
-            <a:r>
-              <a:rPr kumimoji="1" lang="en-US" altLang="ja-JP" sz="2000" dirty="0">
-                <a:solidFill>
-                  <a:schemeClr val="bg2">
-                    <a:lumMod val="25000"/>
-                  </a:schemeClr>
-                </a:solidFill>
-              </a:rPr>
-              <a:t>	</a:t>
-            </a:r>
-            <a:r>
-              <a:rPr kumimoji="1" lang="ja-JP" altLang="en-US" sz="2000" dirty="0">
-                <a:solidFill>
-                  <a:schemeClr val="bg2">
-                    <a:lumMod val="25000"/>
-                  </a:schemeClr>
-                </a:solidFill>
-              </a:rPr>
-              <a:t>・パズルゲームで頑張りすぎると、リズムゲームの難易度が上がる！</a:t>
-            </a:r>
-            <a:endParaRPr kumimoji="1" lang="en-US" altLang="ja-JP" sz="2000" dirty="0">
-              <a:solidFill>
-                <a:schemeClr val="bg2">
-                  <a:lumMod val="25000"/>
-                </a:schemeClr>
-              </a:solidFill>
-            </a:endParaRPr>
-          </a:p>
-          <a:p>
-            <a:pPr marL="0" indent="0">
-              <a:buNone/>
-            </a:pPr>
-            <a:endParaRPr lang="en-US" altLang="ja-JP" sz="2000" dirty="0">
-              <a:solidFill>
-                <a:schemeClr val="bg2">
-                  <a:lumMod val="25000"/>
-                </a:schemeClr>
-              </a:solidFill>
-            </a:endParaRPr>
-          </a:p>
-          <a:p>
-            <a:pPr marL="0" indent="0">
-              <a:buNone/>
-            </a:pPr>
-            <a:endParaRPr kumimoji="1" lang="en-US" altLang="ja-JP" sz="2000" dirty="0">
-              <a:solidFill>
-                <a:schemeClr val="bg2">
-                  <a:lumMod val="25000"/>
-                </a:schemeClr>
-              </a:solidFill>
-            </a:endParaRPr>
-          </a:p>
-          <a:p>
-            <a:pPr marL="0" indent="0">
-              <a:buNone/>
-            </a:pPr>
-            <a:endParaRPr lang="en-US" altLang="ja-JP" sz="2000" dirty="0">
-              <a:solidFill>
-                <a:schemeClr val="bg2">
-                  <a:lumMod val="25000"/>
-                </a:schemeClr>
-              </a:solidFill>
-            </a:endParaRPr>
-          </a:p>
-          <a:p>
-            <a:pPr marL="0" indent="0">
-              <a:buNone/>
-            </a:pPr>
-            <a:endParaRPr kumimoji="1" lang="en-US" altLang="ja-JP" sz="2000" dirty="0">
-              <a:solidFill>
-                <a:schemeClr val="bg2">
-                  <a:lumMod val="25000"/>
-                </a:schemeClr>
-              </a:solidFill>
-            </a:endParaRPr>
-          </a:p>
-          <a:p>
-            <a:pPr marL="0" indent="0">
-              <a:buNone/>
-            </a:pPr>
-            <a:endParaRPr lang="en-US" altLang="ja-JP" sz="2000" dirty="0">
-              <a:solidFill>
-                <a:schemeClr val="bg2">
-                  <a:lumMod val="25000"/>
-                </a:schemeClr>
-              </a:solidFill>
-            </a:endParaRPr>
-          </a:p>
-          <a:p>
-            <a:pPr marL="0" indent="0">
-              <a:buNone/>
-            </a:pPr>
-            <a:r>
-              <a:rPr kumimoji="1" lang="en-US" altLang="ja-JP" sz="2000" dirty="0">
-                <a:solidFill>
-                  <a:schemeClr val="bg2">
-                    <a:lumMod val="25000"/>
-                  </a:schemeClr>
-                </a:solidFill>
-              </a:rPr>
-              <a:t>	</a:t>
-            </a:r>
-            <a:r>
-              <a:rPr kumimoji="1" lang="ja-JP" altLang="en-US" sz="2000" dirty="0">
-                <a:solidFill>
-                  <a:schemeClr val="bg2">
-                    <a:lumMod val="25000"/>
-                  </a:schemeClr>
-                </a:solidFill>
-              </a:rPr>
-              <a:t>・リズムゲームの方がスコアが上がりやすい！</a:t>
-            </a:r>
-            <a:endParaRPr kumimoji="1" lang="en-US" altLang="ja-JP" sz="2000" dirty="0">
-              <a:solidFill>
-                <a:schemeClr val="bg2">
-                  <a:lumMod val="25000"/>
-                </a:schemeClr>
-              </a:solidFill>
-            </a:endParaRPr>
-          </a:p>
-          <a:p>
-            <a:pPr marL="0" indent="0">
-              <a:lnSpc>
-                <a:spcPct val="150000"/>
-              </a:lnSpc>
-              <a:buNone/>
-            </a:pPr>
-            <a:r>
-              <a:rPr kumimoji="1" lang="en-US" altLang="ja-JP" sz="2000" dirty="0">
-                <a:solidFill>
-                  <a:schemeClr val="bg2">
-                    <a:lumMod val="25000"/>
-                  </a:schemeClr>
-                </a:solidFill>
-              </a:rPr>
-              <a:t>	</a:t>
-            </a:r>
-            <a:r>
-              <a:rPr kumimoji="1" lang="ja-JP" altLang="en-US" sz="2000" dirty="0">
-                <a:solidFill>
-                  <a:schemeClr val="bg2">
-                    <a:lumMod val="25000"/>
-                  </a:schemeClr>
-                </a:solidFill>
-              </a:rPr>
-              <a:t>　　パズルゲーム：揃ったピースの個数　</a:t>
-            </a:r>
-            <a:r>
-              <a:rPr kumimoji="1" lang="en-US" altLang="ja-JP" sz="2000" dirty="0">
-                <a:solidFill>
-                  <a:schemeClr val="bg2">
-                    <a:lumMod val="25000"/>
-                  </a:schemeClr>
-                </a:solidFill>
-              </a:rPr>
-              <a:t>×</a:t>
-            </a:r>
-            <a:r>
-              <a:rPr lang="ja-JP" altLang="en-US" sz="3000" b="1" dirty="0">
-                <a:solidFill>
-                  <a:schemeClr val="bg2">
-                    <a:lumMod val="25000"/>
-                  </a:schemeClr>
-                </a:solidFill>
-              </a:rPr>
-              <a:t>１</a:t>
-            </a:r>
-            <a:r>
-              <a:rPr lang="ja-JP" altLang="en-US" sz="2000" b="1" dirty="0">
-                <a:solidFill>
-                  <a:schemeClr val="bg2">
-                    <a:lumMod val="25000"/>
-                  </a:schemeClr>
-                </a:solidFill>
-              </a:rPr>
-              <a:t>点</a:t>
-            </a:r>
-            <a:endParaRPr lang="en-US" altLang="ja-JP" sz="2000" b="1" dirty="0">
-              <a:solidFill>
-                <a:schemeClr val="bg2">
-                  <a:lumMod val="25000"/>
-                </a:schemeClr>
-              </a:solidFill>
-            </a:endParaRPr>
-          </a:p>
-          <a:p>
-            <a:pPr marL="0" indent="0">
-              <a:lnSpc>
-                <a:spcPct val="100000"/>
-              </a:lnSpc>
-              <a:buNone/>
-            </a:pPr>
-            <a:r>
-              <a:rPr kumimoji="1" lang="en-US" altLang="ja-JP" sz="2000" b="1" dirty="0">
-                <a:solidFill>
-                  <a:schemeClr val="bg2">
-                    <a:lumMod val="25000"/>
-                  </a:schemeClr>
-                </a:solidFill>
-              </a:rPr>
-              <a:t>	</a:t>
-            </a:r>
-            <a:r>
-              <a:rPr kumimoji="1" lang="ja-JP" altLang="en-US" sz="2000" b="1" dirty="0">
-                <a:solidFill>
-                  <a:schemeClr val="bg2">
-                    <a:lumMod val="25000"/>
-                  </a:schemeClr>
-                </a:solidFill>
-              </a:rPr>
-              <a:t>　　</a:t>
-            </a:r>
-            <a:r>
-              <a:rPr lang="ja-JP" altLang="en-US" sz="2000" dirty="0">
-                <a:solidFill>
-                  <a:schemeClr val="bg2">
-                    <a:lumMod val="25000"/>
-                  </a:schemeClr>
-                </a:solidFill>
-              </a:rPr>
-              <a:t>リズムゲーム：判定によって点数が変わる</a:t>
-            </a:r>
-            <a:endParaRPr lang="en-US" altLang="ja-JP" sz="2000" dirty="0">
-              <a:solidFill>
-                <a:schemeClr val="bg2">
-                  <a:lumMod val="25000"/>
-                </a:schemeClr>
-              </a:solidFill>
-            </a:endParaRPr>
-          </a:p>
-          <a:p>
-            <a:pPr marL="0" indent="0">
-              <a:lnSpc>
-                <a:spcPct val="100000"/>
-              </a:lnSpc>
-              <a:buNone/>
-            </a:pPr>
-            <a:r>
-              <a:rPr lang="en-US" altLang="ja-JP" sz="2000" dirty="0">
-                <a:solidFill>
-                  <a:schemeClr val="bg2">
-                    <a:lumMod val="25000"/>
-                  </a:schemeClr>
-                </a:solidFill>
-              </a:rPr>
-              <a:t>		Perfect</a:t>
-            </a:r>
-            <a:r>
-              <a:rPr lang="ja-JP" altLang="en-US" sz="2000" dirty="0">
-                <a:solidFill>
-                  <a:schemeClr val="bg2">
-                    <a:lumMod val="25000"/>
-                  </a:schemeClr>
-                </a:solidFill>
-              </a:rPr>
-              <a:t>：</a:t>
-            </a:r>
-            <a:r>
-              <a:rPr lang="en-US" altLang="ja-JP" sz="3000" b="1" dirty="0">
-                <a:solidFill>
-                  <a:schemeClr val="bg2">
-                    <a:lumMod val="25000"/>
-                  </a:schemeClr>
-                </a:solidFill>
-              </a:rPr>
-              <a:t>20</a:t>
-            </a:r>
-            <a:r>
-              <a:rPr lang="ja-JP" altLang="en-US" sz="2000" dirty="0">
-                <a:solidFill>
-                  <a:schemeClr val="bg2">
-                    <a:lumMod val="25000"/>
-                  </a:schemeClr>
-                </a:solidFill>
-              </a:rPr>
-              <a:t>点　</a:t>
-            </a:r>
-            <a:r>
-              <a:rPr lang="en-US" altLang="ja-JP" sz="2000" dirty="0">
-                <a:solidFill>
-                  <a:schemeClr val="bg2">
-                    <a:lumMod val="25000"/>
-                  </a:schemeClr>
-                </a:solidFill>
-              </a:rPr>
-              <a:t>Great</a:t>
-            </a:r>
-            <a:r>
-              <a:rPr lang="ja-JP" altLang="en-US" sz="2000" dirty="0">
-                <a:solidFill>
-                  <a:schemeClr val="bg2">
-                    <a:lumMod val="25000"/>
-                  </a:schemeClr>
-                </a:solidFill>
-              </a:rPr>
-              <a:t>：</a:t>
-            </a:r>
-            <a:r>
-              <a:rPr lang="en-US" altLang="ja-JP" sz="3000" b="1" dirty="0">
-                <a:solidFill>
-                  <a:schemeClr val="bg2">
-                    <a:lumMod val="25000"/>
-                  </a:schemeClr>
-                </a:solidFill>
-              </a:rPr>
-              <a:t>10</a:t>
-            </a:r>
-            <a:r>
-              <a:rPr lang="ja-JP" altLang="en-US" sz="2000" dirty="0">
-                <a:solidFill>
-                  <a:schemeClr val="bg2">
-                    <a:lumMod val="25000"/>
-                  </a:schemeClr>
-                </a:solidFill>
-              </a:rPr>
-              <a:t>点　</a:t>
-            </a:r>
-            <a:r>
-              <a:rPr lang="en-US" altLang="ja-JP" sz="2000" dirty="0">
-                <a:solidFill>
-                  <a:schemeClr val="bg2">
-                    <a:lumMod val="25000"/>
-                  </a:schemeClr>
-                </a:solidFill>
-              </a:rPr>
-              <a:t>Good</a:t>
-            </a:r>
-            <a:r>
-              <a:rPr lang="ja-JP" altLang="en-US" sz="2000" dirty="0">
-                <a:solidFill>
-                  <a:schemeClr val="bg2">
-                    <a:lumMod val="25000"/>
-                  </a:schemeClr>
-                </a:solidFill>
-              </a:rPr>
-              <a:t>：</a:t>
-            </a:r>
-            <a:r>
-              <a:rPr lang="en-US" altLang="ja-JP" sz="3000" b="1" dirty="0">
-                <a:solidFill>
-                  <a:schemeClr val="bg2">
-                    <a:lumMod val="25000"/>
-                  </a:schemeClr>
-                </a:solidFill>
-              </a:rPr>
-              <a:t>5</a:t>
-            </a:r>
-            <a:r>
-              <a:rPr lang="ja-JP" altLang="en-US" sz="2000" dirty="0">
-                <a:solidFill>
-                  <a:schemeClr val="bg2">
-                    <a:lumMod val="25000"/>
-                  </a:schemeClr>
-                </a:solidFill>
-              </a:rPr>
-              <a:t>点　</a:t>
-            </a:r>
-            <a:r>
-              <a:rPr lang="en-US" altLang="ja-JP" sz="2000" dirty="0">
-                <a:solidFill>
-                  <a:schemeClr val="bg2">
-                    <a:lumMod val="25000"/>
-                  </a:schemeClr>
-                </a:solidFill>
-              </a:rPr>
-              <a:t>Bad</a:t>
-            </a:r>
-            <a:r>
-              <a:rPr lang="ja-JP" altLang="en-US" sz="2000" dirty="0">
-                <a:solidFill>
-                  <a:schemeClr val="bg2">
-                    <a:lumMod val="25000"/>
-                  </a:schemeClr>
-                </a:solidFill>
-              </a:rPr>
-              <a:t>：</a:t>
-            </a:r>
-            <a:r>
-              <a:rPr lang="en-US" altLang="ja-JP" sz="3000" b="1" dirty="0">
-                <a:solidFill>
-                  <a:schemeClr val="bg2">
-                    <a:lumMod val="25000"/>
-                  </a:schemeClr>
-                </a:solidFill>
-              </a:rPr>
-              <a:t>-10</a:t>
-            </a:r>
-            <a:r>
-              <a:rPr lang="ja-JP" altLang="en-US" sz="2000" dirty="0">
-                <a:solidFill>
-                  <a:schemeClr val="bg2">
-                    <a:lumMod val="25000"/>
-                  </a:schemeClr>
-                </a:solidFill>
-              </a:rPr>
-              <a:t>点</a:t>
-            </a:r>
-            <a:endParaRPr lang="en-US" altLang="ja-JP" sz="2000" dirty="0">
-              <a:solidFill>
-                <a:schemeClr val="bg2">
-                  <a:lumMod val="25000"/>
-                </a:schemeClr>
-              </a:solidFill>
-            </a:endParaRPr>
-          </a:p>
-        </p:txBody>
-      </p:sp>
-      <p:sp>
-        <p:nvSpPr>
           <p:cNvPr id="4" name="タイトル 1">
             <a:extLst>
               <a:ext uri="{FF2B5EF4-FFF2-40B4-BE49-F238E27FC236}">
@@ -4535,12 +4069,259 @@
           </a:p>
         </p:txBody>
       </p:sp>
+      <p:sp>
+        <p:nvSpPr>
+          <p:cNvPr id="19" name="コンテンツ プレースホルダー 2">
+            <a:extLst>
+              <a:ext uri="{FF2B5EF4-FFF2-40B4-BE49-F238E27FC236}">
+                <a16:creationId xmlns:a16="http://schemas.microsoft.com/office/drawing/2014/main" id="{40717874-2416-0FD1-F88A-AFA0C4187134}"/>
+              </a:ext>
+            </a:extLst>
+          </p:cNvPr>
+          <p:cNvSpPr>
+            <a:spLocks noGrp="1"/>
+          </p:cNvSpPr>
+          <p:nvPr>
+            <p:ph idx="1"/>
+          </p:nvPr>
+        </p:nvSpPr>
+        <p:spPr>
+          <a:xfrm>
+            <a:off x="838200" y="1707834"/>
+            <a:ext cx="5547360" cy="4351338"/>
+          </a:xfrm>
+        </p:spPr>
+        <p:txBody>
+          <a:bodyPr>
+            <a:normAutofit/>
+          </a:bodyPr>
+          <a:lstStyle/>
+          <a:p>
+            <a:pPr marL="0" indent="0">
+              <a:buNone/>
+            </a:pPr>
+            <a:r>
+              <a:rPr lang="ja-JP" altLang="en-US" sz="3200" b="1" dirty="0">
+                <a:solidFill>
+                  <a:schemeClr val="accent5">
+                    <a:lumMod val="75000"/>
+                  </a:schemeClr>
+                </a:solidFill>
+              </a:rPr>
+              <a:t>ほどほ</a:t>
+            </a:r>
+            <a:r>
+              <a:rPr lang="ja-JP" altLang="en-US" sz="3200" b="1" spc="600" dirty="0">
+                <a:solidFill>
+                  <a:schemeClr val="accent5">
+                    <a:lumMod val="75000"/>
+                  </a:schemeClr>
+                </a:solidFill>
+              </a:rPr>
+              <a:t>ど</a:t>
+            </a:r>
+            <a:r>
+              <a:rPr lang="ja-JP" altLang="en-US" spc="600" dirty="0">
+                <a:solidFill>
+                  <a:schemeClr val="bg2">
+                    <a:lumMod val="25000"/>
+                  </a:schemeClr>
+                </a:solidFill>
+              </a:rPr>
+              <a:t>が</a:t>
+            </a:r>
+            <a:r>
+              <a:rPr lang="ja-JP" altLang="en-US" sz="3200" b="1" dirty="0">
+                <a:solidFill>
+                  <a:schemeClr val="bg2">
+                    <a:lumMod val="25000"/>
+                  </a:schemeClr>
+                </a:solidFill>
+              </a:rPr>
+              <a:t>鍵！</a:t>
+            </a:r>
+            <a:endParaRPr lang="en-US" altLang="ja-JP" sz="3200" b="1" dirty="0">
+              <a:solidFill>
+                <a:schemeClr val="bg2">
+                  <a:lumMod val="25000"/>
+                </a:schemeClr>
+              </a:solidFill>
+            </a:endParaRPr>
+          </a:p>
+          <a:p>
+            <a:pPr marL="457200" lvl="1" indent="0">
+              <a:buNone/>
+            </a:pPr>
+            <a:r>
+              <a:rPr lang="ja-JP" altLang="en-US" sz="2000" b="1" dirty="0">
+                <a:solidFill>
+                  <a:schemeClr val="bg2">
+                    <a:lumMod val="25000"/>
+                  </a:schemeClr>
+                </a:solidFill>
+              </a:rPr>
+              <a:t>パズルゲームをやりすぎるとリズムゲームの難易度が上がる</a:t>
+            </a:r>
+            <a:endParaRPr lang="en-US" altLang="ja-JP" sz="2000" b="1" dirty="0">
+              <a:solidFill>
+                <a:schemeClr val="bg2">
+                  <a:lumMod val="25000"/>
+                </a:schemeClr>
+              </a:solidFill>
+            </a:endParaRPr>
+          </a:p>
+          <a:p>
+            <a:pPr marL="457200" lvl="1" indent="0">
+              <a:buNone/>
+            </a:pPr>
+            <a:endParaRPr lang="en-US" altLang="ja-JP" sz="2000" b="1" dirty="0">
+              <a:solidFill>
+                <a:schemeClr val="bg2">
+                  <a:lumMod val="25000"/>
+                </a:schemeClr>
+              </a:solidFill>
+            </a:endParaRPr>
+          </a:p>
+          <a:p>
+            <a:pPr marL="457200" lvl="1" indent="0">
+              <a:buNone/>
+            </a:pPr>
+            <a:endParaRPr lang="en-US" altLang="ja-JP" sz="2000" b="1" dirty="0">
+              <a:solidFill>
+                <a:schemeClr val="bg2">
+                  <a:lumMod val="25000"/>
+                </a:schemeClr>
+              </a:solidFill>
+            </a:endParaRPr>
+          </a:p>
+          <a:p>
+            <a:pPr marL="457200" lvl="1" indent="0">
+              <a:buNone/>
+            </a:pPr>
+            <a:endParaRPr lang="en-US" altLang="ja-JP" sz="2000" b="1" dirty="0">
+              <a:solidFill>
+                <a:schemeClr val="bg2">
+                  <a:lumMod val="25000"/>
+                </a:schemeClr>
+              </a:solidFill>
+            </a:endParaRPr>
+          </a:p>
+          <a:p>
+            <a:pPr marL="457200" lvl="1" indent="0">
+              <a:buNone/>
+            </a:pPr>
+            <a:endParaRPr lang="en-US" altLang="ja-JP" sz="2000" b="1" dirty="0">
+              <a:solidFill>
+                <a:schemeClr val="bg2">
+                  <a:lumMod val="25000"/>
+                </a:schemeClr>
+              </a:solidFill>
+            </a:endParaRPr>
+          </a:p>
+          <a:p>
+            <a:pPr marL="457200" lvl="1" indent="0">
+              <a:buNone/>
+            </a:pPr>
+            <a:endParaRPr lang="en-US" altLang="ja-JP" sz="2000" b="1" dirty="0">
+              <a:solidFill>
+                <a:schemeClr val="bg2">
+                  <a:lumMod val="25000"/>
+                </a:schemeClr>
+              </a:solidFill>
+            </a:endParaRPr>
+          </a:p>
+          <a:p>
+            <a:pPr marL="457200" lvl="1" indent="0">
+              <a:buNone/>
+            </a:pPr>
+            <a:endParaRPr lang="en-US" altLang="ja-JP" sz="1800" dirty="0">
+              <a:solidFill>
+                <a:schemeClr val="bg2">
+                  <a:lumMod val="25000"/>
+                </a:schemeClr>
+              </a:solidFill>
+            </a:endParaRPr>
+          </a:p>
+          <a:p>
+            <a:pPr marL="457200" lvl="1" indent="0">
+              <a:buNone/>
+            </a:pPr>
+            <a:endParaRPr lang="en-US" altLang="ja-JP" sz="1800" dirty="0">
+              <a:solidFill>
+                <a:schemeClr val="bg2">
+                  <a:lumMod val="25000"/>
+                </a:schemeClr>
+              </a:solidFill>
+            </a:endParaRPr>
+          </a:p>
+          <a:p>
+            <a:pPr marL="457200" lvl="1" indent="0">
+              <a:buNone/>
+            </a:pPr>
+            <a:endParaRPr lang="en-US" altLang="ja-JP" sz="1800" dirty="0">
+              <a:solidFill>
+                <a:schemeClr val="bg2">
+                  <a:lumMod val="25000"/>
+                </a:schemeClr>
+              </a:solidFill>
+            </a:endParaRPr>
+          </a:p>
+          <a:p>
+            <a:pPr marL="457200" lvl="1" indent="0">
+              <a:buNone/>
+            </a:pPr>
+            <a:endParaRPr lang="en-US" altLang="ja-JP" sz="1800" dirty="0">
+              <a:solidFill>
+                <a:schemeClr val="bg2">
+                  <a:lumMod val="25000"/>
+                </a:schemeClr>
+              </a:solidFill>
+            </a:endParaRPr>
+          </a:p>
+          <a:p>
+            <a:pPr marL="457200" lvl="1" indent="0">
+              <a:buNone/>
+            </a:pPr>
+            <a:endParaRPr lang="en-US" altLang="ja-JP" sz="1800" dirty="0">
+              <a:solidFill>
+                <a:schemeClr val="bg2">
+                  <a:lumMod val="25000"/>
+                </a:schemeClr>
+              </a:solidFill>
+            </a:endParaRPr>
+          </a:p>
+          <a:p>
+            <a:pPr marL="457200" lvl="1" indent="0">
+              <a:buNone/>
+            </a:pPr>
+            <a:endParaRPr lang="en-US" altLang="ja-JP" sz="1800" dirty="0">
+              <a:solidFill>
+                <a:schemeClr val="bg2">
+                  <a:lumMod val="25000"/>
+                </a:schemeClr>
+              </a:solidFill>
+            </a:endParaRPr>
+          </a:p>
+          <a:p>
+            <a:pPr marL="457200" lvl="1" indent="0">
+              <a:buNone/>
+            </a:pPr>
+            <a:endParaRPr lang="en-US" altLang="ja-JP" sz="1600" dirty="0">
+              <a:solidFill>
+                <a:schemeClr val="bg2">
+                  <a:lumMod val="25000"/>
+                </a:schemeClr>
+              </a:solidFill>
+            </a:endParaRPr>
+          </a:p>
+        </p:txBody>
+      </p:sp>
       <p:grpSp>
         <p:nvGrpSpPr>
-          <p:cNvPr id="34" name="グループ化 33">
+          <p:cNvPr id="3" name="グループ化 2">
             <a:extLst>
               <a:ext uri="{FF2B5EF4-FFF2-40B4-BE49-F238E27FC236}">
-                <a16:creationId xmlns:a16="http://schemas.microsoft.com/office/drawing/2014/main" id="{3E6DE810-F366-A903-9A63-5FE4BD445759}"/>
+                <a16:creationId xmlns:a16="http://schemas.microsoft.com/office/drawing/2014/main" id="{B41D1F0A-69D1-D8FB-8AE6-AACAB22797B6}"/>
               </a:ext>
             </a:extLst>
           </p:cNvPr>
@@ -4549,830 +4330,18 @@
         </p:nvGrpSpPr>
         <p:grpSpPr>
           <a:xfrm>
-            <a:off x="838200" y="2211849"/>
-            <a:ext cx="10458009" cy="1711842"/>
-            <a:chOff x="967560" y="3099391"/>
-            <a:chExt cx="10458009" cy="1711842"/>
+            <a:off x="879077" y="3149520"/>
+            <a:ext cx="4125433" cy="1063256"/>
+            <a:chOff x="1860697" y="3429000"/>
+            <a:chExt cx="4125433" cy="1063256"/>
           </a:xfrm>
         </p:grpSpPr>
-        <p:grpSp>
-          <p:nvGrpSpPr>
-            <p:cNvPr id="26" name="グループ化 25">
+        <p:sp>
+          <p:nvSpPr>
+            <p:cNvPr id="5" name="正方形/長方形 4">
               <a:extLst>
                 <a:ext uri="{FF2B5EF4-FFF2-40B4-BE49-F238E27FC236}">
-                  <a16:creationId xmlns:a16="http://schemas.microsoft.com/office/drawing/2014/main" id="{4D790706-A45C-D6B7-5634-412C86E2B784}"/>
-                </a:ext>
-              </a:extLst>
-            </p:cNvPr>
-            <p:cNvGrpSpPr/>
-            <p:nvPr/>
-          </p:nvGrpSpPr>
-          <p:grpSpPr>
-            <a:xfrm>
-              <a:off x="3870250" y="3747977"/>
-              <a:ext cx="4125433" cy="1063256"/>
-              <a:chOff x="1860697" y="3429000"/>
-              <a:chExt cx="4125433" cy="1063256"/>
-            </a:xfrm>
-          </p:grpSpPr>
-          <p:sp>
-            <p:nvSpPr>
-              <p:cNvPr id="2" name="正方形/長方形 1">
-                <a:extLst>
-                  <a:ext uri="{FF2B5EF4-FFF2-40B4-BE49-F238E27FC236}">
-                    <a16:creationId xmlns:a16="http://schemas.microsoft.com/office/drawing/2014/main" id="{0DD38C86-4A22-457F-8A7C-A04B4FEEF41F}"/>
-                  </a:ext>
-                </a:extLst>
-              </p:cNvPr>
-              <p:cNvSpPr/>
-              <p:nvPr/>
-            </p:nvSpPr>
-            <p:spPr>
-              <a:xfrm>
-                <a:off x="2328530" y="3429000"/>
-                <a:ext cx="531628" cy="531628"/>
-              </a:xfrm>
-              <a:prstGeom prst="rect">
-                <a:avLst/>
-              </a:prstGeom>
-              <a:solidFill>
-                <a:srgbClr val="0070C0"/>
-              </a:solidFill>
-              <a:ln>
-                <a:noFill/>
-              </a:ln>
-            </p:spPr>
-            <p:style>
-              <a:lnRef idx="2">
-                <a:schemeClr val="accent1">
-                  <a:shade val="50000"/>
-                </a:schemeClr>
-              </a:lnRef>
-              <a:fillRef idx="1">
-                <a:schemeClr val="accent1"/>
-              </a:fillRef>
-              <a:effectRef idx="0">
-                <a:schemeClr val="accent1"/>
-              </a:effectRef>
-              <a:fontRef idx="minor">
-                <a:schemeClr val="lt1"/>
-              </a:fontRef>
-            </p:style>
-            <p:txBody>
-              <a:bodyPr rtlCol="0" anchor="ctr"/>
-              <a:lstStyle/>
-              <a:p>
-                <a:pPr algn="ctr"/>
-                <a:endParaRPr kumimoji="1" lang="ja-JP" altLang="en-US"/>
-              </a:p>
-            </p:txBody>
-          </p:sp>
-          <p:sp>
-            <p:nvSpPr>
-              <p:cNvPr id="5" name="正方形/長方形 4">
-                <a:extLst>
-                  <a:ext uri="{FF2B5EF4-FFF2-40B4-BE49-F238E27FC236}">
-                    <a16:creationId xmlns:a16="http://schemas.microsoft.com/office/drawing/2014/main" id="{EE28D44A-A7F1-B3FD-56FA-830DA73DC672}"/>
-                  </a:ext>
-                </a:extLst>
-              </p:cNvPr>
-              <p:cNvSpPr/>
-              <p:nvPr/>
-            </p:nvSpPr>
-            <p:spPr>
-              <a:xfrm>
-                <a:off x="2860158" y="3429000"/>
-                <a:ext cx="531628" cy="531628"/>
-              </a:xfrm>
-              <a:prstGeom prst="rect">
-                <a:avLst/>
-              </a:prstGeom>
-              <a:solidFill>
-                <a:srgbClr val="99FF99"/>
-              </a:solidFill>
-              <a:ln>
-                <a:noFill/>
-              </a:ln>
-            </p:spPr>
-            <p:style>
-              <a:lnRef idx="2">
-                <a:schemeClr val="accent1">
-                  <a:shade val="50000"/>
-                </a:schemeClr>
-              </a:lnRef>
-              <a:fillRef idx="1">
-                <a:schemeClr val="accent1"/>
-              </a:fillRef>
-              <a:effectRef idx="0">
-                <a:schemeClr val="accent1"/>
-              </a:effectRef>
-              <a:fontRef idx="minor">
-                <a:schemeClr val="lt1"/>
-              </a:fontRef>
-            </p:style>
-            <p:txBody>
-              <a:bodyPr rtlCol="0" anchor="t"/>
-              <a:lstStyle/>
-              <a:p>
-                <a:pPr algn="ctr"/>
-                <a:r>
-                  <a:rPr kumimoji="1" lang="ja-JP" altLang="en-US" sz="3600" b="1" dirty="0">
-                    <a:solidFill>
-                      <a:schemeClr val="bg2">
-                        <a:lumMod val="25000"/>
-                      </a:schemeClr>
-                    </a:solidFill>
-                  </a:rPr>
-                  <a:t>３</a:t>
-                </a:r>
-              </a:p>
-            </p:txBody>
-          </p:sp>
-          <p:sp>
-            <p:nvSpPr>
-              <p:cNvPr id="6" name="正方形/長方形 5">
-                <a:extLst>
-                  <a:ext uri="{FF2B5EF4-FFF2-40B4-BE49-F238E27FC236}">
-                    <a16:creationId xmlns:a16="http://schemas.microsoft.com/office/drawing/2014/main" id="{C4BF838F-B5A4-4AD9-A25F-B86BE9722BE2}"/>
-                  </a:ext>
-                </a:extLst>
-              </p:cNvPr>
-              <p:cNvSpPr/>
-              <p:nvPr/>
-            </p:nvSpPr>
-            <p:spPr>
-              <a:xfrm>
-                <a:off x="3391786" y="3429000"/>
-                <a:ext cx="531628" cy="531628"/>
-              </a:xfrm>
-              <a:prstGeom prst="rect">
-                <a:avLst/>
-              </a:prstGeom>
-              <a:solidFill>
-                <a:srgbClr val="FF0000"/>
-              </a:solidFill>
-              <a:ln>
-                <a:noFill/>
-              </a:ln>
-            </p:spPr>
-            <p:style>
-              <a:lnRef idx="2">
-                <a:schemeClr val="accent1">
-                  <a:shade val="50000"/>
-                </a:schemeClr>
-              </a:lnRef>
-              <a:fillRef idx="1">
-                <a:schemeClr val="accent1"/>
-              </a:fillRef>
-              <a:effectRef idx="0">
-                <a:schemeClr val="accent1"/>
-              </a:effectRef>
-              <a:fontRef idx="minor">
-                <a:schemeClr val="lt1"/>
-              </a:fontRef>
-            </p:style>
-            <p:txBody>
-              <a:bodyPr rtlCol="0" anchor="ctr"/>
-              <a:lstStyle/>
-              <a:p>
-                <a:pPr algn="ctr"/>
-                <a:endParaRPr kumimoji="1" lang="ja-JP" altLang="en-US"/>
-              </a:p>
-            </p:txBody>
-          </p:sp>
-          <p:sp>
-            <p:nvSpPr>
-              <p:cNvPr id="7" name="正方形/長方形 6">
-                <a:extLst>
-                  <a:ext uri="{FF2B5EF4-FFF2-40B4-BE49-F238E27FC236}">
-                    <a16:creationId xmlns:a16="http://schemas.microsoft.com/office/drawing/2014/main" id="{174E5CE6-54F2-8364-123F-F2C89FB06621}"/>
-                  </a:ext>
-                </a:extLst>
-              </p:cNvPr>
-              <p:cNvSpPr/>
-              <p:nvPr/>
-            </p:nvSpPr>
-            <p:spPr>
-              <a:xfrm>
-                <a:off x="3923414" y="3429000"/>
-                <a:ext cx="531628" cy="531628"/>
-              </a:xfrm>
-              <a:prstGeom prst="rect">
-                <a:avLst/>
-              </a:prstGeom>
-              <a:solidFill>
-                <a:srgbClr val="FF0000"/>
-              </a:solidFill>
-              <a:ln>
-                <a:noFill/>
-              </a:ln>
-            </p:spPr>
-            <p:style>
-              <a:lnRef idx="2">
-                <a:schemeClr val="accent1">
-                  <a:shade val="50000"/>
-                </a:schemeClr>
-              </a:lnRef>
-              <a:fillRef idx="1">
-                <a:schemeClr val="accent1"/>
-              </a:fillRef>
-              <a:effectRef idx="0">
-                <a:schemeClr val="accent1"/>
-              </a:effectRef>
-              <a:fontRef idx="minor">
-                <a:schemeClr val="lt1"/>
-              </a:fontRef>
-            </p:style>
-            <p:txBody>
-              <a:bodyPr rtlCol="0" anchor="ctr"/>
-              <a:lstStyle/>
-              <a:p>
-                <a:pPr algn="ctr"/>
-                <a:endParaRPr kumimoji="1" lang="ja-JP" altLang="en-US"/>
-              </a:p>
-            </p:txBody>
-          </p:sp>
-          <p:sp>
-            <p:nvSpPr>
-              <p:cNvPr id="8" name="正方形/長方形 7">
-                <a:extLst>
-                  <a:ext uri="{FF2B5EF4-FFF2-40B4-BE49-F238E27FC236}">
-                    <a16:creationId xmlns:a16="http://schemas.microsoft.com/office/drawing/2014/main" id="{155B34BF-A831-61F6-2CAA-BDF3EFA797D7}"/>
-                  </a:ext>
-                </a:extLst>
-              </p:cNvPr>
-              <p:cNvSpPr/>
-              <p:nvPr/>
-            </p:nvSpPr>
-            <p:spPr>
-              <a:xfrm>
-                <a:off x="4455042" y="3429000"/>
-                <a:ext cx="531628" cy="531628"/>
-              </a:xfrm>
-              <a:prstGeom prst="rect">
-                <a:avLst/>
-              </a:prstGeom>
-              <a:solidFill>
-                <a:srgbClr val="99CCFF"/>
-              </a:solidFill>
-              <a:ln>
-                <a:noFill/>
-              </a:ln>
-            </p:spPr>
-            <p:style>
-              <a:lnRef idx="2">
-                <a:schemeClr val="accent1">
-                  <a:shade val="50000"/>
-                </a:schemeClr>
-              </a:lnRef>
-              <a:fillRef idx="1">
-                <a:schemeClr val="accent1"/>
-              </a:fillRef>
-              <a:effectRef idx="0">
-                <a:schemeClr val="accent1"/>
-              </a:effectRef>
-              <a:fontRef idx="minor">
-                <a:schemeClr val="lt1"/>
-              </a:fontRef>
-            </p:style>
-            <p:txBody>
-              <a:bodyPr rtlCol="0" anchor="ctr"/>
-              <a:lstStyle/>
-              <a:p>
-                <a:pPr algn="ctr"/>
-                <a:endParaRPr kumimoji="1" lang="ja-JP" altLang="en-US"/>
-              </a:p>
-            </p:txBody>
-          </p:sp>
-          <p:sp>
-            <p:nvSpPr>
-              <p:cNvPr id="9" name="正方形/長方形 8">
-                <a:extLst>
-                  <a:ext uri="{FF2B5EF4-FFF2-40B4-BE49-F238E27FC236}">
-                    <a16:creationId xmlns:a16="http://schemas.microsoft.com/office/drawing/2014/main" id="{24CA8FCE-7331-5053-6CA1-AED5D7787A46}"/>
-                  </a:ext>
-                </a:extLst>
-              </p:cNvPr>
-              <p:cNvSpPr/>
-              <p:nvPr/>
-            </p:nvSpPr>
-            <p:spPr>
-              <a:xfrm>
-                <a:off x="4976037" y="3429000"/>
-                <a:ext cx="531628" cy="531628"/>
-              </a:xfrm>
-              <a:prstGeom prst="rect">
-                <a:avLst/>
-              </a:prstGeom>
-              <a:solidFill>
-                <a:srgbClr val="FFFF00"/>
-              </a:solidFill>
-              <a:ln>
-                <a:noFill/>
-              </a:ln>
-            </p:spPr>
-            <p:style>
-              <a:lnRef idx="2">
-                <a:schemeClr val="accent1">
-                  <a:shade val="50000"/>
-                </a:schemeClr>
-              </a:lnRef>
-              <a:fillRef idx="1">
-                <a:schemeClr val="accent1"/>
-              </a:fillRef>
-              <a:effectRef idx="0">
-                <a:schemeClr val="accent1"/>
-              </a:effectRef>
-              <a:fontRef idx="minor">
-                <a:schemeClr val="lt1"/>
-              </a:fontRef>
-            </p:style>
-            <p:txBody>
-              <a:bodyPr rtlCol="0" anchor="ctr"/>
-              <a:lstStyle/>
-              <a:p>
-                <a:pPr algn="ctr"/>
-                <a:endParaRPr kumimoji="1" lang="ja-JP" altLang="en-US"/>
-              </a:p>
-            </p:txBody>
-          </p:sp>
-          <p:sp>
-            <p:nvSpPr>
-              <p:cNvPr id="10" name="正方形/長方形 9">
-                <a:extLst>
-                  <a:ext uri="{FF2B5EF4-FFF2-40B4-BE49-F238E27FC236}">
-                    <a16:creationId xmlns:a16="http://schemas.microsoft.com/office/drawing/2014/main" id="{89AF0184-1A9C-4498-8F73-AAED755D1493}"/>
-                  </a:ext>
-                </a:extLst>
-              </p:cNvPr>
-              <p:cNvSpPr/>
-              <p:nvPr/>
-            </p:nvSpPr>
-            <p:spPr>
-              <a:xfrm>
-                <a:off x="2328530" y="3960628"/>
-                <a:ext cx="531628" cy="531628"/>
-              </a:xfrm>
-              <a:prstGeom prst="rect">
-                <a:avLst/>
-              </a:prstGeom>
-              <a:solidFill>
-                <a:srgbClr val="FF9999"/>
-              </a:solidFill>
-              <a:ln>
-                <a:noFill/>
-              </a:ln>
-            </p:spPr>
-            <p:style>
-              <a:lnRef idx="2">
-                <a:schemeClr val="accent1">
-                  <a:shade val="50000"/>
-                </a:schemeClr>
-              </a:lnRef>
-              <a:fillRef idx="1">
-                <a:schemeClr val="accent1"/>
-              </a:fillRef>
-              <a:effectRef idx="0">
-                <a:schemeClr val="accent1"/>
-              </a:effectRef>
-              <a:fontRef idx="minor">
-                <a:schemeClr val="lt1"/>
-              </a:fontRef>
-            </p:style>
-            <p:txBody>
-              <a:bodyPr rtlCol="0" anchor="ctr"/>
-              <a:lstStyle/>
-              <a:p>
-                <a:pPr algn="ctr"/>
-                <a:endParaRPr kumimoji="1" lang="ja-JP" altLang="en-US"/>
-              </a:p>
-            </p:txBody>
-          </p:sp>
-          <p:sp>
-            <p:nvSpPr>
-              <p:cNvPr id="11" name="正方形/長方形 10">
-                <a:extLst>
-                  <a:ext uri="{FF2B5EF4-FFF2-40B4-BE49-F238E27FC236}">
-                    <a16:creationId xmlns:a16="http://schemas.microsoft.com/office/drawing/2014/main" id="{9723CDAF-EACA-20A9-56B1-854BD036B9BE}"/>
-                  </a:ext>
-                </a:extLst>
-              </p:cNvPr>
-              <p:cNvSpPr/>
-              <p:nvPr/>
-            </p:nvSpPr>
-            <p:spPr>
-              <a:xfrm>
-                <a:off x="2860158" y="3960628"/>
-                <a:ext cx="531628" cy="531628"/>
-              </a:xfrm>
-              <a:prstGeom prst="rect">
-                <a:avLst/>
-              </a:prstGeom>
-              <a:solidFill>
-                <a:srgbClr val="FF9999"/>
-              </a:solidFill>
-              <a:ln>
-                <a:noFill/>
-              </a:ln>
-            </p:spPr>
-            <p:style>
-              <a:lnRef idx="2">
-                <a:schemeClr val="accent1">
-                  <a:shade val="50000"/>
-                </a:schemeClr>
-              </a:lnRef>
-              <a:fillRef idx="1">
-                <a:schemeClr val="accent1"/>
-              </a:fillRef>
-              <a:effectRef idx="0">
-                <a:schemeClr val="accent1"/>
-              </a:effectRef>
-              <a:fontRef idx="minor">
-                <a:schemeClr val="lt1"/>
-              </a:fontRef>
-            </p:style>
-            <p:txBody>
-              <a:bodyPr rtlCol="0" anchor="ctr"/>
-              <a:lstStyle/>
-              <a:p>
-                <a:pPr algn="ctr"/>
-                <a:endParaRPr kumimoji="1" lang="ja-JP" altLang="en-US"/>
-              </a:p>
-            </p:txBody>
-          </p:sp>
-          <p:sp>
-            <p:nvSpPr>
-              <p:cNvPr id="12" name="正方形/長方形 11">
-                <a:extLst>
-                  <a:ext uri="{FF2B5EF4-FFF2-40B4-BE49-F238E27FC236}">
-                    <a16:creationId xmlns:a16="http://schemas.microsoft.com/office/drawing/2014/main" id="{74448B9E-37DC-9BA9-4A40-7B8BD7AD398C}"/>
-                  </a:ext>
-                </a:extLst>
-              </p:cNvPr>
-              <p:cNvSpPr/>
-              <p:nvPr/>
-            </p:nvSpPr>
-            <p:spPr>
-              <a:xfrm>
-                <a:off x="3391786" y="3960628"/>
-                <a:ext cx="531628" cy="531628"/>
-              </a:xfrm>
-              <a:prstGeom prst="rect">
-                <a:avLst/>
-              </a:prstGeom>
-              <a:solidFill>
-                <a:srgbClr val="99FF99"/>
-              </a:solidFill>
-              <a:ln>
-                <a:noFill/>
-              </a:ln>
-            </p:spPr>
-            <p:style>
-              <a:lnRef idx="2">
-                <a:schemeClr val="accent1">
-                  <a:shade val="50000"/>
-                </a:schemeClr>
-              </a:lnRef>
-              <a:fillRef idx="1">
-                <a:schemeClr val="accent1"/>
-              </a:fillRef>
-              <a:effectRef idx="0">
-                <a:schemeClr val="accent1"/>
-              </a:effectRef>
-              <a:fontRef idx="minor">
-                <a:schemeClr val="lt1"/>
-              </a:fontRef>
-            </p:style>
-            <p:txBody>
-              <a:bodyPr rtlCol="0" anchor="t"/>
-              <a:lstStyle/>
-              <a:p>
-                <a:pPr algn="ctr"/>
-                <a:r>
-                  <a:rPr kumimoji="1" lang="ja-JP" altLang="en-US" sz="3600" b="1" dirty="0">
-                    <a:solidFill>
-                      <a:schemeClr val="bg2">
-                        <a:lumMod val="25000"/>
-                      </a:schemeClr>
-                    </a:solidFill>
-                  </a:rPr>
-                  <a:t>４</a:t>
-                </a:r>
-              </a:p>
-            </p:txBody>
-          </p:sp>
-          <p:sp>
-            <p:nvSpPr>
-              <p:cNvPr id="13" name="正方形/長方形 12">
-                <a:extLst>
-                  <a:ext uri="{FF2B5EF4-FFF2-40B4-BE49-F238E27FC236}">
-                    <a16:creationId xmlns:a16="http://schemas.microsoft.com/office/drawing/2014/main" id="{4B14D833-DAB7-C340-B72F-2BED457A8D1F}"/>
-                  </a:ext>
-                </a:extLst>
-              </p:cNvPr>
-              <p:cNvSpPr/>
-              <p:nvPr/>
-            </p:nvSpPr>
-            <p:spPr>
-              <a:xfrm>
-                <a:off x="3923414" y="3960628"/>
-                <a:ext cx="531628" cy="531628"/>
-              </a:xfrm>
-              <a:prstGeom prst="rect">
-                <a:avLst/>
-              </a:prstGeom>
-              <a:solidFill>
-                <a:srgbClr val="99CCFF"/>
-              </a:solidFill>
-              <a:ln>
-                <a:noFill/>
-              </a:ln>
-            </p:spPr>
-            <p:style>
-              <a:lnRef idx="2">
-                <a:schemeClr val="accent1">
-                  <a:shade val="50000"/>
-                </a:schemeClr>
-              </a:lnRef>
-              <a:fillRef idx="1">
-                <a:schemeClr val="accent1"/>
-              </a:fillRef>
-              <a:effectRef idx="0">
-                <a:schemeClr val="accent1"/>
-              </a:effectRef>
-              <a:fontRef idx="minor">
-                <a:schemeClr val="lt1"/>
-              </a:fontRef>
-            </p:style>
-            <p:txBody>
-              <a:bodyPr rtlCol="0" anchor="ctr"/>
-              <a:lstStyle/>
-              <a:p>
-                <a:pPr algn="ctr"/>
-                <a:endParaRPr kumimoji="1" lang="ja-JP" altLang="en-US"/>
-              </a:p>
-            </p:txBody>
-          </p:sp>
-          <p:sp>
-            <p:nvSpPr>
-              <p:cNvPr id="14" name="正方形/長方形 13">
-                <a:extLst>
-                  <a:ext uri="{FF2B5EF4-FFF2-40B4-BE49-F238E27FC236}">
-                    <a16:creationId xmlns:a16="http://schemas.microsoft.com/office/drawing/2014/main" id="{E5C88062-A57D-2C1E-FA31-CF1A603FA68F}"/>
-                  </a:ext>
-                </a:extLst>
-              </p:cNvPr>
-              <p:cNvSpPr/>
-              <p:nvPr/>
-            </p:nvSpPr>
-            <p:spPr>
-              <a:xfrm>
-                <a:off x="4455042" y="3960628"/>
-                <a:ext cx="531628" cy="531628"/>
-              </a:xfrm>
-              <a:prstGeom prst="rect">
-                <a:avLst/>
-              </a:prstGeom>
-              <a:solidFill>
-                <a:srgbClr val="FF0000"/>
-              </a:solidFill>
-              <a:ln>
-                <a:noFill/>
-              </a:ln>
-            </p:spPr>
-            <p:style>
-              <a:lnRef idx="2">
-                <a:schemeClr val="accent1">
-                  <a:shade val="50000"/>
-                </a:schemeClr>
-              </a:lnRef>
-              <a:fillRef idx="1">
-                <a:schemeClr val="accent1"/>
-              </a:fillRef>
-              <a:effectRef idx="0">
-                <a:schemeClr val="accent1"/>
-              </a:effectRef>
-              <a:fontRef idx="minor">
-                <a:schemeClr val="lt1"/>
-              </a:fontRef>
-            </p:style>
-            <p:txBody>
-              <a:bodyPr rtlCol="0" anchor="ctr"/>
-              <a:lstStyle/>
-              <a:p>
-                <a:pPr algn="ctr"/>
-                <a:endParaRPr kumimoji="1" lang="ja-JP" altLang="en-US"/>
-              </a:p>
-            </p:txBody>
-          </p:sp>
-          <p:sp>
-            <p:nvSpPr>
-              <p:cNvPr id="15" name="正方形/長方形 14">
-                <a:extLst>
-                  <a:ext uri="{FF2B5EF4-FFF2-40B4-BE49-F238E27FC236}">
-                    <a16:creationId xmlns:a16="http://schemas.microsoft.com/office/drawing/2014/main" id="{06F157EE-DC43-4580-38BC-5FC4E4BD2034}"/>
-                  </a:ext>
-                </a:extLst>
-              </p:cNvPr>
-              <p:cNvSpPr/>
-              <p:nvPr/>
-            </p:nvSpPr>
-            <p:spPr>
-              <a:xfrm>
-                <a:off x="4976037" y="3960628"/>
-                <a:ext cx="531628" cy="531628"/>
-              </a:xfrm>
-              <a:prstGeom prst="rect">
-                <a:avLst/>
-              </a:prstGeom>
-              <a:solidFill>
-                <a:srgbClr val="FFFF99"/>
-              </a:solidFill>
-              <a:ln>
-                <a:noFill/>
-              </a:ln>
-            </p:spPr>
-            <p:style>
-              <a:lnRef idx="2">
-                <a:schemeClr val="accent1">
-                  <a:shade val="50000"/>
-                </a:schemeClr>
-              </a:lnRef>
-              <a:fillRef idx="1">
-                <a:schemeClr val="accent1"/>
-              </a:fillRef>
-              <a:effectRef idx="0">
-                <a:schemeClr val="accent1"/>
-              </a:effectRef>
-              <a:fontRef idx="minor">
-                <a:schemeClr val="lt1"/>
-              </a:fontRef>
-            </p:style>
-            <p:txBody>
-              <a:bodyPr rtlCol="0" anchor="ctr"/>
-              <a:lstStyle/>
-              <a:p>
-                <a:pPr algn="ctr"/>
-                <a:endParaRPr kumimoji="1" lang="ja-JP" altLang="en-US"/>
-              </a:p>
-            </p:txBody>
-          </p:sp>
-          <p:sp>
-            <p:nvSpPr>
-              <p:cNvPr id="22" name="矢印: 右 21">
-                <a:extLst>
-                  <a:ext uri="{FF2B5EF4-FFF2-40B4-BE49-F238E27FC236}">
-                    <a16:creationId xmlns:a16="http://schemas.microsoft.com/office/drawing/2014/main" id="{31F0B272-273C-0CBB-0A95-A2691B890BB0}"/>
-                  </a:ext>
-                </a:extLst>
-              </p:cNvPr>
-              <p:cNvSpPr/>
-              <p:nvPr/>
-            </p:nvSpPr>
-            <p:spPr>
-              <a:xfrm>
-                <a:off x="4497572" y="3500770"/>
-                <a:ext cx="446568" cy="388088"/>
-              </a:xfrm>
-              <a:prstGeom prst="rightArrow">
-                <a:avLst/>
-              </a:prstGeom>
-              <a:noFill/>
-              <a:ln w="38100">
-                <a:solidFill>
-                  <a:schemeClr val="bg2">
-                    <a:lumMod val="25000"/>
-                  </a:schemeClr>
-                </a:solidFill>
-              </a:ln>
-            </p:spPr>
-            <p:style>
-              <a:lnRef idx="2">
-                <a:schemeClr val="accent1">
-                  <a:shade val="50000"/>
-                </a:schemeClr>
-              </a:lnRef>
-              <a:fillRef idx="1">
-                <a:schemeClr val="accent1"/>
-              </a:fillRef>
-              <a:effectRef idx="0">
-                <a:schemeClr val="accent1"/>
-              </a:effectRef>
-              <a:fontRef idx="minor">
-                <a:schemeClr val="lt1"/>
-              </a:fontRef>
-            </p:style>
-            <p:txBody>
-              <a:bodyPr rtlCol="0" anchor="ctr"/>
-              <a:lstStyle/>
-              <a:p>
-                <a:pPr algn="ctr"/>
-                <a:endParaRPr kumimoji="1" lang="ja-JP" altLang="en-US"/>
-              </a:p>
-            </p:txBody>
-          </p:sp>
-          <p:sp>
-            <p:nvSpPr>
-              <p:cNvPr id="23" name="矢印: 右 22">
-                <a:extLst>
-                  <a:ext uri="{FF2B5EF4-FFF2-40B4-BE49-F238E27FC236}">
-                    <a16:creationId xmlns:a16="http://schemas.microsoft.com/office/drawing/2014/main" id="{8646B11D-5E95-0618-79E3-DFC5379AB4E3}"/>
-                  </a:ext>
-                </a:extLst>
-              </p:cNvPr>
-              <p:cNvSpPr/>
-              <p:nvPr/>
-            </p:nvSpPr>
-            <p:spPr>
-              <a:xfrm rot="5400000">
-                <a:off x="3965944" y="4032398"/>
-                <a:ext cx="446568" cy="388088"/>
-              </a:xfrm>
-              <a:prstGeom prst="rightArrow">
-                <a:avLst/>
-              </a:prstGeom>
-              <a:noFill/>
-              <a:ln w="38100">
-                <a:solidFill>
-                  <a:schemeClr val="bg2">
-                    <a:lumMod val="25000"/>
-                  </a:schemeClr>
-                </a:solidFill>
-              </a:ln>
-            </p:spPr>
-            <p:style>
-              <a:lnRef idx="2">
-                <a:schemeClr val="accent1">
-                  <a:shade val="50000"/>
-                </a:schemeClr>
-              </a:lnRef>
-              <a:fillRef idx="1">
-                <a:schemeClr val="accent1"/>
-              </a:fillRef>
-              <a:effectRef idx="0">
-                <a:schemeClr val="accent1"/>
-              </a:effectRef>
-              <a:fontRef idx="minor">
-                <a:schemeClr val="lt1"/>
-              </a:fontRef>
-            </p:style>
-            <p:txBody>
-              <a:bodyPr rtlCol="0" anchor="ctr"/>
-              <a:lstStyle/>
-              <a:p>
-                <a:pPr algn="ctr"/>
-                <a:endParaRPr kumimoji="1" lang="ja-JP" altLang="en-US"/>
-              </a:p>
-            </p:txBody>
-          </p:sp>
-          <p:cxnSp>
-            <p:nvCxnSpPr>
-              <p:cNvPr id="25" name="直線コネクタ 24">
-                <a:extLst>
-                  <a:ext uri="{FF2B5EF4-FFF2-40B4-BE49-F238E27FC236}">
-                    <a16:creationId xmlns:a16="http://schemas.microsoft.com/office/drawing/2014/main" id="{FD2A41F9-33D3-F606-A1F5-80244E489AE3}"/>
-                  </a:ext>
-                </a:extLst>
-              </p:cNvPr>
-              <p:cNvCxnSpPr/>
-              <p:nvPr/>
-            </p:nvCxnSpPr>
-            <p:spPr>
-              <a:xfrm>
-                <a:off x="1860697" y="4210493"/>
-                <a:ext cx="4125433" cy="0"/>
-              </a:xfrm>
-              <a:prstGeom prst="line">
-                <a:avLst/>
-              </a:prstGeom>
-              <a:ln w="76200">
-                <a:solidFill>
-                  <a:srgbClr val="75F2FF"/>
-                </a:solidFill>
-              </a:ln>
-            </p:spPr>
-            <p:style>
-              <a:lnRef idx="1">
-                <a:schemeClr val="accent1"/>
-              </a:lnRef>
-              <a:fillRef idx="0">
-                <a:schemeClr val="accent1"/>
-              </a:fillRef>
-              <a:effectRef idx="0">
-                <a:schemeClr val="accent1"/>
-              </a:effectRef>
-              <a:fontRef idx="minor">
-                <a:schemeClr val="tx1"/>
-              </a:fontRef>
-            </p:style>
-          </p:cxnSp>
-        </p:grpSp>
-        <p:sp>
-          <p:nvSpPr>
-            <p:cNvPr id="27" name="吹き出し: 四角形 26">
-              <a:extLst>
-                <a:ext uri="{FF2B5EF4-FFF2-40B4-BE49-F238E27FC236}">
-                  <a16:creationId xmlns:a16="http://schemas.microsoft.com/office/drawing/2014/main" id="{7C9F45C4-F5EE-9546-6D32-9BC325E88234}"/>
+                  <a16:creationId xmlns:a16="http://schemas.microsoft.com/office/drawing/2014/main" id="{EA3D373C-61CC-F18C-2710-B0E1F1509D50}"/>
                 </a:ext>
               </a:extLst>
             </p:cNvPr>
@@ -5381,13 +4350,825 @@
           </p:nvSpPr>
           <p:spPr>
             <a:xfrm>
-              <a:off x="967561" y="3747978"/>
+              <a:off x="2328530" y="3429000"/>
+              <a:ext cx="531628" cy="531628"/>
+            </a:xfrm>
+            <a:prstGeom prst="rect">
+              <a:avLst/>
+            </a:prstGeom>
+            <a:solidFill>
+              <a:srgbClr val="0070C0"/>
+            </a:solidFill>
+            <a:ln>
+              <a:noFill/>
+            </a:ln>
+          </p:spPr>
+          <p:style>
+            <a:lnRef idx="2">
+              <a:schemeClr val="accent1">
+                <a:shade val="50000"/>
+              </a:schemeClr>
+            </a:lnRef>
+            <a:fillRef idx="1">
+              <a:schemeClr val="accent1"/>
+            </a:fillRef>
+            <a:effectRef idx="0">
+              <a:schemeClr val="accent1"/>
+            </a:effectRef>
+            <a:fontRef idx="minor">
+              <a:schemeClr val="lt1"/>
+            </a:fontRef>
+          </p:style>
+          <p:txBody>
+            <a:bodyPr rtlCol="0" anchor="ctr"/>
+            <a:lstStyle/>
+            <a:p>
+              <a:pPr algn="ctr"/>
+              <a:endParaRPr kumimoji="1" lang="ja-JP" altLang="en-US"/>
+            </a:p>
+          </p:txBody>
+        </p:sp>
+        <p:sp>
+          <p:nvSpPr>
+            <p:cNvPr id="6" name="正方形/長方形 5">
+              <a:extLst>
+                <a:ext uri="{FF2B5EF4-FFF2-40B4-BE49-F238E27FC236}">
+                  <a16:creationId xmlns:a16="http://schemas.microsoft.com/office/drawing/2014/main" id="{494EEE72-F090-AE4C-5C40-FF1178C7E634}"/>
+                </a:ext>
+              </a:extLst>
+            </p:cNvPr>
+            <p:cNvSpPr/>
+            <p:nvPr/>
+          </p:nvSpPr>
+          <p:spPr>
+            <a:xfrm>
+              <a:off x="2860158" y="3429000"/>
+              <a:ext cx="531628" cy="531628"/>
+            </a:xfrm>
+            <a:prstGeom prst="rect">
+              <a:avLst/>
+            </a:prstGeom>
+            <a:solidFill>
+              <a:srgbClr val="99FF99"/>
+            </a:solidFill>
+            <a:ln>
+              <a:noFill/>
+            </a:ln>
+          </p:spPr>
+          <p:style>
+            <a:lnRef idx="2">
+              <a:schemeClr val="accent1">
+                <a:shade val="50000"/>
+              </a:schemeClr>
+            </a:lnRef>
+            <a:fillRef idx="1">
+              <a:schemeClr val="accent1"/>
+            </a:fillRef>
+            <a:effectRef idx="0">
+              <a:schemeClr val="accent1"/>
+            </a:effectRef>
+            <a:fontRef idx="minor">
+              <a:schemeClr val="lt1"/>
+            </a:fontRef>
+          </p:style>
+          <p:txBody>
+            <a:bodyPr rtlCol="0" anchor="t"/>
+            <a:lstStyle/>
+            <a:p>
+              <a:pPr algn="ctr"/>
+              <a:r>
+                <a:rPr kumimoji="1" lang="ja-JP" altLang="en-US" sz="3600" b="1" dirty="0">
+                  <a:solidFill>
+                    <a:schemeClr val="bg2">
+                      <a:lumMod val="25000"/>
+                    </a:schemeClr>
+                  </a:solidFill>
+                </a:rPr>
+                <a:t>３</a:t>
+              </a:r>
+            </a:p>
+          </p:txBody>
+        </p:sp>
+        <p:sp>
+          <p:nvSpPr>
+            <p:cNvPr id="7" name="正方形/長方形 6">
+              <a:extLst>
+                <a:ext uri="{FF2B5EF4-FFF2-40B4-BE49-F238E27FC236}">
+                  <a16:creationId xmlns:a16="http://schemas.microsoft.com/office/drawing/2014/main" id="{6A465731-5B80-34D8-9096-A86D0B6E72FD}"/>
+                </a:ext>
+              </a:extLst>
+            </p:cNvPr>
+            <p:cNvSpPr/>
+            <p:nvPr/>
+          </p:nvSpPr>
+          <p:spPr>
+            <a:xfrm>
+              <a:off x="3391786" y="3429000"/>
+              <a:ext cx="531628" cy="531628"/>
+            </a:xfrm>
+            <a:prstGeom prst="rect">
+              <a:avLst/>
+            </a:prstGeom>
+            <a:solidFill>
+              <a:srgbClr val="FF0000"/>
+            </a:solidFill>
+            <a:ln>
+              <a:noFill/>
+            </a:ln>
+          </p:spPr>
+          <p:style>
+            <a:lnRef idx="2">
+              <a:schemeClr val="accent1">
+                <a:shade val="50000"/>
+              </a:schemeClr>
+            </a:lnRef>
+            <a:fillRef idx="1">
+              <a:schemeClr val="accent1"/>
+            </a:fillRef>
+            <a:effectRef idx="0">
+              <a:schemeClr val="accent1"/>
+            </a:effectRef>
+            <a:fontRef idx="minor">
+              <a:schemeClr val="lt1"/>
+            </a:fontRef>
+          </p:style>
+          <p:txBody>
+            <a:bodyPr rtlCol="0" anchor="ctr"/>
+            <a:lstStyle/>
+            <a:p>
+              <a:pPr algn="ctr"/>
+              <a:endParaRPr kumimoji="1" lang="ja-JP" altLang="en-US" dirty="0"/>
+            </a:p>
+          </p:txBody>
+        </p:sp>
+        <p:sp>
+          <p:nvSpPr>
+            <p:cNvPr id="8" name="正方形/長方形 7">
+              <a:extLst>
+                <a:ext uri="{FF2B5EF4-FFF2-40B4-BE49-F238E27FC236}">
+                  <a16:creationId xmlns:a16="http://schemas.microsoft.com/office/drawing/2014/main" id="{54BF9097-8C5F-2206-736C-936207267315}"/>
+                </a:ext>
+              </a:extLst>
+            </p:cNvPr>
+            <p:cNvSpPr/>
+            <p:nvPr/>
+          </p:nvSpPr>
+          <p:spPr>
+            <a:xfrm>
+              <a:off x="3923414" y="3429000"/>
+              <a:ext cx="531628" cy="531628"/>
+            </a:xfrm>
+            <a:prstGeom prst="rect">
+              <a:avLst/>
+            </a:prstGeom>
+            <a:solidFill>
+              <a:srgbClr val="FF0000"/>
+            </a:solidFill>
+            <a:ln>
+              <a:noFill/>
+            </a:ln>
+          </p:spPr>
+          <p:style>
+            <a:lnRef idx="2">
+              <a:schemeClr val="accent1">
+                <a:shade val="50000"/>
+              </a:schemeClr>
+            </a:lnRef>
+            <a:fillRef idx="1">
+              <a:schemeClr val="accent1"/>
+            </a:fillRef>
+            <a:effectRef idx="0">
+              <a:schemeClr val="accent1"/>
+            </a:effectRef>
+            <a:fontRef idx="minor">
+              <a:schemeClr val="lt1"/>
+            </a:fontRef>
+          </p:style>
+          <p:txBody>
+            <a:bodyPr rtlCol="0" anchor="ctr"/>
+            <a:lstStyle/>
+            <a:p>
+              <a:pPr algn="ctr"/>
+              <a:endParaRPr kumimoji="1" lang="ja-JP" altLang="en-US"/>
+            </a:p>
+          </p:txBody>
+        </p:sp>
+        <p:sp>
+          <p:nvSpPr>
+            <p:cNvPr id="9" name="正方形/長方形 8">
+              <a:extLst>
+                <a:ext uri="{FF2B5EF4-FFF2-40B4-BE49-F238E27FC236}">
+                  <a16:creationId xmlns:a16="http://schemas.microsoft.com/office/drawing/2014/main" id="{B62757C8-FA86-A129-F1D9-833AFE2C4E19}"/>
+                </a:ext>
+              </a:extLst>
+            </p:cNvPr>
+            <p:cNvSpPr/>
+            <p:nvPr/>
+          </p:nvSpPr>
+          <p:spPr>
+            <a:xfrm>
+              <a:off x="4455042" y="3429000"/>
+              <a:ext cx="531628" cy="531628"/>
+            </a:xfrm>
+            <a:prstGeom prst="rect">
+              <a:avLst/>
+            </a:prstGeom>
+            <a:solidFill>
+              <a:srgbClr val="99CCFF"/>
+            </a:solidFill>
+            <a:ln>
+              <a:noFill/>
+            </a:ln>
+          </p:spPr>
+          <p:style>
+            <a:lnRef idx="2">
+              <a:schemeClr val="accent1">
+                <a:shade val="50000"/>
+              </a:schemeClr>
+            </a:lnRef>
+            <a:fillRef idx="1">
+              <a:schemeClr val="accent1"/>
+            </a:fillRef>
+            <a:effectRef idx="0">
+              <a:schemeClr val="accent1"/>
+            </a:effectRef>
+            <a:fontRef idx="minor">
+              <a:schemeClr val="lt1"/>
+            </a:fontRef>
+          </p:style>
+          <p:txBody>
+            <a:bodyPr rtlCol="0" anchor="ctr"/>
+            <a:lstStyle/>
+            <a:p>
+              <a:pPr algn="ctr"/>
+              <a:endParaRPr kumimoji="1" lang="ja-JP" altLang="en-US"/>
+            </a:p>
+          </p:txBody>
+        </p:sp>
+        <p:sp>
+          <p:nvSpPr>
+            <p:cNvPr id="10" name="正方形/長方形 9">
+              <a:extLst>
+                <a:ext uri="{FF2B5EF4-FFF2-40B4-BE49-F238E27FC236}">
+                  <a16:creationId xmlns:a16="http://schemas.microsoft.com/office/drawing/2014/main" id="{8032BFB8-3588-EC5C-DDE9-3341D9E6D558}"/>
+                </a:ext>
+              </a:extLst>
+            </p:cNvPr>
+            <p:cNvSpPr/>
+            <p:nvPr/>
+          </p:nvSpPr>
+          <p:spPr>
+            <a:xfrm>
+              <a:off x="4976037" y="3429000"/>
+              <a:ext cx="531628" cy="531628"/>
+            </a:xfrm>
+            <a:prstGeom prst="rect">
+              <a:avLst/>
+            </a:prstGeom>
+            <a:solidFill>
+              <a:srgbClr val="FFFF00"/>
+            </a:solidFill>
+            <a:ln>
+              <a:noFill/>
+            </a:ln>
+          </p:spPr>
+          <p:style>
+            <a:lnRef idx="2">
+              <a:schemeClr val="accent1">
+                <a:shade val="50000"/>
+              </a:schemeClr>
+            </a:lnRef>
+            <a:fillRef idx="1">
+              <a:schemeClr val="accent1"/>
+            </a:fillRef>
+            <a:effectRef idx="0">
+              <a:schemeClr val="accent1"/>
+            </a:effectRef>
+            <a:fontRef idx="minor">
+              <a:schemeClr val="lt1"/>
+            </a:fontRef>
+          </p:style>
+          <p:txBody>
+            <a:bodyPr rtlCol="0" anchor="ctr"/>
+            <a:lstStyle/>
+            <a:p>
+              <a:pPr algn="ctr"/>
+              <a:endParaRPr kumimoji="1" lang="ja-JP" altLang="en-US"/>
+            </a:p>
+          </p:txBody>
+        </p:sp>
+        <p:sp>
+          <p:nvSpPr>
+            <p:cNvPr id="11" name="正方形/長方形 10">
+              <a:extLst>
+                <a:ext uri="{FF2B5EF4-FFF2-40B4-BE49-F238E27FC236}">
+                  <a16:creationId xmlns:a16="http://schemas.microsoft.com/office/drawing/2014/main" id="{6F19AA10-38F1-4B16-DE89-7C2E3AF28D7A}"/>
+                </a:ext>
+              </a:extLst>
+            </p:cNvPr>
+            <p:cNvSpPr/>
+            <p:nvPr/>
+          </p:nvSpPr>
+          <p:spPr>
+            <a:xfrm>
+              <a:off x="2328530" y="3960628"/>
+              <a:ext cx="531628" cy="531628"/>
+            </a:xfrm>
+            <a:prstGeom prst="rect">
+              <a:avLst/>
+            </a:prstGeom>
+            <a:solidFill>
+              <a:srgbClr val="FF9999"/>
+            </a:solidFill>
+            <a:ln>
+              <a:noFill/>
+            </a:ln>
+          </p:spPr>
+          <p:style>
+            <a:lnRef idx="2">
+              <a:schemeClr val="accent1">
+                <a:shade val="50000"/>
+              </a:schemeClr>
+            </a:lnRef>
+            <a:fillRef idx="1">
+              <a:schemeClr val="accent1"/>
+            </a:fillRef>
+            <a:effectRef idx="0">
+              <a:schemeClr val="accent1"/>
+            </a:effectRef>
+            <a:fontRef idx="minor">
+              <a:schemeClr val="lt1"/>
+            </a:fontRef>
+          </p:style>
+          <p:txBody>
+            <a:bodyPr rtlCol="0" anchor="ctr"/>
+            <a:lstStyle/>
+            <a:p>
+              <a:pPr algn="ctr"/>
+              <a:endParaRPr kumimoji="1" lang="ja-JP" altLang="en-US"/>
+            </a:p>
+          </p:txBody>
+        </p:sp>
+        <p:sp>
+          <p:nvSpPr>
+            <p:cNvPr id="12" name="正方形/長方形 11">
+              <a:extLst>
+                <a:ext uri="{FF2B5EF4-FFF2-40B4-BE49-F238E27FC236}">
+                  <a16:creationId xmlns:a16="http://schemas.microsoft.com/office/drawing/2014/main" id="{92F6052E-1440-F1E6-88BF-B5B71F1C4881}"/>
+                </a:ext>
+              </a:extLst>
+            </p:cNvPr>
+            <p:cNvSpPr/>
+            <p:nvPr/>
+          </p:nvSpPr>
+          <p:spPr>
+            <a:xfrm>
+              <a:off x="2860158" y="3960628"/>
+              <a:ext cx="531628" cy="531628"/>
+            </a:xfrm>
+            <a:prstGeom prst="rect">
+              <a:avLst/>
+            </a:prstGeom>
+            <a:solidFill>
+              <a:srgbClr val="FF9999"/>
+            </a:solidFill>
+            <a:ln>
+              <a:noFill/>
+            </a:ln>
+          </p:spPr>
+          <p:style>
+            <a:lnRef idx="2">
+              <a:schemeClr val="accent1">
+                <a:shade val="50000"/>
+              </a:schemeClr>
+            </a:lnRef>
+            <a:fillRef idx="1">
+              <a:schemeClr val="accent1"/>
+            </a:fillRef>
+            <a:effectRef idx="0">
+              <a:schemeClr val="accent1"/>
+            </a:effectRef>
+            <a:fontRef idx="minor">
+              <a:schemeClr val="lt1"/>
+            </a:fontRef>
+          </p:style>
+          <p:txBody>
+            <a:bodyPr rtlCol="0" anchor="ctr"/>
+            <a:lstStyle/>
+            <a:p>
+              <a:pPr algn="ctr"/>
+              <a:endParaRPr kumimoji="1" lang="ja-JP" altLang="en-US"/>
+            </a:p>
+          </p:txBody>
+        </p:sp>
+        <p:sp>
+          <p:nvSpPr>
+            <p:cNvPr id="13" name="正方形/長方形 12">
+              <a:extLst>
+                <a:ext uri="{FF2B5EF4-FFF2-40B4-BE49-F238E27FC236}">
+                  <a16:creationId xmlns:a16="http://schemas.microsoft.com/office/drawing/2014/main" id="{77A33810-64F8-4849-7829-1E273F217951}"/>
+                </a:ext>
+              </a:extLst>
+            </p:cNvPr>
+            <p:cNvSpPr/>
+            <p:nvPr/>
+          </p:nvSpPr>
+          <p:spPr>
+            <a:xfrm>
+              <a:off x="3391786" y="3960628"/>
+              <a:ext cx="531628" cy="531628"/>
+            </a:xfrm>
+            <a:prstGeom prst="rect">
+              <a:avLst/>
+            </a:prstGeom>
+            <a:solidFill>
+              <a:srgbClr val="99FF99"/>
+            </a:solidFill>
+            <a:ln>
+              <a:noFill/>
+            </a:ln>
+          </p:spPr>
+          <p:style>
+            <a:lnRef idx="2">
+              <a:schemeClr val="accent1">
+                <a:shade val="50000"/>
+              </a:schemeClr>
+            </a:lnRef>
+            <a:fillRef idx="1">
+              <a:schemeClr val="accent1"/>
+            </a:fillRef>
+            <a:effectRef idx="0">
+              <a:schemeClr val="accent1"/>
+            </a:effectRef>
+            <a:fontRef idx="minor">
+              <a:schemeClr val="lt1"/>
+            </a:fontRef>
+          </p:style>
+          <p:txBody>
+            <a:bodyPr rtlCol="0" anchor="t"/>
+            <a:lstStyle/>
+            <a:p>
+              <a:pPr algn="ctr"/>
+              <a:r>
+                <a:rPr kumimoji="1" lang="ja-JP" altLang="en-US" sz="3600" b="1" dirty="0">
+                  <a:solidFill>
+                    <a:schemeClr val="bg2">
+                      <a:lumMod val="25000"/>
+                    </a:schemeClr>
+                  </a:solidFill>
+                </a:rPr>
+                <a:t>４</a:t>
+              </a:r>
+            </a:p>
+          </p:txBody>
+        </p:sp>
+        <p:sp>
+          <p:nvSpPr>
+            <p:cNvPr id="14" name="正方形/長方形 13">
+              <a:extLst>
+                <a:ext uri="{FF2B5EF4-FFF2-40B4-BE49-F238E27FC236}">
+                  <a16:creationId xmlns:a16="http://schemas.microsoft.com/office/drawing/2014/main" id="{694A9966-185F-9E34-1005-9D2637B985FA}"/>
+                </a:ext>
+              </a:extLst>
+            </p:cNvPr>
+            <p:cNvSpPr/>
+            <p:nvPr/>
+          </p:nvSpPr>
+          <p:spPr>
+            <a:xfrm>
+              <a:off x="3923414" y="3960628"/>
+              <a:ext cx="531628" cy="531628"/>
+            </a:xfrm>
+            <a:prstGeom prst="rect">
+              <a:avLst/>
+            </a:prstGeom>
+            <a:solidFill>
+              <a:srgbClr val="99CCFF"/>
+            </a:solidFill>
+            <a:ln>
+              <a:noFill/>
+            </a:ln>
+          </p:spPr>
+          <p:style>
+            <a:lnRef idx="2">
+              <a:schemeClr val="accent1">
+                <a:shade val="50000"/>
+              </a:schemeClr>
+            </a:lnRef>
+            <a:fillRef idx="1">
+              <a:schemeClr val="accent1"/>
+            </a:fillRef>
+            <a:effectRef idx="0">
+              <a:schemeClr val="accent1"/>
+            </a:effectRef>
+            <a:fontRef idx="minor">
+              <a:schemeClr val="lt1"/>
+            </a:fontRef>
+          </p:style>
+          <p:txBody>
+            <a:bodyPr rtlCol="0" anchor="ctr"/>
+            <a:lstStyle/>
+            <a:p>
+              <a:pPr algn="ctr"/>
+              <a:endParaRPr kumimoji="1" lang="ja-JP" altLang="en-US"/>
+            </a:p>
+          </p:txBody>
+        </p:sp>
+        <p:sp>
+          <p:nvSpPr>
+            <p:cNvPr id="15" name="正方形/長方形 14">
+              <a:extLst>
+                <a:ext uri="{FF2B5EF4-FFF2-40B4-BE49-F238E27FC236}">
+                  <a16:creationId xmlns:a16="http://schemas.microsoft.com/office/drawing/2014/main" id="{B2F23995-524F-F87D-CB0F-E584EA345588}"/>
+                </a:ext>
+              </a:extLst>
+            </p:cNvPr>
+            <p:cNvSpPr/>
+            <p:nvPr/>
+          </p:nvSpPr>
+          <p:spPr>
+            <a:xfrm>
+              <a:off x="4455042" y="3960628"/>
+              <a:ext cx="531628" cy="531628"/>
+            </a:xfrm>
+            <a:prstGeom prst="rect">
+              <a:avLst/>
+            </a:prstGeom>
+            <a:solidFill>
+              <a:srgbClr val="FF0000"/>
+            </a:solidFill>
+            <a:ln>
+              <a:noFill/>
+            </a:ln>
+          </p:spPr>
+          <p:style>
+            <a:lnRef idx="2">
+              <a:schemeClr val="accent1">
+                <a:shade val="50000"/>
+              </a:schemeClr>
+            </a:lnRef>
+            <a:fillRef idx="1">
+              <a:schemeClr val="accent1"/>
+            </a:fillRef>
+            <a:effectRef idx="0">
+              <a:schemeClr val="accent1"/>
+            </a:effectRef>
+            <a:fontRef idx="minor">
+              <a:schemeClr val="lt1"/>
+            </a:fontRef>
+          </p:style>
+          <p:txBody>
+            <a:bodyPr rtlCol="0" anchor="ctr"/>
+            <a:lstStyle/>
+            <a:p>
+              <a:pPr algn="ctr"/>
+              <a:endParaRPr kumimoji="1" lang="ja-JP" altLang="en-US"/>
+            </a:p>
+          </p:txBody>
+        </p:sp>
+        <p:sp>
+          <p:nvSpPr>
+            <p:cNvPr id="16" name="正方形/長方形 15">
+              <a:extLst>
+                <a:ext uri="{FF2B5EF4-FFF2-40B4-BE49-F238E27FC236}">
+                  <a16:creationId xmlns:a16="http://schemas.microsoft.com/office/drawing/2014/main" id="{D6807933-4ABF-4CB3-1818-B4C473D3E6DE}"/>
+                </a:ext>
+              </a:extLst>
+            </p:cNvPr>
+            <p:cNvSpPr/>
+            <p:nvPr/>
+          </p:nvSpPr>
+          <p:spPr>
+            <a:xfrm>
+              <a:off x="4976037" y="3960628"/>
+              <a:ext cx="531628" cy="531628"/>
+            </a:xfrm>
+            <a:prstGeom prst="rect">
+              <a:avLst/>
+            </a:prstGeom>
+            <a:solidFill>
+              <a:srgbClr val="FFFF99"/>
+            </a:solidFill>
+            <a:ln>
+              <a:noFill/>
+            </a:ln>
+          </p:spPr>
+          <p:style>
+            <a:lnRef idx="2">
+              <a:schemeClr val="accent1">
+                <a:shade val="50000"/>
+              </a:schemeClr>
+            </a:lnRef>
+            <a:fillRef idx="1">
+              <a:schemeClr val="accent1"/>
+            </a:fillRef>
+            <a:effectRef idx="0">
+              <a:schemeClr val="accent1"/>
+            </a:effectRef>
+            <a:fontRef idx="minor">
+              <a:schemeClr val="lt1"/>
+            </a:fontRef>
+          </p:style>
+          <p:txBody>
+            <a:bodyPr rtlCol="0" anchor="ctr"/>
+            <a:lstStyle/>
+            <a:p>
+              <a:pPr algn="ctr"/>
+              <a:endParaRPr kumimoji="1" lang="ja-JP" altLang="en-US"/>
+            </a:p>
+          </p:txBody>
+        </p:sp>
+        <p:sp>
+          <p:nvSpPr>
+            <p:cNvPr id="17" name="矢印: 右 16">
+              <a:extLst>
+                <a:ext uri="{FF2B5EF4-FFF2-40B4-BE49-F238E27FC236}">
+                  <a16:creationId xmlns:a16="http://schemas.microsoft.com/office/drawing/2014/main" id="{B1543B37-4B5B-8FDE-2B2F-3594899B2142}"/>
+                </a:ext>
+              </a:extLst>
+            </p:cNvPr>
+            <p:cNvSpPr/>
+            <p:nvPr/>
+          </p:nvSpPr>
+          <p:spPr>
+            <a:xfrm>
+              <a:off x="4497572" y="3500770"/>
+              <a:ext cx="446568" cy="388088"/>
+            </a:xfrm>
+            <a:prstGeom prst="rightArrow">
+              <a:avLst/>
+            </a:prstGeom>
+            <a:noFill/>
+            <a:ln w="38100">
+              <a:solidFill>
+                <a:schemeClr val="bg2">
+                  <a:lumMod val="25000"/>
+                </a:schemeClr>
+              </a:solidFill>
+            </a:ln>
+          </p:spPr>
+          <p:style>
+            <a:lnRef idx="2">
+              <a:schemeClr val="accent1">
+                <a:shade val="50000"/>
+              </a:schemeClr>
+            </a:lnRef>
+            <a:fillRef idx="1">
+              <a:schemeClr val="accent1"/>
+            </a:fillRef>
+            <a:effectRef idx="0">
+              <a:schemeClr val="accent1"/>
+            </a:effectRef>
+            <a:fontRef idx="minor">
+              <a:schemeClr val="lt1"/>
+            </a:fontRef>
+          </p:style>
+          <p:txBody>
+            <a:bodyPr rtlCol="0" anchor="ctr"/>
+            <a:lstStyle/>
+            <a:p>
+              <a:pPr algn="ctr"/>
+              <a:endParaRPr kumimoji="1" lang="ja-JP" altLang="en-US"/>
+            </a:p>
+          </p:txBody>
+        </p:sp>
+        <p:sp>
+          <p:nvSpPr>
+            <p:cNvPr id="18" name="矢印: 右 17">
+              <a:extLst>
+                <a:ext uri="{FF2B5EF4-FFF2-40B4-BE49-F238E27FC236}">
+                  <a16:creationId xmlns:a16="http://schemas.microsoft.com/office/drawing/2014/main" id="{18B469E6-A655-507A-1AEA-608EACBE3EEF}"/>
+                </a:ext>
+              </a:extLst>
+            </p:cNvPr>
+            <p:cNvSpPr/>
+            <p:nvPr/>
+          </p:nvSpPr>
+          <p:spPr>
+            <a:xfrm rot="5400000">
+              <a:off x="3965944" y="4032398"/>
+              <a:ext cx="446568" cy="388088"/>
+            </a:xfrm>
+            <a:prstGeom prst="rightArrow">
+              <a:avLst/>
+            </a:prstGeom>
+            <a:noFill/>
+            <a:ln w="38100">
+              <a:solidFill>
+                <a:schemeClr val="bg2">
+                  <a:lumMod val="25000"/>
+                </a:schemeClr>
+              </a:solidFill>
+            </a:ln>
+          </p:spPr>
+          <p:style>
+            <a:lnRef idx="2">
+              <a:schemeClr val="accent1">
+                <a:shade val="50000"/>
+              </a:schemeClr>
+            </a:lnRef>
+            <a:fillRef idx="1">
+              <a:schemeClr val="accent1"/>
+            </a:fillRef>
+            <a:effectRef idx="0">
+              <a:schemeClr val="accent1"/>
+            </a:effectRef>
+            <a:fontRef idx="minor">
+              <a:schemeClr val="lt1"/>
+            </a:fontRef>
+          </p:style>
+          <p:txBody>
+            <a:bodyPr rtlCol="0" anchor="ctr"/>
+            <a:lstStyle/>
+            <a:p>
+              <a:pPr algn="ctr"/>
+              <a:endParaRPr kumimoji="1" lang="ja-JP" altLang="en-US"/>
+            </a:p>
+          </p:txBody>
+        </p:sp>
+        <p:cxnSp>
+          <p:nvCxnSpPr>
+            <p:cNvPr id="20" name="直線コネクタ 19">
+              <a:extLst>
+                <a:ext uri="{FF2B5EF4-FFF2-40B4-BE49-F238E27FC236}">
+                  <a16:creationId xmlns:a16="http://schemas.microsoft.com/office/drawing/2014/main" id="{F2E21262-EB1F-33EA-E974-977650BC1B8C}"/>
+                </a:ext>
+              </a:extLst>
+            </p:cNvPr>
+            <p:cNvCxnSpPr/>
+            <p:nvPr/>
+          </p:nvCxnSpPr>
+          <p:spPr>
+            <a:xfrm>
+              <a:off x="1860697" y="4210493"/>
+              <a:ext cx="4125433" cy="0"/>
+            </a:xfrm>
+            <a:prstGeom prst="line">
+              <a:avLst/>
+            </a:prstGeom>
+            <a:ln w="76200">
+              <a:solidFill>
+                <a:srgbClr val="75F2FF"/>
+              </a:solidFill>
+            </a:ln>
+          </p:spPr>
+          <p:style>
+            <a:lnRef idx="1">
+              <a:schemeClr val="accent1"/>
+            </a:lnRef>
+            <a:fillRef idx="0">
+              <a:schemeClr val="accent1"/>
+            </a:fillRef>
+            <a:effectRef idx="0">
+              <a:schemeClr val="accent1"/>
+            </a:effectRef>
+            <a:fontRef idx="minor">
+              <a:schemeClr val="tx1"/>
+            </a:fontRef>
+          </p:style>
+        </p:cxnSp>
+      </p:grpSp>
+      <p:grpSp>
+        <p:nvGrpSpPr>
+          <p:cNvPr id="23" name="グループ化 22">
+            <a:extLst>
+              <a:ext uri="{FF2B5EF4-FFF2-40B4-BE49-F238E27FC236}">
+                <a16:creationId xmlns:a16="http://schemas.microsoft.com/office/drawing/2014/main" id="{9F013101-0973-494B-E52E-B5D301B97958}"/>
+              </a:ext>
+            </a:extLst>
+          </p:cNvPr>
+          <p:cNvGrpSpPr/>
+          <p:nvPr/>
+        </p:nvGrpSpPr>
+        <p:grpSpPr>
+          <a:xfrm>
+            <a:off x="572223" y="4151864"/>
+            <a:ext cx="2181448" cy="1669311"/>
+            <a:chOff x="895791" y="2206090"/>
+            <a:chExt cx="2181448" cy="1669311"/>
+          </a:xfrm>
+        </p:grpSpPr>
+        <p:sp>
+          <p:nvSpPr>
+            <p:cNvPr id="24" name="吹き出し: 四角形 23">
+              <a:extLst>
+                <a:ext uri="{FF2B5EF4-FFF2-40B4-BE49-F238E27FC236}">
+                  <a16:creationId xmlns:a16="http://schemas.microsoft.com/office/drawing/2014/main" id="{2CD0CA94-7845-4323-BF55-DBA27A33F20F}"/>
+                </a:ext>
+              </a:extLst>
+            </p:cNvPr>
+            <p:cNvSpPr/>
+            <p:nvPr/>
+          </p:nvSpPr>
+          <p:spPr>
+            <a:xfrm>
+              <a:off x="895792" y="2854677"/>
               <a:ext cx="2181447" cy="1020724"/>
             </a:xfrm>
             <a:prstGeom prst="wedgeRectCallout">
               <a:avLst>
-                <a:gd name="adj1" fmla="val 75674"/>
-                <a:gd name="adj2" fmla="val -28433"/>
+                <a:gd name="adj1" fmla="val 21182"/>
+                <a:gd name="adj2" fmla="val -74220"/>
               </a:avLst>
             </a:prstGeom>
             <a:solidFill>
@@ -5467,12 +5248,120 @@
             </a:p>
           </p:txBody>
         </p:sp>
+        <p:pic>
+          <p:nvPicPr>
+            <p:cNvPr id="25" name="グラフィックス 24" descr="挙手">
+              <a:extLst>
+                <a:ext uri="{FF2B5EF4-FFF2-40B4-BE49-F238E27FC236}">
+                  <a16:creationId xmlns:a16="http://schemas.microsoft.com/office/drawing/2014/main" id="{1D15E065-ED22-D1EA-A4E0-EDA93B063AD8}"/>
+                </a:ext>
+              </a:extLst>
+            </p:cNvPr>
+            <p:cNvPicPr>
+              <a:picLocks noChangeAspect="1"/>
+            </p:cNvPicPr>
+            <p:nvPr/>
+          </p:nvPicPr>
+          <p:blipFill>
+            <a:blip r:embed="rId3">
+              <a:extLst>
+                <a:ext uri="{28A0092B-C50C-407E-A947-70E740481C1C}">
+                  <a14:useLocalDpi xmlns:a14="http://schemas.microsoft.com/office/drawing/2010/main" val="0"/>
+                </a:ext>
+                <a:ext uri="{96DAC541-7B7A-43D3-8B79-37D633B846F1}">
+                  <asvg:svgBlip xmlns:asvg="http://schemas.microsoft.com/office/drawing/2016/SVG/main" r:embed="rId4"/>
+                </a:ext>
+              </a:extLst>
+            </a:blip>
+            <a:stretch>
+              <a:fillRect/>
+            </a:stretch>
+          </p:blipFill>
+          <p:spPr>
+            <a:xfrm>
+              <a:off x="895791" y="2206090"/>
+              <a:ext cx="978197" cy="914400"/>
+            </a:xfrm>
+            <a:prstGeom prst="rect">
+              <a:avLst/>
+            </a:prstGeom>
+          </p:spPr>
+        </p:pic>
+        <p:sp>
+          <p:nvSpPr>
+            <p:cNvPr id="26" name="テキスト ボックス 25">
+              <a:extLst>
+                <a:ext uri="{FF2B5EF4-FFF2-40B4-BE49-F238E27FC236}">
+                  <a16:creationId xmlns:a16="http://schemas.microsoft.com/office/drawing/2014/main" id="{36FA4040-AD8B-E9E5-BA15-DDC3ECB2B58C}"/>
+                </a:ext>
+              </a:extLst>
+            </p:cNvPr>
+            <p:cNvSpPr txBox="1"/>
+            <p:nvPr/>
+          </p:nvSpPr>
+          <p:spPr>
+            <a:xfrm>
+              <a:off x="1652920" y="2725057"/>
+              <a:ext cx="1163378" cy="461665"/>
+            </a:xfrm>
+            <a:prstGeom prst="rect">
+              <a:avLst/>
+            </a:prstGeom>
+            <a:noFill/>
+          </p:spPr>
+          <p:txBody>
+            <a:bodyPr wrap="square" rtlCol="0">
+              <a:spAutoFit/>
+            </a:bodyPr>
+            <a:lstStyle/>
+            <a:p>
+              <a:r>
+                <a:rPr lang="ja-JP" altLang="en-US" sz="2400" b="1" dirty="0">
+                  <a:solidFill>
+                    <a:schemeClr val="bg2">
+                      <a:lumMod val="25000"/>
+                    </a:schemeClr>
+                  </a:solidFill>
+                </a:rPr>
+                <a:t>みぎて</a:t>
+              </a:r>
+              <a:endParaRPr kumimoji="1" lang="ja-JP" altLang="en-US" sz="2400" b="1" dirty="0">
+                <a:solidFill>
+                  <a:schemeClr val="bg2">
+                    <a:lumMod val="25000"/>
+                  </a:schemeClr>
+                </a:solidFill>
+              </a:endParaRPr>
+            </a:p>
+          </p:txBody>
+        </p:sp>
+      </p:grpSp>
+      <p:grpSp>
+        <p:nvGrpSpPr>
+          <p:cNvPr id="27" name="グループ化 26">
+            <a:extLst>
+              <a:ext uri="{FF2B5EF4-FFF2-40B4-BE49-F238E27FC236}">
+                <a16:creationId xmlns:a16="http://schemas.microsoft.com/office/drawing/2014/main" id="{4D2E9E06-773F-A028-B03E-BDDBE9D6A019}"/>
+              </a:ext>
+            </a:extLst>
+          </p:cNvPr>
+          <p:cNvGrpSpPr/>
+          <p:nvPr/>
+        </p:nvGrpSpPr>
+        <p:grpSpPr>
+          <a:xfrm>
+            <a:off x="3306947" y="4151864"/>
+            <a:ext cx="2258055" cy="1649496"/>
+            <a:chOff x="8837428" y="2244074"/>
+            <a:chExt cx="2258055" cy="1649496"/>
+          </a:xfrm>
+        </p:grpSpPr>
         <p:sp>
           <p:nvSpPr>
             <p:cNvPr id="28" name="吹き出し: 四角形 27">
               <a:extLst>
                 <a:ext uri="{FF2B5EF4-FFF2-40B4-BE49-F238E27FC236}">
-                  <a16:creationId xmlns:a16="http://schemas.microsoft.com/office/drawing/2014/main" id="{562EE68B-83CC-A26C-0CCA-83A290B70D16}"/>
+                  <a16:creationId xmlns:a16="http://schemas.microsoft.com/office/drawing/2014/main" id="{D7BC9F7F-F5B6-844F-2367-FC2B85C049BB}"/>
                 </a:ext>
               </a:extLst>
             </p:cNvPr>
@@ -5481,13 +5370,13 @@
           </p:nvSpPr>
           <p:spPr>
             <a:xfrm>
-              <a:off x="8909196" y="3938430"/>
-              <a:ext cx="2516373" cy="830271"/>
+              <a:off x="8837428" y="2899811"/>
+              <a:ext cx="2181448" cy="993759"/>
             </a:xfrm>
             <a:prstGeom prst="wedgeRectCallout">
               <a:avLst>
-                <a:gd name="adj1" fmla="val -86441"/>
-                <a:gd name="adj2" fmla="val 4308"/>
+                <a:gd name="adj1" fmla="val -22648"/>
+                <a:gd name="adj2" fmla="val -76923"/>
               </a:avLst>
             </a:prstGeom>
             <a:solidFill>
@@ -5559,10 +5448,10 @@
         </p:sp>
         <p:pic>
           <p:nvPicPr>
-            <p:cNvPr id="30" name="グラフィックス 29" descr="挙手">
+            <p:cNvPr id="29" name="グラフィックス 28" descr="挙手">
               <a:extLst>
                 <a:ext uri="{FF2B5EF4-FFF2-40B4-BE49-F238E27FC236}">
-                  <a16:creationId xmlns:a16="http://schemas.microsoft.com/office/drawing/2014/main" id="{94D540A8-98BE-A47A-F9B0-6E950515B663}"/>
+                  <a16:creationId xmlns:a16="http://schemas.microsoft.com/office/drawing/2014/main" id="{C97D1BBA-A8D5-3EB9-F3A7-0D73DED60274}"/>
                 </a:ext>
               </a:extLst>
             </p:cNvPr>
@@ -5572,52 +5461,13 @@
             <p:nvPr/>
           </p:nvPicPr>
           <p:blipFill>
-            <a:blip r:embed="rId2">
+            <a:blip r:embed="rId3">
               <a:extLst>
                 <a:ext uri="{28A0092B-C50C-407E-A947-70E740481C1C}">
                   <a14:useLocalDpi xmlns:a14="http://schemas.microsoft.com/office/drawing/2010/main" val="0"/>
                 </a:ext>
                 <a:ext uri="{96DAC541-7B7A-43D3-8B79-37D633B846F1}">
-                  <asvg:svgBlip xmlns:asvg="http://schemas.microsoft.com/office/drawing/2016/SVG/main" r:embed="rId3"/>
-                </a:ext>
-              </a:extLst>
-            </a:blip>
-            <a:stretch>
-              <a:fillRect/>
-            </a:stretch>
-          </p:blipFill>
-          <p:spPr>
-            <a:xfrm>
-              <a:off x="967560" y="3099391"/>
-              <a:ext cx="978197" cy="914400"/>
-            </a:xfrm>
-            <a:prstGeom prst="rect">
-              <a:avLst/>
-            </a:prstGeom>
-          </p:spPr>
-        </p:pic>
-        <p:pic>
-          <p:nvPicPr>
-            <p:cNvPr id="31" name="グラフィックス 30" descr="挙手">
-              <a:extLst>
-                <a:ext uri="{FF2B5EF4-FFF2-40B4-BE49-F238E27FC236}">
-                  <a16:creationId xmlns:a16="http://schemas.microsoft.com/office/drawing/2014/main" id="{8CD7ADC0-477F-5650-F6EA-0F20A83DD961}"/>
-                </a:ext>
-              </a:extLst>
-            </p:cNvPr>
-            <p:cNvPicPr>
-              <a:picLocks noChangeAspect="1"/>
-            </p:cNvPicPr>
-            <p:nvPr/>
-          </p:nvPicPr>
-          <p:blipFill>
-            <a:blip r:embed="rId2">
-              <a:extLst>
-                <a:ext uri="{28A0092B-C50C-407E-A947-70E740481C1C}">
-                  <a14:useLocalDpi xmlns:a14="http://schemas.microsoft.com/office/drawing/2010/main" val="0"/>
-                </a:ext>
-                <a:ext uri="{96DAC541-7B7A-43D3-8B79-37D633B846F1}">
-                  <asvg:svgBlip xmlns:asvg="http://schemas.microsoft.com/office/drawing/2016/SVG/main" r:embed="rId3"/>
+                  <asvg:svgBlip xmlns:asvg="http://schemas.microsoft.com/office/drawing/2016/SVG/main" r:embed="rId4"/>
                 </a:ext>
               </a:extLst>
             </a:blip>
@@ -5627,7 +5477,7 @@
           </p:blipFill>
           <p:spPr>
             <a:xfrm flipH="1">
-              <a:off x="10246242" y="3288119"/>
+              <a:off x="10117286" y="2244074"/>
               <a:ext cx="978197" cy="914400"/>
             </a:xfrm>
             <a:prstGeom prst="rect">
@@ -5637,10 +5487,10 @@
         </p:pic>
         <p:sp>
           <p:nvSpPr>
-            <p:cNvPr id="32" name="テキスト ボックス 31">
+            <p:cNvPr id="30" name="テキスト ボックス 29">
               <a:extLst>
                 <a:ext uri="{FF2B5EF4-FFF2-40B4-BE49-F238E27FC236}">
-                  <a16:creationId xmlns:a16="http://schemas.microsoft.com/office/drawing/2014/main" id="{2FA4F2BC-A978-A309-C701-661321D0B30B}"/>
+                  <a16:creationId xmlns:a16="http://schemas.microsoft.com/office/drawing/2014/main" id="{BE0E57A8-5754-DD46-5E0E-513266EF5B96}"/>
                 </a:ext>
               </a:extLst>
             </p:cNvPr>
@@ -5649,55 +5499,7 @@
           </p:nvSpPr>
           <p:spPr>
             <a:xfrm>
-              <a:off x="1724689" y="3618358"/>
-              <a:ext cx="1163378" cy="461665"/>
-            </a:xfrm>
-            <a:prstGeom prst="rect">
-              <a:avLst/>
-            </a:prstGeom>
-            <a:noFill/>
-          </p:spPr>
-          <p:txBody>
-            <a:bodyPr wrap="square" rtlCol="0">
-              <a:spAutoFit/>
-            </a:bodyPr>
-            <a:lstStyle/>
-            <a:p>
-              <a:r>
-                <a:rPr lang="ja-JP" altLang="en-US" sz="2400" b="1" dirty="0">
-                  <a:solidFill>
-                    <a:schemeClr val="bg2">
-                      <a:lumMod val="25000"/>
-                    </a:schemeClr>
-                  </a:solidFill>
-                </a:rPr>
-                <a:t>みぎて</a:t>
-              </a:r>
-              <a:endParaRPr kumimoji="1" lang="ja-JP" altLang="en-US" sz="2400" b="1" dirty="0">
-                <a:solidFill>
-                  <a:schemeClr val="bg2">
-                    <a:lumMod val="25000"/>
-                  </a:schemeClr>
-                </a:solidFill>
-              </a:endParaRPr>
-            </a:p>
-          </p:txBody>
-        </p:sp>
-        <p:sp>
-          <p:nvSpPr>
-            <p:cNvPr id="33" name="テキスト ボックス 32">
-              <a:extLst>
-                <a:ext uri="{FF2B5EF4-FFF2-40B4-BE49-F238E27FC236}">
-                  <a16:creationId xmlns:a16="http://schemas.microsoft.com/office/drawing/2014/main" id="{87460F3D-43E9-25ED-B961-D17C5ECD7BB1}"/>
-                </a:ext>
-              </a:extLst>
-            </p:cNvPr>
-            <p:cNvSpPr txBox="1"/>
-            <p:nvPr/>
-          </p:nvSpPr>
-          <p:spPr>
-            <a:xfrm>
-              <a:off x="8996030" y="3793112"/>
+              <a:off x="8859073" y="2758395"/>
               <a:ext cx="1586912" cy="461665"/>
             </a:xfrm>
             <a:prstGeom prst="rect">
@@ -5725,539 +5527,38 @@
           </p:txBody>
         </p:sp>
       </p:grpSp>
-      <p:grpSp>
-        <p:nvGrpSpPr>
-          <p:cNvPr id="40" name="グループ化 39">
+      <p:pic>
+        <p:nvPicPr>
+          <p:cNvPr id="31" name="オンライン メディア 8" title="PazzleSoundGame">
+            <a:hlinkClick r:id="" action="ppaction://media"/>
             <a:extLst>
               <a:ext uri="{FF2B5EF4-FFF2-40B4-BE49-F238E27FC236}">
-                <a16:creationId xmlns:a16="http://schemas.microsoft.com/office/drawing/2014/main" id="{5C081011-D011-7E89-B26B-6836829C32A9}"/>
+                <a16:creationId xmlns:a16="http://schemas.microsoft.com/office/drawing/2014/main" id="{36154EC4-B2BF-FE54-27EC-E71624703319}"/>
               </a:ext>
             </a:extLst>
           </p:cNvPr>
-          <p:cNvGrpSpPr/>
-          <p:nvPr/>
-        </p:nvGrpSpPr>
-        <p:grpSpPr>
-          <a:xfrm>
-            <a:off x="7387858" y="4332307"/>
-            <a:ext cx="2043223" cy="851231"/>
-            <a:chOff x="8646929" y="4283842"/>
-            <a:chExt cx="2043223" cy="851231"/>
-          </a:xfrm>
-        </p:grpSpPr>
-        <p:grpSp>
-          <p:nvGrpSpPr>
-            <p:cNvPr id="38" name="グループ化 37">
-              <a:extLst>
-                <a:ext uri="{FF2B5EF4-FFF2-40B4-BE49-F238E27FC236}">
-                  <a16:creationId xmlns:a16="http://schemas.microsoft.com/office/drawing/2014/main" id="{6F27E3CA-4F7B-674A-C891-79B9C53128A2}"/>
-                </a:ext>
-              </a:extLst>
-            </p:cNvPr>
-            <p:cNvGrpSpPr/>
-            <p:nvPr/>
-          </p:nvGrpSpPr>
-          <p:grpSpPr>
-            <a:xfrm>
-              <a:off x="9095268" y="4603445"/>
-              <a:ext cx="1594884" cy="531628"/>
-              <a:chOff x="2064490" y="5634868"/>
-              <a:chExt cx="1594884" cy="531628"/>
-            </a:xfrm>
-          </p:grpSpPr>
-          <p:sp>
-            <p:nvSpPr>
-              <p:cNvPr id="35" name="正方形/長方形 34">
-                <a:extLst>
-                  <a:ext uri="{FF2B5EF4-FFF2-40B4-BE49-F238E27FC236}">
-                    <a16:creationId xmlns:a16="http://schemas.microsoft.com/office/drawing/2014/main" id="{8D1604E0-0F21-9C76-8753-2244877FCB9E}"/>
-                  </a:ext>
-                </a:extLst>
-              </p:cNvPr>
-              <p:cNvSpPr/>
-              <p:nvPr/>
-            </p:nvSpPr>
-            <p:spPr>
-              <a:xfrm>
-                <a:off x="2064490" y="5634868"/>
-                <a:ext cx="531628" cy="531628"/>
-              </a:xfrm>
-              <a:prstGeom prst="rect">
-                <a:avLst/>
-              </a:prstGeom>
-              <a:solidFill>
-                <a:srgbClr val="0070C0"/>
-              </a:solidFill>
-              <a:ln>
-                <a:solidFill>
-                  <a:schemeClr val="bg1">
-                    <a:lumMod val="95000"/>
-                  </a:schemeClr>
-                </a:solidFill>
-              </a:ln>
-            </p:spPr>
-            <p:style>
-              <a:lnRef idx="2">
-                <a:schemeClr val="accent1">
-                  <a:shade val="50000"/>
-                </a:schemeClr>
-              </a:lnRef>
-              <a:fillRef idx="1">
-                <a:schemeClr val="accent1"/>
-              </a:fillRef>
-              <a:effectRef idx="0">
-                <a:schemeClr val="accent1"/>
-              </a:effectRef>
-              <a:fontRef idx="minor">
-                <a:schemeClr val="lt1"/>
-              </a:fontRef>
-            </p:style>
-            <p:txBody>
-              <a:bodyPr rtlCol="0" anchor="ctr"/>
-              <a:lstStyle/>
-              <a:p>
-                <a:pPr algn="ctr"/>
-                <a:endParaRPr kumimoji="1" lang="ja-JP" altLang="en-US"/>
-              </a:p>
-            </p:txBody>
-          </p:sp>
-          <p:sp>
-            <p:nvSpPr>
-              <p:cNvPr id="36" name="正方形/長方形 35">
-                <a:extLst>
-                  <a:ext uri="{FF2B5EF4-FFF2-40B4-BE49-F238E27FC236}">
-                    <a16:creationId xmlns:a16="http://schemas.microsoft.com/office/drawing/2014/main" id="{6CDE933A-1584-B4B5-A739-8FC0C306003C}"/>
-                  </a:ext>
-                </a:extLst>
-              </p:cNvPr>
-              <p:cNvSpPr/>
-              <p:nvPr/>
-            </p:nvSpPr>
-            <p:spPr>
-              <a:xfrm>
-                <a:off x="2596118" y="5634868"/>
-                <a:ext cx="531628" cy="531628"/>
-              </a:xfrm>
-              <a:prstGeom prst="rect">
-                <a:avLst/>
-              </a:prstGeom>
-              <a:solidFill>
-                <a:srgbClr val="0070C0"/>
-              </a:solidFill>
-              <a:ln>
-                <a:solidFill>
-                  <a:schemeClr val="bg1">
-                    <a:lumMod val="95000"/>
-                  </a:schemeClr>
-                </a:solidFill>
-              </a:ln>
-            </p:spPr>
-            <p:style>
-              <a:lnRef idx="2">
-                <a:schemeClr val="accent1">
-                  <a:shade val="50000"/>
-                </a:schemeClr>
-              </a:lnRef>
-              <a:fillRef idx="1">
-                <a:schemeClr val="accent1"/>
-              </a:fillRef>
-              <a:effectRef idx="0">
-                <a:schemeClr val="accent1"/>
-              </a:effectRef>
-              <a:fontRef idx="minor">
-                <a:schemeClr val="lt1"/>
-              </a:fontRef>
-            </p:style>
-            <p:txBody>
-              <a:bodyPr rtlCol="0" anchor="t"/>
-              <a:lstStyle/>
-              <a:p>
-                <a:pPr algn="ctr"/>
-                <a:endParaRPr kumimoji="1" lang="ja-JP" altLang="en-US" sz="3600" b="1" dirty="0">
-                  <a:solidFill>
-                    <a:schemeClr val="bg2">
-                      <a:lumMod val="25000"/>
-                    </a:schemeClr>
-                  </a:solidFill>
-                </a:endParaRPr>
-              </a:p>
-            </p:txBody>
-          </p:sp>
-          <p:sp>
-            <p:nvSpPr>
-              <p:cNvPr id="37" name="正方形/長方形 36">
-                <a:extLst>
-                  <a:ext uri="{FF2B5EF4-FFF2-40B4-BE49-F238E27FC236}">
-                    <a16:creationId xmlns:a16="http://schemas.microsoft.com/office/drawing/2014/main" id="{85A99506-2302-B096-4D27-05854C15BEBE}"/>
-                  </a:ext>
-                </a:extLst>
-              </p:cNvPr>
-              <p:cNvSpPr/>
-              <p:nvPr/>
-            </p:nvSpPr>
-            <p:spPr>
-              <a:xfrm>
-                <a:off x="3127746" y="5634868"/>
-                <a:ext cx="531628" cy="531628"/>
-              </a:xfrm>
-              <a:prstGeom prst="rect">
-                <a:avLst/>
-              </a:prstGeom>
-              <a:solidFill>
-                <a:srgbClr val="0070C0"/>
-              </a:solidFill>
-              <a:ln>
-                <a:solidFill>
-                  <a:schemeClr val="bg1">
-                    <a:lumMod val="95000"/>
-                  </a:schemeClr>
-                </a:solidFill>
-              </a:ln>
-            </p:spPr>
-            <p:style>
-              <a:lnRef idx="2">
-                <a:schemeClr val="accent1">
-                  <a:shade val="50000"/>
-                </a:schemeClr>
-              </a:lnRef>
-              <a:fillRef idx="1">
-                <a:schemeClr val="accent1"/>
-              </a:fillRef>
-              <a:effectRef idx="0">
-                <a:schemeClr val="accent1"/>
-              </a:effectRef>
-              <a:fontRef idx="minor">
-                <a:schemeClr val="lt1"/>
-              </a:fontRef>
-            </p:style>
-            <p:txBody>
-              <a:bodyPr rtlCol="0" anchor="ctr"/>
-              <a:lstStyle/>
-              <a:p>
-                <a:pPr algn="ctr"/>
-                <a:endParaRPr kumimoji="1" lang="ja-JP" altLang="en-US"/>
-              </a:p>
-            </p:txBody>
-          </p:sp>
-        </p:grpSp>
-        <p:sp>
-          <p:nvSpPr>
-            <p:cNvPr id="39" name="テキスト ボックス 38">
-              <a:extLst>
-                <a:ext uri="{FF2B5EF4-FFF2-40B4-BE49-F238E27FC236}">
-                  <a16:creationId xmlns:a16="http://schemas.microsoft.com/office/drawing/2014/main" id="{48E1BB25-AA36-48F7-507C-8A688EE28B40}"/>
-                </a:ext>
-              </a:extLst>
-            </p:cNvPr>
-            <p:cNvSpPr txBox="1"/>
-            <p:nvPr/>
-          </p:nvSpPr>
-          <p:spPr>
-            <a:xfrm>
-              <a:off x="8646929" y="4283842"/>
-              <a:ext cx="1607289" cy="369332"/>
-            </a:xfrm>
-            <a:prstGeom prst="rect">
-              <a:avLst/>
-            </a:prstGeom>
-            <a:noFill/>
-          </p:spPr>
-          <p:txBody>
-            <a:bodyPr wrap="square" rtlCol="0">
-              <a:spAutoFit/>
-            </a:bodyPr>
-            <a:lstStyle/>
-            <a:p>
-              <a:r>
-                <a:rPr kumimoji="1" lang="ja-JP" altLang="en-US" b="1" dirty="0">
-                  <a:solidFill>
-                    <a:schemeClr val="bg2">
-                      <a:lumMod val="25000"/>
-                    </a:schemeClr>
-                  </a:solidFill>
-                </a:rPr>
-                <a:t>これで</a:t>
-              </a:r>
-              <a:r>
-                <a:rPr kumimoji="1" lang="en-US" altLang="ja-JP" b="1" dirty="0">
-                  <a:solidFill>
-                    <a:schemeClr val="bg2">
-                      <a:lumMod val="25000"/>
-                    </a:schemeClr>
-                  </a:solidFill>
-                </a:rPr>
-                <a:t>3</a:t>
-              </a:r>
-              <a:r>
-                <a:rPr kumimoji="1" lang="ja-JP" altLang="en-US" b="1" dirty="0">
-                  <a:solidFill>
-                    <a:schemeClr val="bg2">
-                      <a:lumMod val="25000"/>
-                    </a:schemeClr>
-                  </a:solidFill>
-                </a:rPr>
-                <a:t>点</a:t>
-              </a:r>
-            </a:p>
-          </p:txBody>
-        </p:sp>
-      </p:grpSp>
-      <p:sp>
-        <p:nvSpPr>
-          <p:cNvPr id="41" name="吹き出し: 四角形 40">
-            <a:extLst>
-              <a:ext uri="{FF2B5EF4-FFF2-40B4-BE49-F238E27FC236}">
-                <a16:creationId xmlns:a16="http://schemas.microsoft.com/office/drawing/2014/main" id="{94A80920-D120-9192-3069-934549DF5F1A}"/>
-              </a:ext>
-            </a:extLst>
-          </p:cNvPr>
-          <p:cNvSpPr/>
-          <p:nvPr/>
-        </p:nvSpPr>
+          <p:cNvPicPr>
+            <a:picLocks noRot="1" noChangeAspect="1"/>
+          </p:cNvPicPr>
+          <p:nvPr>
+            <a:videoFile r:link="rId1"/>
+          </p:nvPr>
+        </p:nvPicPr>
+        <p:blipFill rotWithShape="1">
+          <a:blip r:embed="rId5"/>
+          <a:srcRect l="23759" t="13994" r="16891" b="13939"/>
+          <a:stretch/>
+        </p:blipFill>
         <p:spPr>
           <a:xfrm>
-            <a:off x="9968915" y="5405650"/>
-            <a:ext cx="1847406" cy="531628"/>
+            <a:off x="6572277" y="1433872"/>
+            <a:ext cx="5071083" cy="4608154"/>
           </a:xfrm>
-          <a:prstGeom prst="wedgeRectCallout">
-            <a:avLst>
-              <a:gd name="adj1" fmla="val -65714"/>
-              <a:gd name="adj2" fmla="val 34168"/>
-            </a:avLst>
+          <a:prstGeom prst="rect">
+            <a:avLst/>
           </a:prstGeom>
-          <a:solidFill>
-            <a:schemeClr val="bg2"/>
-          </a:solidFill>
-          <a:ln>
-            <a:noFill/>
-          </a:ln>
         </p:spPr>
-        <p:style>
-          <a:lnRef idx="2">
-            <a:schemeClr val="accent1">
-              <a:shade val="50000"/>
-            </a:schemeClr>
-          </a:lnRef>
-          <a:fillRef idx="1">
-            <a:schemeClr val="accent1"/>
-          </a:fillRef>
-          <a:effectRef idx="0">
-            <a:schemeClr val="accent1"/>
-          </a:effectRef>
-          <a:fontRef idx="minor">
-            <a:schemeClr val="lt1"/>
-          </a:fontRef>
-        </p:style>
-        <p:txBody>
-          <a:bodyPr rtlCol="0" anchor="ctr"/>
-          <a:lstStyle/>
-          <a:p>
-            <a:pPr algn="ctr"/>
-            <a:r>
-              <a:rPr kumimoji="1" lang="ja-JP" altLang="en-US" sz="1400" b="1" dirty="0">
-                <a:solidFill>
-                  <a:schemeClr val="bg2">
-                    <a:lumMod val="25000"/>
-                  </a:schemeClr>
-                </a:solidFill>
-              </a:rPr>
-              <a:t>ミスすると痛い！！</a:t>
-            </a:r>
-          </a:p>
-        </p:txBody>
-      </p:sp>
-    </p:spTree>
-    <p:extLst>
-      <p:ext uri="{BB962C8B-B14F-4D97-AF65-F5344CB8AC3E}">
-        <p14:creationId xmlns:p14="http://schemas.microsoft.com/office/powerpoint/2010/main" val="50367243"/>
-      </p:ext>
-    </p:extLst>
-  </p:cSld>
-  <p:clrMapOvr>
-    <a:masterClrMapping/>
-  </p:clrMapOvr>
-</p:sld>
-</file>
-
-<file path=ppt/slides/slide11.xml><?xml version="1.0" encoding="utf-8"?>
-<p:sld xmlns:a="http://schemas.openxmlformats.org/drawingml/2006/main" xmlns:r="http://schemas.openxmlformats.org/officeDocument/2006/relationships" xmlns:p="http://schemas.openxmlformats.org/presentationml/2006/main">
-  <p:cSld>
-    <p:spTree>
-      <p:nvGrpSpPr>
-        <p:cNvPr id="1" name=""/>
-        <p:cNvGrpSpPr/>
-        <p:nvPr/>
-      </p:nvGrpSpPr>
-      <p:grpSpPr>
-        <a:xfrm>
-          <a:off x="0" y="0"/>
-          <a:ext cx="0" cy="0"/>
-          <a:chOff x="0" y="0"/>
-          <a:chExt cx="0" cy="0"/>
-        </a:xfrm>
-      </p:grpSpPr>
-      <p:sp>
-        <p:nvSpPr>
-          <p:cNvPr id="4" name="タイトル 1">
-            <a:extLst>
-              <a:ext uri="{FF2B5EF4-FFF2-40B4-BE49-F238E27FC236}">
-                <a16:creationId xmlns:a16="http://schemas.microsoft.com/office/drawing/2014/main" id="{C92B1538-EC6D-5321-AF37-4F65AC389969}"/>
-              </a:ext>
-            </a:extLst>
-          </p:cNvPr>
-          <p:cNvSpPr>
-            <a:spLocks noGrp="1"/>
-          </p:cNvSpPr>
-          <p:nvPr>
-            <p:ph type="title"/>
-          </p:nvPr>
-        </p:nvSpPr>
-        <p:spPr>
-          <a:xfrm>
-            <a:off x="838200" y="365125"/>
-            <a:ext cx="10515600" cy="1325563"/>
-          </a:xfrm>
-        </p:spPr>
-        <p:txBody>
-          <a:bodyPr>
-            <a:normAutofit/>
-          </a:bodyPr>
-          <a:lstStyle/>
-          <a:p>
-            <a:r>
-              <a:rPr kumimoji="1" lang="en-US" altLang="ja-JP" sz="2800" dirty="0">
-                <a:solidFill>
-                  <a:schemeClr val="bg2">
-                    <a:lumMod val="25000"/>
-                  </a:schemeClr>
-                </a:solidFill>
-                <a:latin typeface="HGSｺﾞｼｯｸE" panose="020B0900000000000000" pitchFamily="50" charset="-128"/>
-                <a:ea typeface="HGSｺﾞｼｯｸE" panose="020B0900000000000000" pitchFamily="50" charset="-128"/>
-              </a:rPr>
-              <a:t>-</a:t>
-            </a:r>
-            <a:r>
-              <a:rPr kumimoji="1" lang="ja-JP" altLang="en-US" sz="2800" dirty="0">
-                <a:solidFill>
-                  <a:schemeClr val="bg2">
-                    <a:lumMod val="25000"/>
-                  </a:schemeClr>
-                </a:solidFill>
-                <a:latin typeface="HGSｺﾞｼｯｸE" panose="020B0900000000000000" pitchFamily="50" charset="-128"/>
-                <a:ea typeface="HGSｺﾞｼｯｸE" panose="020B0900000000000000" pitchFamily="50" charset="-128"/>
-              </a:rPr>
-              <a:t> </a:t>
-            </a:r>
-            <a:r>
-              <a:rPr lang="ja-JP" altLang="en-US" sz="2800" dirty="0">
-                <a:solidFill>
-                  <a:schemeClr val="bg2">
-                    <a:lumMod val="25000"/>
-                  </a:schemeClr>
-                </a:solidFill>
-                <a:latin typeface="HGSｺﾞｼｯｸE" panose="020B0900000000000000" pitchFamily="50" charset="-128"/>
-                <a:ea typeface="HGSｺﾞｼｯｸE" panose="020B0900000000000000" pitchFamily="50" charset="-128"/>
-              </a:rPr>
-              <a:t>ゲームの設計</a:t>
-            </a:r>
-            <a:r>
-              <a:rPr kumimoji="1" lang="ja-JP" altLang="en-US" sz="2800" dirty="0">
-                <a:solidFill>
-                  <a:schemeClr val="bg2">
-                    <a:lumMod val="25000"/>
-                  </a:schemeClr>
-                </a:solidFill>
-                <a:latin typeface="HGSｺﾞｼｯｸE" panose="020B0900000000000000" pitchFamily="50" charset="-128"/>
-                <a:ea typeface="HGSｺﾞｼｯｸE" panose="020B0900000000000000" pitchFamily="50" charset="-128"/>
-              </a:rPr>
-              <a:t> </a:t>
-            </a:r>
-            <a:r>
-              <a:rPr kumimoji="1" lang="en-US" altLang="ja-JP" sz="2800" dirty="0">
-                <a:solidFill>
-                  <a:schemeClr val="bg2">
-                    <a:lumMod val="25000"/>
-                  </a:schemeClr>
-                </a:solidFill>
-                <a:latin typeface="HGSｺﾞｼｯｸE" panose="020B0900000000000000" pitchFamily="50" charset="-128"/>
-                <a:ea typeface="HGSｺﾞｼｯｸE" panose="020B0900000000000000" pitchFamily="50" charset="-128"/>
-              </a:rPr>
-              <a:t>-</a:t>
-            </a:r>
-            <a:br>
-              <a:rPr kumimoji="1" lang="en-US" altLang="ja-JP" sz="4000" dirty="0">
-                <a:solidFill>
-                  <a:schemeClr val="bg2">
-                    <a:lumMod val="25000"/>
-                  </a:schemeClr>
-                </a:solidFill>
-              </a:rPr>
-            </a:br>
-            <a:r>
-              <a:rPr kumimoji="1" lang="en-US" altLang="ja-JP" sz="2000" dirty="0">
-                <a:solidFill>
-                  <a:schemeClr val="bg2">
-                    <a:lumMod val="50000"/>
-                  </a:schemeClr>
-                </a:solidFill>
-                <a:latin typeface="Bahnschrift SemiLight" panose="020B0502040204020203" pitchFamily="34" charset="0"/>
-                <a:cs typeface="Adobe Devanagari" panose="02040503050201020203" pitchFamily="18" charset="0"/>
-              </a:rPr>
-              <a:t>Game Design</a:t>
-            </a:r>
-            <a:endParaRPr kumimoji="1" lang="ja-JP" altLang="en-US" sz="4000" dirty="0">
-              <a:solidFill>
-                <a:schemeClr val="bg2">
-                  <a:lumMod val="50000"/>
-                </a:schemeClr>
-              </a:solidFill>
-              <a:latin typeface="Bahnschrift SemiLight" panose="020B0502040204020203" pitchFamily="34" charset="0"/>
-              <a:cs typeface="Adobe Devanagari" panose="02040503050201020203" pitchFamily="18" charset="0"/>
-            </a:endParaRPr>
-          </a:p>
-        </p:txBody>
-      </p:sp>
-      <p:sp>
-        <p:nvSpPr>
-          <p:cNvPr id="19" name="コンテンツ プレースホルダー 2">
-            <a:extLst>
-              <a:ext uri="{FF2B5EF4-FFF2-40B4-BE49-F238E27FC236}">
-                <a16:creationId xmlns:a16="http://schemas.microsoft.com/office/drawing/2014/main" id="{40717874-2416-0FD1-F88A-AFA0C4187134}"/>
-              </a:ext>
-            </a:extLst>
-          </p:cNvPr>
-          <p:cNvSpPr>
-            <a:spLocks noGrp="1"/>
-          </p:cNvSpPr>
-          <p:nvPr>
-            <p:ph idx="1"/>
-          </p:nvPr>
-        </p:nvSpPr>
-        <p:spPr>
-          <a:xfrm>
-            <a:off x="838200" y="1825625"/>
-            <a:ext cx="10515600" cy="4351338"/>
-          </a:xfrm>
-        </p:spPr>
-        <p:txBody>
-          <a:bodyPr>
-            <a:normAutofit/>
-          </a:bodyPr>
-          <a:lstStyle/>
-          <a:p>
-            <a:pPr marL="0" indent="0">
-              <a:buNone/>
-            </a:pPr>
-            <a:endParaRPr lang="en-US" altLang="ja-JP" sz="2000" dirty="0">
-              <a:solidFill>
-                <a:schemeClr val="bg2">
-                  <a:lumMod val="25000"/>
-                </a:schemeClr>
-              </a:solidFill>
-            </a:endParaRPr>
-          </a:p>
-        </p:txBody>
-      </p:sp>
+      </p:pic>
     </p:spTree>
     <p:extLst>
       <p:ext uri="{BB962C8B-B14F-4D97-AF65-F5344CB8AC3E}">
@@ -6271,7 +5572,7 @@
 </p:sld>
 </file>
 
-<file path=ppt/slides/slide12.xml><?xml version="1.0" encoding="utf-8"?>
+<file path=ppt/slides/slide11.xml><?xml version="1.0" encoding="utf-8"?>
 <p:sld xmlns:a="http://schemas.openxmlformats.org/drawingml/2006/main" xmlns:r="http://schemas.openxmlformats.org/officeDocument/2006/relationships" xmlns:p="http://schemas.openxmlformats.org/presentationml/2006/main">
   <p:cSld>
     <p:spTree>
@@ -6847,7 +6148,7 @@
 </p:sld>
 </file>
 
-<file path=ppt/slides/slide13.xml><?xml version="1.0" encoding="utf-8"?>
+<file path=ppt/slides/slide12.xml><?xml version="1.0" encoding="utf-8"?>
 <p:sld xmlns:a="http://schemas.openxmlformats.org/drawingml/2006/main" xmlns:r="http://schemas.openxmlformats.org/officeDocument/2006/relationships" xmlns:p="http://schemas.openxmlformats.org/presentationml/2006/main">
   <p:cSld>
     <p:spTree>
@@ -7015,16 +6316,72 @@
           </a:bodyPr>
           <a:lstStyle/>
           <a:p>
+            <a:pPr marL="0" indent="0">
+              <a:lnSpc>
+                <a:spcPct val="150000"/>
+              </a:lnSpc>
+              <a:buNone/>
+            </a:pPr>
+            <a:r>
+              <a:rPr lang="ja-JP" altLang="en-US" b="1" dirty="0">
+                <a:solidFill>
+                  <a:schemeClr val="bg2">
+                    <a:lumMod val="25000"/>
+                  </a:schemeClr>
+                </a:solidFill>
+                <a:ea typeface="游ゴシック"/>
+              </a:rPr>
+              <a:t>課題</a:t>
+            </a:r>
+            <a:endParaRPr lang="en-US" altLang="ja-JP" b="1" dirty="0">
+              <a:solidFill>
+                <a:schemeClr val="bg2">
+                  <a:lumMod val="25000"/>
+                </a:schemeClr>
+              </a:solidFill>
+              <a:ea typeface="游ゴシック"/>
+            </a:endParaRPr>
+          </a:p>
+          <a:p>
             <a:pPr>
               <a:lnSpc>
                 <a:spcPct val="150000"/>
               </a:lnSpc>
             </a:pPr>
             <a:r>
-              <a:rPr lang="ja-JP" altLang="en-US" sz="2000" dirty="0">
+              <a:rPr lang="ja-JP" altLang="en-US" sz="2400" dirty="0">
                 <a:ea typeface="游ゴシック"/>
               </a:rPr>
-              <a:t>アニメーション等の演出と、画面の構成を改善。</a:t>
+              <a:t>アニメーション等の</a:t>
+            </a:r>
+            <a:r>
+              <a:rPr lang="ja-JP" altLang="en-US" sz="2400" b="1" dirty="0">
+                <a:ea typeface="游ゴシック"/>
+              </a:rPr>
+              <a:t>演出</a:t>
+            </a:r>
+            <a:r>
+              <a:rPr lang="ja-JP" altLang="en-US" sz="2400" dirty="0">
+                <a:ea typeface="游ゴシック"/>
+              </a:rPr>
+              <a:t>、画面の</a:t>
+            </a:r>
+            <a:r>
+              <a:rPr lang="ja-JP" altLang="en-US" sz="2400" b="1" dirty="0">
+                <a:solidFill>
+                  <a:schemeClr val="bg2">
+                    <a:lumMod val="25000"/>
+                  </a:schemeClr>
+                </a:solidFill>
+                <a:ea typeface="游ゴシック"/>
+              </a:rPr>
+              <a:t>構成</a:t>
+            </a:r>
+            <a:r>
+              <a:rPr lang="ja-JP" altLang="en-US" sz="2400" dirty="0">
+                <a:ea typeface="游ゴシック"/>
+              </a:rPr>
+              <a:t>。</a:t>
             </a:r>
           </a:p>
           <a:p>
@@ -7034,12 +6391,24 @@
               </a:lnSpc>
             </a:pPr>
             <a:r>
-              <a:rPr lang="ja-JP" altLang="en-US" sz="2000" dirty="0">
+              <a:rPr lang="ja-JP" altLang="en-US" sz="2400" dirty="0">
                 <a:ea typeface="游ゴシック"/>
               </a:rPr>
-              <a:t>更なる音の選定。</a:t>
-            </a:r>
-            <a:endParaRPr lang="en-US" altLang="ja-JP" sz="2000" dirty="0">
+              <a:t>更に適した</a:t>
+            </a:r>
+            <a:r>
+              <a:rPr lang="ja-JP" altLang="en-US" sz="2400" b="1" dirty="0">
+                <a:ea typeface="游ゴシック"/>
+              </a:rPr>
+              <a:t>音</a:t>
+            </a:r>
+            <a:r>
+              <a:rPr lang="ja-JP" altLang="en-US" sz="2400" dirty="0">
+                <a:ea typeface="游ゴシック"/>
+              </a:rPr>
+              <a:t>の選定。</a:t>
+            </a:r>
+            <a:endParaRPr lang="en-US" altLang="ja-JP" sz="2400" dirty="0">
               <a:ea typeface="游ゴシック"/>
             </a:endParaRPr>
           </a:p>
@@ -7049,27 +6418,36 @@
                 <a:spcPct val="150000"/>
               </a:lnSpc>
             </a:pPr>
-            <a:endParaRPr lang="en-US" altLang="ja-JP" sz="2000" dirty="0"/>
-          </a:p>
-          <a:p>
-            <a:pPr>
+            <a:endParaRPr lang="en-US" altLang="ja-JP" sz="2400" dirty="0">
+              <a:ea typeface="游ゴシック"/>
+            </a:endParaRPr>
+          </a:p>
+          <a:p>
+            <a:pPr marL="0" indent="0">
               <a:lnSpc>
                 <a:spcPct val="150000"/>
               </a:lnSpc>
+              <a:buNone/>
             </a:pPr>
-            <a:endParaRPr lang="en-US" altLang="ja-JP" sz="2000" dirty="0"/>
-          </a:p>
-          <a:p>
-            <a:pPr>
-              <a:lnSpc>
-                <a:spcPct val="150000"/>
-              </a:lnSpc>
-            </a:pPr>
-            <a:r>
-              <a:rPr lang="ja-JP" altLang="en-US" sz="2000" dirty="0"/>
-              <a:t>特徴を阻害し合うようなジャンルの組み合わせ方について考察するのもゲームデザインの突破口になるかもしれない。</a:t>
-            </a:r>
-            <a:endParaRPr lang="en-US" altLang="ja-JP" sz="2000" dirty="0"/>
+            <a:r>
+              <a:rPr lang="ja-JP" altLang="en-US" b="1" dirty="0"/>
+              <a:t>特徴を</a:t>
+            </a:r>
+            <a:r>
+              <a:rPr lang="ja-JP" altLang="en-US" b="1" dirty="0">
+                <a:solidFill>
+                  <a:schemeClr val="accent1">
+                    <a:lumMod val="75000"/>
+                  </a:schemeClr>
+                </a:solidFill>
+              </a:rPr>
+              <a:t>阻害し合う</a:t>
+            </a:r>
+            <a:r>
+              <a:rPr lang="ja-JP" altLang="en-US" b="1" dirty="0"/>
+              <a:t>ようなジャンルの組み合わせ方を考察するのも新たなゲームデザインの突破口になるかもしれない。</a:t>
+            </a:r>
+            <a:endParaRPr lang="en-US" altLang="ja-JP" b="1" dirty="0"/>
           </a:p>
           <a:p>
             <a:pPr marL="0" indent="0">
@@ -7085,6 +6463,55 @@
           </a:p>
         </p:txBody>
       </p:sp>
+      <p:cxnSp>
+        <p:nvCxnSpPr>
+          <p:cNvPr id="4" name="直線コネクタ 3">
+            <a:extLst>
+              <a:ext uri="{FF2B5EF4-FFF2-40B4-BE49-F238E27FC236}">
+                <a16:creationId xmlns:a16="http://schemas.microsoft.com/office/drawing/2014/main" id="{C28A8889-880F-1BA0-972F-AD8F33140013}"/>
+              </a:ext>
+            </a:extLst>
+          </p:cNvPr>
+          <p:cNvCxnSpPr>
+            <a:cxnSpLocks/>
+          </p:cNvCxnSpPr>
+          <p:nvPr/>
+        </p:nvCxnSpPr>
+        <p:spPr>
+          <a:xfrm>
+            <a:off x="411480" y="4307840"/>
+            <a:ext cx="11369040" cy="0"/>
+          </a:xfrm>
+          <a:prstGeom prst="line">
+            <a:avLst/>
+          </a:prstGeom>
+          <a:ln w="9525" cap="flat" cmpd="sng" algn="ctr">
+            <a:solidFill>
+              <a:schemeClr val="bg2">
+                <a:lumMod val="25000"/>
+              </a:schemeClr>
+            </a:solidFill>
+            <a:prstDash val="solid"/>
+            <a:round/>
+            <a:headEnd type="none" w="med" len="med"/>
+            <a:tailEnd type="none" w="med" len="med"/>
+          </a:ln>
+        </p:spPr>
+        <p:style>
+          <a:lnRef idx="0">
+            <a:scrgbClr r="0" g="0" b="0"/>
+          </a:lnRef>
+          <a:fillRef idx="0">
+            <a:scrgbClr r="0" g="0" b="0"/>
+          </a:fillRef>
+          <a:effectRef idx="0">
+            <a:scrgbClr r="0" g="0" b="0"/>
+          </a:effectRef>
+          <a:fontRef idx="minor">
+            <a:schemeClr val="tx1"/>
+          </a:fontRef>
+        </p:style>
+      </p:cxnSp>
     </p:spTree>
     <p:extLst>
       <p:ext uri="{BB962C8B-B14F-4D97-AF65-F5344CB8AC3E}">
@@ -7230,7 +6657,7 @@
             </a:avLst>
           </a:prstGeom>
           <a:solidFill>
-            <a:schemeClr val="bg2"/>
+            <a:schemeClr val="bg1"/>
           </a:solidFill>
           <a:ln>
             <a:noFill/>
@@ -7256,65 +6683,55 @@
           <a:bodyPr lIns="91440" tIns="45720" rIns="91440" bIns="45720" rtlCol="0" anchor="t"/>
           <a:lstStyle/>
           <a:p>
-            <a:r>
-              <a:rPr lang="ja-JP" altLang="en-US" sz="2000" b="1">
-                <a:solidFill>
-                  <a:schemeClr val="bg2">
-                    <a:lumMod val="25000"/>
+            <a:pPr algn="ctr"/>
+            <a:r>
+              <a:rPr kumimoji="1" lang="ja-JP" altLang="en-US" sz="2400" b="1" dirty="0">
+                <a:solidFill>
+                  <a:schemeClr val="accent5">
+                    <a:lumMod val="75000"/>
                   </a:schemeClr>
                 </a:solidFill>
                 <a:ea typeface="游ゴシック"/>
               </a:rPr>
-              <a:t>　</a:t>
-            </a:r>
-            <a:r>
-              <a:rPr kumimoji="1" lang="ja-JP" altLang="en-US" sz="2000" b="1">
-                <a:solidFill>
-                  <a:schemeClr val="bg2">
-                    <a:lumMod val="25000"/>
+              <a:t>パズルフェーズ</a:t>
+            </a:r>
+            <a:r>
+              <a:rPr kumimoji="1" lang="ja-JP" altLang="en-US" sz="1600" b="1" dirty="0">
+                <a:solidFill>
+                  <a:schemeClr val="accent5">
+                    <a:lumMod val="75000"/>
                   </a:schemeClr>
                 </a:solidFill>
                 <a:ea typeface="游ゴシック"/>
               </a:rPr>
-              <a:t>パズルフェーズ</a:t>
-            </a:r>
-            <a:r>
-              <a:rPr kumimoji="1" lang="ja-JP" altLang="en-US" sz="1400" b="1">
-                <a:solidFill>
-                  <a:schemeClr val="bg2">
-                    <a:lumMod val="25000"/>
+              <a:t>（</a:t>
+            </a:r>
+            <a:r>
+              <a:rPr lang="ja-JP" altLang="en-US" sz="1600" b="1" dirty="0">
+                <a:solidFill>
+                  <a:schemeClr val="accent5">
+                    <a:lumMod val="75000"/>
                   </a:schemeClr>
                 </a:solidFill>
                 <a:ea typeface="游ゴシック"/>
               </a:rPr>
-              <a:t>（</a:t>
-            </a:r>
-            <a:r>
-              <a:rPr lang="ja-JP" altLang="en-US" sz="1400" b="1">
-                <a:solidFill>
-                  <a:schemeClr val="bg2">
-                    <a:lumMod val="25000"/>
+              <a:t>24</a:t>
+            </a:r>
+            <a:r>
+              <a:rPr kumimoji="1" lang="ja-JP" altLang="en-US" sz="1600" b="1" dirty="0">
+                <a:solidFill>
+                  <a:schemeClr val="accent5">
+                    <a:lumMod val="75000"/>
                   </a:schemeClr>
                 </a:solidFill>
                 <a:ea typeface="游ゴシック"/>
               </a:rPr>
-              <a:t>24</a:t>
-            </a:r>
-            <a:r>
-              <a:rPr kumimoji="1" lang="ja-JP" altLang="en-US" sz="1400" b="1">
-                <a:solidFill>
-                  <a:schemeClr val="bg2">
-                    <a:lumMod val="25000"/>
-                  </a:schemeClr>
-                </a:solidFill>
-                <a:ea typeface="游ゴシック"/>
-              </a:rPr>
               <a:t>拍）</a:t>
             </a:r>
-            <a:endParaRPr lang="en-US" altLang="ja-JP" sz="1400" b="1">
+            <a:endParaRPr lang="en-US" altLang="ja-JP" sz="1600" b="1" dirty="0">
               <a:solidFill>
-                <a:schemeClr val="bg2">
-                  <a:lumMod val="25000"/>
+                <a:schemeClr val="accent5">
+                  <a:lumMod val="75000"/>
                 </a:schemeClr>
               </a:solidFill>
               <a:ea typeface="游ゴシック"/>
@@ -7330,40 +6747,69 @@
             </a:endParaRPr>
           </a:p>
           <a:p>
+            <a:r>
+              <a:rPr kumimoji="1" lang="ja-JP" altLang="en-US" dirty="0">
+                <a:solidFill>
+                  <a:schemeClr val="bg2">
+                    <a:lumMod val="25000"/>
+                  </a:schemeClr>
+                </a:solidFill>
+              </a:rPr>
+              <a:t>上下左右で隣り合うピースと位置を入れ替え、</a:t>
+            </a:r>
+            <a:r>
+              <a:rPr kumimoji="1" lang="ja-JP" altLang="en-US" b="1" dirty="0">
+                <a:solidFill>
+                  <a:schemeClr val="bg2">
+                    <a:lumMod val="25000"/>
+                  </a:schemeClr>
+                </a:solidFill>
+              </a:rPr>
+              <a:t>同じ色のピースを</a:t>
+            </a:r>
+            <a:r>
+              <a:rPr kumimoji="1" lang="en-US" altLang="ja-JP" b="1" dirty="0">
+                <a:solidFill>
+                  <a:schemeClr val="accent5">
+                    <a:lumMod val="75000"/>
+                  </a:schemeClr>
+                </a:solidFill>
+              </a:rPr>
+              <a:t>3</a:t>
+            </a:r>
+            <a:r>
+              <a:rPr kumimoji="1" lang="ja-JP" altLang="en-US" b="1" dirty="0">
+                <a:solidFill>
+                  <a:schemeClr val="accent5">
+                    <a:lumMod val="75000"/>
+                  </a:schemeClr>
+                </a:solidFill>
+              </a:rPr>
+              <a:t>つ</a:t>
+            </a:r>
+            <a:r>
+              <a:rPr kumimoji="1" lang="ja-JP" altLang="en-US" b="1" dirty="0">
+                <a:solidFill>
+                  <a:schemeClr val="bg2">
+                    <a:lumMod val="25000"/>
+                  </a:schemeClr>
+                </a:solidFill>
+              </a:rPr>
+              <a:t>以上揃える</a:t>
+            </a:r>
+            <a:endParaRPr lang="en-US" altLang="ja-JP" b="1" dirty="0">
+              <a:solidFill>
+                <a:schemeClr val="bg2">
+                  <a:lumMod val="25000"/>
+                </a:schemeClr>
+              </a:solidFill>
+            </a:endParaRPr>
+          </a:p>
+          <a:p>
             <a:pPr marL="285750" indent="-285750">
               <a:buFont typeface="Arial" panose="020B0604020202020204" pitchFamily="34" charset="0"/>
               <a:buChar char="•"/>
             </a:pPr>
-            <a:r>
-              <a:rPr kumimoji="1" lang="ja-JP" altLang="en-US" sz="1600" dirty="0">
-                <a:solidFill>
-                  <a:schemeClr val="bg2">
-                    <a:lumMod val="25000"/>
-                  </a:schemeClr>
-                </a:solidFill>
-              </a:rPr>
-              <a:t>同じ色のピースが</a:t>
-            </a:r>
-            <a:r>
-              <a:rPr kumimoji="1" lang="en-US" altLang="ja-JP" sz="1600" dirty="0">
-                <a:solidFill>
-                  <a:schemeClr val="bg2">
-                    <a:lumMod val="25000"/>
-                  </a:schemeClr>
-                </a:solidFill>
-              </a:rPr>
-              <a:t>3</a:t>
-            </a:r>
-            <a:r>
-              <a:rPr kumimoji="1" lang="ja-JP" altLang="en-US" sz="1600" dirty="0">
-                <a:solidFill>
-                  <a:schemeClr val="bg2">
-                    <a:lumMod val="25000"/>
-                  </a:schemeClr>
-                </a:solidFill>
-              </a:rPr>
-              <a:t>つ以上縦、又は横に並ぶように上下左右で隣り合うピースと位置を入れ替える。</a:t>
-            </a:r>
             <a:endParaRPr kumimoji="1" lang="en-US" altLang="ja-JP" sz="1600" dirty="0">
               <a:solidFill>
                 <a:schemeClr val="bg2">
@@ -7477,60 +6923,111 @@
             </a:endParaRPr>
           </a:p>
           <a:p>
-            <a:pPr marL="285750" indent="-285750">
-              <a:buFont typeface="Arial" panose="020B0604020202020204" pitchFamily="34" charset="0"/>
-              <a:buChar char="•"/>
-            </a:pPr>
-            <a:r>
-              <a:rPr kumimoji="1" lang="ja-JP" altLang="en-US" sz="1600" dirty="0">
+            <a:r>
+              <a:rPr kumimoji="1" lang="ja-JP" altLang="en-US" dirty="0">
                 <a:solidFill>
                   <a:schemeClr val="bg2">
                     <a:lumMod val="25000"/>
                   </a:schemeClr>
                 </a:solidFill>
               </a:rPr>
-              <a:t>入れ替わったピース</a:t>
-            </a:r>
-            <a:r>
-              <a:rPr kumimoji="1" lang="en-US" altLang="ja-JP" sz="1600" dirty="0">
+              <a:t>入れ替わったピースの位置に</a:t>
+            </a:r>
+            <a:r>
+              <a:rPr kumimoji="1" lang="ja-JP" altLang="en-US" b="1" dirty="0">
                 <a:solidFill>
                   <a:schemeClr val="bg2">
                     <a:lumMod val="25000"/>
                   </a:schemeClr>
                 </a:solidFill>
               </a:rPr>
-              <a:t>(</a:t>
-            </a:r>
-            <a:r>
-              <a:rPr kumimoji="1" lang="ja-JP" altLang="en-US" sz="1600" dirty="0">
+              <a:t>ノーツ</a:t>
+            </a:r>
+            <a:r>
+              <a:rPr kumimoji="1" lang="ja-JP" altLang="en-US" dirty="0">
                 <a:solidFill>
                   <a:schemeClr val="bg2">
                     <a:lumMod val="25000"/>
                   </a:schemeClr>
                 </a:solidFill>
               </a:rPr>
-              <a:t>上図だと中央の黄色と青のピース</a:t>
-            </a:r>
-            <a:r>
-              <a:rPr kumimoji="1" lang="en-US" altLang="ja-JP" sz="1600" dirty="0">
+              <a:t>が生成され、他のピースは消える。</a:t>
+            </a:r>
+            <a:endParaRPr kumimoji="1" lang="en-US" altLang="ja-JP" dirty="0">
+              <a:solidFill>
+                <a:schemeClr val="bg2">
+                  <a:lumMod val="25000"/>
+                </a:schemeClr>
+              </a:solidFill>
+            </a:endParaRPr>
+          </a:p>
+          <a:p>
+            <a:endParaRPr kumimoji="1" lang="en-US" altLang="ja-JP" sz="1800" dirty="0">
+              <a:solidFill>
+                <a:schemeClr val="bg2">
+                  <a:lumMod val="25000"/>
+                </a:schemeClr>
+              </a:solidFill>
+            </a:endParaRPr>
+          </a:p>
+          <a:p>
+            <a:r>
+              <a:rPr lang="en-US" altLang="ja-JP" dirty="0">
                 <a:solidFill>
                   <a:schemeClr val="bg2">
                     <a:lumMod val="25000"/>
                   </a:schemeClr>
                 </a:solidFill>
               </a:rPr>
-              <a:t>)</a:t>
-            </a:r>
-            <a:r>
-              <a:rPr kumimoji="1" lang="ja-JP" altLang="en-US" sz="1600" dirty="0">
+              <a:t>	</a:t>
+            </a:r>
+            <a:r>
+              <a:rPr kumimoji="1" lang="ja-JP" altLang="en-US" sz="1800" dirty="0">
                 <a:solidFill>
                   <a:schemeClr val="bg2">
                     <a:lumMod val="25000"/>
                   </a:schemeClr>
                 </a:solidFill>
               </a:rPr>
-              <a:t>の位置にノーツが生成され、他のピースは消える。</a:t>
-            </a:r>
+              <a:t>揃ったピースの個数　</a:t>
+            </a:r>
+            <a:r>
+              <a:rPr kumimoji="1" lang="en-US" altLang="ja-JP" sz="1800" dirty="0">
+                <a:solidFill>
+                  <a:schemeClr val="bg2">
+                    <a:lumMod val="25000"/>
+                  </a:schemeClr>
+                </a:solidFill>
+              </a:rPr>
+              <a:t>×</a:t>
+            </a:r>
+            <a:r>
+              <a:rPr lang="ja-JP" altLang="en-US" sz="2800" b="1" dirty="0">
+                <a:solidFill>
+                  <a:schemeClr val="bg2">
+                    <a:lumMod val="25000"/>
+                  </a:schemeClr>
+                </a:solidFill>
+              </a:rPr>
+              <a:t>１</a:t>
+            </a:r>
+            <a:r>
+              <a:rPr lang="ja-JP" altLang="en-US" sz="1800" b="1" dirty="0">
+                <a:solidFill>
+                  <a:schemeClr val="bg2">
+                    <a:lumMod val="25000"/>
+                  </a:schemeClr>
+                </a:solidFill>
+              </a:rPr>
+              <a:t>点</a:t>
+            </a:r>
+            <a:endParaRPr kumimoji="1" lang="ja-JP" altLang="en-US" dirty="0">
+              <a:solidFill>
+                <a:schemeClr val="bg2">
+                  <a:lumMod val="25000"/>
+                </a:schemeClr>
+              </a:solidFill>
+            </a:endParaRPr>
           </a:p>
         </p:txBody>
       </p:sp>
@@ -7557,7 +7054,7 @@
             </a:avLst>
           </a:prstGeom>
           <a:solidFill>
-            <a:schemeClr val="bg2"/>
+            <a:schemeClr val="bg1"/>
           </a:solidFill>
           <a:ln>
             <a:noFill/>
@@ -7583,6 +7080,7 @@
           <a:bodyPr rtlCol="0" anchor="t"/>
           <a:lstStyle/>
           <a:p>
+            <a:pPr algn="ctr"/>
             <a:r>
               <a:rPr kumimoji="1" lang="ja-JP" altLang="en-US" sz="2000" b="1" dirty="0">
                 <a:solidFill>
@@ -7591,42 +7089,52 @@
                   </a:schemeClr>
                 </a:solidFill>
               </a:rPr>
-              <a:t>　リズムフェーズ</a:t>
-            </a:r>
-            <a:r>
-              <a:rPr kumimoji="1" lang="ja-JP" altLang="en-US" sz="1400" b="1" dirty="0">
-                <a:solidFill>
-                  <a:schemeClr val="bg2">
-                    <a:lumMod val="25000"/>
+              <a:t>　</a:t>
+            </a:r>
+            <a:r>
+              <a:rPr kumimoji="1" lang="ja-JP" altLang="en-US" sz="2400" b="1" dirty="0">
+                <a:solidFill>
+                  <a:schemeClr val="accent5">
+                    <a:lumMod val="75000"/>
+                  </a:schemeClr>
+                </a:solidFill>
+              </a:rPr>
+              <a:t>リズムフェーズ</a:t>
+            </a:r>
+            <a:r>
+              <a:rPr kumimoji="1" lang="ja-JP" altLang="en-US" sz="1600" b="1" dirty="0">
+                <a:solidFill>
+                  <a:schemeClr val="accent5">
+                    <a:lumMod val="75000"/>
                   </a:schemeClr>
                 </a:solidFill>
               </a:rPr>
               <a:t>（</a:t>
             </a:r>
             <a:r>
-              <a:rPr kumimoji="1" lang="en-US" altLang="ja-JP" sz="1400" b="1" dirty="0">
-                <a:solidFill>
-                  <a:schemeClr val="bg2">
-                    <a:lumMod val="25000"/>
+              <a:rPr kumimoji="1" lang="en-US" altLang="ja-JP" sz="1600" b="1" dirty="0">
+                <a:solidFill>
+                  <a:schemeClr val="accent5">
+                    <a:lumMod val="75000"/>
                   </a:schemeClr>
                 </a:solidFill>
               </a:rPr>
               <a:t>8</a:t>
             </a:r>
             <a:r>
-              <a:rPr kumimoji="1" lang="ja-JP" altLang="en-US" sz="1400" b="1" dirty="0">
-                <a:solidFill>
-                  <a:schemeClr val="bg2">
-                    <a:lumMod val="25000"/>
+              <a:rPr kumimoji="1" lang="ja-JP" altLang="en-US" sz="1600" b="1" dirty="0">
+                <a:solidFill>
+                  <a:schemeClr val="accent5">
+                    <a:lumMod val="75000"/>
                   </a:schemeClr>
                 </a:solidFill>
               </a:rPr>
               <a:t>拍）</a:t>
             </a:r>
-            <a:endParaRPr kumimoji="1" lang="en-US" altLang="ja-JP" sz="1400" b="1" dirty="0">
+            <a:endParaRPr kumimoji="1" lang="en-US" altLang="ja-JP" sz="1600" b="1" dirty="0">
               <a:solidFill>
-                <a:schemeClr val="bg2">
-                  <a:lumMod val="25000"/>
+                <a:schemeClr val="accent5">
+                  <a:lumMod val="75000"/>
                 </a:schemeClr>
               </a:solidFill>
             </a:endParaRPr>
@@ -7641,20 +7149,321 @@
             </a:endParaRPr>
           </a:p>
           <a:p>
-            <a:pPr marL="285750" indent="-285750">
-              <a:buFont typeface="Arial" panose="020B0604020202020204" pitchFamily="34" charset="0"/>
-              <a:buChar char="•"/>
-            </a:pPr>
-            <a:r>
-              <a:rPr kumimoji="1" lang="ja-JP" altLang="en-US" sz="1600" dirty="0">
+            <a:r>
+              <a:rPr kumimoji="1" lang="ja-JP" altLang="en-US" dirty="0">
                 <a:solidFill>
                   <a:schemeClr val="bg2">
                     <a:lumMod val="25000"/>
                   </a:schemeClr>
                 </a:solidFill>
               </a:rPr>
-              <a:t>パズルフェーズで作ったノーツと、バーが重なったタイミングでそれぞれのノーツに合った操作をする。</a:t>
-            </a:r>
+              <a:t>ノーツとバーが</a:t>
+            </a:r>
+            <a:r>
+              <a:rPr kumimoji="1" lang="ja-JP" altLang="en-US" b="1" dirty="0">
+                <a:solidFill>
+                  <a:schemeClr val="bg2">
+                    <a:lumMod val="25000"/>
+                  </a:schemeClr>
+                </a:solidFill>
+              </a:rPr>
+              <a:t>重なったタイミング</a:t>
+            </a:r>
+            <a:r>
+              <a:rPr kumimoji="1" lang="ja-JP" altLang="en-US" dirty="0">
+                <a:solidFill>
+                  <a:schemeClr val="bg2">
+                    <a:lumMod val="25000"/>
+                  </a:schemeClr>
+                </a:solidFill>
+              </a:rPr>
+              <a:t>で操作する。</a:t>
+            </a:r>
+            <a:endParaRPr kumimoji="1" lang="en-US" altLang="ja-JP" dirty="0">
+              <a:solidFill>
+                <a:schemeClr val="bg2">
+                  <a:lumMod val="25000"/>
+                </a:schemeClr>
+              </a:solidFill>
+            </a:endParaRPr>
+          </a:p>
+          <a:p>
+            <a:endParaRPr lang="en-US" altLang="ja-JP" dirty="0">
+              <a:solidFill>
+                <a:schemeClr val="bg2">
+                  <a:lumMod val="25000"/>
+                </a:schemeClr>
+              </a:solidFill>
+            </a:endParaRPr>
+          </a:p>
+          <a:p>
+            <a:endParaRPr kumimoji="1" lang="en-US" altLang="ja-JP" dirty="0">
+              <a:solidFill>
+                <a:schemeClr val="bg2">
+                  <a:lumMod val="25000"/>
+                </a:schemeClr>
+              </a:solidFill>
+            </a:endParaRPr>
+          </a:p>
+          <a:p>
+            <a:endParaRPr lang="en-US" altLang="ja-JP" dirty="0">
+              <a:solidFill>
+                <a:schemeClr val="bg2">
+                  <a:lumMod val="25000"/>
+                </a:schemeClr>
+              </a:solidFill>
+            </a:endParaRPr>
+          </a:p>
+          <a:p>
+            <a:endParaRPr kumimoji="1" lang="en-US" altLang="ja-JP" dirty="0">
+              <a:solidFill>
+                <a:schemeClr val="bg2">
+                  <a:lumMod val="25000"/>
+                </a:schemeClr>
+              </a:solidFill>
+            </a:endParaRPr>
+          </a:p>
+          <a:p>
+            <a:endParaRPr lang="en-US" altLang="ja-JP" dirty="0">
+              <a:solidFill>
+                <a:schemeClr val="bg2">
+                  <a:lumMod val="25000"/>
+                </a:schemeClr>
+              </a:solidFill>
+            </a:endParaRPr>
+          </a:p>
+          <a:p>
+            <a:endParaRPr kumimoji="1" lang="en-US" altLang="ja-JP" dirty="0">
+              <a:solidFill>
+                <a:schemeClr val="bg2">
+                  <a:lumMod val="25000"/>
+                </a:schemeClr>
+              </a:solidFill>
+            </a:endParaRPr>
+          </a:p>
+          <a:p>
+            <a:endParaRPr lang="en-US" altLang="ja-JP" dirty="0">
+              <a:solidFill>
+                <a:schemeClr val="bg2">
+                  <a:lumMod val="25000"/>
+                </a:schemeClr>
+              </a:solidFill>
+            </a:endParaRPr>
+          </a:p>
+          <a:p>
+            <a:endParaRPr kumimoji="1" lang="en-US" altLang="ja-JP" dirty="0">
+              <a:solidFill>
+                <a:schemeClr val="bg2">
+                  <a:lumMod val="25000"/>
+                </a:schemeClr>
+              </a:solidFill>
+            </a:endParaRPr>
+          </a:p>
+          <a:p>
+            <a:endParaRPr lang="en-US" altLang="ja-JP" sz="1800" dirty="0">
+              <a:solidFill>
+                <a:schemeClr val="bg2">
+                  <a:lumMod val="25000"/>
+                </a:schemeClr>
+              </a:solidFill>
+            </a:endParaRPr>
+          </a:p>
+          <a:p>
+            <a:endParaRPr lang="en-US" altLang="ja-JP" dirty="0">
+              <a:solidFill>
+                <a:schemeClr val="bg2">
+                  <a:lumMod val="25000"/>
+                </a:schemeClr>
+              </a:solidFill>
+            </a:endParaRPr>
+          </a:p>
+          <a:p>
+            <a:r>
+              <a:rPr lang="ja-JP" altLang="en-US" dirty="0">
+                <a:solidFill>
+                  <a:schemeClr val="bg2">
+                    <a:lumMod val="25000"/>
+                  </a:schemeClr>
+                </a:solidFill>
+              </a:rPr>
+              <a:t>　</a:t>
+            </a:r>
+            <a:r>
+              <a:rPr lang="en-US" altLang="ja-JP" sz="1800" dirty="0">
+                <a:solidFill>
+                  <a:schemeClr val="bg2">
+                    <a:lumMod val="25000"/>
+                  </a:schemeClr>
+                </a:solidFill>
+              </a:rPr>
+              <a:t>	Perfect</a:t>
+            </a:r>
+            <a:r>
+              <a:rPr lang="ja-JP" altLang="en-US" sz="1800" dirty="0">
+                <a:solidFill>
+                  <a:schemeClr val="bg2">
+                    <a:lumMod val="25000"/>
+                  </a:schemeClr>
+                </a:solidFill>
+              </a:rPr>
+              <a:t>：</a:t>
+            </a:r>
+            <a:r>
+              <a:rPr lang="en-US" altLang="ja-JP" sz="2800" b="1" dirty="0">
+                <a:solidFill>
+                  <a:schemeClr val="bg2">
+                    <a:lumMod val="25000"/>
+                  </a:schemeClr>
+                </a:solidFill>
+              </a:rPr>
+              <a:t>20</a:t>
+            </a:r>
+            <a:r>
+              <a:rPr lang="ja-JP" altLang="en-US" sz="1800" dirty="0">
+                <a:solidFill>
+                  <a:schemeClr val="bg2">
+                    <a:lumMod val="25000"/>
+                  </a:schemeClr>
+                </a:solidFill>
+              </a:rPr>
+              <a:t>点　</a:t>
+            </a:r>
+            <a:r>
+              <a:rPr lang="en-US" altLang="ja-JP" sz="1800" dirty="0">
+                <a:solidFill>
+                  <a:schemeClr val="bg2">
+                    <a:lumMod val="25000"/>
+                  </a:schemeClr>
+                </a:solidFill>
+              </a:rPr>
+              <a:t>Great</a:t>
+            </a:r>
+            <a:r>
+              <a:rPr lang="ja-JP" altLang="en-US" sz="1800" dirty="0">
+                <a:solidFill>
+                  <a:schemeClr val="bg2">
+                    <a:lumMod val="25000"/>
+                  </a:schemeClr>
+                </a:solidFill>
+              </a:rPr>
+              <a:t>：</a:t>
+            </a:r>
+            <a:r>
+              <a:rPr lang="en-US" altLang="ja-JP" sz="2800" b="1" dirty="0">
+                <a:solidFill>
+                  <a:schemeClr val="bg2">
+                    <a:lumMod val="25000"/>
+                  </a:schemeClr>
+                </a:solidFill>
+              </a:rPr>
+              <a:t>10</a:t>
+            </a:r>
+            <a:r>
+              <a:rPr lang="ja-JP" altLang="en-US" sz="1800" dirty="0">
+                <a:solidFill>
+                  <a:schemeClr val="bg2">
+                    <a:lumMod val="25000"/>
+                  </a:schemeClr>
+                </a:solidFill>
+              </a:rPr>
+              <a:t>点　</a:t>
+            </a:r>
+            <a:endParaRPr lang="en-US" altLang="ja-JP" sz="1800" dirty="0">
+              <a:solidFill>
+                <a:schemeClr val="bg2">
+                  <a:lumMod val="25000"/>
+                </a:schemeClr>
+              </a:solidFill>
+            </a:endParaRPr>
+          </a:p>
+          <a:p>
+            <a:r>
+              <a:rPr lang="en-US" altLang="ja-JP" sz="1800" dirty="0">
+                <a:solidFill>
+                  <a:schemeClr val="bg2">
+                    <a:lumMod val="25000"/>
+                  </a:schemeClr>
+                </a:solidFill>
+              </a:rPr>
+              <a:t>	Good</a:t>
+            </a:r>
+            <a:r>
+              <a:rPr lang="ja-JP" altLang="en-US" sz="1800" dirty="0">
+                <a:solidFill>
+                  <a:schemeClr val="bg2">
+                    <a:lumMod val="25000"/>
+                  </a:schemeClr>
+                </a:solidFill>
+              </a:rPr>
+              <a:t>：</a:t>
+            </a:r>
+            <a:r>
+              <a:rPr lang="en-US" altLang="ja-JP" sz="2800" b="1" dirty="0">
+                <a:solidFill>
+                  <a:schemeClr val="bg2">
+                    <a:lumMod val="25000"/>
+                  </a:schemeClr>
+                </a:solidFill>
+              </a:rPr>
+              <a:t>5</a:t>
+            </a:r>
+            <a:r>
+              <a:rPr lang="ja-JP" altLang="en-US" sz="1800" dirty="0">
+                <a:solidFill>
+                  <a:schemeClr val="bg2">
+                    <a:lumMod val="25000"/>
+                  </a:schemeClr>
+                </a:solidFill>
+              </a:rPr>
+              <a:t>点　　　</a:t>
+            </a:r>
+            <a:r>
+              <a:rPr lang="en-US" altLang="ja-JP" sz="1800" dirty="0">
+                <a:solidFill>
+                  <a:schemeClr val="bg2">
+                    <a:lumMod val="25000"/>
+                  </a:schemeClr>
+                </a:solidFill>
+              </a:rPr>
+              <a:t>Bad</a:t>
+            </a:r>
+            <a:r>
+              <a:rPr lang="ja-JP" altLang="en-US" sz="1800" dirty="0">
+                <a:solidFill>
+                  <a:schemeClr val="bg2">
+                    <a:lumMod val="25000"/>
+                  </a:schemeClr>
+                </a:solidFill>
+              </a:rPr>
+              <a:t>：</a:t>
+            </a:r>
+            <a:r>
+              <a:rPr lang="en-US" altLang="ja-JP" sz="2800" b="1" dirty="0">
+                <a:solidFill>
+                  <a:schemeClr val="bg2">
+                    <a:lumMod val="25000"/>
+                  </a:schemeClr>
+                </a:solidFill>
+              </a:rPr>
+              <a:t>-10</a:t>
+            </a:r>
+            <a:r>
+              <a:rPr lang="ja-JP" altLang="en-US" sz="1800" dirty="0">
+                <a:solidFill>
+                  <a:schemeClr val="bg2">
+                    <a:lumMod val="25000"/>
+                  </a:schemeClr>
+                </a:solidFill>
+              </a:rPr>
+              <a:t>点</a:t>
+            </a:r>
+            <a:endParaRPr kumimoji="1" lang="ja-JP" altLang="en-US" dirty="0">
+              <a:solidFill>
+                <a:schemeClr val="bg2">
+                  <a:lumMod val="25000"/>
+                </a:schemeClr>
+              </a:solidFill>
+            </a:endParaRPr>
           </a:p>
         </p:txBody>
       </p:sp>
@@ -7672,8 +7481,8 @@
         </p:nvGrpSpPr>
         <p:grpSpPr>
           <a:xfrm>
-            <a:off x="5005137" y="3088878"/>
-            <a:ext cx="2029326" cy="1785394"/>
+            <a:off x="5520636" y="3603948"/>
+            <a:ext cx="934330" cy="822020"/>
             <a:chOff x="4965032" y="3156619"/>
             <a:chExt cx="2029326" cy="1785394"/>
           </a:xfrm>
@@ -7806,13 +7615,13 @@
           <p:nvPr>
             <p:extLst>
               <p:ext uri="{D42A27DB-BD31-4B8C-83A1-F6EECF244321}">
-                <p14:modId xmlns:p14="http://schemas.microsoft.com/office/powerpoint/2010/main" val="3196325024"/>
+                <p14:modId xmlns:p14="http://schemas.microsoft.com/office/powerpoint/2010/main" val="1213623629"/>
               </p:ext>
             </p:extLst>
           </p:nvPr>
         </p:nvGraphicFramePr>
         <p:xfrm>
-          <a:off x="1160132" y="3003263"/>
+          <a:off x="1165630" y="3320393"/>
           <a:ext cx="1705986" cy="1235948"/>
         </p:xfrm>
         <a:graphic>
@@ -8080,7 +7889,7 @@
         </p:nvSpPr>
         <p:spPr>
           <a:xfrm>
-            <a:off x="1160132" y="2998579"/>
+            <a:off x="1165630" y="3315709"/>
             <a:ext cx="553624" cy="622658"/>
           </a:xfrm>
           <a:prstGeom prst="rect">
@@ -8132,7 +7941,7 @@
         </p:nvSpPr>
         <p:spPr>
           <a:xfrm>
-            <a:off x="1713756" y="3621237"/>
+            <a:off x="1719254" y="3938367"/>
             <a:ext cx="587314" cy="622658"/>
           </a:xfrm>
           <a:prstGeom prst="rect">
@@ -8184,7 +7993,7 @@
         </p:nvSpPr>
         <p:spPr>
           <a:xfrm>
-            <a:off x="2301070" y="2998579"/>
+            <a:off x="2306568" y="3315709"/>
             <a:ext cx="565048" cy="622658"/>
           </a:xfrm>
           <a:prstGeom prst="rect">
@@ -8237,13 +8046,13 @@
           <p:nvPr>
             <p:extLst>
               <p:ext uri="{D42A27DB-BD31-4B8C-83A1-F6EECF244321}">
-                <p14:modId xmlns:p14="http://schemas.microsoft.com/office/powerpoint/2010/main" val="1306544851"/>
+                <p14:modId xmlns:p14="http://schemas.microsoft.com/office/powerpoint/2010/main" val="1422845561"/>
               </p:ext>
             </p:extLst>
           </p:nvPr>
         </p:nvGraphicFramePr>
         <p:xfrm>
-          <a:off x="3312328" y="3016251"/>
+          <a:off x="3317826" y="3333381"/>
           <a:ext cx="1705986" cy="1235948"/>
         </p:xfrm>
         <a:graphic>
@@ -8511,7 +8320,7 @@
         </p:nvSpPr>
         <p:spPr>
           <a:xfrm>
-            <a:off x="3312328" y="3011567"/>
+            <a:off x="3317826" y="3328697"/>
             <a:ext cx="553624" cy="622658"/>
           </a:xfrm>
           <a:prstGeom prst="rect">
@@ -8563,7 +8372,7 @@
         </p:nvSpPr>
         <p:spPr>
           <a:xfrm>
-            <a:off x="3865952" y="3016251"/>
+            <a:off x="3871450" y="3333381"/>
             <a:ext cx="598738" cy="622658"/>
           </a:xfrm>
           <a:prstGeom prst="rect">
@@ -8615,7 +8424,7 @@
         </p:nvSpPr>
         <p:spPr>
           <a:xfrm>
-            <a:off x="4453266" y="3011567"/>
+            <a:off x="4458764" y="3328697"/>
             <a:ext cx="565048" cy="622658"/>
           </a:xfrm>
           <a:prstGeom prst="rect">
@@ -8667,14 +8476,16 @@
         </p:nvSpPr>
         <p:spPr>
           <a:xfrm>
-            <a:off x="1789698" y="3359980"/>
+            <a:off x="1795196" y="3677110"/>
             <a:ext cx="435429" cy="522514"/>
           </a:xfrm>
           <a:prstGeom prst="upArrow">
             <a:avLst/>
           </a:prstGeom>
           <a:solidFill>
-            <a:schemeClr val="tx1"/>
+            <a:schemeClr val="bg2">
+              <a:lumMod val="25000"/>
+            </a:schemeClr>
           </a:solidFill>
           <a:ln>
             <a:noFill/>
@@ -8736,7 +8547,7 @@
         </p:blipFill>
         <p:spPr>
           <a:xfrm rot="13703679">
-            <a:off x="1885583" y="3771629"/>
+            <a:off x="1875940" y="4099142"/>
             <a:ext cx="914400" cy="914400"/>
           </a:xfrm>
           <a:prstGeom prst="rect">
@@ -8775,7 +8586,7 @@
         </p:blipFill>
         <p:spPr>
           <a:xfrm rot="13703679">
-            <a:off x="4040025" y="3070008"/>
+            <a:off x="4045523" y="3387138"/>
             <a:ext cx="914400" cy="914400"/>
           </a:xfrm>
           <a:prstGeom prst="rect">
@@ -8783,496 +8594,12 @@
           </a:prstGeom>
         </p:spPr>
       </p:pic>
-      <p:grpSp>
-        <p:nvGrpSpPr>
-          <p:cNvPr id="35" name="グループ化 34">
+      <p:sp>
+        <p:nvSpPr>
+          <p:cNvPr id="27" name="正方形/長方形 26">
             <a:extLst>
               <a:ext uri="{FF2B5EF4-FFF2-40B4-BE49-F238E27FC236}">
-                <a16:creationId xmlns:a16="http://schemas.microsoft.com/office/drawing/2014/main" id="{13AAC5CE-18C5-7311-DD8F-3FDA3C87FBB1}"/>
-              </a:ext>
-            </a:extLst>
-          </p:cNvPr>
-          <p:cNvGrpSpPr/>
-          <p:nvPr/>
-        </p:nvGrpSpPr>
-        <p:grpSpPr>
-          <a:xfrm>
-            <a:off x="7602770" y="2911056"/>
-            <a:ext cx="2388955" cy="3200449"/>
-            <a:chOff x="7602770" y="2911056"/>
-            <a:chExt cx="2738427" cy="3668632"/>
-          </a:xfrm>
-        </p:grpSpPr>
-        <p:grpSp>
-          <p:nvGrpSpPr>
-            <p:cNvPr id="26" name="グループ化 25">
-              <a:extLst>
-                <a:ext uri="{FF2B5EF4-FFF2-40B4-BE49-F238E27FC236}">
-                  <a16:creationId xmlns:a16="http://schemas.microsoft.com/office/drawing/2014/main" id="{9190782B-9E44-7D75-E6A2-0EEBBA2FEA46}"/>
-                </a:ext>
-              </a:extLst>
-            </p:cNvPr>
-            <p:cNvGrpSpPr/>
-            <p:nvPr/>
-          </p:nvGrpSpPr>
-          <p:grpSpPr>
-            <a:xfrm>
-              <a:off x="7602770" y="5082541"/>
-              <a:ext cx="2738427" cy="1497147"/>
-              <a:chOff x="1403684" y="3870940"/>
-              <a:chExt cx="4417629" cy="2415198"/>
-            </a:xfrm>
-          </p:grpSpPr>
-          <p:sp>
-            <p:nvSpPr>
-              <p:cNvPr id="27" name="正方形/長方形 26">
-                <a:extLst>
-                  <a:ext uri="{FF2B5EF4-FFF2-40B4-BE49-F238E27FC236}">
-                    <a16:creationId xmlns:a16="http://schemas.microsoft.com/office/drawing/2014/main" id="{B9D1FB3D-AAEC-3376-EFED-113AE5F7E5EF}"/>
-                  </a:ext>
-                </a:extLst>
-              </p:cNvPr>
-              <p:cNvSpPr/>
-              <p:nvPr/>
-            </p:nvSpPr>
-            <p:spPr>
-              <a:xfrm>
-                <a:off x="1403684" y="5227359"/>
-                <a:ext cx="1058779" cy="1058779"/>
-              </a:xfrm>
-              <a:prstGeom prst="rect">
-                <a:avLst/>
-              </a:prstGeom>
-              <a:solidFill>
-                <a:srgbClr val="FFFF99"/>
-              </a:solidFill>
-              <a:ln>
-                <a:noFill/>
-              </a:ln>
-            </p:spPr>
-            <p:style>
-              <a:lnRef idx="2">
-                <a:schemeClr val="accent1">
-                  <a:shade val="50000"/>
-                </a:schemeClr>
-              </a:lnRef>
-              <a:fillRef idx="1">
-                <a:schemeClr val="accent1"/>
-              </a:fillRef>
-              <a:effectRef idx="0">
-                <a:schemeClr val="accent1"/>
-              </a:effectRef>
-              <a:fontRef idx="minor">
-                <a:schemeClr val="lt1"/>
-              </a:fontRef>
-            </p:style>
-            <p:txBody>
-              <a:bodyPr rtlCol="0" anchor="ctr"/>
-              <a:lstStyle/>
-              <a:p>
-                <a:pPr algn="ctr"/>
-                <a:endParaRPr kumimoji="1" lang="ja-JP" altLang="en-US"/>
-              </a:p>
-            </p:txBody>
-          </p:sp>
-          <p:sp>
-            <p:nvSpPr>
-              <p:cNvPr id="28" name="正方形/長方形 27">
-                <a:extLst>
-                  <a:ext uri="{FF2B5EF4-FFF2-40B4-BE49-F238E27FC236}">
-                    <a16:creationId xmlns:a16="http://schemas.microsoft.com/office/drawing/2014/main" id="{0F88E1D0-5665-E7C0-665D-E272FA2E4ABC}"/>
-                  </a:ext>
-                </a:extLst>
-              </p:cNvPr>
-              <p:cNvSpPr/>
-              <p:nvPr/>
-            </p:nvSpPr>
-            <p:spPr>
-              <a:xfrm>
-                <a:off x="1403684" y="3870940"/>
-                <a:ext cx="1058779" cy="1058779"/>
-              </a:xfrm>
-              <a:prstGeom prst="rect">
-                <a:avLst/>
-              </a:prstGeom>
-              <a:solidFill>
-                <a:srgbClr val="FF9999"/>
-              </a:solidFill>
-              <a:ln>
-                <a:noFill/>
-              </a:ln>
-            </p:spPr>
-            <p:style>
-              <a:lnRef idx="2">
-                <a:schemeClr val="accent1">
-                  <a:shade val="50000"/>
-                </a:schemeClr>
-              </a:lnRef>
-              <a:fillRef idx="1">
-                <a:schemeClr val="accent1"/>
-              </a:fillRef>
-              <a:effectRef idx="0">
-                <a:schemeClr val="accent1"/>
-              </a:effectRef>
-              <a:fontRef idx="minor">
-                <a:schemeClr val="lt1"/>
-              </a:fontRef>
-            </p:style>
-            <p:txBody>
-              <a:bodyPr rtlCol="0" anchor="ctr"/>
-              <a:lstStyle/>
-              <a:p>
-                <a:pPr algn="ctr"/>
-                <a:endParaRPr kumimoji="1" lang="ja-JP" altLang="en-US"/>
-              </a:p>
-            </p:txBody>
-          </p:sp>
-          <p:sp>
-            <p:nvSpPr>
-              <p:cNvPr id="29" name="テキスト ボックス 28">
-                <a:extLst>
-                  <a:ext uri="{FF2B5EF4-FFF2-40B4-BE49-F238E27FC236}">
-                    <a16:creationId xmlns:a16="http://schemas.microsoft.com/office/drawing/2014/main" id="{02760F87-3E73-F6CE-9BF6-9DF340458B5B}"/>
-                  </a:ext>
-                </a:extLst>
-              </p:cNvPr>
-              <p:cNvSpPr txBox="1"/>
-              <p:nvPr/>
-            </p:nvSpPr>
-            <p:spPr>
-              <a:xfrm>
-                <a:off x="2927717" y="4390818"/>
-                <a:ext cx="2893596" cy="1365930"/>
-              </a:xfrm>
-              <a:prstGeom prst="rect">
-                <a:avLst/>
-              </a:prstGeom>
-              <a:noFill/>
-            </p:spPr>
-            <p:txBody>
-              <a:bodyPr wrap="square" rtlCol="0">
-                <a:spAutoFit/>
-              </a:bodyPr>
-              <a:lstStyle/>
-              <a:p>
-                <a:r>
-                  <a:rPr kumimoji="1" lang="ja-JP" altLang="en-US" sz="1050" b="1" dirty="0">
-                    <a:solidFill>
-                      <a:schemeClr val="bg2">
-                        <a:lumMod val="25000"/>
-                      </a:schemeClr>
-                    </a:solidFill>
-                  </a:rPr>
-                  <a:t>タップノーツ</a:t>
-                </a:r>
-                <a:endParaRPr kumimoji="1" lang="en-US" altLang="ja-JP" sz="1050" b="1" dirty="0">
-                  <a:solidFill>
-                    <a:schemeClr val="bg2">
-                      <a:lumMod val="25000"/>
-                    </a:schemeClr>
-                  </a:solidFill>
-                </a:endParaRPr>
-              </a:p>
-              <a:p>
-                <a:r>
-                  <a:rPr kumimoji="1" lang="ja-JP" altLang="en-US" sz="1000" dirty="0">
-                    <a:solidFill>
-                      <a:schemeClr val="bg2">
-                        <a:lumMod val="25000"/>
-                      </a:schemeClr>
-                    </a:solidFill>
-                  </a:rPr>
-                  <a:t>バーがノーツの中心に重なるタイミングでタップする</a:t>
-                </a:r>
-              </a:p>
-            </p:txBody>
-          </p:sp>
-        </p:grpSp>
-        <p:grpSp>
-          <p:nvGrpSpPr>
-            <p:cNvPr id="30" name="グループ化 29">
-              <a:extLst>
-                <a:ext uri="{FF2B5EF4-FFF2-40B4-BE49-F238E27FC236}">
-                  <a16:creationId xmlns:a16="http://schemas.microsoft.com/office/drawing/2014/main" id="{A85A8990-8A96-A13A-1FD2-F7D642D12E20}"/>
-                </a:ext>
-              </a:extLst>
-            </p:cNvPr>
-            <p:cNvGrpSpPr/>
-            <p:nvPr/>
-          </p:nvGrpSpPr>
-          <p:grpSpPr>
-            <a:xfrm>
-              <a:off x="7602770" y="2911056"/>
-              <a:ext cx="2738427" cy="2268607"/>
-              <a:chOff x="6378741" y="3223876"/>
-              <a:chExt cx="4377642" cy="3626588"/>
-            </a:xfrm>
-          </p:grpSpPr>
-          <p:sp>
-            <p:nvSpPr>
-              <p:cNvPr id="31" name="正方形/長方形 30">
-                <a:extLst>
-                  <a:ext uri="{FF2B5EF4-FFF2-40B4-BE49-F238E27FC236}">
-                    <a16:creationId xmlns:a16="http://schemas.microsoft.com/office/drawing/2014/main" id="{7BDA93E1-8319-E693-54FF-CF990D70CD70}"/>
-                  </a:ext>
-                </a:extLst>
-              </p:cNvPr>
-              <p:cNvSpPr/>
-              <p:nvPr/>
-            </p:nvSpPr>
-            <p:spPr>
-              <a:xfrm>
-                <a:off x="6378741" y="4856411"/>
-                <a:ext cx="1058779" cy="1058779"/>
-              </a:xfrm>
-              <a:prstGeom prst="rect">
-                <a:avLst/>
-              </a:prstGeom>
-              <a:solidFill>
-                <a:srgbClr val="99FF99"/>
-              </a:solidFill>
-              <a:ln>
-                <a:noFill/>
-              </a:ln>
-            </p:spPr>
-            <p:style>
-              <a:lnRef idx="2">
-                <a:schemeClr val="accent1">
-                  <a:shade val="50000"/>
-                </a:schemeClr>
-              </a:lnRef>
-              <a:fillRef idx="1">
-                <a:schemeClr val="accent1"/>
-              </a:fillRef>
-              <a:effectRef idx="0">
-                <a:schemeClr val="accent1"/>
-              </a:effectRef>
-              <a:fontRef idx="minor">
-                <a:schemeClr val="lt1"/>
-              </a:fontRef>
-            </p:style>
-            <p:txBody>
-              <a:bodyPr rtlCol="0" anchor="t"/>
-              <a:lstStyle/>
-              <a:p>
-                <a:pPr algn="ctr"/>
-                <a:r>
-                  <a:rPr kumimoji="1" lang="en-US" altLang="ja-JP" sz="3600" dirty="0">
-                    <a:solidFill>
-                      <a:schemeClr val="bg2">
-                        <a:lumMod val="25000"/>
-                      </a:schemeClr>
-                    </a:solidFill>
-                  </a:rPr>
-                  <a:t>3</a:t>
-                </a:r>
-                <a:endParaRPr kumimoji="1" lang="ja-JP" altLang="en-US" sz="3600" dirty="0">
-                  <a:solidFill>
-                    <a:schemeClr val="bg2">
-                      <a:lumMod val="25000"/>
-                    </a:schemeClr>
-                  </a:solidFill>
-                </a:endParaRPr>
-              </a:p>
-            </p:txBody>
-          </p:sp>
-          <p:sp>
-            <p:nvSpPr>
-              <p:cNvPr id="32" name="正方形/長方形 31">
-                <a:extLst>
-                  <a:ext uri="{FF2B5EF4-FFF2-40B4-BE49-F238E27FC236}">
-                    <a16:creationId xmlns:a16="http://schemas.microsoft.com/office/drawing/2014/main" id="{F3B87C02-9645-7804-94C8-1B0B599D7768}"/>
-                  </a:ext>
-                </a:extLst>
-              </p:cNvPr>
-              <p:cNvSpPr/>
-              <p:nvPr/>
-            </p:nvSpPr>
-            <p:spPr>
-              <a:xfrm>
-                <a:off x="6378741" y="3508142"/>
-                <a:ext cx="1058780" cy="1058779"/>
-              </a:xfrm>
-              <a:prstGeom prst="rect">
-                <a:avLst/>
-              </a:prstGeom>
-              <a:solidFill>
-                <a:srgbClr val="99CCFF"/>
-              </a:solidFill>
-              <a:ln>
-                <a:noFill/>
-              </a:ln>
-            </p:spPr>
-            <p:style>
-              <a:lnRef idx="2">
-                <a:schemeClr val="accent1">
-                  <a:shade val="50000"/>
-                </a:schemeClr>
-              </a:lnRef>
-              <a:fillRef idx="1">
-                <a:schemeClr val="accent1"/>
-              </a:fillRef>
-              <a:effectRef idx="0">
-                <a:schemeClr val="accent1"/>
-              </a:effectRef>
-              <a:fontRef idx="minor">
-                <a:schemeClr val="lt1"/>
-              </a:fontRef>
-            </p:style>
-            <p:txBody>
-              <a:bodyPr rtlCol="0" anchor="ctr"/>
-              <a:lstStyle/>
-              <a:p>
-                <a:pPr algn="ctr"/>
-                <a:endParaRPr kumimoji="1" lang="ja-JP" altLang="en-US"/>
-              </a:p>
-            </p:txBody>
-          </p:sp>
-          <p:sp>
-            <p:nvSpPr>
-              <p:cNvPr id="33" name="テキスト ボックス 32">
-                <a:extLst>
-                  <a:ext uri="{FF2B5EF4-FFF2-40B4-BE49-F238E27FC236}">
-                    <a16:creationId xmlns:a16="http://schemas.microsoft.com/office/drawing/2014/main" id="{724FB65D-87D9-E557-8E8B-35CC8D3601F4}"/>
-                  </a:ext>
-                </a:extLst>
-              </p:cNvPr>
-              <p:cNvSpPr txBox="1"/>
-              <p:nvPr/>
-            </p:nvSpPr>
-            <p:spPr>
-              <a:xfrm>
-                <a:off x="7862786" y="3223876"/>
-                <a:ext cx="2893597" cy="1649656"/>
-              </a:xfrm>
-              <a:prstGeom prst="rect">
-                <a:avLst/>
-              </a:prstGeom>
-              <a:noFill/>
-            </p:spPr>
-            <p:txBody>
-              <a:bodyPr wrap="square" rtlCol="0">
-                <a:spAutoFit/>
-              </a:bodyPr>
-              <a:lstStyle/>
-              <a:p>
-                <a:r>
-                  <a:rPr lang="ja-JP" altLang="en-US" sz="1050" b="1" dirty="0">
-                    <a:solidFill>
-                      <a:schemeClr val="bg2">
-                        <a:lumMod val="25000"/>
-                      </a:schemeClr>
-                    </a:solidFill>
-                  </a:rPr>
-                  <a:t>フリック</a:t>
-                </a:r>
-                <a:r>
-                  <a:rPr kumimoji="1" lang="ja-JP" altLang="en-US" sz="1050" b="1" dirty="0">
-                    <a:solidFill>
-                      <a:schemeClr val="bg2">
-                        <a:lumMod val="25000"/>
-                      </a:schemeClr>
-                    </a:solidFill>
-                  </a:rPr>
-                  <a:t>ノーツ</a:t>
-                </a:r>
-                <a:endParaRPr kumimoji="1" lang="en-US" altLang="ja-JP" sz="1050" b="1" dirty="0">
-                  <a:solidFill>
-                    <a:schemeClr val="bg2">
-                      <a:lumMod val="25000"/>
-                    </a:schemeClr>
-                  </a:solidFill>
-                </a:endParaRPr>
-              </a:p>
-              <a:p>
-                <a:r>
-                  <a:rPr kumimoji="1" lang="ja-JP" altLang="en-US" sz="1000" dirty="0">
-                    <a:solidFill>
-                      <a:schemeClr val="bg2">
-                        <a:lumMod val="25000"/>
-                      </a:schemeClr>
-                    </a:solidFill>
-                  </a:rPr>
-                  <a:t>バーがノーツの中心に重なるタイミングでタップし、矢印の方向にフリックする</a:t>
-                </a:r>
-              </a:p>
-            </p:txBody>
-          </p:sp>
-          <p:sp>
-            <p:nvSpPr>
-              <p:cNvPr id="34" name="テキスト ボックス 33">
-                <a:extLst>
-                  <a:ext uri="{FF2B5EF4-FFF2-40B4-BE49-F238E27FC236}">
-                    <a16:creationId xmlns:a16="http://schemas.microsoft.com/office/drawing/2014/main" id="{839E48BD-DB6D-E72B-7A88-F2158995D17A}"/>
-                  </a:ext>
-                </a:extLst>
-              </p:cNvPr>
-              <p:cNvSpPr txBox="1"/>
-              <p:nvPr/>
-            </p:nvSpPr>
-            <p:spPr>
-              <a:xfrm>
-                <a:off x="7829545" y="4904715"/>
-                <a:ext cx="2893597" cy="1945749"/>
-              </a:xfrm>
-              <a:prstGeom prst="rect">
-                <a:avLst/>
-              </a:prstGeom>
-              <a:noFill/>
-            </p:spPr>
-            <p:txBody>
-              <a:bodyPr wrap="square" rtlCol="0">
-                <a:spAutoFit/>
-              </a:bodyPr>
-              <a:lstStyle/>
-              <a:p>
-                <a:r>
-                  <a:rPr kumimoji="1" lang="ja-JP" altLang="en-US" sz="1050" b="1" dirty="0">
-                    <a:solidFill>
-                      <a:schemeClr val="bg2">
-                        <a:lumMod val="25000"/>
-                      </a:schemeClr>
-                    </a:solidFill>
-                  </a:rPr>
-                  <a:t>ロングノーツ</a:t>
-                </a:r>
-                <a:endParaRPr kumimoji="1" lang="en-US" altLang="ja-JP" sz="1050" b="1" dirty="0">
-                  <a:solidFill>
-                    <a:schemeClr val="bg2">
-                      <a:lumMod val="25000"/>
-                    </a:schemeClr>
-                  </a:solidFill>
-                </a:endParaRPr>
-              </a:p>
-              <a:p>
-                <a:r>
-                  <a:rPr lang="ja-JP" altLang="en-US" sz="1000" dirty="0">
-                    <a:solidFill>
-                      <a:schemeClr val="bg2">
-                        <a:lumMod val="25000"/>
-                      </a:schemeClr>
-                    </a:solidFill>
-                  </a:rPr>
-                  <a:t>バーがノーツの中心に重なるタイミングでタップし、そのまま表示されている拍数だけ長押しする。</a:t>
-                </a:r>
-                <a:endParaRPr kumimoji="1" lang="ja-JP" altLang="en-US" sz="1000" dirty="0">
-                  <a:solidFill>
-                    <a:schemeClr val="bg2">
-                      <a:lumMod val="25000"/>
-                    </a:schemeClr>
-                  </a:solidFill>
-                </a:endParaRPr>
-              </a:p>
-            </p:txBody>
-          </p:sp>
-        </p:grpSp>
-      </p:grpSp>
-      <p:sp>
-        <p:nvSpPr>
-          <p:cNvPr id="36" name="矢印: 右 35">
-            <a:extLst>
-              <a:ext uri="{FF2B5EF4-FFF2-40B4-BE49-F238E27FC236}">
-                <a16:creationId xmlns:a16="http://schemas.microsoft.com/office/drawing/2014/main" id="{750AEAE4-F142-6E07-203F-71F915887112}"/>
+                <a16:creationId xmlns:a16="http://schemas.microsoft.com/office/drawing/2014/main" id="{B9D1FB3D-AAEC-3376-EFED-113AE5F7E5EF}"/>
               </a:ext>
             </a:extLst>
           </p:cNvPr>
@@ -9281,17 +8608,17 @@
         </p:nvSpPr>
         <p:spPr>
           <a:xfrm>
-            <a:off x="7716783" y="3193258"/>
-            <a:ext cx="344538" cy="323648"/>
+            <a:off x="9278524" y="3814698"/>
+            <a:ext cx="789796" cy="789796"/>
           </a:xfrm>
-          <a:prstGeom prst="rightArrow">
+          <a:prstGeom prst="rect">
             <a:avLst/>
           </a:prstGeom>
-          <a:noFill/>
+          <a:solidFill>
+            <a:srgbClr val="FFFF99"/>
+          </a:solidFill>
           <a:ln>
-            <a:solidFill>
-              <a:schemeClr val="tx1"/>
-            </a:solidFill>
+            <a:noFill/>
           </a:ln>
         </p:spPr>
         <p:style>
@@ -9316,6 +8643,453 @@
           <a:p>
             <a:pPr algn="ctr"/>
             <a:endParaRPr kumimoji="1" lang="ja-JP" altLang="en-US"/>
+          </a:p>
+        </p:txBody>
+      </p:sp>
+      <p:sp>
+        <p:nvSpPr>
+          <p:cNvPr id="28" name="正方形/長方形 27">
+            <a:extLst>
+              <a:ext uri="{FF2B5EF4-FFF2-40B4-BE49-F238E27FC236}">
+                <a16:creationId xmlns:a16="http://schemas.microsoft.com/office/drawing/2014/main" id="{0F88E1D0-5665-E7C0-665D-E272FA2E4ABC}"/>
+              </a:ext>
+            </a:extLst>
+          </p:cNvPr>
+          <p:cNvSpPr/>
+          <p:nvPr/>
+        </p:nvSpPr>
+        <p:spPr>
+          <a:xfrm>
+            <a:off x="9278524" y="2855015"/>
+            <a:ext cx="789796" cy="789796"/>
+          </a:xfrm>
+          <a:prstGeom prst="rect">
+            <a:avLst/>
+          </a:prstGeom>
+          <a:solidFill>
+            <a:srgbClr val="FF9999"/>
+          </a:solidFill>
+          <a:ln>
+            <a:noFill/>
+          </a:ln>
+        </p:spPr>
+        <p:style>
+          <a:lnRef idx="2">
+            <a:schemeClr val="accent1">
+              <a:shade val="50000"/>
+            </a:schemeClr>
+          </a:lnRef>
+          <a:fillRef idx="1">
+            <a:schemeClr val="accent1"/>
+          </a:fillRef>
+          <a:effectRef idx="0">
+            <a:schemeClr val="accent1"/>
+          </a:effectRef>
+          <a:fontRef idx="minor">
+            <a:schemeClr val="lt1"/>
+          </a:fontRef>
+        </p:style>
+        <p:txBody>
+          <a:bodyPr rtlCol="0" anchor="ctr"/>
+          <a:lstStyle/>
+          <a:p>
+            <a:pPr algn="ctr"/>
+            <a:endParaRPr kumimoji="1" lang="ja-JP" altLang="en-US"/>
+          </a:p>
+        </p:txBody>
+      </p:sp>
+      <p:sp>
+        <p:nvSpPr>
+          <p:cNvPr id="29" name="テキスト ボックス 28">
+            <a:extLst>
+              <a:ext uri="{FF2B5EF4-FFF2-40B4-BE49-F238E27FC236}">
+                <a16:creationId xmlns:a16="http://schemas.microsoft.com/office/drawing/2014/main" id="{02760F87-3E73-F6CE-9BF6-9DF340458B5B}"/>
+              </a:ext>
+            </a:extLst>
+          </p:cNvPr>
+          <p:cNvSpPr txBox="1"/>
+          <p:nvPr/>
+        </p:nvSpPr>
+        <p:spPr>
+          <a:xfrm>
+            <a:off x="10216236" y="3144031"/>
+            <a:ext cx="908964" cy="369332"/>
+          </a:xfrm>
+          <a:prstGeom prst="rect">
+            <a:avLst/>
+          </a:prstGeom>
+          <a:noFill/>
+        </p:spPr>
+        <p:txBody>
+          <a:bodyPr wrap="square" rtlCol="0">
+            <a:spAutoFit/>
+          </a:bodyPr>
+          <a:lstStyle/>
+          <a:p>
+            <a:r>
+              <a:rPr kumimoji="1" lang="ja-JP" altLang="en-US" b="1" dirty="0">
+                <a:solidFill>
+                  <a:schemeClr val="bg2">
+                    <a:lumMod val="25000"/>
+                  </a:schemeClr>
+                </a:solidFill>
+              </a:rPr>
+              <a:t>タップ</a:t>
+            </a:r>
+            <a:endParaRPr kumimoji="1" lang="en-US" altLang="ja-JP" b="1" dirty="0">
+              <a:solidFill>
+                <a:schemeClr val="bg2">
+                  <a:lumMod val="25000"/>
+                </a:schemeClr>
+              </a:solidFill>
+            </a:endParaRPr>
+          </a:p>
+        </p:txBody>
+      </p:sp>
+      <p:sp>
+        <p:nvSpPr>
+          <p:cNvPr id="31" name="正方形/長方形 30">
+            <a:extLst>
+              <a:ext uri="{FF2B5EF4-FFF2-40B4-BE49-F238E27FC236}">
+                <a16:creationId xmlns:a16="http://schemas.microsoft.com/office/drawing/2014/main" id="{7BDA93E1-8319-E693-54FF-CF990D70CD70}"/>
+              </a:ext>
+            </a:extLst>
+          </p:cNvPr>
+          <p:cNvSpPr/>
+          <p:nvPr/>
+        </p:nvSpPr>
+        <p:spPr>
+          <a:xfrm>
+            <a:off x="7124044" y="3814698"/>
+            <a:ext cx="789795" cy="789795"/>
+          </a:xfrm>
+          <a:prstGeom prst="rect">
+            <a:avLst/>
+          </a:prstGeom>
+          <a:solidFill>
+            <a:srgbClr val="99FF99"/>
+          </a:solidFill>
+          <a:ln>
+            <a:noFill/>
+          </a:ln>
+        </p:spPr>
+        <p:style>
+          <a:lnRef idx="2">
+            <a:schemeClr val="accent1">
+              <a:shade val="50000"/>
+            </a:schemeClr>
+          </a:lnRef>
+          <a:fillRef idx="1">
+            <a:schemeClr val="accent1"/>
+          </a:fillRef>
+          <a:effectRef idx="0">
+            <a:schemeClr val="accent1"/>
+          </a:effectRef>
+          <a:fontRef idx="minor">
+            <a:schemeClr val="lt1"/>
+          </a:fontRef>
+        </p:style>
+        <p:txBody>
+          <a:bodyPr rtlCol="0" anchor="ctr"/>
+          <a:lstStyle/>
+          <a:p>
+            <a:pPr algn="ctr"/>
+            <a:r>
+              <a:rPr kumimoji="1" lang="en-US" altLang="ja-JP" sz="3600" b="1" dirty="0">
+                <a:solidFill>
+                  <a:schemeClr val="bg2">
+                    <a:lumMod val="25000"/>
+                  </a:schemeClr>
+                </a:solidFill>
+              </a:rPr>
+              <a:t>3</a:t>
+            </a:r>
+            <a:endParaRPr kumimoji="1" lang="ja-JP" altLang="en-US" sz="3600" b="1" dirty="0">
+              <a:solidFill>
+                <a:schemeClr val="bg2">
+                  <a:lumMod val="25000"/>
+                </a:schemeClr>
+              </a:solidFill>
+            </a:endParaRPr>
+          </a:p>
+        </p:txBody>
+      </p:sp>
+      <p:sp>
+        <p:nvSpPr>
+          <p:cNvPr id="33" name="テキスト ボックス 32">
+            <a:extLst>
+              <a:ext uri="{FF2B5EF4-FFF2-40B4-BE49-F238E27FC236}">
+                <a16:creationId xmlns:a16="http://schemas.microsoft.com/office/drawing/2014/main" id="{724FB65D-87D9-E557-8E8B-35CC8D3601F4}"/>
+              </a:ext>
+            </a:extLst>
+          </p:cNvPr>
+          <p:cNvSpPr txBox="1"/>
+          <p:nvPr/>
+        </p:nvSpPr>
+        <p:spPr>
+          <a:xfrm>
+            <a:off x="8003419" y="3088878"/>
+            <a:ext cx="1579086" cy="369332"/>
+          </a:xfrm>
+          <a:prstGeom prst="rect">
+            <a:avLst/>
+          </a:prstGeom>
+          <a:noFill/>
+        </p:spPr>
+        <p:txBody>
+          <a:bodyPr wrap="square" rtlCol="0">
+            <a:spAutoFit/>
+          </a:bodyPr>
+          <a:lstStyle/>
+          <a:p>
+            <a:r>
+              <a:rPr lang="ja-JP" altLang="en-US" b="1" dirty="0">
+                <a:solidFill>
+                  <a:schemeClr val="bg2">
+                    <a:lumMod val="25000"/>
+                  </a:schemeClr>
+                </a:solidFill>
+              </a:rPr>
+              <a:t>フリック</a:t>
+            </a:r>
+            <a:endParaRPr kumimoji="1" lang="en-US" altLang="ja-JP" b="1" dirty="0">
+              <a:solidFill>
+                <a:schemeClr val="bg2">
+                  <a:lumMod val="25000"/>
+                </a:schemeClr>
+              </a:solidFill>
+            </a:endParaRPr>
+          </a:p>
+        </p:txBody>
+      </p:sp>
+      <p:sp>
+        <p:nvSpPr>
+          <p:cNvPr id="34" name="テキスト ボックス 33">
+            <a:extLst>
+              <a:ext uri="{FF2B5EF4-FFF2-40B4-BE49-F238E27FC236}">
+                <a16:creationId xmlns:a16="http://schemas.microsoft.com/office/drawing/2014/main" id="{839E48BD-DB6D-E72B-7A88-F2158995D17A}"/>
+              </a:ext>
+            </a:extLst>
+          </p:cNvPr>
+          <p:cNvSpPr txBox="1"/>
+          <p:nvPr/>
+        </p:nvSpPr>
+        <p:spPr>
+          <a:xfrm>
+            <a:off x="8073720" y="4014958"/>
+            <a:ext cx="1579086" cy="369332"/>
+          </a:xfrm>
+          <a:prstGeom prst="rect">
+            <a:avLst/>
+          </a:prstGeom>
+          <a:noFill/>
+        </p:spPr>
+        <p:txBody>
+          <a:bodyPr wrap="square" rtlCol="0">
+            <a:spAutoFit/>
+          </a:bodyPr>
+          <a:lstStyle/>
+          <a:p>
+            <a:r>
+              <a:rPr kumimoji="1" lang="ja-JP" altLang="en-US" b="1" dirty="0">
+                <a:solidFill>
+                  <a:schemeClr val="bg2">
+                    <a:lumMod val="25000"/>
+                  </a:schemeClr>
+                </a:solidFill>
+              </a:rPr>
+              <a:t>長押</a:t>
+            </a:r>
+            <a:r>
+              <a:rPr kumimoji="1" lang="ja-JP" altLang="en-US" sz="1600" b="1" dirty="0">
+                <a:solidFill>
+                  <a:schemeClr val="bg2">
+                    <a:lumMod val="25000"/>
+                  </a:schemeClr>
+                </a:solidFill>
+              </a:rPr>
+              <a:t>し</a:t>
+            </a:r>
+            <a:endParaRPr kumimoji="1" lang="en-US" altLang="ja-JP" sz="1600" b="1" dirty="0">
+              <a:solidFill>
+                <a:schemeClr val="bg2">
+                  <a:lumMod val="25000"/>
+                </a:schemeClr>
+              </a:solidFill>
+            </a:endParaRPr>
+          </a:p>
+        </p:txBody>
+      </p:sp>
+      <p:grpSp>
+        <p:nvGrpSpPr>
+          <p:cNvPr id="3" name="グループ化 2">
+            <a:extLst>
+              <a:ext uri="{FF2B5EF4-FFF2-40B4-BE49-F238E27FC236}">
+                <a16:creationId xmlns:a16="http://schemas.microsoft.com/office/drawing/2014/main" id="{4DFD0833-B8C7-B443-0390-5F6BD279EA35}"/>
+              </a:ext>
+            </a:extLst>
+          </p:cNvPr>
+          <p:cNvGrpSpPr/>
+          <p:nvPr/>
+        </p:nvGrpSpPr>
+        <p:grpSpPr>
+          <a:xfrm>
+            <a:off x="7124043" y="2851205"/>
+            <a:ext cx="789796" cy="789795"/>
+            <a:chOff x="7602770" y="3066185"/>
+            <a:chExt cx="577795" cy="577794"/>
+          </a:xfrm>
+        </p:grpSpPr>
+        <p:sp>
+          <p:nvSpPr>
+            <p:cNvPr id="32" name="正方形/長方形 31">
+              <a:extLst>
+                <a:ext uri="{FF2B5EF4-FFF2-40B4-BE49-F238E27FC236}">
+                  <a16:creationId xmlns:a16="http://schemas.microsoft.com/office/drawing/2014/main" id="{F3B87C02-9645-7804-94C8-1B0B599D7768}"/>
+                </a:ext>
+              </a:extLst>
+            </p:cNvPr>
+            <p:cNvSpPr/>
+            <p:nvPr/>
+          </p:nvSpPr>
+          <p:spPr>
+            <a:xfrm>
+              <a:off x="7602770" y="3066185"/>
+              <a:ext cx="577795" cy="577794"/>
+            </a:xfrm>
+            <a:prstGeom prst="rect">
+              <a:avLst/>
+            </a:prstGeom>
+            <a:solidFill>
+              <a:srgbClr val="99CCFF"/>
+            </a:solidFill>
+            <a:ln>
+              <a:noFill/>
+            </a:ln>
+          </p:spPr>
+          <p:style>
+            <a:lnRef idx="2">
+              <a:schemeClr val="accent1">
+                <a:shade val="50000"/>
+              </a:schemeClr>
+            </a:lnRef>
+            <a:fillRef idx="1">
+              <a:schemeClr val="accent1"/>
+            </a:fillRef>
+            <a:effectRef idx="0">
+              <a:schemeClr val="accent1"/>
+            </a:effectRef>
+            <a:fontRef idx="minor">
+              <a:schemeClr val="lt1"/>
+            </a:fontRef>
+          </p:style>
+          <p:txBody>
+            <a:bodyPr rtlCol="0" anchor="ctr"/>
+            <a:lstStyle/>
+            <a:p>
+              <a:pPr algn="ctr"/>
+              <a:endParaRPr kumimoji="1" lang="ja-JP" altLang="en-US" dirty="0"/>
+            </a:p>
+          </p:txBody>
+        </p:sp>
+        <p:sp>
+          <p:nvSpPr>
+            <p:cNvPr id="36" name="矢印: 右 35">
+              <a:extLst>
+                <a:ext uri="{FF2B5EF4-FFF2-40B4-BE49-F238E27FC236}">
+                  <a16:creationId xmlns:a16="http://schemas.microsoft.com/office/drawing/2014/main" id="{750AEAE4-F142-6E07-203F-71F915887112}"/>
+                </a:ext>
+              </a:extLst>
+            </p:cNvPr>
+            <p:cNvSpPr/>
+            <p:nvPr/>
+          </p:nvSpPr>
+          <p:spPr>
+            <a:xfrm>
+              <a:off x="7716783" y="3193258"/>
+              <a:ext cx="344538" cy="323648"/>
+            </a:xfrm>
+            <a:prstGeom prst="rightArrow">
+              <a:avLst/>
+            </a:prstGeom>
+            <a:noFill/>
+            <a:ln>
+              <a:solidFill>
+                <a:schemeClr val="tx1"/>
+              </a:solidFill>
+            </a:ln>
+          </p:spPr>
+          <p:style>
+            <a:lnRef idx="2">
+              <a:schemeClr val="accent1">
+                <a:shade val="50000"/>
+              </a:schemeClr>
+            </a:lnRef>
+            <a:fillRef idx="1">
+              <a:schemeClr val="accent1"/>
+            </a:fillRef>
+            <a:effectRef idx="0">
+              <a:schemeClr val="accent1"/>
+            </a:effectRef>
+            <a:fontRef idx="minor">
+              <a:schemeClr val="lt1"/>
+            </a:fontRef>
+          </p:style>
+          <p:txBody>
+            <a:bodyPr rtlCol="0" anchor="ctr"/>
+            <a:lstStyle/>
+            <a:p>
+              <a:pPr algn="ctr"/>
+              <a:endParaRPr kumimoji="1" lang="ja-JP" altLang="en-US"/>
+            </a:p>
+          </p:txBody>
+        </p:sp>
+      </p:grpSp>
+      <p:sp>
+        <p:nvSpPr>
+          <p:cNvPr id="18" name="テキスト ボックス 17">
+            <a:extLst>
+              <a:ext uri="{FF2B5EF4-FFF2-40B4-BE49-F238E27FC236}">
+                <a16:creationId xmlns:a16="http://schemas.microsoft.com/office/drawing/2014/main" id="{50488AE1-5E70-0542-7019-E6DFB0CF671C}"/>
+              </a:ext>
+            </a:extLst>
+          </p:cNvPr>
+          <p:cNvSpPr txBox="1"/>
+          <p:nvPr/>
+        </p:nvSpPr>
+        <p:spPr>
+          <a:xfrm>
+            <a:off x="10216236" y="4049316"/>
+            <a:ext cx="908964" cy="369332"/>
+          </a:xfrm>
+          <a:prstGeom prst="rect">
+            <a:avLst/>
+          </a:prstGeom>
+          <a:noFill/>
+        </p:spPr>
+        <p:txBody>
+          <a:bodyPr wrap="square" rtlCol="0">
+            <a:spAutoFit/>
+          </a:bodyPr>
+          <a:lstStyle/>
+          <a:p>
+            <a:r>
+              <a:rPr kumimoji="1" lang="ja-JP" altLang="en-US" b="1" dirty="0">
+                <a:solidFill>
+                  <a:schemeClr val="bg2">
+                    <a:lumMod val="25000"/>
+                  </a:schemeClr>
+                </a:solidFill>
+              </a:rPr>
+              <a:t>タップ</a:t>
+            </a:r>
+            <a:endParaRPr kumimoji="1" lang="en-US" altLang="ja-JP" b="1" dirty="0">
+              <a:solidFill>
+                <a:schemeClr val="bg2">
+                  <a:lumMod val="25000"/>
+                </a:schemeClr>
+              </a:solidFill>
+            </a:endParaRPr>
           </a:p>
         </p:txBody>
       </p:sp>
